--- a/Powercli/VMwareExplore_2024/CODE1745LV - PowerCLI 301 - Functions Upon Functions.pptx
+++ b/Powercli/VMwareExplore_2024/CODE1745LV - PowerCLI 301 - Functions Upon Functions.pptx
@@ -5,27 +5,25 @@
     <p:sldMasterId id="2147483937" r:id="rId4"/>
   </p:sldMasterIdLst>
   <p:notesMasterIdLst>
-    <p:notesMasterId r:id="rId15"/>
+    <p:notesMasterId r:id="rId13"/>
   </p:notesMasterIdLst>
   <p:handoutMasterIdLst>
-    <p:handoutMasterId r:id="rId16"/>
+    <p:handoutMasterId r:id="rId14"/>
   </p:handoutMasterIdLst>
   <p:sldIdLst>
     <p:sldId id="2147470580" r:id="rId5"/>
     <p:sldId id="2147470579" r:id="rId6"/>
     <p:sldId id="2147470581" r:id="rId7"/>
-    <p:sldId id="2147470577" r:id="rId8"/>
-    <p:sldId id="2147470582" r:id="rId9"/>
-    <p:sldId id="2147470578" r:id="rId10"/>
-    <p:sldId id="2147470583" r:id="rId11"/>
-    <p:sldId id="2026819541" r:id="rId12"/>
-    <p:sldId id="2026819542" r:id="rId13"/>
-    <p:sldId id="2026819543" r:id="rId14"/>
+    <p:sldId id="2147470582" r:id="rId8"/>
+    <p:sldId id="2147470578" r:id="rId9"/>
+    <p:sldId id="2147470583" r:id="rId10"/>
+    <p:sldId id="2026819541" r:id="rId11"/>
+    <p:sldId id="2026819543" r:id="rId12"/>
   </p:sldIdLst>
   <p:sldSz cx="12188825" cy="6858000"/>
   <p:notesSz cx="6858000" cy="9144000"/>
   <p:custDataLst>
-    <p:tags r:id="rId17"/>
+    <p:tags r:id="rId15"/>
   </p:custDataLst>
   <p:defaultTextStyle>
     <a:defPPr>
@@ -130,7 +128,6 @@
             <p14:sldId id="2147470580"/>
             <p14:sldId id="2147470579"/>
             <p14:sldId id="2147470581"/>
-            <p14:sldId id="2147470577"/>
           </p14:sldIdLst>
         </p14:section>
         <p14:section name="Template" id="{095074CF-EC36-8641-8A3E-A95BC79C523F}">
@@ -139,7 +136,6 @@
             <p14:sldId id="2147470578"/>
             <p14:sldId id="2147470583"/>
             <p14:sldId id="2026819541"/>
-            <p14:sldId id="2026819542"/>
             <p14:sldId id="2026819543"/>
           </p14:sldIdLst>
         </p14:section>
@@ -268,7 +264,7 @@
               <a:rPr lang="en-US" smtClean="0">
                 <a:latin typeface="Metropolis" panose="00000500000000000000" pitchFamily="50" charset="0"/>
               </a:rPr>
-              <a:t>6/19/2024</a:t>
+              <a:t>8/9/2024</a:t>
             </a:fld>
             <a:endParaRPr lang="en-US">
               <a:latin typeface="Metropolis" panose="00000500000000000000" pitchFamily="50" charset="0"/>
@@ -446,7 +442,7 @@
             <a:fld id="{3CB6F0DB-E055-41D0-9102-627A646E4242}" type="datetimeFigureOut">
               <a:rPr lang="en-US" smtClean="0"/>
               <a:pPr/>
-              <a:t>6/19/2024</a:t>
+              <a:t>8/9/2024</a:t>
             </a:fld>
             <a:endParaRPr lang="en-US"/>
           </a:p>
@@ -720,91 +716,6 @@
 </p:notesMaster>
 </file>
 
-<file path=ppt/notesSlides/notesSlide1.xml><?xml version="1.0" encoding="utf-8"?>
-<p:notes xmlns:a="http://schemas.openxmlformats.org/drawingml/2006/main" xmlns:r="http://schemas.openxmlformats.org/officeDocument/2006/relationships" xmlns:p="http://schemas.openxmlformats.org/presentationml/2006/main">
-  <p:cSld>
-    <p:spTree>
-      <p:nvGrpSpPr>
-        <p:cNvPr id="1" name=""/>
-        <p:cNvGrpSpPr/>
-        <p:nvPr/>
-      </p:nvGrpSpPr>
-      <p:grpSpPr>
-        <a:xfrm>
-          <a:off x="0" y="0"/>
-          <a:ext cx="0" cy="0"/>
-          <a:chOff x="0" y="0"/>
-          <a:chExt cx="0" cy="0"/>
-        </a:xfrm>
-      </p:grpSpPr>
-      <p:sp>
-        <p:nvSpPr>
-          <p:cNvPr id="2" name="Slide Image Placeholder 1"/>
-          <p:cNvSpPr>
-            <a:spLocks noGrp="1" noRot="1" noChangeAspect="1"/>
-          </p:cNvSpPr>
-          <p:nvPr>
-            <p:ph type="sldImg"/>
-          </p:nvPr>
-        </p:nvSpPr>
-        <p:spPr/>
-      </p:sp>
-      <p:sp>
-        <p:nvSpPr>
-          <p:cNvPr id="3" name="Notes Placeholder 2"/>
-          <p:cNvSpPr>
-            <a:spLocks noGrp="1"/>
-          </p:cNvSpPr>
-          <p:nvPr>
-            <p:ph type="body" idx="1"/>
-          </p:nvPr>
-        </p:nvSpPr>
-        <p:spPr/>
-        <p:txBody>
-          <a:bodyPr/>
-          <a:lstStyle/>
-          <a:p>
-            <a:endParaRPr lang="en-US" dirty="0"/>
-          </a:p>
-        </p:txBody>
-      </p:sp>
-      <p:sp>
-        <p:nvSpPr>
-          <p:cNvPr id="4" name="Slide Number Placeholder 3"/>
-          <p:cNvSpPr>
-            <a:spLocks noGrp="1"/>
-          </p:cNvSpPr>
-          <p:nvPr>
-            <p:ph type="sldNum" sz="quarter" idx="5"/>
-          </p:nvPr>
-        </p:nvSpPr>
-        <p:spPr/>
-        <p:txBody>
-          <a:bodyPr/>
-          <a:lstStyle/>
-          <a:p>
-            <a:fld id="{9F4FBC3A-A12C-40F9-BB8D-BC30C7901396}" type="slidenum">
-              <a:rPr lang="en-US" smtClean="0"/>
-              <a:pPr/>
-              <a:t>9</a:t>
-            </a:fld>
-            <a:endParaRPr lang="en-US" dirty="0"/>
-          </a:p>
-        </p:txBody>
-      </p:sp>
-    </p:spTree>
-    <p:extLst>
-      <p:ext uri="{BB962C8B-B14F-4D97-AF65-F5344CB8AC3E}">
-        <p14:creationId xmlns:p14="http://schemas.microsoft.com/office/powerpoint/2010/main" val="1656509301"/>
-      </p:ext>
-    </p:extLst>
-  </p:cSld>
-  <p:clrMapOvr>
-    <a:masterClrMapping/>
-  </p:clrMapOvr>
-</p:notes>
-</file>
-
 <file path=ppt/slideLayouts/slideLayout1.xml><?xml version="1.0" encoding="utf-8"?>
 <p:sldLayout xmlns:a="http://schemas.openxmlformats.org/drawingml/2006/main" xmlns:r="http://schemas.openxmlformats.org/officeDocument/2006/relationships" xmlns:p="http://schemas.openxmlformats.org/presentationml/2006/main" showMasterSp="0" preserve="1" userDrawn="1">
   <p:cSld name="Title Slide">
@@ -944,7 +855,7 @@
           <a:blip r:embed="rId3">
             <a:extLst>
               <a:ext uri="{96DAC541-7B7A-43D3-8B79-37D633B846F1}">
-                <asvg:svgBlip xmlns:asvg="http://schemas.microsoft.com/office/drawing/2016/SVG/main" xmlns="" r:embed="rId4"/>
+                <asvg:svgBlip xmlns="" xmlns:asvg="http://schemas.microsoft.com/office/drawing/2016/SVG/main" r:embed="rId4"/>
               </a:ext>
             </a:extLst>
           </a:blip>
@@ -1507,7 +1418,7 @@
                 <a16:creationId xmlns:a16="http://schemas.microsoft.com/office/drawing/2014/main" id="{AA1B5F83-A93D-544C-8DB4-B164DBF2F72D}"/>
               </a:ext>
               <a:ext uri="{C183D7F6-B498-43B3-948B-1728B52AA6E4}">
-                <adec:decorative xmlns:adec="http://schemas.microsoft.com/office/drawing/2017/decorative" xmlns="" val="1"/>
+                <adec:decorative xmlns="" xmlns:adec="http://schemas.microsoft.com/office/drawing/2017/decorative" val="1"/>
               </a:ext>
             </a:extLst>
           </p:cNvPr>
@@ -1719,7 +1630,7 @@
                 <a16:creationId xmlns:a16="http://schemas.microsoft.com/office/drawing/2014/main" id="{417D4F8B-2025-D14C-A41E-9C0B401DE6B0}"/>
               </a:ext>
               <a:ext uri="{C183D7F6-B498-43B3-948B-1728B52AA6E4}">
-                <adec:decorative xmlns:adec="http://schemas.microsoft.com/office/drawing/2017/decorative" xmlns="" val="1"/>
+                <adec:decorative xmlns="" xmlns:adec="http://schemas.microsoft.com/office/drawing/2017/decorative" val="1"/>
               </a:ext>
             </a:extLst>
           </p:cNvPr>
@@ -2185,7 +2096,7 @@
                 <a16:creationId xmlns:a16="http://schemas.microsoft.com/office/drawing/2014/main" id="{B164666E-28C9-844E-91D8-ECA2F1E57595}"/>
               </a:ext>
               <a:ext uri="{C183D7F6-B498-43B3-948B-1728B52AA6E4}">
-                <adec:decorative xmlns:adec="http://schemas.microsoft.com/office/drawing/2017/decorative" xmlns="" val="1"/>
+                <adec:decorative xmlns="" xmlns:adec="http://schemas.microsoft.com/office/drawing/2017/decorative" val="1"/>
               </a:ext>
             </a:extLst>
           </p:cNvPr>
@@ -2398,7 +2309,7 @@
                 <a16:creationId xmlns:a16="http://schemas.microsoft.com/office/drawing/2014/main" id="{97B963A1-3810-7A40-8918-6D6D68B4A836}"/>
               </a:ext>
               <a:ext uri="{C183D7F6-B498-43B3-948B-1728B52AA6E4}">
-                <adec:decorative xmlns:adec="http://schemas.microsoft.com/office/drawing/2017/decorative" xmlns="" val="1"/>
+                <adec:decorative xmlns="" xmlns:adec="http://schemas.microsoft.com/office/drawing/2017/decorative" val="1"/>
               </a:ext>
             </a:extLst>
           </p:cNvPr>
@@ -2520,7 +2431,7 @@
                 <a16:creationId xmlns:a16="http://schemas.microsoft.com/office/drawing/2014/main" id="{E17DA4B3-27AC-8A64-FD5E-59AEAE0D8559}"/>
               </a:ext>
               <a:ext uri="{C183D7F6-B498-43B3-948B-1728B52AA6E4}">
-                <adec:decorative xmlns:adec="http://schemas.microsoft.com/office/drawing/2017/decorative" xmlns="" val="1"/>
+                <adec:decorative xmlns="" xmlns:adec="http://schemas.microsoft.com/office/drawing/2017/decorative" val="1"/>
               </a:ext>
             </a:extLst>
           </p:cNvPr>
@@ -3040,7 +2951,7 @@
                 <a16:creationId xmlns:a16="http://schemas.microsoft.com/office/drawing/2014/main" id="{D864AC6E-1611-244C-BA28-696924BAB259}"/>
               </a:ext>
               <a:ext uri="{C183D7F6-B498-43B3-948B-1728B52AA6E4}">
-                <adec:decorative xmlns:adec="http://schemas.microsoft.com/office/drawing/2017/decorative" xmlns="" val="1"/>
+                <adec:decorative xmlns="" xmlns:adec="http://schemas.microsoft.com/office/drawing/2017/decorative" val="1"/>
               </a:ext>
             </a:extLst>
           </p:cNvPr>
@@ -3653,7 +3564,7 @@
                 <a16:creationId xmlns:a16="http://schemas.microsoft.com/office/drawing/2014/main" id="{85B60DB8-F067-969E-72B5-4E90025E5BF8}"/>
               </a:ext>
               <a:ext uri="{C183D7F6-B498-43B3-948B-1728B52AA6E4}">
-                <adec:decorative xmlns:adec="http://schemas.microsoft.com/office/drawing/2017/decorative" xmlns="" val="1"/>
+                <adec:decorative xmlns="" xmlns:adec="http://schemas.microsoft.com/office/drawing/2017/decorative" val="1"/>
               </a:ext>
             </a:extLst>
           </p:cNvPr>
@@ -4156,7 +4067,7 @@
                 <a16:creationId xmlns:a16="http://schemas.microsoft.com/office/drawing/2014/main" id="{F7E2C737-3A4D-924A-88B5-FA4D5C8A07C7}"/>
               </a:ext>
               <a:ext uri="{C183D7F6-B498-43B3-948B-1728B52AA6E4}">
-                <adec:decorative xmlns:adec="http://schemas.microsoft.com/office/drawing/2017/decorative" xmlns="" val="1"/>
+                <adec:decorative xmlns="" xmlns:adec="http://schemas.microsoft.com/office/drawing/2017/decorative" val="1"/>
               </a:ext>
             </a:extLst>
           </p:cNvPr>
@@ -4754,7 +4665,7 @@
                 <a16:creationId xmlns:a16="http://schemas.microsoft.com/office/drawing/2014/main" id="{56D4D92B-574E-4F63-A5BA-8F7282B54C27}"/>
               </a:ext>
               <a:ext uri="{C183D7F6-B498-43B3-948B-1728B52AA6E4}">
-                <adec:decorative xmlns:adec="http://schemas.microsoft.com/office/drawing/2017/decorative" xmlns="" val="1"/>
+                <adec:decorative xmlns="" xmlns:adec="http://schemas.microsoft.com/office/drawing/2017/decorative" val="1"/>
               </a:ext>
             </a:extLst>
           </p:cNvPr>
@@ -4918,7 +4829,7 @@
                 <a16:creationId xmlns:a16="http://schemas.microsoft.com/office/drawing/2014/main" id="{F789B473-DDE6-4450-A111-3761F341AAE3}"/>
               </a:ext>
               <a:ext uri="{C183D7F6-B498-43B3-948B-1728B52AA6E4}">
-                <adec:decorative xmlns:adec="http://schemas.microsoft.com/office/drawing/2017/decorative" xmlns="" val="1"/>
+                <adec:decorative xmlns="" xmlns:adec="http://schemas.microsoft.com/office/drawing/2017/decorative" val="1"/>
               </a:ext>
             </a:extLst>
           </p:cNvPr>
@@ -5428,7 +5339,7 @@
                 <a16:creationId xmlns:a16="http://schemas.microsoft.com/office/drawing/2014/main" id="{14F46384-B6E3-0D43-924E-874DEC2344B1}"/>
               </a:ext>
               <a:ext uri="{C183D7F6-B498-43B3-948B-1728B52AA6E4}">
-                <adec:decorative xmlns:adec="http://schemas.microsoft.com/office/drawing/2017/decorative" xmlns="" val="1"/>
+                <adec:decorative xmlns="" xmlns:adec="http://schemas.microsoft.com/office/drawing/2017/decorative" val="1"/>
               </a:ext>
             </a:extLst>
           </p:cNvPr>
@@ -5575,7 +5486,7 @@
                 <a16:creationId xmlns:a16="http://schemas.microsoft.com/office/drawing/2014/main" id="{33526770-8F35-FB4A-8638-521D0DA87F6C}"/>
               </a:ext>
               <a:ext uri="{C183D7F6-B498-43B3-948B-1728B52AA6E4}">
-                <adec:decorative xmlns:adec="http://schemas.microsoft.com/office/drawing/2017/decorative" xmlns="" val="1"/>
+                <adec:decorative xmlns="" xmlns:adec="http://schemas.microsoft.com/office/drawing/2017/decorative" val="1"/>
               </a:ext>
             </a:extLst>
           </p:cNvPr>
@@ -5722,7 +5633,7 @@
                 <a16:creationId xmlns:a16="http://schemas.microsoft.com/office/drawing/2014/main" id="{73C08A52-2522-8C40-B8B1-C98FEBB888F7}"/>
               </a:ext>
               <a:ext uri="{C183D7F6-B498-43B3-948B-1728B52AA6E4}">
-                <adec:decorative xmlns:adec="http://schemas.microsoft.com/office/drawing/2017/decorative" xmlns="" val="1"/>
+                <adec:decorative xmlns="" xmlns:adec="http://schemas.microsoft.com/office/drawing/2017/decorative" val="1"/>
               </a:ext>
             </a:extLst>
           </p:cNvPr>
@@ -5869,7 +5780,7 @@
                 <a16:creationId xmlns:a16="http://schemas.microsoft.com/office/drawing/2014/main" id="{9B57CCC6-06B1-7342-99B0-BC7C8FBE5E73}"/>
               </a:ext>
               <a:ext uri="{C183D7F6-B498-43B3-948B-1728B52AA6E4}">
-                <adec:decorative xmlns:adec="http://schemas.microsoft.com/office/drawing/2017/decorative" xmlns="" val="1"/>
+                <adec:decorative xmlns="" xmlns:adec="http://schemas.microsoft.com/office/drawing/2017/decorative" val="1"/>
               </a:ext>
             </a:extLst>
           </p:cNvPr>
@@ -6016,7 +5927,7 @@
                 <a16:creationId xmlns:a16="http://schemas.microsoft.com/office/drawing/2014/main" id="{23C87E7C-5ED2-214E-8A38-ED05177A65DC}"/>
               </a:ext>
               <a:ext uri="{C183D7F6-B498-43B3-948B-1728B52AA6E4}">
-                <adec:decorative xmlns:adec="http://schemas.microsoft.com/office/drawing/2017/decorative" xmlns="" val="1"/>
+                <adec:decorative xmlns="" xmlns:adec="http://schemas.microsoft.com/office/drawing/2017/decorative" val="1"/>
               </a:ext>
             </a:extLst>
           </p:cNvPr>
@@ -6785,7 +6696,7 @@
                 <a16:creationId xmlns:a16="http://schemas.microsoft.com/office/drawing/2014/main" id="{5CABBF0D-1BD1-F9E7-64FF-6B8D87E611B7}"/>
               </a:ext>
               <a:ext uri="{C183D7F6-B498-43B3-948B-1728B52AA6E4}">
-                <adec:decorative xmlns:adec="http://schemas.microsoft.com/office/drawing/2017/decorative" xmlns="" val="1"/>
+                <adec:decorative xmlns="" xmlns:adec="http://schemas.microsoft.com/office/drawing/2017/decorative" val="1"/>
               </a:ext>
             </a:extLst>
           </p:cNvPr>
@@ -7245,7 +7156,7 @@
                 <a16:creationId xmlns:a16="http://schemas.microsoft.com/office/drawing/2014/main" id="{B1C210DC-5DBB-4F0D-875F-CD8AAAB938CE}"/>
               </a:ext>
               <a:ext uri="{C183D7F6-B498-43B3-948B-1728B52AA6E4}">
-                <adec:decorative xmlns:adec="http://schemas.microsoft.com/office/drawing/2017/decorative" xmlns="" val="1"/>
+                <adec:decorative xmlns="" xmlns:adec="http://schemas.microsoft.com/office/drawing/2017/decorative" val="1"/>
               </a:ext>
             </a:extLst>
           </p:cNvPr>
@@ -7444,7 +7355,7 @@
                 <a16:creationId xmlns:a16="http://schemas.microsoft.com/office/drawing/2014/main" id="{6FECF9D0-D7A8-43DD-B38D-E1090C0B322F}"/>
               </a:ext>
               <a:ext uri="{C183D7F6-B498-43B3-948B-1728B52AA6E4}">
-                <adec:decorative xmlns:adec="http://schemas.microsoft.com/office/drawing/2017/decorative" xmlns="" val="1"/>
+                <adec:decorative xmlns="" xmlns:adec="http://schemas.microsoft.com/office/drawing/2017/decorative" val="1"/>
               </a:ext>
             </a:extLst>
           </p:cNvPr>
@@ -7657,7 +7568,7 @@
                 <a16:creationId xmlns:a16="http://schemas.microsoft.com/office/drawing/2014/main" id="{446F04B0-7860-407F-85B7-42E38FAFE34B}"/>
               </a:ext>
               <a:ext uri="{C183D7F6-B498-43B3-948B-1728B52AA6E4}">
-                <adec:decorative xmlns:adec="http://schemas.microsoft.com/office/drawing/2017/decorative" xmlns="" val="1"/>
+                <adec:decorative xmlns="" xmlns:adec="http://schemas.microsoft.com/office/drawing/2017/decorative" val="1"/>
               </a:ext>
             </a:extLst>
           </p:cNvPr>
@@ -8084,7 +7995,7 @@
                 <a16:creationId xmlns:a16="http://schemas.microsoft.com/office/drawing/2014/main" id="{085441A7-EBA5-4ABB-8D29-CE4338F0F9B5}"/>
               </a:ext>
               <a:ext uri="{C183D7F6-B498-43B3-948B-1728B52AA6E4}">
-                <adec:decorative xmlns:adec="http://schemas.microsoft.com/office/drawing/2017/decorative" xmlns="" val="1"/>
+                <adec:decorative xmlns="" xmlns:adec="http://schemas.microsoft.com/office/drawing/2017/decorative" val="1"/>
               </a:ext>
             </a:extLst>
           </p:cNvPr>
@@ -8301,7 +8212,7 @@
                 <a16:creationId xmlns:a16="http://schemas.microsoft.com/office/drawing/2014/main" id="{45D908EF-1F96-4808-A8DB-F55AB9E8E436}"/>
               </a:ext>
               <a:ext uri="{C183D7F6-B498-43B3-948B-1728B52AA6E4}">
-                <adec:decorative xmlns:adec="http://schemas.microsoft.com/office/drawing/2017/decorative" xmlns="" val="1"/>
+                <adec:decorative xmlns="" xmlns:adec="http://schemas.microsoft.com/office/drawing/2017/decorative" val="1"/>
               </a:ext>
             </a:extLst>
           </p:cNvPr>
@@ -8514,7 +8425,7 @@
                 <a16:creationId xmlns:a16="http://schemas.microsoft.com/office/drawing/2014/main" id="{5670C03F-6336-45E3-A9F4-0CD130D80D1B}"/>
               </a:ext>
               <a:ext uri="{C183D7F6-B498-43B3-948B-1728B52AA6E4}">
-                <adec:decorative xmlns:adec="http://schemas.microsoft.com/office/drawing/2017/decorative" xmlns="" val="1"/>
+                <adec:decorative xmlns="" xmlns:adec="http://schemas.microsoft.com/office/drawing/2017/decorative" val="1"/>
               </a:ext>
             </a:extLst>
           </p:cNvPr>
@@ -8727,7 +8638,7 @@
                 <a16:creationId xmlns:a16="http://schemas.microsoft.com/office/drawing/2014/main" id="{3019BB56-AE7C-42CA-A8FF-432F4F176B8B}"/>
               </a:ext>
               <a:ext uri="{C183D7F6-B498-43B3-948B-1728B52AA6E4}">
-                <adec:decorative xmlns:adec="http://schemas.microsoft.com/office/drawing/2017/decorative" xmlns="" val="1"/>
+                <adec:decorative xmlns="" xmlns:adec="http://schemas.microsoft.com/office/drawing/2017/decorative" val="1"/>
               </a:ext>
             </a:extLst>
           </p:cNvPr>
@@ -9154,7 +9065,7 @@
                 <a16:creationId xmlns:a16="http://schemas.microsoft.com/office/drawing/2014/main" id="{A1FDF9D3-5B68-4A75-97BF-2C5113CFAA66}"/>
               </a:ext>
               <a:ext uri="{C183D7F6-B498-43B3-948B-1728B52AA6E4}">
-                <adec:decorative xmlns:adec="http://schemas.microsoft.com/office/drawing/2017/decorative" xmlns="" val="1"/>
+                <adec:decorative xmlns="" xmlns:adec="http://schemas.microsoft.com/office/drawing/2017/decorative" val="1"/>
               </a:ext>
             </a:extLst>
           </p:cNvPr>
@@ -9353,7 +9264,7 @@
                 <a16:creationId xmlns:a16="http://schemas.microsoft.com/office/drawing/2014/main" id="{C551C90A-573F-4E4A-9359-5C7B0F546BF9}"/>
               </a:ext>
               <a:ext uri="{C183D7F6-B498-43B3-948B-1728B52AA6E4}">
-                <adec:decorative xmlns:adec="http://schemas.microsoft.com/office/drawing/2017/decorative" xmlns="" val="1"/>
+                <adec:decorative xmlns="" xmlns:adec="http://schemas.microsoft.com/office/drawing/2017/decorative" val="1"/>
               </a:ext>
             </a:extLst>
           </p:cNvPr>
@@ -9555,7 +9466,7 @@
                 <a16:creationId xmlns:a16="http://schemas.microsoft.com/office/drawing/2014/main" id="{AF79E162-3D8F-4829-A4AD-02A03597B11A}"/>
               </a:ext>
               <a:ext uri="{C183D7F6-B498-43B3-948B-1728B52AA6E4}">
-                <adec:decorative xmlns:adec="http://schemas.microsoft.com/office/drawing/2017/decorative" xmlns="" val="1"/>
+                <adec:decorative xmlns="" xmlns:adec="http://schemas.microsoft.com/office/drawing/2017/decorative" val="1"/>
               </a:ext>
             </a:extLst>
           </p:cNvPr>
@@ -9768,7 +9679,7 @@
                 <a16:creationId xmlns:a16="http://schemas.microsoft.com/office/drawing/2014/main" id="{026B9B36-08E7-4664-970C-13123F24C793}"/>
               </a:ext>
               <a:ext uri="{C183D7F6-B498-43B3-948B-1728B52AA6E4}">
-                <adec:decorative xmlns:adec="http://schemas.microsoft.com/office/drawing/2017/decorative" xmlns="" val="1"/>
+                <adec:decorative xmlns="" xmlns:adec="http://schemas.microsoft.com/office/drawing/2017/decorative" val="1"/>
               </a:ext>
             </a:extLst>
           </p:cNvPr>
@@ -9985,7 +9896,7 @@
                 <a16:creationId xmlns:a16="http://schemas.microsoft.com/office/drawing/2014/main" id="{7EAB1992-E472-4489-8A4E-A8FE45DE10CF}"/>
               </a:ext>
               <a:ext uri="{C183D7F6-B498-43B3-948B-1728B52AA6E4}">
-                <adec:decorative xmlns:adec="http://schemas.microsoft.com/office/drawing/2017/decorative" xmlns="" val="1"/>
+                <adec:decorative xmlns="" xmlns:adec="http://schemas.microsoft.com/office/drawing/2017/decorative" val="1"/>
               </a:ext>
             </a:extLst>
           </p:cNvPr>
@@ -10559,7 +10470,7 @@
           <a:blip r:embed="rId3">
             <a:extLst>
               <a:ext uri="{96DAC541-7B7A-43D3-8B79-37D633B846F1}">
-                <asvg:svgBlip xmlns:asvg="http://schemas.microsoft.com/office/drawing/2016/SVG/main" xmlns="" r:embed="rId4"/>
+                <asvg:svgBlip xmlns="" xmlns:asvg="http://schemas.microsoft.com/office/drawing/2016/SVG/main" r:embed="rId4"/>
               </a:ext>
             </a:extLst>
           </a:blip>
@@ -10744,7 +10655,7 @@
           <a:blip r:embed="rId3">
             <a:extLst>
               <a:ext uri="{96DAC541-7B7A-43D3-8B79-37D633B846F1}">
-                <asvg:svgBlip xmlns:asvg="http://schemas.microsoft.com/office/drawing/2016/SVG/main" xmlns="" r:embed="rId4"/>
+                <asvg:svgBlip xmlns="" xmlns:asvg="http://schemas.microsoft.com/office/drawing/2016/SVG/main" r:embed="rId4"/>
               </a:ext>
             </a:extLst>
           </a:blip>
@@ -11006,7 +10917,7 @@
           <a:blip r:embed="rId2">
             <a:extLst>
               <a:ext uri="{96DAC541-7B7A-43D3-8B79-37D633B846F1}">
-                <asvg:svgBlip xmlns:asvg="http://schemas.microsoft.com/office/drawing/2016/SVG/main" xmlns="" r:embed="rId3"/>
+                <asvg:svgBlip xmlns="" xmlns:asvg="http://schemas.microsoft.com/office/drawing/2016/SVG/main" r:embed="rId3"/>
               </a:ext>
             </a:extLst>
           </a:blip>
@@ -11259,7 +11170,7 @@
                 <a16:creationId xmlns:a16="http://schemas.microsoft.com/office/drawing/2014/main" id="{B59E37DB-3217-4772-AE8E-E9673A139975}"/>
               </a:ext>
               <a:ext uri="{C183D7F6-B498-43B3-948B-1728B52AA6E4}">
-                <adec:decorative xmlns:adec="http://schemas.microsoft.com/office/drawing/2017/decorative" xmlns="" val="1"/>
+                <adec:decorative xmlns="" xmlns:adec="http://schemas.microsoft.com/office/drawing/2017/decorative" val="1"/>
               </a:ext>
             </a:extLst>
           </p:cNvPr>
@@ -11308,7 +11219,7 @@
                 <a16:creationId xmlns:a16="http://schemas.microsoft.com/office/drawing/2014/main" id="{F0DFE264-D676-EA48-BBA7-F4F0331FA268}"/>
               </a:ext>
               <a:ext uri="{C183D7F6-B498-43B3-948B-1728B52AA6E4}">
-                <adec:decorative xmlns:adec="http://schemas.microsoft.com/office/drawing/2017/decorative" xmlns="" val="1"/>
+                <adec:decorative xmlns="" xmlns:adec="http://schemas.microsoft.com/office/drawing/2017/decorative" val="1"/>
               </a:ext>
             </a:extLst>
           </p:cNvPr>
@@ -11411,7 +11322,7 @@
                 <a16:creationId xmlns:a16="http://schemas.microsoft.com/office/drawing/2014/main" id="{A0BB7D6E-2488-A644-A910-415B17221FBC}"/>
               </a:ext>
               <a:ext uri="{C183D7F6-B498-43B3-948B-1728B52AA6E4}">
-                <adec:decorative xmlns:adec="http://schemas.microsoft.com/office/drawing/2017/decorative" xmlns="" val="1"/>
+                <adec:decorative xmlns="" xmlns:adec="http://schemas.microsoft.com/office/drawing/2017/decorative" val="1"/>
               </a:ext>
             </a:extLst>
           </p:cNvPr>
@@ -16360,7 +16271,7 @@
           <a:blip r:embed="rId2">
             <a:extLst>
               <a:ext uri="{96DAC541-7B7A-43D3-8B79-37D633B846F1}">
-                <asvg:svgBlip xmlns:asvg="http://schemas.microsoft.com/office/drawing/2016/SVG/main" xmlns="" r:embed="rId3"/>
+                <asvg:svgBlip xmlns="" xmlns:asvg="http://schemas.microsoft.com/office/drawing/2016/SVG/main" r:embed="rId3"/>
               </a:ext>
             </a:extLst>
           </a:blip>
@@ -18919,7 +18830,7 @@
           <a:blip r:embed="rId28">
             <a:extLst>
               <a:ext uri="{96DAC541-7B7A-43D3-8B79-37D633B846F1}">
-                <asvg:svgBlip xmlns:asvg="http://schemas.microsoft.com/office/drawing/2016/SVG/main" xmlns="" r:embed="rId29"/>
+                <asvg:svgBlip xmlns="" xmlns:asvg="http://schemas.microsoft.com/office/drawing/2016/SVG/main" r:embed="rId29"/>
               </a:ext>
             </a:extLst>
           </a:blip>
@@ -20366,201 +20277,6 @@
 </p:sld>
 </file>
 
-<file path=ppt/slides/slide10.xml><?xml version="1.0" encoding="utf-8"?>
-<p:sld xmlns:a="http://schemas.openxmlformats.org/drawingml/2006/main" xmlns:r="http://schemas.openxmlformats.org/officeDocument/2006/relationships" xmlns:p="http://schemas.openxmlformats.org/presentationml/2006/main">
-  <p:cSld>
-    <p:spTree>
-      <p:nvGrpSpPr>
-        <p:cNvPr id="1" name=""/>
-        <p:cNvGrpSpPr/>
-        <p:nvPr/>
-      </p:nvGrpSpPr>
-      <p:grpSpPr>
-        <a:xfrm>
-          <a:off x="0" y="0"/>
-          <a:ext cx="0" cy="0"/>
-          <a:chOff x="0" y="0"/>
-          <a:chExt cx="0" cy="0"/>
-        </a:xfrm>
-      </p:grpSpPr>
-      <p:sp>
-        <p:nvSpPr>
-          <p:cNvPr id="2" name="Title 1">
-            <a:extLst>
-              <a:ext uri="{FF2B5EF4-FFF2-40B4-BE49-F238E27FC236}">
-                <a16:creationId xmlns:a16="http://schemas.microsoft.com/office/drawing/2014/main" id="{8EB89D28-96EC-2EFE-AC89-524B0B698CEA}"/>
-              </a:ext>
-            </a:extLst>
-          </p:cNvPr>
-          <p:cNvSpPr>
-            <a:spLocks noGrp="1"/>
-          </p:cNvSpPr>
-          <p:nvPr>
-            <p:ph type="title"/>
-          </p:nvPr>
-        </p:nvSpPr>
-        <p:spPr>
-          <a:xfrm>
-            <a:off x="593766" y="3014482"/>
-            <a:ext cx="5933158" cy="1229360"/>
-          </a:xfrm>
-        </p:spPr>
-        <p:txBody>
-          <a:bodyPr/>
-          <a:lstStyle/>
-          <a:p>
-            <a:r>
-              <a:rPr lang="en-US" sz="6000" dirty="0">
-                <a:solidFill>
-                  <a:schemeClr val="bg1"/>
-                </a:solidFill>
-              </a:rPr>
-              <a:t>Thank You</a:t>
-            </a:r>
-            <a:endParaRPr lang="en-US" sz="6000" dirty="0"/>
-          </a:p>
-        </p:txBody>
-      </p:sp>
-      <p:sp>
-        <p:nvSpPr>
-          <p:cNvPr id="3" name="Subtitle 2">
-            <a:extLst>
-              <a:ext uri="{FF2B5EF4-FFF2-40B4-BE49-F238E27FC236}">
-                <a16:creationId xmlns:a16="http://schemas.microsoft.com/office/drawing/2014/main" id="{24BA032B-EB3B-30B3-4A0C-F7F8E9F7E1F2}"/>
-              </a:ext>
-            </a:extLst>
-          </p:cNvPr>
-          <p:cNvSpPr>
-            <a:spLocks noGrp="1"/>
-          </p:cNvSpPr>
-          <p:nvPr>
-            <p:ph type="subTitle" idx="10"/>
-          </p:nvPr>
-        </p:nvSpPr>
-        <p:spPr>
-          <a:xfrm>
-            <a:off x="593766" y="4389699"/>
-            <a:ext cx="5933158" cy="700882"/>
-          </a:xfrm>
-        </p:spPr>
-        <p:txBody>
-          <a:bodyPr/>
-          <a:lstStyle/>
-          <a:p>
-            <a:r>
-              <a:rPr lang="en-US" dirty="0"/>
-              <a:t>Text</a:t>
-            </a:r>
-          </a:p>
-          <a:p>
-            <a:endParaRPr lang="en-US" dirty="0"/>
-          </a:p>
-        </p:txBody>
-      </p:sp>
-      <p:sp>
-        <p:nvSpPr>
-          <p:cNvPr id="4" name="TextBox 3">
-            <a:extLst>
-              <a:ext uri="{FF2B5EF4-FFF2-40B4-BE49-F238E27FC236}">
-                <a16:creationId xmlns:a16="http://schemas.microsoft.com/office/drawing/2014/main" id="{21E80DEF-AAB8-394B-CDEF-171E89BE9920}"/>
-              </a:ext>
-            </a:extLst>
-          </p:cNvPr>
-          <p:cNvSpPr txBox="1"/>
-          <p:nvPr/>
-        </p:nvSpPr>
-        <p:spPr>
-          <a:xfrm>
-            <a:off x="588494" y="6395860"/>
-            <a:ext cx="3855223" cy="215444"/>
-          </a:xfrm>
-          <a:prstGeom prst="rect">
-            <a:avLst/>
-          </a:prstGeom>
-          <a:noFill/>
-        </p:spPr>
-        <p:txBody>
-          <a:bodyPr wrap="none" lIns="0" tIns="0" rIns="0" bIns="0" rtlCol="0">
-            <a:spAutoFit/>
-          </a:bodyPr>
-          <a:lstStyle/>
-          <a:p>
-            <a:pPr algn="l">
-              <a:lnSpc>
-                <a:spcPct val="100000"/>
-              </a:lnSpc>
-            </a:pPr>
-            <a:r>
-              <a:rPr lang="en-US" sz="700" spc="0" baseline="0" dirty="0">
-                <a:ln/>
-                <a:solidFill>
-                  <a:schemeClr val="bg1"/>
-                </a:solidFill>
-                <a:latin typeface="Metropolis-Regular"/>
-                <a:sym typeface="Metropolis-Regular"/>
-                <a:rtl val="0"/>
-              </a:rPr>
-              <a:t>Broadcom Proprietary and Confidential. Copyright © 2024 Broadcom. </a:t>
-            </a:r>
-          </a:p>
-          <a:p>
-            <a:pPr marL="0" marR="0" lvl="0" indent="0" algn="l" defTabSz="914400" rtl="0" eaLnBrk="1" fontAlgn="auto" latinLnBrk="0" hangingPunct="1">
-              <a:lnSpc>
-                <a:spcPct val="100000"/>
-              </a:lnSpc>
-              <a:spcBef>
-                <a:spcPts val="0"/>
-              </a:spcBef>
-              <a:spcAft>
-                <a:spcPts val="0"/>
-              </a:spcAft>
-              <a:buClrTx/>
-              <a:buSzTx/>
-              <a:buFontTx/>
-              <a:buNone/>
-              <a:tabLst/>
-              <a:defRPr/>
-            </a:pPr>
-            <a:r>
-              <a:rPr lang="en-US" sz="700" spc="0" baseline="0" dirty="0">
-                <a:ln/>
-                <a:solidFill>
-                  <a:schemeClr val="bg1"/>
-                </a:solidFill>
-                <a:latin typeface="Metropolis-Regular"/>
-                <a:sym typeface="Metropolis-Regular"/>
-                <a:rtl val="0"/>
-              </a:rPr>
-              <a:t>All Rights Reserved. The term “Broadcom” refers to Broadcom Inc. and/or its subsidiaries.</a:t>
-            </a:r>
-          </a:p>
-        </p:txBody>
-      </p:sp>
-    </p:spTree>
-    <p:extLst>
-      <p:ext uri="{BB962C8B-B14F-4D97-AF65-F5344CB8AC3E}">
-        <p14:creationId xmlns:p14="http://schemas.microsoft.com/office/powerpoint/2010/main" val="4140715204"/>
-      </p:ext>
-    </p:extLst>
-  </p:cSld>
-  <p:clrMapOvr>
-    <a:masterClrMapping/>
-  </p:clrMapOvr>
-  <mc:AlternateContent xmlns:mc="http://schemas.openxmlformats.org/markup-compatibility/2006" xmlns:p14="http://schemas.microsoft.com/office/powerpoint/2010/main">
-    <mc:Choice Requires="p14">
-      <p:transition spd="med" p14:dur="700">
-        <p:fade/>
-      </p:transition>
-    </mc:Choice>
-    <mc:Fallback xmlns="">
-      <p:transition spd="med">
-        <p:fade/>
-      </p:transition>
-    </mc:Fallback>
-  </mc:AlternateContent>
-</p:sld>
-</file>
-
 <file path=ppt/slides/slide2.xml><?xml version="1.0" encoding="utf-8"?>
 <p:sld xmlns:a="http://schemas.openxmlformats.org/drawingml/2006/main" xmlns:r="http://schemas.openxmlformats.org/officeDocument/2006/relationships" xmlns:p="http://schemas.openxmlformats.org/presentationml/2006/main" show="0">
   <p:cSld>
@@ -21855,7 +21571,7 @@
 </file>
 
 <file path=ppt/slides/slide4.xml><?xml version="1.0" encoding="utf-8"?>
-<p:sld xmlns:a="http://schemas.openxmlformats.org/drawingml/2006/main" xmlns:r="http://schemas.openxmlformats.org/officeDocument/2006/relationships" xmlns:p="http://schemas.openxmlformats.org/presentationml/2006/main" show="0">
+<p:sld xmlns:a="http://schemas.openxmlformats.org/drawingml/2006/main" xmlns:r="http://schemas.openxmlformats.org/officeDocument/2006/relationships" xmlns:p="http://schemas.openxmlformats.org/presentationml/2006/main">
   <p:cSld>
     <p:spTree>
       <p:nvGrpSpPr>
@@ -21873,10 +21589,97 @@
       </p:grpSpPr>
       <p:sp>
         <p:nvSpPr>
-          <p:cNvPr id="2" name="Title 1">
+          <p:cNvPr id="13" name="Text Placeholder 12">
             <a:extLst>
               <a:ext uri="{FF2B5EF4-FFF2-40B4-BE49-F238E27FC236}">
-                <a16:creationId xmlns:a16="http://schemas.microsoft.com/office/drawing/2014/main" id="{61BBD50C-D47A-20CC-E6F1-C270E713D952}"/>
+                <a16:creationId xmlns:a16="http://schemas.microsoft.com/office/drawing/2014/main" id="{222FB045-4DAE-A1C8-DF9F-B4AA0ED41E3E}"/>
+              </a:ext>
+            </a:extLst>
+          </p:cNvPr>
+          <p:cNvSpPr>
+            <a:spLocks noGrp="1"/>
+          </p:cNvSpPr>
+          <p:nvPr>
+            <p:ph type="body" sz="quarter" idx="11"/>
+          </p:nvPr>
+        </p:nvSpPr>
+        <p:spPr/>
+        <p:txBody>
+          <a:bodyPr/>
+          <a:lstStyle/>
+          <a:p>
+            <a:r>
+              <a:rPr lang="en-US" dirty="0" smtClean="0"/>
+              <a:t>Justin Sider</a:t>
+            </a:r>
+            <a:endParaRPr lang="en-US" dirty="0"/>
+          </a:p>
+        </p:txBody>
+      </p:sp>
+      <p:sp>
+        <p:nvSpPr>
+          <p:cNvPr id="14" name="Text Placeholder 13">
+            <a:extLst>
+              <a:ext uri="{FF2B5EF4-FFF2-40B4-BE49-F238E27FC236}">
+                <a16:creationId xmlns:a16="http://schemas.microsoft.com/office/drawing/2014/main" id="{C02107BA-34B4-85E7-3812-729A10DEF8A7}"/>
+              </a:ext>
+            </a:extLst>
+          </p:cNvPr>
+          <p:cNvSpPr>
+            <a:spLocks noGrp="1"/>
+          </p:cNvSpPr>
+          <p:nvPr>
+            <p:ph type="body" sz="quarter" idx="12"/>
+          </p:nvPr>
+        </p:nvSpPr>
+        <p:spPr/>
+        <p:txBody>
+          <a:bodyPr/>
+          <a:lstStyle/>
+          <a:p>
+            <a:r>
+              <a:rPr lang="en-US" dirty="0" smtClean="0"/>
+              <a:t>Chief PowerShell Officer – Belay Technologies</a:t>
+            </a:r>
+            <a:endParaRPr lang="en-US" dirty="0"/>
+          </a:p>
+        </p:txBody>
+      </p:sp>
+      <p:sp>
+        <p:nvSpPr>
+          <p:cNvPr id="15" name="Text Placeholder 14">
+            <a:extLst>
+              <a:ext uri="{FF2B5EF4-FFF2-40B4-BE49-F238E27FC236}">
+                <a16:creationId xmlns:a16="http://schemas.microsoft.com/office/drawing/2014/main" id="{E4890F4D-2A2A-476E-87B3-B4740C3D18E2}"/>
+              </a:ext>
+            </a:extLst>
+          </p:cNvPr>
+          <p:cNvSpPr>
+            <a:spLocks noGrp="1"/>
+          </p:cNvSpPr>
+          <p:nvPr>
+            <p:ph type="body" sz="quarter" idx="14"/>
+          </p:nvPr>
+        </p:nvSpPr>
+        <p:spPr/>
+        <p:txBody>
+          <a:bodyPr/>
+          <a:lstStyle/>
+          <a:p>
+            <a:r>
+              <a:rPr lang="en-US" dirty="0"/>
+              <a:t># CODE1745LV</a:t>
+            </a:r>
+            <a:endParaRPr lang="en-US" dirty="0"/>
+          </a:p>
+        </p:txBody>
+      </p:sp>
+      <p:sp>
+        <p:nvSpPr>
+          <p:cNvPr id="8" name="Title 4" title="Title">
+            <a:extLst>
+              <a:ext uri="{FF2B5EF4-FFF2-40B4-BE49-F238E27FC236}">
+                <a16:creationId xmlns:a16="http://schemas.microsoft.com/office/drawing/2014/main" id="{6AF36ABC-9C30-E49E-A919-AC10E0F93B73}"/>
               </a:ext>
             </a:extLst>
           </p:cNvPr>
@@ -21892,16 +21695,24 @@
           <a:bodyPr/>
           <a:lstStyle/>
           <a:p>
-            <a:endParaRPr lang="en-US"/>
+            <a:r>
+              <a:rPr lang="en-US" sz="4000" dirty="0" err="1" smtClean="0"/>
+              <a:t>PowerCLI</a:t>
+            </a:r>
+            <a:r>
+              <a:rPr lang="en-US" sz="4000" dirty="0" smtClean="0"/>
+              <a:t> 301</a:t>
+            </a:r>
+            <a:endParaRPr lang="en-US" dirty="0"/>
           </a:p>
         </p:txBody>
       </p:sp>
       <p:sp>
         <p:nvSpPr>
-          <p:cNvPr id="3" name="Subtitle 2">
+          <p:cNvPr id="9" name="Subtitle 5" title="Subtitle">
             <a:extLst>
               <a:ext uri="{FF2B5EF4-FFF2-40B4-BE49-F238E27FC236}">
-                <a16:creationId xmlns:a16="http://schemas.microsoft.com/office/drawing/2014/main" id="{95EF5967-220B-5169-0BB7-AA56F9CC275C}"/>
+                <a16:creationId xmlns:a16="http://schemas.microsoft.com/office/drawing/2014/main" id="{5C458ECF-94C9-BC18-C2C8-2A294DE58AE8}"/>
               </a:ext>
             </a:extLst>
           </p:cNvPr>
@@ -21909,7 +21720,49 @@
             <a:spLocks noGrp="1"/>
           </p:cNvSpPr>
           <p:nvPr>
-            <p:ph type="subTitle" idx="10"/>
+            <p:ph type="subTitle" idx="4294967295"/>
+          </p:nvPr>
+        </p:nvSpPr>
+        <p:spPr>
+          <a:xfrm>
+            <a:off x="588494" y="4446003"/>
+            <a:ext cx="5505917" cy="416403"/>
+          </a:xfrm>
+        </p:spPr>
+        <p:txBody>
+          <a:bodyPr/>
+          <a:lstStyle/>
+          <a:p>
+            <a:r>
+              <a:rPr lang="en-US" dirty="0" smtClean="0">
+                <a:solidFill>
+                  <a:schemeClr val="bg1"/>
+                </a:solidFill>
+              </a:rPr>
+              <a:t>Functions upon Functions</a:t>
+            </a:r>
+            <a:endParaRPr lang="en-US" dirty="0">
+              <a:solidFill>
+                <a:schemeClr val="bg1"/>
+              </a:solidFill>
+            </a:endParaRPr>
+          </a:p>
+        </p:txBody>
+      </p:sp>
+      <p:sp>
+        <p:nvSpPr>
+          <p:cNvPr id="16" name="Text Placeholder 15">
+            <a:extLst>
+              <a:ext uri="{FF2B5EF4-FFF2-40B4-BE49-F238E27FC236}">
+                <a16:creationId xmlns:a16="http://schemas.microsoft.com/office/drawing/2014/main" id="{BF074FE7-E33A-7CFF-F7B5-3B08607D6660}"/>
+              </a:ext>
+            </a:extLst>
+          </p:cNvPr>
+          <p:cNvSpPr>
+            <a:spLocks noGrp="1"/>
+          </p:cNvSpPr>
+          <p:nvPr>
+            <p:ph type="body" sz="quarter" idx="15"/>
           </p:nvPr>
         </p:nvSpPr>
         <p:spPr/>
@@ -21917,64 +21770,97 @@
           <a:bodyPr/>
           <a:lstStyle/>
           <a:p>
+            <a:r>
+              <a:rPr lang="en-US" dirty="0" smtClean="0"/>
+              <a:t>CODE1745LV</a:t>
+            </a:r>
             <a:endParaRPr lang="en-US" dirty="0"/>
           </a:p>
         </p:txBody>
       </p:sp>
       <p:sp>
         <p:nvSpPr>
-          <p:cNvPr id="4" name="Text Placeholder 3">
+          <p:cNvPr id="2" name="TextBox 1">
             <a:extLst>
               <a:ext uri="{FF2B5EF4-FFF2-40B4-BE49-F238E27FC236}">
-                <a16:creationId xmlns:a16="http://schemas.microsoft.com/office/drawing/2014/main" id="{4E1B46B0-8B3F-FC6D-D991-49C3BE248DB9}"/>
+                <a16:creationId xmlns:a16="http://schemas.microsoft.com/office/drawing/2014/main" id="{918E8234-B800-C09A-FE76-981EEA56F954}"/>
               </a:ext>
             </a:extLst>
           </p:cNvPr>
-          <p:cNvSpPr>
-            <a:spLocks noGrp="1"/>
-          </p:cNvSpPr>
-          <p:nvPr>
-            <p:ph type="body" sz="quarter" idx="12"/>
-          </p:nvPr>
+          <p:cNvSpPr txBox="1"/>
+          <p:nvPr/>
         </p:nvSpPr>
-        <p:spPr/>
+        <p:spPr>
+          <a:xfrm>
+            <a:off x="588494" y="6395860"/>
+            <a:ext cx="3855223" cy="215444"/>
+          </a:xfrm>
+          <a:prstGeom prst="rect">
+            <a:avLst/>
+          </a:prstGeom>
+          <a:noFill/>
+        </p:spPr>
         <p:txBody>
-          <a:bodyPr/>
+          <a:bodyPr wrap="none" lIns="0" tIns="0" rIns="0" bIns="0" rtlCol="0">
+            <a:spAutoFit/>
+          </a:bodyPr>
           <a:lstStyle/>
           <a:p>
-            <a:endParaRPr lang="en-US" dirty="0"/>
-          </a:p>
-        </p:txBody>
-      </p:sp>
-      <p:sp>
-        <p:nvSpPr>
-          <p:cNvPr id="5" name="Text Placeholder 4">
-            <a:extLst>
-              <a:ext uri="{FF2B5EF4-FFF2-40B4-BE49-F238E27FC236}">
-                <a16:creationId xmlns:a16="http://schemas.microsoft.com/office/drawing/2014/main" id="{8E93427D-9CB4-A44D-35EC-0DE1989F5A84}"/>
-              </a:ext>
-            </a:extLst>
-          </p:cNvPr>
-          <p:cNvSpPr>
-            <a:spLocks noGrp="1"/>
-          </p:cNvSpPr>
-          <p:nvPr>
-            <p:ph type="body" sz="quarter" idx="13"/>
-          </p:nvPr>
-        </p:nvSpPr>
-        <p:spPr/>
-        <p:txBody>
-          <a:bodyPr/>
-          <a:lstStyle/>
-          <a:p>
-            <a:endParaRPr lang="en-US"/>
+            <a:pPr algn="l">
+              <a:lnSpc>
+                <a:spcPct val="100000"/>
+              </a:lnSpc>
+            </a:pPr>
+            <a:r>
+              <a:rPr lang="en-US" sz="700" spc="0" baseline="0" dirty="0">
+                <a:ln/>
+                <a:solidFill>
+                  <a:schemeClr val="bg1"/>
+                </a:solidFill>
+                <a:latin typeface="Metropolis-Regular"/>
+                <a:sym typeface="Metropolis-Regular"/>
+                <a:rtl val="0"/>
+              </a:rPr>
+              <a:t>Broadcom Proprietary and Confidential. Copyright © 2024 Broadcom. </a:t>
+            </a:r>
+          </a:p>
+          <a:p>
+            <a:pPr marL="0" marR="0" lvl="0" indent="0" algn="l" defTabSz="914400" rtl="0" eaLnBrk="1" fontAlgn="auto" latinLnBrk="0" hangingPunct="1">
+              <a:lnSpc>
+                <a:spcPct val="100000"/>
+              </a:lnSpc>
+              <a:spcBef>
+                <a:spcPts val="0"/>
+              </a:spcBef>
+              <a:spcAft>
+                <a:spcPts val="0"/>
+              </a:spcAft>
+              <a:buClrTx/>
+              <a:buSzTx/>
+              <a:buFontTx/>
+              <a:buNone/>
+              <a:tabLst/>
+              <a:defRPr/>
+            </a:pPr>
+            <a:r>
+              <a:rPr lang="en-US" sz="700" spc="0" baseline="0" dirty="0">
+                <a:ln/>
+                <a:solidFill>
+                  <a:schemeClr val="bg1"/>
+                </a:solidFill>
+                <a:latin typeface="Metropolis-Regular"/>
+                <a:sym typeface="Metropolis-Regular"/>
+                <a:rtl val="0"/>
+              </a:rPr>
+              <a:t>All Rights Reserved. The term “Broadcom” refers to Broadcom Inc. and/or its subsidiaries.</a:t>
+            </a:r>
           </a:p>
         </p:txBody>
       </p:sp>
     </p:spTree>
     <p:extLst>
       <p:ext uri="{BB962C8B-B14F-4D97-AF65-F5344CB8AC3E}">
-        <p14:creationId xmlns:p14="http://schemas.microsoft.com/office/powerpoint/2010/main" val="313266367"/>
+        <p14:creationId xmlns:p14="http://schemas.microsoft.com/office/powerpoint/2010/main" val="3129537273"/>
       </p:ext>
     </p:extLst>
   </p:cSld>
@@ -22015,85 +21901,10 @@
       </p:grpSpPr>
       <p:sp>
         <p:nvSpPr>
-          <p:cNvPr id="13" name="Text Placeholder 12">
+          <p:cNvPr id="2" name="Title 1">
             <a:extLst>
               <a:ext uri="{FF2B5EF4-FFF2-40B4-BE49-F238E27FC236}">
-                <a16:creationId xmlns:a16="http://schemas.microsoft.com/office/drawing/2014/main" id="{222FB045-4DAE-A1C8-DF9F-B4AA0ED41E3E}"/>
-              </a:ext>
-            </a:extLst>
-          </p:cNvPr>
-          <p:cNvSpPr>
-            <a:spLocks noGrp="1"/>
-          </p:cNvSpPr>
-          <p:nvPr>
-            <p:ph type="body" sz="quarter" idx="11"/>
-          </p:nvPr>
-        </p:nvSpPr>
-        <p:spPr/>
-        <p:txBody>
-          <a:bodyPr/>
-          <a:lstStyle/>
-          <a:p>
-            <a:endParaRPr lang="en-US"/>
-          </a:p>
-        </p:txBody>
-      </p:sp>
-      <p:sp>
-        <p:nvSpPr>
-          <p:cNvPr id="14" name="Text Placeholder 13">
-            <a:extLst>
-              <a:ext uri="{FF2B5EF4-FFF2-40B4-BE49-F238E27FC236}">
-                <a16:creationId xmlns:a16="http://schemas.microsoft.com/office/drawing/2014/main" id="{C02107BA-34B4-85E7-3812-729A10DEF8A7}"/>
-              </a:ext>
-            </a:extLst>
-          </p:cNvPr>
-          <p:cNvSpPr>
-            <a:spLocks noGrp="1"/>
-          </p:cNvSpPr>
-          <p:nvPr>
-            <p:ph type="body" sz="quarter" idx="12"/>
-          </p:nvPr>
-        </p:nvSpPr>
-        <p:spPr/>
-        <p:txBody>
-          <a:bodyPr/>
-          <a:lstStyle/>
-          <a:p>
-            <a:endParaRPr lang="en-US"/>
-          </a:p>
-        </p:txBody>
-      </p:sp>
-      <p:sp>
-        <p:nvSpPr>
-          <p:cNvPr id="15" name="Text Placeholder 14">
-            <a:extLst>
-              <a:ext uri="{FF2B5EF4-FFF2-40B4-BE49-F238E27FC236}">
-                <a16:creationId xmlns:a16="http://schemas.microsoft.com/office/drawing/2014/main" id="{E4890F4D-2A2A-476E-87B3-B4740C3D18E2}"/>
-              </a:ext>
-            </a:extLst>
-          </p:cNvPr>
-          <p:cNvSpPr>
-            <a:spLocks noGrp="1"/>
-          </p:cNvSpPr>
-          <p:nvPr>
-            <p:ph type="body" sz="quarter" idx="14"/>
-          </p:nvPr>
-        </p:nvSpPr>
-        <p:spPr/>
-        <p:txBody>
-          <a:bodyPr/>
-          <a:lstStyle/>
-          <a:p>
-            <a:endParaRPr lang="en-US" dirty="0"/>
-          </a:p>
-        </p:txBody>
-      </p:sp>
-      <p:sp>
-        <p:nvSpPr>
-          <p:cNvPr id="8" name="Title 4" title="Title">
-            <a:extLst>
-              <a:ext uri="{FF2B5EF4-FFF2-40B4-BE49-F238E27FC236}">
-                <a16:creationId xmlns:a16="http://schemas.microsoft.com/office/drawing/2014/main" id="{6AF36ABC-9C30-E49E-A919-AC10E0F93B73}"/>
+                <a16:creationId xmlns:a16="http://schemas.microsoft.com/office/drawing/2014/main" id="{0D9FDAE6-550E-E975-BD01-08906590C472}"/>
               </a:ext>
             </a:extLst>
           </p:cNvPr>
@@ -22109,20 +21920,16 @@
           <a:bodyPr/>
           <a:lstStyle/>
           <a:p>
-            <a:r>
-              <a:rPr lang="en-US" sz="4000" dirty="0"/>
-              <a:t>Session Title</a:t>
-            </a:r>
             <a:endParaRPr lang="en-US" dirty="0"/>
           </a:p>
         </p:txBody>
       </p:sp>
       <p:sp>
         <p:nvSpPr>
-          <p:cNvPr id="9" name="Subtitle 5" title="Subtitle">
+          <p:cNvPr id="4" name="Subtitle 3">
             <a:extLst>
               <a:ext uri="{FF2B5EF4-FFF2-40B4-BE49-F238E27FC236}">
-                <a16:creationId xmlns:a16="http://schemas.microsoft.com/office/drawing/2014/main" id="{5C458ECF-94C9-BC18-C2C8-2A294DE58AE8}"/>
+                <a16:creationId xmlns:a16="http://schemas.microsoft.com/office/drawing/2014/main" id="{8F886DCA-5B59-24C0-2C79-4E661832C1EA}"/>
               </a:ext>
             </a:extLst>
           </p:cNvPr>
@@ -22130,36 +21937,24 @@
             <a:spLocks noGrp="1"/>
           </p:cNvSpPr>
           <p:nvPr>
-            <p:ph type="subTitle" idx="4294967295"/>
+            <p:ph type="subTitle" idx="10"/>
           </p:nvPr>
         </p:nvSpPr>
-        <p:spPr>
-          <a:xfrm>
-            <a:off x="588494" y="4446003"/>
-            <a:ext cx="5505917" cy="416403"/>
-          </a:xfrm>
-        </p:spPr>
+        <p:spPr/>
         <p:txBody>
           <a:bodyPr/>
           <a:lstStyle/>
           <a:p>
-            <a:r>
-              <a:rPr lang="en-US" dirty="0">
-                <a:solidFill>
-                  <a:schemeClr val="bg1"/>
-                </a:solidFill>
-              </a:rPr>
-              <a:t>Session Subtitle</a:t>
-            </a:r>
+            <a:endParaRPr lang="en-US"/>
           </a:p>
         </p:txBody>
       </p:sp>
       <p:sp>
         <p:nvSpPr>
-          <p:cNvPr id="16" name="Text Placeholder 15">
+          <p:cNvPr id="5" name="Content Placeholder 4">
             <a:extLst>
               <a:ext uri="{FF2B5EF4-FFF2-40B4-BE49-F238E27FC236}">
-                <a16:creationId xmlns:a16="http://schemas.microsoft.com/office/drawing/2014/main" id="{BF074FE7-E33A-7CFF-F7B5-3B08607D6660}"/>
+                <a16:creationId xmlns:a16="http://schemas.microsoft.com/office/drawing/2014/main" id="{8FBEB278-6650-3A11-7DCD-A90016572E5A}"/>
               </a:ext>
             </a:extLst>
           </p:cNvPr>
@@ -22167,7 +21962,7 @@
             <a:spLocks noGrp="1"/>
           </p:cNvSpPr>
           <p:nvPr>
-            <p:ph type="body" sz="quarter" idx="15"/>
+            <p:ph sz="quarter" idx="14"/>
           </p:nvPr>
         </p:nvSpPr>
         <p:spPr/>
@@ -22175,93 +21970,22 @@
           <a:bodyPr/>
           <a:lstStyle/>
           <a:p>
+            <a:r>
+              <a:rPr lang="en-US" dirty="0"/>
+              <a:t>In this session we will cover topics on how to create PowerShell functions to make their code more reusable and easier to understand. We will touch on the concept of building PowerShell modules for local distribution. </a:t>
+            </a:r>
+            <a:r>
+              <a:rPr lang="en-US"/>
+              <a:t>There will be special attention during this session to focus on how to begin the code writing process to ensure the scripts perform the desired work.</a:t>
+            </a:r>
             <a:endParaRPr lang="en-US" dirty="0"/>
-          </a:p>
-        </p:txBody>
-      </p:sp>
-      <p:sp>
-        <p:nvSpPr>
-          <p:cNvPr id="2" name="TextBox 1">
-            <a:extLst>
-              <a:ext uri="{FF2B5EF4-FFF2-40B4-BE49-F238E27FC236}">
-                <a16:creationId xmlns:a16="http://schemas.microsoft.com/office/drawing/2014/main" id="{918E8234-B800-C09A-FE76-981EEA56F954}"/>
-              </a:ext>
-            </a:extLst>
-          </p:cNvPr>
-          <p:cNvSpPr txBox="1"/>
-          <p:nvPr/>
-        </p:nvSpPr>
-        <p:spPr>
-          <a:xfrm>
-            <a:off x="588494" y="6395860"/>
-            <a:ext cx="3855223" cy="215444"/>
-          </a:xfrm>
-          <a:prstGeom prst="rect">
-            <a:avLst/>
-          </a:prstGeom>
-          <a:noFill/>
-        </p:spPr>
-        <p:txBody>
-          <a:bodyPr wrap="none" lIns="0" tIns="0" rIns="0" bIns="0" rtlCol="0">
-            <a:spAutoFit/>
-          </a:bodyPr>
-          <a:lstStyle/>
-          <a:p>
-            <a:pPr algn="l">
-              <a:lnSpc>
-                <a:spcPct val="100000"/>
-              </a:lnSpc>
-            </a:pPr>
-            <a:r>
-              <a:rPr lang="en-US" sz="700" spc="0" baseline="0" dirty="0">
-                <a:ln/>
-                <a:solidFill>
-                  <a:schemeClr val="bg1"/>
-                </a:solidFill>
-                <a:latin typeface="Metropolis-Regular"/>
-                <a:sym typeface="Metropolis-Regular"/>
-                <a:rtl val="0"/>
-              </a:rPr>
-              <a:t>Broadcom Proprietary and Confidential. Copyright © 2024 Broadcom. </a:t>
-            </a:r>
-          </a:p>
-          <a:p>
-            <a:pPr marL="0" marR="0" lvl="0" indent="0" algn="l" defTabSz="914400" rtl="0" eaLnBrk="1" fontAlgn="auto" latinLnBrk="0" hangingPunct="1">
-              <a:lnSpc>
-                <a:spcPct val="100000"/>
-              </a:lnSpc>
-              <a:spcBef>
-                <a:spcPts val="0"/>
-              </a:spcBef>
-              <a:spcAft>
-                <a:spcPts val="0"/>
-              </a:spcAft>
-              <a:buClrTx/>
-              <a:buSzTx/>
-              <a:buFontTx/>
-              <a:buNone/>
-              <a:tabLst/>
-              <a:defRPr/>
-            </a:pPr>
-            <a:r>
-              <a:rPr lang="en-US" sz="700" spc="0" baseline="0" dirty="0">
-                <a:ln/>
-                <a:solidFill>
-                  <a:schemeClr val="bg1"/>
-                </a:solidFill>
-                <a:latin typeface="Metropolis-Regular"/>
-                <a:sym typeface="Metropolis-Regular"/>
-                <a:rtl val="0"/>
-              </a:rPr>
-              <a:t>All Rights Reserved. The term “Broadcom” refers to Broadcom Inc. and/or its subsidiaries.</a:t>
-            </a:r>
           </a:p>
         </p:txBody>
       </p:sp>
     </p:spTree>
     <p:extLst>
       <p:ext uri="{BB962C8B-B14F-4D97-AF65-F5344CB8AC3E}">
-        <p14:creationId xmlns:p14="http://schemas.microsoft.com/office/powerpoint/2010/main" val="3129537273"/>
+        <p14:creationId xmlns:p14="http://schemas.microsoft.com/office/powerpoint/2010/main" val="594509113"/>
       </p:ext>
     </p:extLst>
   </p:cSld>
@@ -22321,32 +22045,11 @@
           <a:bodyPr/>
           <a:lstStyle/>
           <a:p>
+            <a:r>
+              <a:rPr lang="en-US" dirty="0" smtClean="0"/>
+              <a:t>Agenda</a:t>
+            </a:r>
             <a:endParaRPr lang="en-US" dirty="0"/>
-          </a:p>
-        </p:txBody>
-      </p:sp>
-      <p:sp>
-        <p:nvSpPr>
-          <p:cNvPr id="4" name="Subtitle 3">
-            <a:extLst>
-              <a:ext uri="{FF2B5EF4-FFF2-40B4-BE49-F238E27FC236}">
-                <a16:creationId xmlns:a16="http://schemas.microsoft.com/office/drawing/2014/main" id="{8F886DCA-5B59-24C0-2C79-4E661832C1EA}"/>
-              </a:ext>
-            </a:extLst>
-          </p:cNvPr>
-          <p:cNvSpPr>
-            <a:spLocks noGrp="1"/>
-          </p:cNvSpPr>
-          <p:nvPr>
-            <p:ph type="subTitle" idx="10"/>
-          </p:nvPr>
-        </p:nvSpPr>
-        <p:spPr/>
-        <p:txBody>
-          <a:bodyPr/>
-          <a:lstStyle/>
-          <a:p>
-            <a:endParaRPr lang="en-US"/>
           </a:p>
         </p:txBody>
       </p:sp>
@@ -22371,14 +22074,91 @@
           <a:bodyPr/>
           <a:lstStyle/>
           <a:p>
-            <a:r>
-              <a:rPr lang="en-US" dirty="0"/>
-              <a:t>In this session we will cover topics on how to create PowerShell functions to make their code more reusable and easier to understand. We will touch on the concept of building PowerShell modules for local distribution. </a:t>
-            </a:r>
-            <a:r>
-              <a:rPr lang="en-US"/>
-              <a:t>There will be special attention during this session to focus on how to begin the code writing process to ensure the scripts perform the desired work.</a:t>
-            </a:r>
+            <a:pPr marL="457200" indent="-457200">
+              <a:buFont typeface="+mj-lt"/>
+              <a:buAutoNum type="arabicPeriod"/>
+            </a:pPr>
+            <a:r>
+              <a:rPr lang="en-US" dirty="0" smtClean="0"/>
+              <a:t>PowerShell Basics (Really quick)</a:t>
+            </a:r>
+          </a:p>
+          <a:p>
+            <a:pPr marL="457200" indent="-457200">
+              <a:buFont typeface="+mj-lt"/>
+              <a:buAutoNum type="arabicPeriod"/>
+            </a:pPr>
+            <a:r>
+              <a:rPr lang="en-US" dirty="0" smtClean="0"/>
+              <a:t>Cmdlets</a:t>
+            </a:r>
+          </a:p>
+          <a:p>
+            <a:pPr marL="457200" indent="-457200">
+              <a:buFont typeface="+mj-lt"/>
+              <a:buAutoNum type="arabicPeriod"/>
+            </a:pPr>
+            <a:r>
+              <a:rPr lang="en-US" dirty="0" smtClean="0"/>
+              <a:t>Functions</a:t>
+            </a:r>
+          </a:p>
+          <a:p>
+            <a:pPr marL="457200" indent="-457200">
+              <a:buFont typeface="+mj-lt"/>
+              <a:buAutoNum type="arabicPeriod"/>
+            </a:pPr>
+            <a:r>
+              <a:rPr lang="en-US" dirty="0" smtClean="0"/>
+              <a:t>Advanced Functions</a:t>
+            </a:r>
+          </a:p>
+          <a:p>
+            <a:pPr marL="457200" indent="-457200">
+              <a:buFont typeface="+mj-lt"/>
+              <a:buAutoNum type="arabicPeriod"/>
+            </a:pPr>
+            <a:r>
+              <a:rPr lang="en-US" dirty="0" smtClean="0"/>
+              <a:t>Modules</a:t>
+            </a:r>
+          </a:p>
+          <a:p>
+            <a:pPr marL="457200" indent="-457200">
+              <a:buFont typeface="+mj-lt"/>
+              <a:buAutoNum type="arabicPeriod"/>
+            </a:pPr>
+            <a:r>
+              <a:rPr lang="en-US" dirty="0" smtClean="0"/>
+              <a:t>Pseudo Code</a:t>
+            </a:r>
+          </a:p>
+          <a:p>
+            <a:pPr marL="457200" indent="-457200">
+              <a:buFont typeface="+mj-lt"/>
+              <a:buAutoNum type="arabicPeriod"/>
+            </a:pPr>
+            <a:r>
+              <a:rPr lang="en-US" dirty="0" smtClean="0"/>
+              <a:t>PowerShell Gallery</a:t>
+            </a:r>
+          </a:p>
+          <a:p>
+            <a:pPr marL="457200" indent="-457200">
+              <a:buFont typeface="+mj-lt"/>
+              <a:buAutoNum type="arabicPeriod"/>
+            </a:pPr>
+            <a:r>
+              <a:rPr lang="en-US" dirty="0" smtClean="0"/>
+              <a:t>Local Modules</a:t>
+            </a:r>
+            <a:endParaRPr lang="en-US" dirty="0" smtClean="0"/>
+          </a:p>
+          <a:p>
+            <a:pPr marL="457200" indent="-457200">
+              <a:buFont typeface="+mj-lt"/>
+              <a:buAutoNum type="arabicPeriod"/>
+            </a:pPr>
             <a:endParaRPr lang="en-US" dirty="0"/>
           </a:p>
         </p:txBody>
@@ -22386,7 +22166,7 @@
     </p:spTree>
     <p:extLst>
       <p:ext uri="{BB962C8B-B14F-4D97-AF65-F5344CB8AC3E}">
-        <p14:creationId xmlns:p14="http://schemas.microsoft.com/office/powerpoint/2010/main" val="594509113"/>
+        <p14:creationId xmlns:p14="http://schemas.microsoft.com/office/powerpoint/2010/main" val="2894136523"/>
       </p:ext>
     </p:extLst>
   </p:cSld>
@@ -22430,7 +22210,7 @@
           <p:cNvPr id="2" name="Title 1">
             <a:extLst>
               <a:ext uri="{FF2B5EF4-FFF2-40B4-BE49-F238E27FC236}">
-                <a16:creationId xmlns:a16="http://schemas.microsoft.com/office/drawing/2014/main" id="{0D9FDAE6-550E-E975-BD01-08906590C472}"/>
+                <a16:creationId xmlns:a16="http://schemas.microsoft.com/office/drawing/2014/main" id="{8EB89D28-96EC-2EFE-AC89-524B0B698CEA}"/>
               </a:ext>
             </a:extLst>
           </p:cNvPr>
@@ -22446,16 +22226,39 @@
           <a:bodyPr/>
           <a:lstStyle/>
           <a:p>
-            <a:endParaRPr lang="en-US" dirty="0"/>
+            <a:r>
+              <a:rPr lang="en-US" sz="4000" dirty="0">
+                <a:solidFill>
+                  <a:schemeClr val="bg1"/>
+                </a:solidFill>
+              </a:rPr>
+              <a:t>Please take </a:t>
+            </a:r>
+            <a:br>
+              <a:rPr lang="en-US" sz="4000" dirty="0">
+                <a:solidFill>
+                  <a:schemeClr val="bg1"/>
+                </a:solidFill>
+              </a:rPr>
+            </a:br>
+            <a:r>
+              <a:rPr lang="en-US" sz="4000" dirty="0">
+                <a:solidFill>
+                  <a:schemeClr val="bg1"/>
+                </a:solidFill>
+              </a:rPr>
+              <a:t>your survey.</a:t>
+            </a:r>
+            <a:endParaRPr lang="en-US" sz="4000" dirty="0"/>
           </a:p>
         </p:txBody>
       </p:sp>
       <p:sp>
         <p:nvSpPr>
-          <p:cNvPr id="4" name="Subtitle 3">
+          <p:cNvPr id="3" name="Subtitle 2">
             <a:extLst>
               <a:ext uri="{FF2B5EF4-FFF2-40B4-BE49-F238E27FC236}">
-                <a16:creationId xmlns:a16="http://schemas.microsoft.com/office/drawing/2014/main" id="{8F886DCA-5B59-24C0-2C79-4E661832C1EA}"/>
+                <a16:creationId xmlns:a16="http://schemas.microsoft.com/office/drawing/2014/main" id="{72AB6EE2-A795-0B32-903A-22365F29631E}"/>
               </a:ext>
             </a:extLst>
           </p:cNvPr>
@@ -22471,39 +22274,93 @@
           <a:bodyPr/>
           <a:lstStyle/>
           <a:p>
-            <a:endParaRPr lang="en-US"/>
+            <a:endParaRPr lang="en-US" dirty="0"/>
           </a:p>
         </p:txBody>
       </p:sp>
       <p:sp>
         <p:nvSpPr>
-          <p:cNvPr id="5" name="Content Placeholder 4">
+          <p:cNvPr id="4" name="TextBox 3">
             <a:extLst>
               <a:ext uri="{FF2B5EF4-FFF2-40B4-BE49-F238E27FC236}">
-                <a16:creationId xmlns:a16="http://schemas.microsoft.com/office/drawing/2014/main" id="{8FBEB278-6650-3A11-7DCD-A90016572E5A}"/>
+                <a16:creationId xmlns:a16="http://schemas.microsoft.com/office/drawing/2014/main" id="{1296680E-15AF-2278-3275-B47338D845B6}"/>
               </a:ext>
             </a:extLst>
           </p:cNvPr>
-          <p:cNvSpPr>
-            <a:spLocks noGrp="1"/>
-          </p:cNvSpPr>
-          <p:nvPr>
-            <p:ph sz="quarter" idx="14"/>
-          </p:nvPr>
+          <p:cNvSpPr txBox="1"/>
+          <p:nvPr/>
         </p:nvSpPr>
-        <p:spPr/>
+        <p:spPr>
+          <a:xfrm>
+            <a:off x="588494" y="6395860"/>
+            <a:ext cx="3855223" cy="215444"/>
+          </a:xfrm>
+          <a:prstGeom prst="rect">
+            <a:avLst/>
+          </a:prstGeom>
+          <a:noFill/>
+        </p:spPr>
         <p:txBody>
-          <a:bodyPr/>
+          <a:bodyPr wrap="none" lIns="0" tIns="0" rIns="0" bIns="0" rtlCol="0">
+            <a:spAutoFit/>
+          </a:bodyPr>
           <a:lstStyle/>
           <a:p>
-            <a:endParaRPr lang="en-US" dirty="0"/>
+            <a:pPr algn="l">
+              <a:lnSpc>
+                <a:spcPct val="100000"/>
+              </a:lnSpc>
+            </a:pPr>
+            <a:r>
+              <a:rPr lang="en-US" sz="700" spc="0" baseline="0" dirty="0">
+                <a:ln/>
+                <a:solidFill>
+                  <a:schemeClr val="bg1"/>
+                </a:solidFill>
+                <a:latin typeface="Metropolis-Regular"/>
+                <a:sym typeface="Metropolis-Regular"/>
+                <a:rtl val="0"/>
+              </a:rPr>
+              <a:t>Broadcom Proprietary and Confidential. Copyright © 2024 Broadcom. </a:t>
+            </a:r>
+          </a:p>
+          <a:p>
+            <a:pPr marL="0" marR="0" lvl="0" indent="0" algn="l" defTabSz="914400" rtl="0" eaLnBrk="1" fontAlgn="auto" latinLnBrk="0" hangingPunct="1">
+              <a:lnSpc>
+                <a:spcPct val="100000"/>
+              </a:lnSpc>
+              <a:spcBef>
+                <a:spcPts val="0"/>
+              </a:spcBef>
+              <a:spcAft>
+                <a:spcPts val="0"/>
+              </a:spcAft>
+              <a:buClrTx/>
+              <a:buSzTx/>
+              <a:buFontTx/>
+              <a:buNone/>
+              <a:tabLst/>
+              <a:defRPr/>
+            </a:pPr>
+            <a:r>
+              <a:rPr lang="en-US" sz="700" spc="0" baseline="0" dirty="0">
+                <a:ln/>
+                <a:solidFill>
+                  <a:schemeClr val="bg1"/>
+                </a:solidFill>
+                <a:latin typeface="Metropolis-Regular"/>
+                <a:sym typeface="Metropolis-Regular"/>
+                <a:rtl val="0"/>
+              </a:rPr>
+              <a:t>All Rights Reserved. The term “Broadcom” refers to Broadcom Inc. and/or its subsidiaries.</a:t>
+            </a:r>
           </a:p>
         </p:txBody>
       </p:sp>
     </p:spTree>
     <p:extLst>
       <p:ext uri="{BB962C8B-B14F-4D97-AF65-F5344CB8AC3E}">
-        <p14:creationId xmlns:p14="http://schemas.microsoft.com/office/powerpoint/2010/main" val="2894136523"/>
+        <p14:creationId xmlns:p14="http://schemas.microsoft.com/office/powerpoint/2010/main" val="2198077059"/>
       </p:ext>
     </p:extLst>
   </p:cSld>
@@ -22558,35 +22415,25 @@
             <p:ph type="title"/>
           </p:nvPr>
         </p:nvSpPr>
-        <p:spPr/>
+        <p:spPr>
+          <a:xfrm>
+            <a:off x="593766" y="3014482"/>
+            <a:ext cx="5933158" cy="1229360"/>
+          </a:xfrm>
+        </p:spPr>
         <p:txBody>
           <a:bodyPr/>
           <a:lstStyle/>
           <a:p>
             <a:r>
-              <a:rPr lang="en-US" sz="4000" dirty="0">
+              <a:rPr lang="en-US" sz="6000" dirty="0">
                 <a:solidFill>
                   <a:schemeClr val="bg1"/>
                 </a:solidFill>
               </a:rPr>
-              <a:t>Please take </a:t>
-            </a:r>
-            <a:br>
-              <a:rPr lang="en-US" sz="4000" dirty="0">
-                <a:solidFill>
-                  <a:schemeClr val="bg1"/>
-                </a:solidFill>
-              </a:rPr>
-            </a:br>
-            <a:r>
-              <a:rPr lang="en-US" sz="4000" dirty="0">
-                <a:solidFill>
-                  <a:schemeClr val="bg1"/>
-                </a:solidFill>
-              </a:rPr>
-              <a:t>your survey.</a:t>
-            </a:r>
-            <a:endParaRPr lang="en-US" sz="4000" dirty="0"/>
+              <a:t>Thank You</a:t>
+            </a:r>
+            <a:endParaRPr lang="en-US" sz="6000" dirty="0"/>
           </a:p>
         </p:txBody>
       </p:sp>
@@ -22595,7 +22442,7 @@
           <p:cNvPr id="3" name="Subtitle 2">
             <a:extLst>
               <a:ext uri="{FF2B5EF4-FFF2-40B4-BE49-F238E27FC236}">
-                <a16:creationId xmlns:a16="http://schemas.microsoft.com/office/drawing/2014/main" id="{72AB6EE2-A795-0B32-903A-22365F29631E}"/>
+                <a16:creationId xmlns:a16="http://schemas.microsoft.com/office/drawing/2014/main" id="{24BA032B-EB3B-30B3-4A0C-F7F8E9F7E1F2}"/>
               </a:ext>
             </a:extLst>
           </p:cNvPr>
@@ -22606,7 +22453,12 @@
             <p:ph type="subTitle" idx="10"/>
           </p:nvPr>
         </p:nvSpPr>
-        <p:spPr/>
+        <p:spPr>
+          <a:xfrm>
+            <a:off x="593766" y="4389699"/>
+            <a:ext cx="5933158" cy="700882"/>
+          </a:xfrm>
+        </p:spPr>
         <p:txBody>
           <a:bodyPr/>
           <a:lstStyle/>
@@ -22620,7 +22472,7 @@
           <p:cNvPr id="4" name="TextBox 3">
             <a:extLst>
               <a:ext uri="{FF2B5EF4-FFF2-40B4-BE49-F238E27FC236}">
-                <a16:creationId xmlns:a16="http://schemas.microsoft.com/office/drawing/2014/main" id="{1296680E-15AF-2278-3275-B47338D845B6}"/>
+                <a16:creationId xmlns:a16="http://schemas.microsoft.com/office/drawing/2014/main" id="{21E80DEF-AAB8-394B-CDEF-171E89BE9920}"/>
               </a:ext>
             </a:extLst>
           </p:cNvPr>
@@ -22697,939 +22549,7 @@
     </p:spTree>
     <p:extLst>
       <p:ext uri="{BB962C8B-B14F-4D97-AF65-F5344CB8AC3E}">
-        <p14:creationId xmlns:p14="http://schemas.microsoft.com/office/powerpoint/2010/main" val="2198077059"/>
-      </p:ext>
-    </p:extLst>
-  </p:cSld>
-  <p:clrMapOvr>
-    <a:masterClrMapping/>
-  </p:clrMapOvr>
-  <mc:AlternateContent xmlns:mc="http://schemas.openxmlformats.org/markup-compatibility/2006" xmlns:p14="http://schemas.microsoft.com/office/powerpoint/2010/main">
-    <mc:Choice Requires="p14">
-      <p:transition spd="med" p14:dur="700">
-        <p:fade/>
-      </p:transition>
-    </mc:Choice>
-    <mc:Fallback xmlns="">
-      <p:transition spd="med">
-        <p:fade/>
-      </p:transition>
-    </mc:Fallback>
-  </mc:AlternateContent>
-</p:sld>
-</file>
-
-<file path=ppt/slides/slide9.xml><?xml version="1.0" encoding="utf-8"?>
-<p:sld xmlns:a="http://schemas.openxmlformats.org/drawingml/2006/main" xmlns:r="http://schemas.openxmlformats.org/officeDocument/2006/relationships" xmlns:p="http://schemas.openxmlformats.org/presentationml/2006/main">
-  <p:cSld>
-    <p:spTree>
-      <p:nvGrpSpPr>
-        <p:cNvPr id="1" name=""/>
-        <p:cNvGrpSpPr/>
-        <p:nvPr/>
-      </p:nvGrpSpPr>
-      <p:grpSpPr>
-        <a:xfrm>
-          <a:off x="0" y="0"/>
-          <a:ext cx="0" cy="0"/>
-          <a:chOff x="0" y="0"/>
-          <a:chExt cx="0" cy="0"/>
-        </a:xfrm>
-      </p:grpSpPr>
-      <p:sp>
-        <p:nvSpPr>
-          <p:cNvPr id="2" name="Title 1">
-            <a:extLst>
-              <a:ext uri="{FF2B5EF4-FFF2-40B4-BE49-F238E27FC236}">
-                <a16:creationId xmlns:a16="http://schemas.microsoft.com/office/drawing/2014/main" id="{8EB89D28-96EC-2EFE-AC89-524B0B698CEA}"/>
-              </a:ext>
-            </a:extLst>
-          </p:cNvPr>
-          <p:cNvSpPr>
-            <a:spLocks noGrp="1"/>
-          </p:cNvSpPr>
-          <p:nvPr>
-            <p:ph type="title"/>
-          </p:nvPr>
-        </p:nvSpPr>
-        <p:spPr>
-          <a:xfrm>
-            <a:off x="589108" y="1790119"/>
-            <a:ext cx="5937816" cy="1229360"/>
-          </a:xfrm>
-        </p:spPr>
-        <p:txBody>
-          <a:bodyPr/>
-          <a:lstStyle/>
-          <a:p>
-            <a:pPr>
-              <a:lnSpc>
-                <a:spcPct val="150000"/>
-              </a:lnSpc>
-            </a:pPr>
-            <a:r>
-              <a:rPr lang="en-US" sz="4000" dirty="0">
-                <a:solidFill>
-                  <a:schemeClr val="bg1"/>
-                </a:solidFill>
-              </a:rPr>
-              <a:t>Stay Connected</a:t>
-            </a:r>
-            <a:br>
-              <a:rPr lang="en-US" sz="4000" dirty="0">
-                <a:solidFill>
-                  <a:schemeClr val="bg1"/>
-                </a:solidFill>
-              </a:rPr>
-            </a:br>
-            <a:r>
-              <a:rPr lang="en-US" sz="2400" dirty="0">
-                <a:solidFill>
-                  <a:schemeClr val="bg1"/>
-                </a:solidFill>
-              </a:rPr>
-              <a:t>Let’s continue the conversation</a:t>
-            </a:r>
-            <a:endParaRPr lang="en-US" sz="4000" dirty="0"/>
-          </a:p>
-        </p:txBody>
-      </p:sp>
-      <p:sp>
-        <p:nvSpPr>
-          <p:cNvPr id="7" name="Subtitle">
-            <a:extLst>
-              <a:ext uri="{FF2B5EF4-FFF2-40B4-BE49-F238E27FC236}">
-                <a16:creationId xmlns:a16="http://schemas.microsoft.com/office/drawing/2014/main" id="{691992C1-94D7-6F63-24A2-9014ECDA6F67}"/>
-              </a:ext>
-            </a:extLst>
-          </p:cNvPr>
-          <p:cNvSpPr txBox="1">
-            <a:spLocks/>
-          </p:cNvSpPr>
-          <p:nvPr/>
-        </p:nvSpPr>
-        <p:spPr>
-          <a:xfrm>
-            <a:off x="602966" y="3706846"/>
-            <a:ext cx="5937816" cy="700882"/>
-          </a:xfrm>
-          <a:prstGeom prst="rect">
-            <a:avLst/>
-          </a:prstGeom>
-        </p:spPr>
-        <p:txBody>
-          <a:bodyPr vert="horz" lIns="0" tIns="0" rIns="0" bIns="0" rtlCol="0">
-            <a:noAutofit/>
-          </a:bodyPr>
-          <a:lstStyle>
-            <a:lvl1pPr marL="0" indent="0" algn="l" defTabSz="914400" rtl="0" eaLnBrk="1" latinLnBrk="0" hangingPunct="1">
-              <a:lnSpc>
-                <a:spcPct val="100000"/>
-              </a:lnSpc>
-              <a:spcBef>
-                <a:spcPts val="1200"/>
-              </a:spcBef>
-              <a:buClr>
-                <a:schemeClr val="tx1">
-                  <a:lumMod val="60000"/>
-                  <a:lumOff val="40000"/>
-                </a:schemeClr>
-              </a:buClr>
-              <a:buSzPct val="90000"/>
-              <a:buFont typeface="Arial" panose="020B0604020202020204" pitchFamily="34" charset="0"/>
-              <a:buNone/>
-              <a:defRPr sz="2400" kern="1200">
-                <a:solidFill>
-                  <a:schemeClr val="tx2"/>
-                </a:solidFill>
-                <a:latin typeface="+mj-lt"/>
-                <a:ea typeface="+mn-ea"/>
-                <a:cs typeface="+mn-cs"/>
-              </a:defRPr>
-            </a:lvl1pPr>
-            <a:lvl2pPr marL="457200" indent="0" algn="ctr" defTabSz="914400" rtl="0" eaLnBrk="1" latinLnBrk="0" hangingPunct="1">
-              <a:lnSpc>
-                <a:spcPct val="100000"/>
-              </a:lnSpc>
-              <a:spcBef>
-                <a:spcPts val="1200"/>
-              </a:spcBef>
-              <a:buClr>
-                <a:schemeClr val="tx1"/>
-              </a:buClr>
-              <a:buSzPct val="90000"/>
-              <a:buFont typeface="Arial" panose="020B0604020202020204" pitchFamily="34" charset="0"/>
-              <a:buNone/>
-              <a:defRPr sz="2000" kern="1200">
-                <a:solidFill>
-                  <a:schemeClr val="tx2"/>
-                </a:solidFill>
-                <a:latin typeface="+mn-lt"/>
-                <a:ea typeface="+mn-ea"/>
-                <a:cs typeface="+mn-cs"/>
-              </a:defRPr>
-            </a:lvl2pPr>
-            <a:lvl3pPr marL="914400" indent="0" algn="ctr" defTabSz="914400" rtl="0" eaLnBrk="1" latinLnBrk="0" hangingPunct="1">
-              <a:lnSpc>
-                <a:spcPct val="100000"/>
-              </a:lnSpc>
-              <a:spcBef>
-                <a:spcPts val="1200"/>
-              </a:spcBef>
-              <a:spcAft>
-                <a:spcPts val="0"/>
-              </a:spcAft>
-              <a:buClr>
-                <a:schemeClr val="tx1"/>
-              </a:buClr>
-              <a:buSzPct val="90000"/>
-              <a:buFont typeface="Camphor Std" panose="020B0504030404020204" pitchFamily="34" charset="0"/>
-              <a:buNone/>
-              <a:defRPr sz="1800" kern="1200">
-                <a:solidFill>
-                  <a:schemeClr val="tx2"/>
-                </a:solidFill>
-                <a:latin typeface="+mn-lt"/>
-                <a:ea typeface="+mn-ea"/>
-                <a:cs typeface="+mn-cs"/>
-              </a:defRPr>
-            </a:lvl3pPr>
-            <a:lvl4pPr marL="1371600" indent="0" algn="ctr" defTabSz="914400" rtl="0" eaLnBrk="1" latinLnBrk="0" hangingPunct="1">
-              <a:lnSpc>
-                <a:spcPct val="100000"/>
-              </a:lnSpc>
-              <a:spcBef>
-                <a:spcPts val="1200"/>
-              </a:spcBef>
-              <a:buClr>
-                <a:schemeClr val="tx1"/>
-              </a:buClr>
-              <a:buSzPct val="90000"/>
-              <a:buFont typeface="Arial" panose="020B0604020202020204" pitchFamily="34" charset="0"/>
-              <a:buNone/>
-              <a:defRPr sz="1600" kern="1200">
-                <a:solidFill>
-                  <a:schemeClr val="tx2"/>
-                </a:solidFill>
-                <a:latin typeface="+mn-lt"/>
-                <a:ea typeface="+mn-ea"/>
-                <a:cs typeface="+mn-cs"/>
-              </a:defRPr>
-            </a:lvl4pPr>
-            <a:lvl5pPr marL="1828800" indent="0" algn="ctr" defTabSz="914400" rtl="0" eaLnBrk="1" latinLnBrk="0" hangingPunct="1">
-              <a:lnSpc>
-                <a:spcPct val="100000"/>
-              </a:lnSpc>
-              <a:spcBef>
-                <a:spcPts val="1200"/>
-              </a:spcBef>
-              <a:buClr>
-                <a:schemeClr val="tx1"/>
-              </a:buClr>
-              <a:buSzPct val="90000"/>
-              <a:buFont typeface="Camphor Std" panose="020B0504030404020204" pitchFamily="34" charset="0"/>
-              <a:buNone/>
-              <a:tabLst/>
-              <a:defRPr sz="1600" kern="1200">
-                <a:solidFill>
-                  <a:schemeClr val="tx2"/>
-                </a:solidFill>
-                <a:latin typeface="+mn-lt"/>
-                <a:ea typeface="+mn-ea"/>
-                <a:cs typeface="+mn-cs"/>
-              </a:defRPr>
-            </a:lvl5pPr>
-            <a:lvl6pPr marL="2286000" indent="0" algn="ctr" defTabSz="914400" rtl="0" eaLnBrk="1" latinLnBrk="0" hangingPunct="1">
-              <a:lnSpc>
-                <a:spcPct val="100000"/>
-              </a:lnSpc>
-              <a:spcBef>
-                <a:spcPts val="1200"/>
-              </a:spcBef>
-              <a:buClr>
-                <a:schemeClr val="tx1"/>
-              </a:buClr>
-              <a:buSzPct val="90000"/>
-              <a:buFont typeface="Arial" panose="020B0604020202020204" pitchFamily="34" charset="0"/>
-              <a:buNone/>
-              <a:tabLst/>
-              <a:defRPr sz="1600" kern="1200">
-                <a:solidFill>
-                  <a:schemeClr val="tx2"/>
-                </a:solidFill>
-                <a:latin typeface="+mn-lt"/>
-                <a:ea typeface="+mn-ea"/>
-                <a:cs typeface="+mn-cs"/>
-              </a:defRPr>
-            </a:lvl6pPr>
-            <a:lvl7pPr marL="2743200" indent="0" algn="ctr" defTabSz="914400" rtl="0" eaLnBrk="1" latinLnBrk="0" hangingPunct="1">
-              <a:lnSpc>
-                <a:spcPct val="100000"/>
-              </a:lnSpc>
-              <a:spcBef>
-                <a:spcPts val="1200"/>
-              </a:spcBef>
-              <a:buClr>
-                <a:schemeClr val="tx1"/>
-              </a:buClr>
-              <a:buSzPct val="90000"/>
-              <a:buFont typeface="System Font Regular"/>
-              <a:buNone/>
-              <a:tabLst/>
-              <a:defRPr sz="1600" kern="1200">
-                <a:solidFill>
-                  <a:schemeClr val="tx2"/>
-                </a:solidFill>
-                <a:latin typeface="+mn-lt"/>
-                <a:ea typeface="+mn-ea"/>
-                <a:cs typeface="+mn-cs"/>
-              </a:defRPr>
-            </a:lvl7pPr>
-            <a:lvl8pPr marL="3200400" indent="0" algn="ctr" defTabSz="914400" rtl="0" eaLnBrk="1" latinLnBrk="0" hangingPunct="1">
-              <a:lnSpc>
-                <a:spcPct val="100000"/>
-              </a:lnSpc>
-              <a:spcBef>
-                <a:spcPts val="1200"/>
-              </a:spcBef>
-              <a:buClr>
-                <a:schemeClr val="tx1"/>
-              </a:buClr>
-              <a:buSzPct val="90000"/>
-              <a:buFont typeface="Arial" panose="020B0604020202020204" pitchFamily="34" charset="0"/>
-              <a:buNone/>
-              <a:tabLst/>
-              <a:defRPr sz="1600" kern="1200">
-                <a:solidFill>
-                  <a:schemeClr val="tx2"/>
-                </a:solidFill>
-                <a:latin typeface="+mn-lt"/>
-                <a:ea typeface="+mn-ea"/>
-                <a:cs typeface="+mn-cs"/>
-              </a:defRPr>
-            </a:lvl8pPr>
-            <a:lvl9pPr marL="3657600" indent="0" algn="ctr" defTabSz="914400" rtl="0" eaLnBrk="1" latinLnBrk="0" hangingPunct="1">
-              <a:lnSpc>
-                <a:spcPct val="100000"/>
-              </a:lnSpc>
-              <a:spcBef>
-                <a:spcPts val="1200"/>
-              </a:spcBef>
-              <a:buClr>
-                <a:schemeClr val="tx1"/>
-              </a:buClr>
-              <a:buSzPct val="90000"/>
-              <a:buFont typeface="System Font Regular"/>
-              <a:buNone/>
-              <a:tabLst/>
-              <a:defRPr sz="1600" kern="1200">
-                <a:solidFill>
-                  <a:schemeClr val="tx2"/>
-                </a:solidFill>
-                <a:latin typeface="+mn-lt"/>
-                <a:ea typeface="+mn-ea"/>
-                <a:cs typeface="+mn-cs"/>
-              </a:defRPr>
-            </a:lvl9pPr>
-          </a:lstStyle>
-          <a:p>
-            <a:pPr lvl="0"/>
-            <a:r>
-              <a:rPr lang="en-US" dirty="0">
-                <a:solidFill>
-                  <a:schemeClr val="bg1"/>
-                </a:solidFill>
-              </a:rPr>
-              <a:t>Follow us @</a:t>
-            </a:r>
-          </a:p>
-        </p:txBody>
-      </p:sp>
-      <p:sp>
-        <p:nvSpPr>
-          <p:cNvPr id="8" name="Subtitle">
-            <a:extLst>
-              <a:ext uri="{FF2B5EF4-FFF2-40B4-BE49-F238E27FC236}">
-                <a16:creationId xmlns:a16="http://schemas.microsoft.com/office/drawing/2014/main" id="{AC644614-4D49-5ACC-86D4-DA1DB135B622}"/>
-              </a:ext>
-            </a:extLst>
-          </p:cNvPr>
-          <p:cNvSpPr txBox="1">
-            <a:spLocks/>
-          </p:cNvSpPr>
-          <p:nvPr/>
-        </p:nvSpPr>
-        <p:spPr>
-          <a:xfrm>
-            <a:off x="589108" y="4631993"/>
-            <a:ext cx="5937816" cy="700882"/>
-          </a:xfrm>
-          <a:prstGeom prst="rect">
-            <a:avLst/>
-          </a:prstGeom>
-        </p:spPr>
-        <p:txBody>
-          <a:bodyPr vert="horz" lIns="0" tIns="0" rIns="0" bIns="0" rtlCol="0">
-            <a:noAutofit/>
-          </a:bodyPr>
-          <a:lstStyle>
-            <a:lvl1pPr marL="0" indent="0" algn="l" defTabSz="914400" rtl="0" eaLnBrk="1" latinLnBrk="0" hangingPunct="1">
-              <a:lnSpc>
-                <a:spcPct val="100000"/>
-              </a:lnSpc>
-              <a:spcBef>
-                <a:spcPts val="1200"/>
-              </a:spcBef>
-              <a:buClr>
-                <a:schemeClr val="tx1">
-                  <a:lumMod val="60000"/>
-                  <a:lumOff val="40000"/>
-                </a:schemeClr>
-              </a:buClr>
-              <a:buSzPct val="90000"/>
-              <a:buFont typeface="Arial" panose="020B0604020202020204" pitchFamily="34" charset="0"/>
-              <a:buNone/>
-              <a:defRPr sz="2400" kern="1200">
-                <a:solidFill>
-                  <a:schemeClr val="tx2"/>
-                </a:solidFill>
-                <a:latin typeface="+mj-lt"/>
-                <a:ea typeface="+mn-ea"/>
-                <a:cs typeface="+mn-cs"/>
-              </a:defRPr>
-            </a:lvl1pPr>
-            <a:lvl2pPr marL="457200" indent="0" algn="ctr" defTabSz="914400" rtl="0" eaLnBrk="1" latinLnBrk="0" hangingPunct="1">
-              <a:lnSpc>
-                <a:spcPct val="100000"/>
-              </a:lnSpc>
-              <a:spcBef>
-                <a:spcPts val="1200"/>
-              </a:spcBef>
-              <a:buClr>
-                <a:schemeClr val="tx1"/>
-              </a:buClr>
-              <a:buSzPct val="90000"/>
-              <a:buFont typeface="Arial" panose="020B0604020202020204" pitchFamily="34" charset="0"/>
-              <a:buNone/>
-              <a:defRPr sz="2000" kern="1200">
-                <a:solidFill>
-                  <a:schemeClr val="tx2"/>
-                </a:solidFill>
-                <a:latin typeface="+mn-lt"/>
-                <a:ea typeface="+mn-ea"/>
-                <a:cs typeface="+mn-cs"/>
-              </a:defRPr>
-            </a:lvl2pPr>
-            <a:lvl3pPr marL="914400" indent="0" algn="ctr" defTabSz="914400" rtl="0" eaLnBrk="1" latinLnBrk="0" hangingPunct="1">
-              <a:lnSpc>
-                <a:spcPct val="100000"/>
-              </a:lnSpc>
-              <a:spcBef>
-                <a:spcPts val="1200"/>
-              </a:spcBef>
-              <a:spcAft>
-                <a:spcPts val="0"/>
-              </a:spcAft>
-              <a:buClr>
-                <a:schemeClr val="tx1"/>
-              </a:buClr>
-              <a:buSzPct val="90000"/>
-              <a:buFont typeface="Camphor Std" panose="020B0504030404020204" pitchFamily="34" charset="0"/>
-              <a:buNone/>
-              <a:defRPr sz="1800" kern="1200">
-                <a:solidFill>
-                  <a:schemeClr val="tx2"/>
-                </a:solidFill>
-                <a:latin typeface="+mn-lt"/>
-                <a:ea typeface="+mn-ea"/>
-                <a:cs typeface="+mn-cs"/>
-              </a:defRPr>
-            </a:lvl3pPr>
-            <a:lvl4pPr marL="1371600" indent="0" algn="ctr" defTabSz="914400" rtl="0" eaLnBrk="1" latinLnBrk="0" hangingPunct="1">
-              <a:lnSpc>
-                <a:spcPct val="100000"/>
-              </a:lnSpc>
-              <a:spcBef>
-                <a:spcPts val="1200"/>
-              </a:spcBef>
-              <a:buClr>
-                <a:schemeClr val="tx1"/>
-              </a:buClr>
-              <a:buSzPct val="90000"/>
-              <a:buFont typeface="Arial" panose="020B0604020202020204" pitchFamily="34" charset="0"/>
-              <a:buNone/>
-              <a:defRPr sz="1600" kern="1200">
-                <a:solidFill>
-                  <a:schemeClr val="tx2"/>
-                </a:solidFill>
-                <a:latin typeface="+mn-lt"/>
-                <a:ea typeface="+mn-ea"/>
-                <a:cs typeface="+mn-cs"/>
-              </a:defRPr>
-            </a:lvl4pPr>
-            <a:lvl5pPr marL="1828800" indent="0" algn="ctr" defTabSz="914400" rtl="0" eaLnBrk="1" latinLnBrk="0" hangingPunct="1">
-              <a:lnSpc>
-                <a:spcPct val="100000"/>
-              </a:lnSpc>
-              <a:spcBef>
-                <a:spcPts val="1200"/>
-              </a:spcBef>
-              <a:buClr>
-                <a:schemeClr val="tx1"/>
-              </a:buClr>
-              <a:buSzPct val="90000"/>
-              <a:buFont typeface="Camphor Std" panose="020B0504030404020204" pitchFamily="34" charset="0"/>
-              <a:buNone/>
-              <a:tabLst/>
-              <a:defRPr sz="1600" kern="1200">
-                <a:solidFill>
-                  <a:schemeClr val="tx2"/>
-                </a:solidFill>
-                <a:latin typeface="+mn-lt"/>
-                <a:ea typeface="+mn-ea"/>
-                <a:cs typeface="+mn-cs"/>
-              </a:defRPr>
-            </a:lvl5pPr>
-            <a:lvl6pPr marL="2286000" indent="0" algn="ctr" defTabSz="914400" rtl="0" eaLnBrk="1" latinLnBrk="0" hangingPunct="1">
-              <a:lnSpc>
-                <a:spcPct val="100000"/>
-              </a:lnSpc>
-              <a:spcBef>
-                <a:spcPts val="1200"/>
-              </a:spcBef>
-              <a:buClr>
-                <a:schemeClr val="tx1"/>
-              </a:buClr>
-              <a:buSzPct val="90000"/>
-              <a:buFont typeface="Arial" panose="020B0604020202020204" pitchFamily="34" charset="0"/>
-              <a:buNone/>
-              <a:tabLst/>
-              <a:defRPr sz="1600" kern="1200">
-                <a:solidFill>
-                  <a:schemeClr val="tx2"/>
-                </a:solidFill>
-                <a:latin typeface="+mn-lt"/>
-                <a:ea typeface="+mn-ea"/>
-                <a:cs typeface="+mn-cs"/>
-              </a:defRPr>
-            </a:lvl6pPr>
-            <a:lvl7pPr marL="2743200" indent="0" algn="ctr" defTabSz="914400" rtl="0" eaLnBrk="1" latinLnBrk="0" hangingPunct="1">
-              <a:lnSpc>
-                <a:spcPct val="100000"/>
-              </a:lnSpc>
-              <a:spcBef>
-                <a:spcPts val="1200"/>
-              </a:spcBef>
-              <a:buClr>
-                <a:schemeClr val="tx1"/>
-              </a:buClr>
-              <a:buSzPct val="90000"/>
-              <a:buFont typeface="System Font Regular"/>
-              <a:buNone/>
-              <a:tabLst/>
-              <a:defRPr sz="1600" kern="1200">
-                <a:solidFill>
-                  <a:schemeClr val="tx2"/>
-                </a:solidFill>
-                <a:latin typeface="+mn-lt"/>
-                <a:ea typeface="+mn-ea"/>
-                <a:cs typeface="+mn-cs"/>
-              </a:defRPr>
-            </a:lvl7pPr>
-            <a:lvl8pPr marL="3200400" indent="0" algn="ctr" defTabSz="914400" rtl="0" eaLnBrk="1" latinLnBrk="0" hangingPunct="1">
-              <a:lnSpc>
-                <a:spcPct val="100000"/>
-              </a:lnSpc>
-              <a:spcBef>
-                <a:spcPts val="1200"/>
-              </a:spcBef>
-              <a:buClr>
-                <a:schemeClr val="tx1"/>
-              </a:buClr>
-              <a:buSzPct val="90000"/>
-              <a:buFont typeface="Arial" panose="020B0604020202020204" pitchFamily="34" charset="0"/>
-              <a:buNone/>
-              <a:tabLst/>
-              <a:defRPr sz="1600" kern="1200">
-                <a:solidFill>
-                  <a:schemeClr val="tx2"/>
-                </a:solidFill>
-                <a:latin typeface="+mn-lt"/>
-                <a:ea typeface="+mn-ea"/>
-                <a:cs typeface="+mn-cs"/>
-              </a:defRPr>
-            </a:lvl8pPr>
-            <a:lvl9pPr marL="3657600" indent="0" algn="ctr" defTabSz="914400" rtl="0" eaLnBrk="1" latinLnBrk="0" hangingPunct="1">
-              <a:lnSpc>
-                <a:spcPct val="100000"/>
-              </a:lnSpc>
-              <a:spcBef>
-                <a:spcPts val="1200"/>
-              </a:spcBef>
-              <a:buClr>
-                <a:schemeClr val="tx1"/>
-              </a:buClr>
-              <a:buSzPct val="90000"/>
-              <a:buFont typeface="System Font Regular"/>
-              <a:buNone/>
-              <a:tabLst/>
-              <a:defRPr sz="1600" kern="1200">
-                <a:solidFill>
-                  <a:schemeClr val="tx2"/>
-                </a:solidFill>
-                <a:latin typeface="+mn-lt"/>
-                <a:ea typeface="+mn-ea"/>
-                <a:cs typeface="+mn-cs"/>
-              </a:defRPr>
-            </a:lvl9pPr>
-          </a:lstStyle>
-          <a:p>
-            <a:pPr lvl="0"/>
-            <a:r>
-              <a:rPr lang="en-US" dirty="0">
-                <a:solidFill>
-                  <a:schemeClr val="bg1"/>
-                </a:solidFill>
-              </a:rPr>
-              <a:t>Visit us @</a:t>
-            </a:r>
-          </a:p>
-        </p:txBody>
-      </p:sp>
-      <p:sp>
-        <p:nvSpPr>
-          <p:cNvPr id="9" name="Subtitle">
-            <a:extLst>
-              <a:ext uri="{FF2B5EF4-FFF2-40B4-BE49-F238E27FC236}">
-                <a16:creationId xmlns:a16="http://schemas.microsoft.com/office/drawing/2014/main" id="{D1A7EC52-7EE4-21B7-2494-9B5C987DFCB6}"/>
-              </a:ext>
-            </a:extLst>
-          </p:cNvPr>
-          <p:cNvSpPr txBox="1">
-            <a:spLocks/>
-          </p:cNvSpPr>
-          <p:nvPr/>
-        </p:nvSpPr>
-        <p:spPr>
-          <a:xfrm>
-            <a:off x="589108" y="5534787"/>
-            <a:ext cx="5937816" cy="700882"/>
-          </a:xfrm>
-          <a:prstGeom prst="rect">
-            <a:avLst/>
-          </a:prstGeom>
-        </p:spPr>
-        <p:txBody>
-          <a:bodyPr vert="horz" lIns="0" tIns="0" rIns="0" bIns="0" rtlCol="0">
-            <a:noAutofit/>
-          </a:bodyPr>
-          <a:lstStyle>
-            <a:lvl1pPr marL="0" indent="0" algn="l" defTabSz="914400" rtl="0" eaLnBrk="1" latinLnBrk="0" hangingPunct="1">
-              <a:lnSpc>
-                <a:spcPct val="100000"/>
-              </a:lnSpc>
-              <a:spcBef>
-                <a:spcPts val="1200"/>
-              </a:spcBef>
-              <a:buClr>
-                <a:schemeClr val="tx1">
-                  <a:lumMod val="60000"/>
-                  <a:lumOff val="40000"/>
-                </a:schemeClr>
-              </a:buClr>
-              <a:buSzPct val="90000"/>
-              <a:buFont typeface="Arial" panose="020B0604020202020204" pitchFamily="34" charset="0"/>
-              <a:buNone/>
-              <a:defRPr sz="2400" kern="1200">
-                <a:solidFill>
-                  <a:schemeClr val="tx2"/>
-                </a:solidFill>
-                <a:latin typeface="+mj-lt"/>
-                <a:ea typeface="+mn-ea"/>
-                <a:cs typeface="+mn-cs"/>
-              </a:defRPr>
-            </a:lvl1pPr>
-            <a:lvl2pPr marL="457200" indent="0" algn="ctr" defTabSz="914400" rtl="0" eaLnBrk="1" latinLnBrk="0" hangingPunct="1">
-              <a:lnSpc>
-                <a:spcPct val="100000"/>
-              </a:lnSpc>
-              <a:spcBef>
-                <a:spcPts val="1200"/>
-              </a:spcBef>
-              <a:buClr>
-                <a:schemeClr val="tx1"/>
-              </a:buClr>
-              <a:buSzPct val="90000"/>
-              <a:buFont typeface="Arial" panose="020B0604020202020204" pitchFamily="34" charset="0"/>
-              <a:buNone/>
-              <a:defRPr sz="2000" kern="1200">
-                <a:solidFill>
-                  <a:schemeClr val="tx2"/>
-                </a:solidFill>
-                <a:latin typeface="+mn-lt"/>
-                <a:ea typeface="+mn-ea"/>
-                <a:cs typeface="+mn-cs"/>
-              </a:defRPr>
-            </a:lvl2pPr>
-            <a:lvl3pPr marL="914400" indent="0" algn="ctr" defTabSz="914400" rtl="0" eaLnBrk="1" latinLnBrk="0" hangingPunct="1">
-              <a:lnSpc>
-                <a:spcPct val="100000"/>
-              </a:lnSpc>
-              <a:spcBef>
-                <a:spcPts val="1200"/>
-              </a:spcBef>
-              <a:spcAft>
-                <a:spcPts val="0"/>
-              </a:spcAft>
-              <a:buClr>
-                <a:schemeClr val="tx1"/>
-              </a:buClr>
-              <a:buSzPct val="90000"/>
-              <a:buFont typeface="Camphor Std" panose="020B0504030404020204" pitchFamily="34" charset="0"/>
-              <a:buNone/>
-              <a:defRPr sz="1800" kern="1200">
-                <a:solidFill>
-                  <a:schemeClr val="tx2"/>
-                </a:solidFill>
-                <a:latin typeface="+mn-lt"/>
-                <a:ea typeface="+mn-ea"/>
-                <a:cs typeface="+mn-cs"/>
-              </a:defRPr>
-            </a:lvl3pPr>
-            <a:lvl4pPr marL="1371600" indent="0" algn="ctr" defTabSz="914400" rtl="0" eaLnBrk="1" latinLnBrk="0" hangingPunct="1">
-              <a:lnSpc>
-                <a:spcPct val="100000"/>
-              </a:lnSpc>
-              <a:spcBef>
-                <a:spcPts val="1200"/>
-              </a:spcBef>
-              <a:buClr>
-                <a:schemeClr val="tx1"/>
-              </a:buClr>
-              <a:buSzPct val="90000"/>
-              <a:buFont typeface="Arial" panose="020B0604020202020204" pitchFamily="34" charset="0"/>
-              <a:buNone/>
-              <a:defRPr sz="1600" kern="1200">
-                <a:solidFill>
-                  <a:schemeClr val="tx2"/>
-                </a:solidFill>
-                <a:latin typeface="+mn-lt"/>
-                <a:ea typeface="+mn-ea"/>
-                <a:cs typeface="+mn-cs"/>
-              </a:defRPr>
-            </a:lvl4pPr>
-            <a:lvl5pPr marL="1828800" indent="0" algn="ctr" defTabSz="914400" rtl="0" eaLnBrk="1" latinLnBrk="0" hangingPunct="1">
-              <a:lnSpc>
-                <a:spcPct val="100000"/>
-              </a:lnSpc>
-              <a:spcBef>
-                <a:spcPts val="1200"/>
-              </a:spcBef>
-              <a:buClr>
-                <a:schemeClr val="tx1"/>
-              </a:buClr>
-              <a:buSzPct val="90000"/>
-              <a:buFont typeface="Camphor Std" panose="020B0504030404020204" pitchFamily="34" charset="0"/>
-              <a:buNone/>
-              <a:tabLst/>
-              <a:defRPr sz="1600" kern="1200">
-                <a:solidFill>
-                  <a:schemeClr val="tx2"/>
-                </a:solidFill>
-                <a:latin typeface="+mn-lt"/>
-                <a:ea typeface="+mn-ea"/>
-                <a:cs typeface="+mn-cs"/>
-              </a:defRPr>
-            </a:lvl5pPr>
-            <a:lvl6pPr marL="2286000" indent="0" algn="ctr" defTabSz="914400" rtl="0" eaLnBrk="1" latinLnBrk="0" hangingPunct="1">
-              <a:lnSpc>
-                <a:spcPct val="100000"/>
-              </a:lnSpc>
-              <a:spcBef>
-                <a:spcPts val="1200"/>
-              </a:spcBef>
-              <a:buClr>
-                <a:schemeClr val="tx1"/>
-              </a:buClr>
-              <a:buSzPct val="90000"/>
-              <a:buFont typeface="Arial" panose="020B0604020202020204" pitchFamily="34" charset="0"/>
-              <a:buNone/>
-              <a:tabLst/>
-              <a:defRPr sz="1600" kern="1200">
-                <a:solidFill>
-                  <a:schemeClr val="tx2"/>
-                </a:solidFill>
-                <a:latin typeface="+mn-lt"/>
-                <a:ea typeface="+mn-ea"/>
-                <a:cs typeface="+mn-cs"/>
-              </a:defRPr>
-            </a:lvl6pPr>
-            <a:lvl7pPr marL="2743200" indent="0" algn="ctr" defTabSz="914400" rtl="0" eaLnBrk="1" latinLnBrk="0" hangingPunct="1">
-              <a:lnSpc>
-                <a:spcPct val="100000"/>
-              </a:lnSpc>
-              <a:spcBef>
-                <a:spcPts val="1200"/>
-              </a:spcBef>
-              <a:buClr>
-                <a:schemeClr val="tx1"/>
-              </a:buClr>
-              <a:buSzPct val="90000"/>
-              <a:buFont typeface="System Font Regular"/>
-              <a:buNone/>
-              <a:tabLst/>
-              <a:defRPr sz="1600" kern="1200">
-                <a:solidFill>
-                  <a:schemeClr val="tx2"/>
-                </a:solidFill>
-                <a:latin typeface="+mn-lt"/>
-                <a:ea typeface="+mn-ea"/>
-                <a:cs typeface="+mn-cs"/>
-              </a:defRPr>
-            </a:lvl7pPr>
-            <a:lvl8pPr marL="3200400" indent="0" algn="ctr" defTabSz="914400" rtl="0" eaLnBrk="1" latinLnBrk="0" hangingPunct="1">
-              <a:lnSpc>
-                <a:spcPct val="100000"/>
-              </a:lnSpc>
-              <a:spcBef>
-                <a:spcPts val="1200"/>
-              </a:spcBef>
-              <a:buClr>
-                <a:schemeClr val="tx1"/>
-              </a:buClr>
-              <a:buSzPct val="90000"/>
-              <a:buFont typeface="Arial" panose="020B0604020202020204" pitchFamily="34" charset="0"/>
-              <a:buNone/>
-              <a:tabLst/>
-              <a:defRPr sz="1600" kern="1200">
-                <a:solidFill>
-                  <a:schemeClr val="tx2"/>
-                </a:solidFill>
-                <a:latin typeface="+mn-lt"/>
-                <a:ea typeface="+mn-ea"/>
-                <a:cs typeface="+mn-cs"/>
-              </a:defRPr>
-            </a:lvl8pPr>
-            <a:lvl9pPr marL="3657600" indent="0" algn="ctr" defTabSz="914400" rtl="0" eaLnBrk="1" latinLnBrk="0" hangingPunct="1">
-              <a:lnSpc>
-                <a:spcPct val="100000"/>
-              </a:lnSpc>
-              <a:spcBef>
-                <a:spcPts val="1200"/>
-              </a:spcBef>
-              <a:buClr>
-                <a:schemeClr val="tx1"/>
-              </a:buClr>
-              <a:buSzPct val="90000"/>
-              <a:buFont typeface="System Font Regular"/>
-              <a:buNone/>
-              <a:tabLst/>
-              <a:defRPr sz="1600" kern="1200">
-                <a:solidFill>
-                  <a:schemeClr val="tx2"/>
-                </a:solidFill>
-                <a:latin typeface="+mn-lt"/>
-                <a:ea typeface="+mn-ea"/>
-                <a:cs typeface="+mn-cs"/>
-              </a:defRPr>
-            </a:lvl9pPr>
-          </a:lstStyle>
-          <a:p>
-            <a:pPr lvl="0"/>
-            <a:r>
-              <a:rPr lang="en-US" dirty="0">
-                <a:solidFill>
-                  <a:schemeClr val="bg1"/>
-                </a:solidFill>
-              </a:rPr>
-              <a:t>Dig deeper with </a:t>
-            </a:r>
-          </a:p>
-        </p:txBody>
-      </p:sp>
-      <p:sp>
-        <p:nvSpPr>
-          <p:cNvPr id="3" name="TextBox 2">
-            <a:extLst>
-              <a:ext uri="{FF2B5EF4-FFF2-40B4-BE49-F238E27FC236}">
-                <a16:creationId xmlns:a16="http://schemas.microsoft.com/office/drawing/2014/main" id="{A15D6AEA-5157-ADE8-76A5-8507CE788903}"/>
-              </a:ext>
-            </a:extLst>
-          </p:cNvPr>
-          <p:cNvSpPr txBox="1"/>
-          <p:nvPr/>
-        </p:nvSpPr>
-        <p:spPr>
-          <a:xfrm>
-            <a:off x="588494" y="6395860"/>
-            <a:ext cx="3855223" cy="215444"/>
-          </a:xfrm>
-          <a:prstGeom prst="rect">
-            <a:avLst/>
-          </a:prstGeom>
-          <a:noFill/>
-        </p:spPr>
-        <p:txBody>
-          <a:bodyPr wrap="none" lIns="0" tIns="0" rIns="0" bIns="0" rtlCol="0">
-            <a:spAutoFit/>
-          </a:bodyPr>
-          <a:lstStyle/>
-          <a:p>
-            <a:pPr algn="l">
-              <a:lnSpc>
-                <a:spcPct val="100000"/>
-              </a:lnSpc>
-            </a:pPr>
-            <a:r>
-              <a:rPr lang="en-US" sz="700" spc="0" baseline="0" dirty="0">
-                <a:ln/>
-                <a:solidFill>
-                  <a:schemeClr val="bg1"/>
-                </a:solidFill>
-                <a:latin typeface="Metropolis-Regular"/>
-                <a:sym typeface="Metropolis-Regular"/>
-                <a:rtl val="0"/>
-              </a:rPr>
-              <a:t>Broadcom Proprietary and Confidential. Copyright © 2024 Broadcom. </a:t>
-            </a:r>
-          </a:p>
-          <a:p>
-            <a:pPr marL="0" marR="0" lvl="0" indent="0" algn="l" defTabSz="914400" rtl="0" eaLnBrk="1" fontAlgn="auto" latinLnBrk="0" hangingPunct="1">
-              <a:lnSpc>
-                <a:spcPct val="100000"/>
-              </a:lnSpc>
-              <a:spcBef>
-                <a:spcPts val="0"/>
-              </a:spcBef>
-              <a:spcAft>
-                <a:spcPts val="0"/>
-              </a:spcAft>
-              <a:buClrTx/>
-              <a:buSzTx/>
-              <a:buFontTx/>
-              <a:buNone/>
-              <a:tabLst/>
-              <a:defRPr/>
-            </a:pPr>
-            <a:r>
-              <a:rPr lang="en-US" sz="700" spc="0" baseline="0" dirty="0">
-                <a:ln/>
-                <a:solidFill>
-                  <a:schemeClr val="bg1"/>
-                </a:solidFill>
-                <a:latin typeface="Metropolis-Regular"/>
-                <a:sym typeface="Metropolis-Regular"/>
-                <a:rtl val="0"/>
-              </a:rPr>
-              <a:t>All Rights Reserved. The term “Broadcom” refers to Broadcom Inc. and/or its subsidiaries.</a:t>
-            </a:r>
-          </a:p>
-        </p:txBody>
-      </p:sp>
-    </p:spTree>
-    <p:extLst>
-      <p:ext uri="{BB962C8B-B14F-4D97-AF65-F5344CB8AC3E}">
-        <p14:creationId xmlns:p14="http://schemas.microsoft.com/office/powerpoint/2010/main" val="2186636965"/>
+        <p14:creationId xmlns:p14="http://schemas.microsoft.com/office/powerpoint/2010/main" val="4140715204"/>
       </p:ext>
     </p:extLst>
   </p:cSld>
@@ -24586,6 +23506,15 @@
 </file>
 
 <file path=customXml/item2.xml><?xml version="1.0" encoding="utf-8"?>
+<?mso-contentType ?>
+<FormTemplates xmlns="http://schemas.microsoft.com/sharepoint/v3/contenttype/forms">
+  <Display>DocumentLibraryForm</Display>
+  <Edit>DocumentLibraryForm</Edit>
+  <New>DocumentLibraryForm</New>
+</FormTemplates>
+</file>
+
+<file path=customXml/item3.xml><?xml version="1.0" encoding="utf-8"?>
 <ct:contentTypeSchema xmlns:ct="http://schemas.microsoft.com/office/2006/metadata/contentType" xmlns:ma="http://schemas.microsoft.com/office/2006/metadata/properties/metaAttributes" ct:_="" ma:_="" ma:contentTypeName="Document" ma:contentTypeID="0x0101008B3F91C0C4ECEE479555FEA4A4EB2B48" ma:contentTypeVersion="15" ma:contentTypeDescription="Create a new document." ma:contentTypeScope="" ma:versionID="c6a87b1e4bc033b72f454e04dac54d88">
   <xsd:schema xmlns:xsd="http://www.w3.org/2001/XMLSchema" xmlns:xs="http://www.w3.org/2001/XMLSchema" xmlns:p="http://schemas.microsoft.com/office/2006/metadata/properties" xmlns:ns2="34d4d772-b3f2-47fc-9a2d-2126f9957ae8" xmlns:ns3="d345b56e-75a0-4ca8-9b4b-110cb999efd5" targetNamespace="http://schemas.microsoft.com/office/2006/metadata/properties" ma:root="true" ma:fieldsID="6eb14a52ad1190b1f78ecaeae027f828" ns2:_="" ns3:_="">
     <xsd:import namespace="34d4d772-b3f2-47fc-9a2d-2126f9957ae8"/>
@@ -24820,15 +23749,6 @@
 </ct:contentTypeSchema>
 </file>
 
-<file path=customXml/item3.xml><?xml version="1.0" encoding="utf-8"?>
-<?mso-contentType ?>
-<FormTemplates xmlns="http://schemas.microsoft.com/sharepoint/v3/contenttype/forms">
-  <Display>DocumentLibraryForm</Display>
-  <Edit>DocumentLibraryForm</Edit>
-  <New>DocumentLibraryForm</New>
-</FormTemplates>
-</file>
-
 <file path=customXml/itemProps1.xml><?xml version="1.0" encoding="utf-8"?>
 <ds:datastoreItem xmlns:ds="http://schemas.openxmlformats.org/officeDocument/2006/customXml" ds:itemID="{51634573-F7D8-4ECC-B5FF-91D1E5D2E650}">
   <ds:schemaRefs>
@@ -24847,6 +23767,14 @@
 </file>
 
 <file path=customXml/itemProps2.xml><?xml version="1.0" encoding="utf-8"?>
+<ds:datastoreItem xmlns:ds="http://schemas.openxmlformats.org/officeDocument/2006/customXml" ds:itemID="{BAD99180-4DF7-4231-B572-5E5D5B192DA4}">
+  <ds:schemaRefs>
+    <ds:schemaRef ds:uri="http://schemas.microsoft.com/sharepoint/v3/contenttype/forms"/>
+  </ds:schemaRefs>
+</ds:datastoreItem>
+</file>
+
+<file path=customXml/itemProps3.xml><?xml version="1.0" encoding="utf-8"?>
 <ds:datastoreItem xmlns:ds="http://schemas.openxmlformats.org/officeDocument/2006/customXml" ds:itemID="{28FF4D8F-9B19-4DA8-8A71-562BBA95DCB6}">
   <ds:schemaRefs>
     <ds:schemaRef ds:uri="http://schemas.microsoft.com/office/2006/metadata/contentType"/>
@@ -24863,12 +23791,4 @@
     <ds:schemaRef ds:uri="http://schemas.microsoft.com/internal/obd"/>
   </ds:schemaRefs>
 </ds:datastoreItem>
-</file>
-
-<file path=customXml/itemProps3.xml><?xml version="1.0" encoding="utf-8"?>
-<ds:datastoreItem xmlns:ds="http://schemas.openxmlformats.org/officeDocument/2006/customXml" ds:itemID="{BAD99180-4DF7-4231-B572-5E5D5B192DA4}">
-  <ds:schemaRefs>
-    <ds:schemaRef ds:uri="http://schemas.microsoft.com/sharepoint/v3/contenttype/forms"/>
-  </ds:schemaRefs>
-</ds:datastoreItem>
 </file>
--- a/Powercli/VMwareExplore_2024/CODE1745LV - PowerCLI 301 - Functions Upon Functions.pptx
+++ b/Powercli/VMwareExplore_2024/CODE1745LV - PowerCLI 301 - Functions Upon Functions.pptx
@@ -5,25 +5,31 @@
     <p:sldMasterId id="2147483937" r:id="rId4"/>
   </p:sldMasterIdLst>
   <p:notesMasterIdLst>
-    <p:notesMasterId r:id="rId13"/>
+    <p:notesMasterId r:id="rId19"/>
   </p:notesMasterIdLst>
   <p:handoutMasterIdLst>
-    <p:handoutMasterId r:id="rId14"/>
+    <p:handoutMasterId r:id="rId20"/>
   </p:handoutMasterIdLst>
   <p:sldIdLst>
-    <p:sldId id="2147470580" r:id="rId5"/>
-    <p:sldId id="2147470579" r:id="rId6"/>
-    <p:sldId id="2147470581" r:id="rId7"/>
-    <p:sldId id="2147470582" r:id="rId8"/>
-    <p:sldId id="2147470578" r:id="rId9"/>
-    <p:sldId id="2147470583" r:id="rId10"/>
-    <p:sldId id="2026819541" r:id="rId11"/>
-    <p:sldId id="2026819543" r:id="rId12"/>
+    <p:sldId id="2147470582" r:id="rId5"/>
+    <p:sldId id="2147470578" r:id="rId6"/>
+    <p:sldId id="2147470584" r:id="rId7"/>
+    <p:sldId id="2147470583" r:id="rId8"/>
+    <p:sldId id="2147470585" r:id="rId9"/>
+    <p:sldId id="2147470587" r:id="rId10"/>
+    <p:sldId id="2147470586" r:id="rId11"/>
+    <p:sldId id="2147470588" r:id="rId12"/>
+    <p:sldId id="2147470589" r:id="rId13"/>
+    <p:sldId id="2147470590" r:id="rId14"/>
+    <p:sldId id="2147470591" r:id="rId15"/>
+    <p:sldId id="2147470592" r:id="rId16"/>
+    <p:sldId id="2147470593" r:id="rId17"/>
+    <p:sldId id="2026819541" r:id="rId18"/>
   </p:sldIdLst>
   <p:sldSz cx="12188825" cy="6858000"/>
   <p:notesSz cx="6858000" cy="9144000"/>
   <p:custDataLst>
-    <p:tags r:id="rId15"/>
+    <p:tags r:id="rId21"/>
   </p:custDataLst>
   <p:defaultTextStyle>
     <a:defPPr>
@@ -124,19 +130,24 @@
     <p:ext uri="{521415D9-36F7-43E2-AB2F-B90AF26B5E84}">
       <p14:sectionLst xmlns:p14="http://schemas.microsoft.com/office/powerpoint/2010/main">
         <p14:section name="Instructional content" id="{58BEA273-1560-4F40-882D-D72BE2F08D38}">
-          <p14:sldIdLst>
-            <p14:sldId id="2147470580"/>
-            <p14:sldId id="2147470579"/>
-            <p14:sldId id="2147470581"/>
-          </p14:sldIdLst>
+          <p14:sldIdLst/>
         </p14:section>
         <p14:section name="Template" id="{095074CF-EC36-8641-8A3E-A95BC79C523F}">
           <p14:sldIdLst>
             <p14:sldId id="2147470582"/>
             <p14:sldId id="2147470578"/>
+            <p14:sldId id="2147470584"/>
             <p14:sldId id="2147470583"/>
+            <p14:sldId id="2147470585"/>
+            <p14:sldId id="2147470587"/>
+            <p14:sldId id="2147470586"/>
+            <p14:sldId id="2147470588"/>
+            <p14:sldId id="2147470589"/>
+            <p14:sldId id="2147470590"/>
+            <p14:sldId id="2147470591"/>
+            <p14:sldId id="2147470592"/>
+            <p14:sldId id="2147470593"/>
             <p14:sldId id="2026819541"/>
-            <p14:sldId id="2026819543"/>
           </p14:sldIdLst>
         </p14:section>
         <p14:section name="APPENDIX" id="{06BBF2D1-F34A-3D41-AB4D-E6ADB4E37BD5}">
@@ -264,7 +275,7 @@
               <a:rPr lang="en-US" smtClean="0">
                 <a:latin typeface="Metropolis" panose="00000500000000000000" pitchFamily="50" charset="0"/>
               </a:rPr>
-              <a:t>8/9/2024</a:t>
+              <a:t>8/17/2024</a:t>
             </a:fld>
             <a:endParaRPr lang="en-US">
               <a:latin typeface="Metropolis" panose="00000500000000000000" pitchFamily="50" charset="0"/>
@@ -442,7 +453,7 @@
             <a:fld id="{3CB6F0DB-E055-41D0-9102-627A646E4242}" type="datetimeFigureOut">
               <a:rPr lang="en-US" smtClean="0"/>
               <a:pPr/>
-              <a:t>8/9/2024</a:t>
+              <a:t>8/17/2024</a:t>
             </a:fld>
             <a:endParaRPr lang="en-US"/>
           </a:p>
@@ -19494,7 +19505,741 @@
 </file>
 
 <file path=ppt/slides/slide1.xml><?xml version="1.0" encoding="utf-8"?>
-<p:sld xmlns:a="http://schemas.openxmlformats.org/drawingml/2006/main" xmlns:r="http://schemas.openxmlformats.org/officeDocument/2006/relationships" xmlns:p="http://schemas.openxmlformats.org/presentationml/2006/main" show="0">
+<p:sld xmlns:a="http://schemas.openxmlformats.org/drawingml/2006/main" xmlns:r="http://schemas.openxmlformats.org/officeDocument/2006/relationships" xmlns:p="http://schemas.openxmlformats.org/presentationml/2006/main">
+  <p:cSld>
+    <p:spTree>
+      <p:nvGrpSpPr>
+        <p:cNvPr id="1" name=""/>
+        <p:cNvGrpSpPr/>
+        <p:nvPr/>
+      </p:nvGrpSpPr>
+      <p:grpSpPr>
+        <a:xfrm>
+          <a:off x="0" y="0"/>
+          <a:ext cx="0" cy="0"/>
+          <a:chOff x="0" y="0"/>
+          <a:chExt cx="0" cy="0"/>
+        </a:xfrm>
+      </p:grpSpPr>
+      <p:sp>
+        <p:nvSpPr>
+          <p:cNvPr id="13" name="Text Placeholder 12">
+            <a:extLst>
+              <a:ext uri="{FF2B5EF4-FFF2-40B4-BE49-F238E27FC236}">
+                <a16:creationId xmlns:a16="http://schemas.microsoft.com/office/drawing/2014/main" id="{222FB045-4DAE-A1C8-DF9F-B4AA0ED41E3E}"/>
+              </a:ext>
+            </a:extLst>
+          </p:cNvPr>
+          <p:cNvSpPr>
+            <a:spLocks noGrp="1"/>
+          </p:cNvSpPr>
+          <p:nvPr>
+            <p:ph type="body" sz="quarter" idx="11"/>
+          </p:nvPr>
+        </p:nvSpPr>
+        <p:spPr/>
+        <p:txBody>
+          <a:bodyPr/>
+          <a:lstStyle/>
+          <a:p>
+            <a:r>
+              <a:rPr lang="en-US" dirty="0" smtClean="0"/>
+              <a:t>Justin Sider</a:t>
+            </a:r>
+            <a:endParaRPr lang="en-US" dirty="0"/>
+          </a:p>
+        </p:txBody>
+      </p:sp>
+      <p:sp>
+        <p:nvSpPr>
+          <p:cNvPr id="14" name="Text Placeholder 13">
+            <a:extLst>
+              <a:ext uri="{FF2B5EF4-FFF2-40B4-BE49-F238E27FC236}">
+                <a16:creationId xmlns:a16="http://schemas.microsoft.com/office/drawing/2014/main" id="{C02107BA-34B4-85E7-3812-729A10DEF8A7}"/>
+              </a:ext>
+            </a:extLst>
+          </p:cNvPr>
+          <p:cNvSpPr>
+            <a:spLocks noGrp="1"/>
+          </p:cNvSpPr>
+          <p:nvPr>
+            <p:ph type="body" sz="quarter" idx="12"/>
+          </p:nvPr>
+        </p:nvSpPr>
+        <p:spPr/>
+        <p:txBody>
+          <a:bodyPr/>
+          <a:lstStyle/>
+          <a:p>
+            <a:r>
+              <a:rPr lang="en-US" dirty="0" smtClean="0"/>
+              <a:t>Chief PowerShell Officer – Belay Technologies</a:t>
+            </a:r>
+            <a:endParaRPr lang="en-US" dirty="0"/>
+          </a:p>
+        </p:txBody>
+      </p:sp>
+      <p:sp>
+        <p:nvSpPr>
+          <p:cNvPr id="15" name="Text Placeholder 14">
+            <a:extLst>
+              <a:ext uri="{FF2B5EF4-FFF2-40B4-BE49-F238E27FC236}">
+                <a16:creationId xmlns:a16="http://schemas.microsoft.com/office/drawing/2014/main" id="{E4890F4D-2A2A-476E-87B3-B4740C3D18E2}"/>
+              </a:ext>
+            </a:extLst>
+          </p:cNvPr>
+          <p:cNvSpPr>
+            <a:spLocks noGrp="1"/>
+          </p:cNvSpPr>
+          <p:nvPr>
+            <p:ph type="body" sz="quarter" idx="14"/>
+          </p:nvPr>
+        </p:nvSpPr>
+        <p:spPr/>
+        <p:txBody>
+          <a:bodyPr/>
+          <a:lstStyle/>
+          <a:p>
+            <a:r>
+              <a:rPr lang="en-US" dirty="0"/>
+              <a:t># CODE1745LV</a:t>
+            </a:r>
+          </a:p>
+        </p:txBody>
+      </p:sp>
+      <p:sp>
+        <p:nvSpPr>
+          <p:cNvPr id="8" name="Title 4" title="Title">
+            <a:extLst>
+              <a:ext uri="{FF2B5EF4-FFF2-40B4-BE49-F238E27FC236}">
+                <a16:creationId xmlns:a16="http://schemas.microsoft.com/office/drawing/2014/main" id="{6AF36ABC-9C30-E49E-A919-AC10E0F93B73}"/>
+              </a:ext>
+            </a:extLst>
+          </p:cNvPr>
+          <p:cNvSpPr>
+            <a:spLocks noGrp="1"/>
+          </p:cNvSpPr>
+          <p:nvPr>
+            <p:ph type="title"/>
+          </p:nvPr>
+        </p:nvSpPr>
+        <p:spPr/>
+        <p:txBody>
+          <a:bodyPr/>
+          <a:lstStyle/>
+          <a:p>
+            <a:r>
+              <a:rPr lang="en-US" sz="4000" dirty="0" err="1" smtClean="0"/>
+              <a:t>PowerCLI</a:t>
+            </a:r>
+            <a:r>
+              <a:rPr lang="en-US" sz="4000" dirty="0" smtClean="0"/>
+              <a:t> 301</a:t>
+            </a:r>
+            <a:endParaRPr lang="en-US" dirty="0"/>
+          </a:p>
+        </p:txBody>
+      </p:sp>
+      <p:sp>
+        <p:nvSpPr>
+          <p:cNvPr id="9" name="Subtitle 5" title="Subtitle">
+            <a:extLst>
+              <a:ext uri="{FF2B5EF4-FFF2-40B4-BE49-F238E27FC236}">
+                <a16:creationId xmlns:a16="http://schemas.microsoft.com/office/drawing/2014/main" id="{5C458ECF-94C9-BC18-C2C8-2A294DE58AE8}"/>
+              </a:ext>
+            </a:extLst>
+          </p:cNvPr>
+          <p:cNvSpPr>
+            <a:spLocks noGrp="1"/>
+          </p:cNvSpPr>
+          <p:nvPr>
+            <p:ph type="subTitle" idx="4294967295"/>
+          </p:nvPr>
+        </p:nvSpPr>
+        <p:spPr>
+          <a:xfrm>
+            <a:off x="588494" y="4446003"/>
+            <a:ext cx="5505917" cy="416403"/>
+          </a:xfrm>
+        </p:spPr>
+        <p:txBody>
+          <a:bodyPr/>
+          <a:lstStyle/>
+          <a:p>
+            <a:r>
+              <a:rPr lang="en-US" dirty="0" smtClean="0">
+                <a:solidFill>
+                  <a:schemeClr val="bg1"/>
+                </a:solidFill>
+              </a:rPr>
+              <a:t>Functions upon Functions</a:t>
+            </a:r>
+            <a:endParaRPr lang="en-US" dirty="0">
+              <a:solidFill>
+                <a:schemeClr val="bg1"/>
+              </a:solidFill>
+            </a:endParaRPr>
+          </a:p>
+        </p:txBody>
+      </p:sp>
+      <p:sp>
+        <p:nvSpPr>
+          <p:cNvPr id="16" name="Text Placeholder 15">
+            <a:extLst>
+              <a:ext uri="{FF2B5EF4-FFF2-40B4-BE49-F238E27FC236}">
+                <a16:creationId xmlns:a16="http://schemas.microsoft.com/office/drawing/2014/main" id="{BF074FE7-E33A-7CFF-F7B5-3B08607D6660}"/>
+              </a:ext>
+            </a:extLst>
+          </p:cNvPr>
+          <p:cNvSpPr>
+            <a:spLocks noGrp="1"/>
+          </p:cNvSpPr>
+          <p:nvPr>
+            <p:ph type="body" sz="quarter" idx="15"/>
+          </p:nvPr>
+        </p:nvSpPr>
+        <p:spPr/>
+        <p:txBody>
+          <a:bodyPr/>
+          <a:lstStyle/>
+          <a:p>
+            <a:r>
+              <a:rPr lang="en-US" dirty="0" smtClean="0"/>
+              <a:t>CODE1745LV</a:t>
+            </a:r>
+            <a:endParaRPr lang="en-US" dirty="0"/>
+          </a:p>
+        </p:txBody>
+      </p:sp>
+      <p:sp>
+        <p:nvSpPr>
+          <p:cNvPr id="2" name="TextBox 1">
+            <a:extLst>
+              <a:ext uri="{FF2B5EF4-FFF2-40B4-BE49-F238E27FC236}">
+                <a16:creationId xmlns:a16="http://schemas.microsoft.com/office/drawing/2014/main" id="{918E8234-B800-C09A-FE76-981EEA56F954}"/>
+              </a:ext>
+            </a:extLst>
+          </p:cNvPr>
+          <p:cNvSpPr txBox="1"/>
+          <p:nvPr/>
+        </p:nvSpPr>
+        <p:spPr>
+          <a:xfrm>
+            <a:off x="588494" y="6395860"/>
+            <a:ext cx="3855223" cy="215444"/>
+          </a:xfrm>
+          <a:prstGeom prst="rect">
+            <a:avLst/>
+          </a:prstGeom>
+          <a:noFill/>
+        </p:spPr>
+        <p:txBody>
+          <a:bodyPr wrap="none" lIns="0" tIns="0" rIns="0" bIns="0" rtlCol="0">
+            <a:spAutoFit/>
+          </a:bodyPr>
+          <a:lstStyle/>
+          <a:p>
+            <a:pPr algn="l">
+              <a:lnSpc>
+                <a:spcPct val="100000"/>
+              </a:lnSpc>
+            </a:pPr>
+            <a:r>
+              <a:rPr lang="en-US" sz="700" spc="0" baseline="0" dirty="0">
+                <a:ln/>
+                <a:solidFill>
+                  <a:schemeClr val="bg1"/>
+                </a:solidFill>
+                <a:latin typeface="Metropolis-Regular"/>
+                <a:sym typeface="Metropolis-Regular"/>
+                <a:rtl val="0"/>
+              </a:rPr>
+              <a:t>Broadcom Proprietary and Confidential. Copyright © 2024 Broadcom. </a:t>
+            </a:r>
+          </a:p>
+          <a:p>
+            <a:pPr marL="0" marR="0" lvl="0" indent="0" algn="l" defTabSz="914400" rtl="0" eaLnBrk="1" fontAlgn="auto" latinLnBrk="0" hangingPunct="1">
+              <a:lnSpc>
+                <a:spcPct val="100000"/>
+              </a:lnSpc>
+              <a:spcBef>
+                <a:spcPts val="0"/>
+              </a:spcBef>
+              <a:spcAft>
+                <a:spcPts val="0"/>
+              </a:spcAft>
+              <a:buClrTx/>
+              <a:buSzTx/>
+              <a:buFontTx/>
+              <a:buNone/>
+              <a:tabLst/>
+              <a:defRPr/>
+            </a:pPr>
+            <a:r>
+              <a:rPr lang="en-US" sz="700" spc="0" baseline="0" dirty="0">
+                <a:ln/>
+                <a:solidFill>
+                  <a:schemeClr val="bg1"/>
+                </a:solidFill>
+                <a:latin typeface="Metropolis-Regular"/>
+                <a:sym typeface="Metropolis-Regular"/>
+                <a:rtl val="0"/>
+              </a:rPr>
+              <a:t>All Rights Reserved. The term “Broadcom” refers to Broadcom Inc. and/or its subsidiaries.</a:t>
+            </a:r>
+          </a:p>
+        </p:txBody>
+      </p:sp>
+    </p:spTree>
+    <p:extLst>
+      <p:ext uri="{BB962C8B-B14F-4D97-AF65-F5344CB8AC3E}">
+        <p14:creationId xmlns:p14="http://schemas.microsoft.com/office/powerpoint/2010/main" val="3129537273"/>
+      </p:ext>
+    </p:extLst>
+  </p:cSld>
+  <p:clrMapOvr>
+    <a:masterClrMapping/>
+  </p:clrMapOvr>
+  <mc:AlternateContent xmlns:mc="http://schemas.openxmlformats.org/markup-compatibility/2006" xmlns:p14="http://schemas.microsoft.com/office/powerpoint/2010/main">
+    <mc:Choice Requires="p14">
+      <p:transition spd="med" p14:dur="700">
+        <p:fade/>
+      </p:transition>
+    </mc:Choice>
+    <mc:Fallback xmlns="">
+      <p:transition spd="med">
+        <p:fade/>
+      </p:transition>
+    </mc:Fallback>
+  </mc:AlternateContent>
+</p:sld>
+</file>
+
+<file path=ppt/slides/slide10.xml><?xml version="1.0" encoding="utf-8"?>
+<p:sld xmlns:a="http://schemas.openxmlformats.org/drawingml/2006/main" xmlns:r="http://schemas.openxmlformats.org/officeDocument/2006/relationships" xmlns:p="http://schemas.openxmlformats.org/presentationml/2006/main">
+  <p:cSld>
+    <p:spTree>
+      <p:nvGrpSpPr>
+        <p:cNvPr id="1" name=""/>
+        <p:cNvGrpSpPr/>
+        <p:nvPr/>
+      </p:nvGrpSpPr>
+      <p:grpSpPr>
+        <a:xfrm>
+          <a:off x="0" y="0"/>
+          <a:ext cx="0" cy="0"/>
+          <a:chOff x="0" y="0"/>
+          <a:chExt cx="0" cy="0"/>
+        </a:xfrm>
+      </p:grpSpPr>
+      <p:sp>
+        <p:nvSpPr>
+          <p:cNvPr id="2" name="Title 1"/>
+          <p:cNvSpPr>
+            <a:spLocks noGrp="1"/>
+          </p:cNvSpPr>
+          <p:nvPr>
+            <p:ph type="title"/>
+          </p:nvPr>
+        </p:nvSpPr>
+        <p:spPr/>
+        <p:txBody>
+          <a:bodyPr/>
+          <a:lstStyle/>
+          <a:p>
+            <a:r>
+              <a:rPr lang="en-US" dirty="0" smtClean="0"/>
+              <a:t>Pseudo Code</a:t>
+            </a:r>
+            <a:endParaRPr lang="en-US" dirty="0"/>
+          </a:p>
+        </p:txBody>
+      </p:sp>
+      <p:sp>
+        <p:nvSpPr>
+          <p:cNvPr id="3" name="Subtitle 2"/>
+          <p:cNvSpPr>
+            <a:spLocks noGrp="1"/>
+          </p:cNvSpPr>
+          <p:nvPr>
+            <p:ph type="subTitle" idx="10"/>
+          </p:nvPr>
+        </p:nvSpPr>
+        <p:spPr/>
+        <p:txBody>
+          <a:bodyPr/>
+          <a:lstStyle/>
+          <a:p>
+            <a:endParaRPr lang="en-US"/>
+          </a:p>
+        </p:txBody>
+      </p:sp>
+      <p:sp>
+        <p:nvSpPr>
+          <p:cNvPr id="4" name="Content Placeholder 3"/>
+          <p:cNvSpPr>
+            <a:spLocks noGrp="1"/>
+          </p:cNvSpPr>
+          <p:nvPr>
+            <p:ph sz="quarter" idx="14"/>
+          </p:nvPr>
+        </p:nvSpPr>
+        <p:spPr/>
+        <p:txBody>
+          <a:bodyPr/>
+          <a:lstStyle/>
+          <a:p>
+            <a:endParaRPr lang="en-US"/>
+          </a:p>
+        </p:txBody>
+      </p:sp>
+    </p:spTree>
+    <p:extLst>
+      <p:ext uri="{BB962C8B-B14F-4D97-AF65-F5344CB8AC3E}">
+        <p14:creationId xmlns:p14="http://schemas.microsoft.com/office/powerpoint/2010/main" val="344646379"/>
+      </p:ext>
+    </p:extLst>
+  </p:cSld>
+  <p:clrMapOvr>
+    <a:masterClrMapping/>
+  </p:clrMapOvr>
+  <mc:AlternateContent xmlns:mc="http://schemas.openxmlformats.org/markup-compatibility/2006" xmlns:p14="http://schemas.microsoft.com/office/powerpoint/2010/main">
+    <mc:Choice Requires="p14">
+      <p:transition spd="med" p14:dur="700">
+        <p:fade/>
+      </p:transition>
+    </mc:Choice>
+    <mc:Fallback xmlns="">
+      <p:transition spd="med">
+        <p:fade/>
+      </p:transition>
+    </mc:Fallback>
+  </mc:AlternateContent>
+</p:sld>
+</file>
+
+<file path=ppt/slides/slide11.xml><?xml version="1.0" encoding="utf-8"?>
+<p:sld xmlns:a="http://schemas.openxmlformats.org/drawingml/2006/main" xmlns:r="http://schemas.openxmlformats.org/officeDocument/2006/relationships" xmlns:p="http://schemas.openxmlformats.org/presentationml/2006/main">
+  <p:cSld>
+    <p:spTree>
+      <p:nvGrpSpPr>
+        <p:cNvPr id="1" name=""/>
+        <p:cNvGrpSpPr/>
+        <p:nvPr/>
+      </p:nvGrpSpPr>
+      <p:grpSpPr>
+        <a:xfrm>
+          <a:off x="0" y="0"/>
+          <a:ext cx="0" cy="0"/>
+          <a:chOff x="0" y="0"/>
+          <a:chExt cx="0" cy="0"/>
+        </a:xfrm>
+      </p:grpSpPr>
+      <p:sp>
+        <p:nvSpPr>
+          <p:cNvPr id="2" name="Title 1"/>
+          <p:cNvSpPr>
+            <a:spLocks noGrp="1"/>
+          </p:cNvSpPr>
+          <p:nvPr>
+            <p:ph type="title"/>
+          </p:nvPr>
+        </p:nvSpPr>
+        <p:spPr/>
+        <p:txBody>
+          <a:bodyPr/>
+          <a:lstStyle/>
+          <a:p>
+            <a:r>
+              <a:rPr lang="en-US" dirty="0" smtClean="0"/>
+              <a:t>PowerShell Gallery</a:t>
+            </a:r>
+            <a:endParaRPr lang="en-US" dirty="0"/>
+          </a:p>
+        </p:txBody>
+      </p:sp>
+      <p:sp>
+        <p:nvSpPr>
+          <p:cNvPr id="3" name="Subtitle 2"/>
+          <p:cNvSpPr>
+            <a:spLocks noGrp="1"/>
+          </p:cNvSpPr>
+          <p:nvPr>
+            <p:ph type="subTitle" idx="10"/>
+          </p:nvPr>
+        </p:nvSpPr>
+        <p:spPr/>
+        <p:txBody>
+          <a:bodyPr/>
+          <a:lstStyle/>
+          <a:p>
+            <a:endParaRPr lang="en-US"/>
+          </a:p>
+        </p:txBody>
+      </p:sp>
+      <p:sp>
+        <p:nvSpPr>
+          <p:cNvPr id="4" name="Content Placeholder 3"/>
+          <p:cNvSpPr>
+            <a:spLocks noGrp="1"/>
+          </p:cNvSpPr>
+          <p:nvPr>
+            <p:ph sz="quarter" idx="14"/>
+          </p:nvPr>
+        </p:nvSpPr>
+        <p:spPr/>
+        <p:txBody>
+          <a:bodyPr/>
+          <a:lstStyle/>
+          <a:p>
+            <a:endParaRPr lang="en-US"/>
+          </a:p>
+        </p:txBody>
+      </p:sp>
+    </p:spTree>
+    <p:extLst>
+      <p:ext uri="{BB962C8B-B14F-4D97-AF65-F5344CB8AC3E}">
+        <p14:creationId xmlns:p14="http://schemas.microsoft.com/office/powerpoint/2010/main" val="1642662522"/>
+      </p:ext>
+    </p:extLst>
+  </p:cSld>
+  <p:clrMapOvr>
+    <a:masterClrMapping/>
+  </p:clrMapOvr>
+  <mc:AlternateContent xmlns:mc="http://schemas.openxmlformats.org/markup-compatibility/2006" xmlns:p14="http://schemas.microsoft.com/office/powerpoint/2010/main">
+    <mc:Choice Requires="p14">
+      <p:transition spd="med" p14:dur="700">
+        <p:fade/>
+      </p:transition>
+    </mc:Choice>
+    <mc:Fallback xmlns="">
+      <p:transition spd="med">
+        <p:fade/>
+      </p:transition>
+    </mc:Fallback>
+  </mc:AlternateContent>
+</p:sld>
+</file>
+
+<file path=ppt/slides/slide12.xml><?xml version="1.0" encoding="utf-8"?>
+<p:sld xmlns:a="http://schemas.openxmlformats.org/drawingml/2006/main" xmlns:r="http://schemas.openxmlformats.org/officeDocument/2006/relationships" xmlns:p="http://schemas.openxmlformats.org/presentationml/2006/main">
+  <p:cSld>
+    <p:spTree>
+      <p:nvGrpSpPr>
+        <p:cNvPr id="1" name=""/>
+        <p:cNvGrpSpPr/>
+        <p:nvPr/>
+      </p:nvGrpSpPr>
+      <p:grpSpPr>
+        <a:xfrm>
+          <a:off x="0" y="0"/>
+          <a:ext cx="0" cy="0"/>
+          <a:chOff x="0" y="0"/>
+          <a:chExt cx="0" cy="0"/>
+        </a:xfrm>
+      </p:grpSpPr>
+      <p:sp>
+        <p:nvSpPr>
+          <p:cNvPr id="2" name="Title 1"/>
+          <p:cNvSpPr>
+            <a:spLocks noGrp="1"/>
+          </p:cNvSpPr>
+          <p:nvPr>
+            <p:ph type="title"/>
+          </p:nvPr>
+        </p:nvSpPr>
+        <p:spPr/>
+        <p:txBody>
+          <a:bodyPr/>
+          <a:lstStyle/>
+          <a:p>
+            <a:r>
+              <a:rPr lang="en-US" dirty="0" smtClean="0"/>
+              <a:t>Local PowerShell Modules</a:t>
+            </a:r>
+            <a:endParaRPr lang="en-US" dirty="0"/>
+          </a:p>
+        </p:txBody>
+      </p:sp>
+      <p:sp>
+        <p:nvSpPr>
+          <p:cNvPr id="3" name="Subtitle 2"/>
+          <p:cNvSpPr>
+            <a:spLocks noGrp="1"/>
+          </p:cNvSpPr>
+          <p:nvPr>
+            <p:ph type="subTitle" idx="10"/>
+          </p:nvPr>
+        </p:nvSpPr>
+        <p:spPr/>
+        <p:txBody>
+          <a:bodyPr/>
+          <a:lstStyle/>
+          <a:p>
+            <a:endParaRPr lang="en-US"/>
+          </a:p>
+        </p:txBody>
+      </p:sp>
+      <p:sp>
+        <p:nvSpPr>
+          <p:cNvPr id="4" name="Content Placeholder 3"/>
+          <p:cNvSpPr>
+            <a:spLocks noGrp="1"/>
+          </p:cNvSpPr>
+          <p:nvPr>
+            <p:ph sz="quarter" idx="14"/>
+          </p:nvPr>
+        </p:nvSpPr>
+        <p:spPr/>
+        <p:txBody>
+          <a:bodyPr/>
+          <a:lstStyle/>
+          <a:p>
+            <a:endParaRPr lang="en-US"/>
+          </a:p>
+        </p:txBody>
+      </p:sp>
+    </p:spTree>
+    <p:extLst>
+      <p:ext uri="{BB962C8B-B14F-4D97-AF65-F5344CB8AC3E}">
+        <p14:creationId xmlns:p14="http://schemas.microsoft.com/office/powerpoint/2010/main" val="1483383878"/>
+      </p:ext>
+    </p:extLst>
+  </p:cSld>
+  <p:clrMapOvr>
+    <a:masterClrMapping/>
+  </p:clrMapOvr>
+  <mc:AlternateContent xmlns:mc="http://schemas.openxmlformats.org/markup-compatibility/2006" xmlns:p14="http://schemas.microsoft.com/office/powerpoint/2010/main">
+    <mc:Choice Requires="p14">
+      <p:transition spd="med" p14:dur="700">
+        <p:fade/>
+      </p:transition>
+    </mc:Choice>
+    <mc:Fallback xmlns="">
+      <p:transition spd="med">
+        <p:fade/>
+      </p:transition>
+    </mc:Fallback>
+  </mc:AlternateContent>
+</p:sld>
+</file>
+
+<file path=ppt/slides/slide13.xml><?xml version="1.0" encoding="utf-8"?>
+<p:sld xmlns:a="http://schemas.openxmlformats.org/drawingml/2006/main" xmlns:r="http://schemas.openxmlformats.org/officeDocument/2006/relationships" xmlns:p="http://schemas.openxmlformats.org/presentationml/2006/main">
+  <p:cSld>
+    <p:spTree>
+      <p:nvGrpSpPr>
+        <p:cNvPr id="1" name=""/>
+        <p:cNvGrpSpPr/>
+        <p:nvPr/>
+      </p:nvGrpSpPr>
+      <p:grpSpPr>
+        <a:xfrm>
+          <a:off x="0" y="0"/>
+          <a:ext cx="0" cy="0"/>
+          <a:chOff x="0" y="0"/>
+          <a:chExt cx="0" cy="0"/>
+        </a:xfrm>
+      </p:grpSpPr>
+      <p:sp>
+        <p:nvSpPr>
+          <p:cNvPr id="2" name="Title 1"/>
+          <p:cNvSpPr>
+            <a:spLocks noGrp="1"/>
+          </p:cNvSpPr>
+          <p:nvPr>
+            <p:ph type="title"/>
+          </p:nvPr>
+        </p:nvSpPr>
+        <p:spPr/>
+        <p:txBody>
+          <a:bodyPr/>
+          <a:lstStyle/>
+          <a:p>
+            <a:r>
+              <a:rPr lang="en-US" dirty="0" smtClean="0"/>
+              <a:t>Bonus Topics</a:t>
+            </a:r>
+            <a:endParaRPr lang="en-US" dirty="0"/>
+          </a:p>
+        </p:txBody>
+      </p:sp>
+      <p:sp>
+        <p:nvSpPr>
+          <p:cNvPr id="3" name="Subtitle 2"/>
+          <p:cNvSpPr>
+            <a:spLocks noGrp="1"/>
+          </p:cNvSpPr>
+          <p:nvPr>
+            <p:ph type="subTitle" idx="10"/>
+          </p:nvPr>
+        </p:nvSpPr>
+        <p:spPr/>
+        <p:txBody>
+          <a:bodyPr/>
+          <a:lstStyle/>
+          <a:p>
+            <a:endParaRPr lang="en-US"/>
+          </a:p>
+        </p:txBody>
+      </p:sp>
+      <p:sp>
+        <p:nvSpPr>
+          <p:cNvPr id="4" name="Content Placeholder 3"/>
+          <p:cNvSpPr>
+            <a:spLocks noGrp="1"/>
+          </p:cNvSpPr>
+          <p:nvPr>
+            <p:ph sz="quarter" idx="14"/>
+          </p:nvPr>
+        </p:nvSpPr>
+        <p:spPr/>
+        <p:txBody>
+          <a:bodyPr/>
+          <a:lstStyle/>
+          <a:p>
+            <a:r>
+              <a:rPr lang="en-US" dirty="0" err="1" smtClean="0"/>
+              <a:t>ScriptAnalyzer</a:t>
+            </a:r>
+            <a:endParaRPr lang="en-US" dirty="0" smtClean="0"/>
+          </a:p>
+          <a:p>
+            <a:r>
+              <a:rPr lang="en-US" dirty="0" smtClean="0"/>
+              <a:t>Pester</a:t>
+            </a:r>
+            <a:endParaRPr lang="en-US" dirty="0"/>
+          </a:p>
+        </p:txBody>
+      </p:sp>
+    </p:spTree>
+    <p:extLst>
+      <p:ext uri="{BB962C8B-B14F-4D97-AF65-F5344CB8AC3E}">
+        <p14:creationId xmlns:p14="http://schemas.microsoft.com/office/powerpoint/2010/main" val="3449045227"/>
+      </p:ext>
+    </p:extLst>
+  </p:cSld>
+  <p:clrMapOvr>
+    <a:masterClrMapping/>
+  </p:clrMapOvr>
+  <mc:AlternateContent xmlns:mc="http://schemas.openxmlformats.org/markup-compatibility/2006" xmlns:p14="http://schemas.microsoft.com/office/powerpoint/2010/main">
+    <mc:Choice Requires="p14">
+      <p:transition spd="med" p14:dur="700">
+        <p:fade/>
+      </p:transition>
+    </mc:Choice>
+    <mc:Fallback xmlns="">
+      <p:transition spd="med">
+        <p:fade/>
+      </p:transition>
+    </mc:Fallback>
+  </mc:AlternateContent>
+</p:sld>
+</file>
+
+<file path=ppt/slides/slide14.xml><?xml version="1.0" encoding="utf-8"?>
+<p:sld xmlns:a="http://schemas.openxmlformats.org/drawingml/2006/main" xmlns:r="http://schemas.openxmlformats.org/officeDocument/2006/relationships" xmlns:p="http://schemas.openxmlformats.org/presentationml/2006/main">
   <p:cSld>
     <p:spTree>
       <p:nvGrpSpPr>
@@ -19515,7 +20260,7 @@
           <p:cNvPr id="2" name="Title 1">
             <a:extLst>
               <a:ext uri="{FF2B5EF4-FFF2-40B4-BE49-F238E27FC236}">
-                <a16:creationId xmlns:a16="http://schemas.microsoft.com/office/drawing/2014/main" id="{168374A4-8AEB-800A-566E-4F1AB585A89A}"/>
+                <a16:creationId xmlns:a16="http://schemas.microsoft.com/office/drawing/2014/main" id="{8EB89D28-96EC-2EFE-AC89-524B0B698CEA}"/>
               </a:ext>
             </a:extLst>
           </p:cNvPr>
@@ -19526,37 +20271,44 @@
             <p:ph type="title"/>
           </p:nvPr>
         </p:nvSpPr>
-        <p:spPr>
-          <a:xfrm>
-            <a:off x="608013" y="546019"/>
-            <a:ext cx="11001004" cy="381000"/>
-          </a:xfrm>
-        </p:spPr>
+        <p:spPr/>
         <p:txBody>
           <a:bodyPr/>
           <a:lstStyle/>
           <a:p>
             <a:r>
-              <a:rPr lang="en-US" dirty="0"/>
-              <a:t>Quick Guide</a:t>
+              <a:rPr lang="en-US" sz="4000" dirty="0">
+                <a:solidFill>
+                  <a:schemeClr val="bg1"/>
+                </a:solidFill>
+              </a:rPr>
+              <a:t>Please take </a:t>
             </a:r>
             <a:br>
-              <a:rPr lang="en-US" dirty="0"/>
+              <a:rPr lang="en-US" sz="4000" dirty="0">
+                <a:solidFill>
+                  <a:schemeClr val="bg1"/>
+                </a:solidFill>
+              </a:rPr>
             </a:br>
             <a:r>
-              <a:rPr lang="en-US" sz="2000" dirty="0"/>
-              <a:t>Start here to store and create your presentation</a:t>
-            </a:r>
-            <a:endParaRPr lang="en-US" dirty="0"/>
+              <a:rPr lang="en-US" sz="4000" dirty="0">
+                <a:solidFill>
+                  <a:schemeClr val="bg1"/>
+                </a:solidFill>
+              </a:rPr>
+              <a:t>your survey.</a:t>
+            </a:r>
+            <a:endParaRPr lang="en-US" sz="4000" dirty="0"/>
           </a:p>
         </p:txBody>
       </p:sp>
       <p:sp>
         <p:nvSpPr>
-          <p:cNvPr id="4" name="Content Placeholder 3">
+          <p:cNvPr id="3" name="Subtitle 2">
             <a:extLst>
               <a:ext uri="{FF2B5EF4-FFF2-40B4-BE49-F238E27FC236}">
-                <a16:creationId xmlns:a16="http://schemas.microsoft.com/office/drawing/2014/main" id="{8EA01140-1085-AE81-AFA5-D43AF97713F8}"/>
+                <a16:creationId xmlns:a16="http://schemas.microsoft.com/office/drawing/2014/main" id="{72AB6EE2-A795-0B32-903A-22365F29631E}"/>
               </a:ext>
             </a:extLst>
           </p:cNvPr>
@@ -19564,261 +20316,83 @@
             <a:spLocks noGrp="1"/>
           </p:cNvSpPr>
           <p:nvPr>
-            <p:ph sz="quarter" idx="17"/>
+            <p:ph type="subTitle" idx="10"/>
           </p:nvPr>
         </p:nvSpPr>
         <p:spPr>
           <a:xfrm>
-            <a:off x="6514827" y="1195126"/>
-            <a:ext cx="5486399" cy="4572000"/>
+            <a:off x="602965" y="3429000"/>
+            <a:ext cx="11319403" cy="700882"/>
           </a:xfrm>
         </p:spPr>
         <p:txBody>
-          <a:bodyPr vert="horz" lIns="0" tIns="0" rIns="0" bIns="0" rtlCol="0" anchor="t">
-            <a:noAutofit/>
-          </a:bodyPr>
+          <a:bodyPr/>
           <a:lstStyle/>
           <a:p>
             <a:r>
-              <a:rPr lang="en-US" sz="1200" dirty="0"/>
-              <a:t>How to store and share your PowerPoint on Box or locally.</a:t>
-            </a:r>
-          </a:p>
-          <a:p>
-            <a:pPr marL="342900" indent="-342900">
-              <a:buFont typeface="+mj-lt"/>
-              <a:buAutoNum type="arabicPeriod"/>
-            </a:pPr>
-            <a:r>
-              <a:rPr lang="en-US" sz="1200" dirty="0"/>
-              <a:t>Identify a location in Box and store your PowerPoint deck. Share the document with collaborators as needed.</a:t>
-            </a:r>
-          </a:p>
-          <a:p>
-            <a:pPr marL="342900" indent="-342900">
-              <a:buFont typeface="+mj-lt"/>
-              <a:buAutoNum type="arabicPeriod"/>
-            </a:pPr>
-            <a:r>
-              <a:rPr lang="en-US" sz="1200" dirty="0"/>
-              <a:t>Edit in PowerPoint. Do not edit in Google Slides.</a:t>
-            </a:r>
-          </a:p>
-          <a:p>
-            <a:pPr marL="342900" indent="-342900">
-              <a:buFont typeface="+mj-lt"/>
-              <a:buAutoNum type="arabicPeriod"/>
-            </a:pPr>
-            <a:endParaRPr lang="en-US" sz="1200" dirty="0"/>
-          </a:p>
-          <a:p>
-            <a:pPr marL="342900" indent="-342900">
-              <a:buFont typeface="+mj-lt"/>
-              <a:buAutoNum type="arabicPeriod"/>
-            </a:pPr>
-            <a:endParaRPr lang="en-US" sz="1200" dirty="0"/>
-          </a:p>
-          <a:p>
-            <a:pPr marL="342900" indent="-342900">
-              <a:buFont typeface="+mj-lt"/>
-              <a:buAutoNum type="arabicPeriod"/>
-            </a:pPr>
-            <a:endParaRPr lang="en-US" sz="1200" dirty="0"/>
-          </a:p>
-          <a:p>
-            <a:pPr marL="342900" indent="-342900">
-              <a:buFont typeface="+mj-lt"/>
-              <a:buAutoNum type="arabicPeriod"/>
-            </a:pPr>
-            <a:endParaRPr lang="en-US" sz="1200" dirty="0"/>
-          </a:p>
-          <a:p>
-            <a:pPr marL="228600" indent="-228600">
-              <a:buFont typeface="+mj-lt"/>
-              <a:buAutoNum type="arabicPeriod"/>
-            </a:pPr>
-            <a:r>
-              <a:rPr lang="en-US" sz="1200" dirty="0"/>
-              <a:t>Lock the file while you are editing it to avoid versioning issues.</a:t>
-            </a:r>
-            <a:br>
-              <a:rPr lang="en-US" sz="1200" dirty="0"/>
-            </a:br>
-            <a:r>
-              <a:rPr lang="en-US" sz="1200" dirty="0"/>
-              <a:t/>
-            </a:r>
-            <a:br>
-              <a:rPr lang="en-US" sz="1200" dirty="0"/>
-            </a:br>
-            <a:r>
-              <a:rPr lang="en-US" sz="1200" dirty="0"/>
-              <a:t/>
-            </a:r>
-            <a:br>
-              <a:rPr lang="en-US" sz="1200" dirty="0"/>
-            </a:br>
-            <a:r>
-              <a:rPr lang="en-US" sz="1200" dirty="0"/>
-              <a:t/>
-            </a:r>
-            <a:br>
-              <a:rPr lang="en-US" sz="1200" dirty="0"/>
-            </a:br>
-            <a:r>
-              <a:rPr lang="en-US" sz="1200" dirty="0"/>
-              <a:t/>
-            </a:r>
-            <a:br>
-              <a:rPr lang="en-US" sz="1200" dirty="0"/>
-            </a:br>
-            <a:endParaRPr lang="en-US" sz="1200" dirty="0"/>
-          </a:p>
-          <a:p>
-            <a:pPr marL="342900" indent="-342900">
-              <a:buFont typeface="+mj-lt"/>
-              <a:buAutoNum type="arabicPeriod"/>
-            </a:pPr>
-            <a:r>
-              <a:rPr lang="en-US" sz="1200" dirty="0"/>
-              <a:t>Save the PowerPoint and you will see your edits reflected in the version on Box. Alternatively, you can upload a new file version.</a:t>
-            </a:r>
+              <a:rPr lang="en-US" dirty="0" smtClean="0"/>
+              <a:t>Thank you!</a:t>
+            </a:r>
+          </a:p>
+          <a:p>
+            <a:r>
+              <a:rPr lang="en-US" sz="2000" dirty="0"/>
+              <a:t>https://github.com/jpsider/Invoke-Automation/tree/master/Powercli/VMwareExplore_2024</a:t>
+            </a:r>
+          </a:p>
+          <a:p>
+            <a:endParaRPr lang="en-US" dirty="0"/>
           </a:p>
         </p:txBody>
       </p:sp>
-      <p:pic>
-        <p:nvPicPr>
-          <p:cNvPr id="5" name="Picture 4" descr="A screenshot of a computer&#10;&#10;Description automatically generated">
+      <p:sp>
+        <p:nvSpPr>
+          <p:cNvPr id="4" name="TextBox 3">
             <a:extLst>
               <a:ext uri="{FF2B5EF4-FFF2-40B4-BE49-F238E27FC236}">
-                <a16:creationId xmlns:a16="http://schemas.microsoft.com/office/drawing/2014/main" id="{6284501C-3A20-9015-D6F5-C47D46224D11}"/>
+                <a16:creationId xmlns:a16="http://schemas.microsoft.com/office/drawing/2014/main" id="{1296680E-15AF-2278-3275-B47338D845B6}"/>
               </a:ext>
             </a:extLst>
           </p:cNvPr>
-          <p:cNvPicPr>
-            <a:picLocks noChangeAspect="1"/>
-          </p:cNvPicPr>
+          <p:cNvSpPr txBox="1"/>
           <p:nvPr/>
-        </p:nvPicPr>
-        <p:blipFill>
-          <a:blip r:embed="rId2"/>
-          <a:stretch>
-            <a:fillRect/>
-          </a:stretch>
-        </p:blipFill>
+        </p:nvSpPr>
         <p:spPr>
           <a:xfrm>
-            <a:off x="6810633" y="2210460"/>
-            <a:ext cx="1891933" cy="1418949"/>
+            <a:off x="588494" y="6395860"/>
+            <a:ext cx="3855223" cy="215444"/>
           </a:xfrm>
           <a:prstGeom prst="rect">
             <a:avLst/>
           </a:prstGeom>
-        </p:spPr>
-      </p:pic>
-      <p:pic>
-        <p:nvPicPr>
-          <p:cNvPr id="7" name="Picture 6" descr="A screenshot of a computer application&#10;&#10;Description automatically generated">
-            <a:extLst>
-              <a:ext uri="{FF2B5EF4-FFF2-40B4-BE49-F238E27FC236}">
-                <a16:creationId xmlns:a16="http://schemas.microsoft.com/office/drawing/2014/main" id="{DE0102BD-5E98-B621-2090-08534538440D}"/>
-              </a:ext>
-            </a:extLst>
-          </p:cNvPr>
-          <p:cNvPicPr>
-            <a:picLocks noChangeAspect="1"/>
-          </p:cNvPicPr>
-          <p:nvPr/>
-        </p:nvPicPr>
-        <p:blipFill rotWithShape="1">
-          <a:blip r:embed="rId3"/>
-          <a:srcRect b="35883"/>
-          <a:stretch/>
-        </p:blipFill>
-        <p:spPr>
-          <a:xfrm>
-            <a:off x="6705532" y="3897940"/>
-            <a:ext cx="2932457" cy="994905"/>
-          </a:xfrm>
-          <a:prstGeom prst="rect">
-            <a:avLst/>
-          </a:prstGeom>
-        </p:spPr>
-      </p:pic>
-      <p:cxnSp>
-        <p:nvCxnSpPr>
-          <p:cNvPr id="14" name="Straight Connector 13">
-            <a:extLst>
-              <a:ext uri="{FF2B5EF4-FFF2-40B4-BE49-F238E27FC236}">
-                <a16:creationId xmlns:a16="http://schemas.microsoft.com/office/drawing/2014/main" id="{F003287D-7B5B-C7A2-0029-94F7C0F0A814}"/>
-              </a:ext>
-            </a:extLst>
-          </p:cNvPr>
-          <p:cNvCxnSpPr>
-            <a:cxnSpLocks/>
-          </p:cNvCxnSpPr>
-          <p:nvPr/>
-        </p:nvCxnSpPr>
-        <p:spPr bwMode="gray">
-          <a:xfrm>
-            <a:off x="6810633" y="3142503"/>
-            <a:ext cx="1736293" cy="436887"/>
-          </a:xfrm>
-          <a:prstGeom prst="line">
-            <a:avLst/>
-          </a:prstGeom>
-          <a:ln w="25400">
-            <a:solidFill>
-              <a:srgbClr val="B72835"/>
-            </a:solidFill>
-            <a:miter lim="800000"/>
-            <a:tailEnd type="none"/>
-          </a:ln>
-        </p:spPr>
-        <p:style>
-          <a:lnRef idx="1">
-            <a:schemeClr val="accent1"/>
-          </a:lnRef>
-          <a:fillRef idx="0">
-            <a:schemeClr val="accent1"/>
-          </a:fillRef>
-          <a:effectRef idx="0">
-            <a:schemeClr val="accent1"/>
-          </a:effectRef>
-          <a:fontRef idx="minor">
-            <a:schemeClr val="tx1"/>
-          </a:fontRef>
-        </p:style>
-      </p:cxnSp>
-      <p:sp>
-        <p:nvSpPr>
-          <p:cNvPr id="3" name="Content Placeholder 3">
-            <a:extLst>
-              <a:ext uri="{FF2B5EF4-FFF2-40B4-BE49-F238E27FC236}">
-                <a16:creationId xmlns:a16="http://schemas.microsoft.com/office/drawing/2014/main" id="{37E5F0BE-AFCE-EC92-7E6E-AF0D84D08872}"/>
-              </a:ext>
-            </a:extLst>
-          </p:cNvPr>
-          <p:cNvSpPr txBox="1">
-            <a:spLocks/>
-          </p:cNvSpPr>
-          <p:nvPr/>
-        </p:nvSpPr>
-        <p:spPr>
-          <a:xfrm>
-            <a:off x="608013" y="1195126"/>
-            <a:ext cx="5313783" cy="3723715"/>
-          </a:xfrm>
-          <a:prstGeom prst="rect">
-            <a:avLst/>
-          </a:prstGeom>
+          <a:noFill/>
         </p:spPr>
         <p:txBody>
-          <a:bodyPr vert="horz" lIns="0" tIns="0" rIns="0" bIns="0" rtlCol="0" anchor="t">
-            <a:noAutofit/>
+          <a:bodyPr wrap="none" lIns="0" tIns="0" rIns="0" bIns="0" rtlCol="0">
+            <a:spAutoFit/>
           </a:bodyPr>
-          <a:lstStyle>
-            <a:lvl1pPr marL="0" indent="0" algn="l" defTabSz="914400" rtl="0" eaLnBrk="1" latinLnBrk="0" hangingPunct="1">
+          <a:lstStyle/>
+          <a:p>
+            <a:pPr algn="l">
+              <a:lnSpc>
+                <a:spcPct val="100000"/>
+              </a:lnSpc>
+            </a:pPr>
+            <a:r>
+              <a:rPr lang="en-US" sz="700" spc="0" baseline="0" dirty="0">
+                <a:ln/>
+                <a:solidFill>
+                  <a:schemeClr val="bg1"/>
+                </a:solidFill>
+                <a:latin typeface="Metropolis-Regular"/>
+                <a:sym typeface="Metropolis-Regular"/>
+                <a:rtl val="0"/>
+              </a:rPr>
+              <a:t>Broadcom Proprietary and Confidential. Copyright © 2024 Broadcom. </a:t>
+            </a:r>
+          </a:p>
+          <a:p>
+            <a:pPr marL="0" marR="0" lvl="0" indent="0" algn="l" defTabSz="914400" rtl="0" eaLnBrk="1" fontAlgn="auto" latinLnBrk="0" hangingPunct="1">
               <a:lnSpc>
                 <a:spcPct val="100000"/>
               </a:lnSpc>
@@ -19826,436 +20400,34 @@
                 <a:spcPts val="0"/>
               </a:spcBef>
               <a:spcAft>
-                <a:spcPts val="1200"/>
+                <a:spcPts val="0"/>
               </a:spcAft>
-              <a:buClr>
-                <a:schemeClr val="tx1">
-                  <a:lumMod val="60000"/>
-                  <a:lumOff val="40000"/>
-                </a:schemeClr>
-              </a:buClr>
-              <a:buSzPct val="90000"/>
-              <a:buFont typeface="Arial" panose="020B0604020202020204" pitchFamily="34" charset="0"/>
-              <a:buChar char="​"/>
-              <a:defRPr lang="en-US" sz="1800" kern="1200" dirty="0">
-                <a:solidFill>
-                  <a:schemeClr val="tx1"/>
-                </a:solidFill>
-                <a:latin typeface="+mn-lt"/>
-                <a:ea typeface="+mn-ea"/>
-                <a:cs typeface="+mn-cs"/>
-              </a:defRPr>
-            </a:lvl1pPr>
-            <a:lvl2pPr marL="457200" indent="-184150" algn="l" defTabSz="914400" rtl="0" eaLnBrk="1" latinLnBrk="0" hangingPunct="1">
-              <a:lnSpc>
-                <a:spcPct val="100000"/>
-              </a:lnSpc>
-              <a:spcBef>
-                <a:spcPts val="0"/>
-              </a:spcBef>
-              <a:spcAft>
-                <a:spcPts val="1200"/>
-              </a:spcAft>
-              <a:buClr>
-                <a:schemeClr val="bg2">
-                  <a:lumMod val="25000"/>
-                </a:schemeClr>
-              </a:buClr>
-              <a:buSzPct val="90000"/>
-              <a:buFont typeface="Arial" panose="020B0604020202020204" pitchFamily="34" charset="0"/>
-              <a:buChar char="•"/>
-              <a:defRPr lang="en-US" sz="1600" kern="1200" dirty="0">
-                <a:solidFill>
-                  <a:schemeClr val="tx1"/>
-                </a:solidFill>
-                <a:latin typeface="+mn-lt"/>
-                <a:ea typeface="+mn-ea"/>
-                <a:cs typeface="+mn-cs"/>
-              </a:defRPr>
-            </a:lvl2pPr>
-            <a:lvl3pPr marL="744538" indent="-169863" algn="l" defTabSz="914400" rtl="0" eaLnBrk="1" latinLnBrk="0" hangingPunct="1">
-              <a:lnSpc>
-                <a:spcPct val="100000"/>
-              </a:lnSpc>
-              <a:spcBef>
-                <a:spcPts val="0"/>
-              </a:spcBef>
-              <a:spcAft>
-                <a:spcPts val="1200"/>
-              </a:spcAft>
-              <a:buClr>
-                <a:schemeClr val="bg2">
-                  <a:lumMod val="25000"/>
-                </a:schemeClr>
-              </a:buClr>
-              <a:buSzPct val="90000"/>
-              <a:buFont typeface="Camphor Std" panose="020B0504030404020204" pitchFamily="34" charset="0"/>
-              <a:buChar char="–"/>
-              <a:defRPr lang="en-US" sz="1400" kern="1200" dirty="0">
-                <a:solidFill>
-                  <a:schemeClr val="tx1"/>
-                </a:solidFill>
-                <a:latin typeface="+mn-lt"/>
-                <a:ea typeface="+mn-ea"/>
-                <a:cs typeface="+mn-cs"/>
-              </a:defRPr>
-            </a:lvl3pPr>
-            <a:lvl4pPr marL="969963" indent="-166688" algn="l" defTabSz="914400" rtl="0" eaLnBrk="1" latinLnBrk="0" hangingPunct="1">
-              <a:lnSpc>
-                <a:spcPct val="100000"/>
-              </a:lnSpc>
-              <a:spcBef>
-                <a:spcPts val="0"/>
-              </a:spcBef>
-              <a:spcAft>
-                <a:spcPts val="1200"/>
-              </a:spcAft>
-              <a:buClr>
-                <a:schemeClr val="bg2">
-                  <a:lumMod val="25000"/>
-                </a:schemeClr>
-              </a:buClr>
-              <a:buSzPct val="90000"/>
-              <a:buFont typeface="Arial" panose="020B0604020202020204" pitchFamily="34" charset="0"/>
-              <a:buChar char="•"/>
-              <a:defRPr lang="en-US" sz="1200" kern="1200" dirty="0">
-                <a:solidFill>
-                  <a:schemeClr val="tx1"/>
-                </a:solidFill>
-                <a:latin typeface="+mn-lt"/>
-                <a:ea typeface="+mn-ea"/>
-                <a:cs typeface="+mn-cs"/>
-              </a:defRPr>
-            </a:lvl4pPr>
-            <a:lvl5pPr marL="1143000" indent="-138113" algn="l" defTabSz="914400" rtl="0" eaLnBrk="1" latinLnBrk="0" hangingPunct="1">
-              <a:lnSpc>
-                <a:spcPct val="100000"/>
-              </a:lnSpc>
-              <a:spcBef>
-                <a:spcPts val="0"/>
-              </a:spcBef>
-              <a:spcAft>
-                <a:spcPts val="1200"/>
-              </a:spcAft>
-              <a:buClr>
-                <a:schemeClr val="bg2">
-                  <a:lumMod val="25000"/>
-                </a:schemeClr>
-              </a:buClr>
-              <a:buSzPct val="90000"/>
-              <a:buFont typeface="Camphor Std" panose="020B0504030404020204" pitchFamily="34" charset="0"/>
-              <a:buChar char="–"/>
+              <a:buClrTx/>
+              <a:buSzTx/>
+              <a:buFontTx/>
+              <a:buNone/>
               <a:tabLst/>
-              <a:defRPr lang="en-US" sz="1200" kern="1200" dirty="0">
-                <a:solidFill>
-                  <a:schemeClr val="tx1"/>
-                </a:solidFill>
-                <a:latin typeface="+mn-lt"/>
-                <a:ea typeface="+mn-ea"/>
-                <a:cs typeface="+mn-cs"/>
-              </a:defRPr>
-            </a:lvl5pPr>
-            <a:lvl6pPr marL="1258888" indent="-111125" algn="l" defTabSz="914400" rtl="0" eaLnBrk="1" latinLnBrk="0" hangingPunct="1">
-              <a:lnSpc>
-                <a:spcPct val="100000"/>
-              </a:lnSpc>
-              <a:spcBef>
-                <a:spcPts val="0"/>
-              </a:spcBef>
-              <a:spcAft>
-                <a:spcPts val="1200"/>
-              </a:spcAft>
-              <a:buClr>
-                <a:schemeClr val="bg2">
-                  <a:lumMod val="25000"/>
-                </a:schemeClr>
-              </a:buClr>
-              <a:buSzPct val="90000"/>
-              <a:buFont typeface="Arial" panose="020B0604020202020204" pitchFamily="34" charset="0"/>
-              <a:buChar char="•"/>
-              <a:tabLst/>
-              <a:defRPr lang="en-US" sz="1200" kern="1200" dirty="0">
-                <a:solidFill>
-                  <a:schemeClr val="tx1"/>
-                </a:solidFill>
-                <a:latin typeface="+mn-lt"/>
-                <a:ea typeface="+mn-ea"/>
-                <a:cs typeface="+mn-cs"/>
-              </a:defRPr>
-            </a:lvl6pPr>
-            <a:lvl7pPr marL="1379538" indent="-120650" algn="l" defTabSz="914400" rtl="0" eaLnBrk="1" latinLnBrk="0" hangingPunct="1">
-              <a:lnSpc>
-                <a:spcPct val="100000"/>
-              </a:lnSpc>
-              <a:spcBef>
-                <a:spcPts val="0"/>
-              </a:spcBef>
-              <a:spcAft>
-                <a:spcPts val="1200"/>
-              </a:spcAft>
-              <a:buClr>
-                <a:schemeClr val="bg2">
-                  <a:lumMod val="25000"/>
-                </a:schemeClr>
-              </a:buClr>
-              <a:buSzPct val="90000"/>
-              <a:buFont typeface="System Font Regular"/>
-              <a:buChar char="-"/>
-              <a:tabLst/>
-              <a:defRPr lang="en-US" sz="1200" kern="1200" dirty="0">
-                <a:solidFill>
-                  <a:schemeClr val="tx1"/>
-                </a:solidFill>
-                <a:latin typeface="+mn-lt"/>
-                <a:ea typeface="+mn-ea"/>
-                <a:cs typeface="+mn-cs"/>
-              </a:defRPr>
-            </a:lvl7pPr>
-            <a:lvl8pPr marL="1550988" indent="-120650" algn="l" defTabSz="914400" rtl="0" eaLnBrk="1" latinLnBrk="0" hangingPunct="1">
-              <a:lnSpc>
-                <a:spcPct val="100000"/>
-              </a:lnSpc>
-              <a:spcBef>
-                <a:spcPts val="0"/>
-              </a:spcBef>
-              <a:spcAft>
-                <a:spcPts val="1200"/>
-              </a:spcAft>
-              <a:buClr>
-                <a:schemeClr val="bg2">
-                  <a:lumMod val="25000"/>
-                </a:schemeClr>
-              </a:buClr>
-              <a:buSzPct val="90000"/>
-              <a:buFont typeface="Arial" panose="020B0604020202020204" pitchFamily="34" charset="0"/>
-              <a:buChar char="•"/>
-              <a:tabLst/>
-              <a:defRPr lang="en-US" sz="1200" kern="1200" dirty="0">
-                <a:solidFill>
-                  <a:schemeClr val="tx1"/>
-                </a:solidFill>
-                <a:latin typeface="+mn-lt"/>
-                <a:ea typeface="+mn-ea"/>
-                <a:cs typeface="+mn-cs"/>
-              </a:defRPr>
-            </a:lvl8pPr>
-            <a:lvl9pPr marL="1722438" indent="-120650" algn="l" defTabSz="914400" rtl="0" eaLnBrk="1" latinLnBrk="0" hangingPunct="1">
-              <a:lnSpc>
-                <a:spcPct val="100000"/>
-              </a:lnSpc>
-              <a:spcBef>
-                <a:spcPts val="0"/>
-              </a:spcBef>
-              <a:spcAft>
-                <a:spcPts val="1200"/>
-              </a:spcAft>
-              <a:buClr>
-                <a:schemeClr val="bg2">
-                  <a:lumMod val="25000"/>
-                </a:schemeClr>
-              </a:buClr>
-              <a:buSzPct val="90000"/>
-              <a:buFont typeface="System Font Regular"/>
-              <a:buChar char="-"/>
-              <a:tabLst/>
-              <a:defRPr lang="en-US" sz="1200" kern="1200" dirty="0">
-                <a:solidFill>
-                  <a:schemeClr val="tx1"/>
-                </a:solidFill>
-                <a:latin typeface="+mn-lt"/>
-                <a:ea typeface="+mn-ea"/>
-                <a:cs typeface="+mn-cs"/>
-              </a:defRPr>
-            </a:lvl9pPr>
-          </a:lstStyle>
-          <a:p>
-            <a:pPr marL="285750" indent="-285750">
-              <a:buFont typeface="Arial" panose="020B0604020202020204" pitchFamily="34" charset="0"/>
-              <a:buChar char="•"/>
+              <a:defRPr/>
             </a:pPr>
             <a:r>
-              <a:rPr lang="en-US" sz="1200" dirty="0"/>
-              <a:t>Use Box or save locally when storing your PowerPoint document to avoid unexpected behaviors introduced by Google Drive storage and inadvertent Google Slide conversion.</a:t>
-            </a:r>
-          </a:p>
-          <a:p>
-            <a:pPr marL="285750" indent="-285750">
-              <a:buFont typeface="Arial" panose="020B0604020202020204" pitchFamily="34" charset="0"/>
-              <a:buChar char="•"/>
-            </a:pPr>
-            <a:r>
-              <a:rPr lang="en-US" sz="1200" dirty="0"/>
-              <a:t>Google Slides will introduce unexpected behaviors:</a:t>
-            </a:r>
-          </a:p>
-          <a:p>
-            <a:pPr marL="800100" lvl="1" indent="-342900"/>
-            <a:r>
-              <a:rPr lang="en-US" sz="1200" dirty="0"/>
-              <a:t>Metropolis will not render correctly—a substitute Google font will replace it</a:t>
-            </a:r>
-          </a:p>
-          <a:p>
-            <a:pPr marL="800100" lvl="1" indent="-342900"/>
-            <a:r>
-              <a:rPr lang="en-US" sz="1200" dirty="0"/>
-              <a:t>Charts and graphs will lose their association with Excel documents </a:t>
-            </a:r>
-          </a:p>
-          <a:p>
-            <a:pPr marL="800100" lvl="1" indent="-342900"/>
-            <a:r>
-              <a:rPr lang="en-US" sz="1200" dirty="0"/>
-              <a:t>Animation functionality will be changed or lost</a:t>
-            </a:r>
-          </a:p>
-          <a:p>
-            <a:pPr marL="342900" indent="-342900">
-              <a:buFont typeface="Arial" panose="020B0604020202020204" pitchFamily="34" charset="0"/>
-              <a:buChar char="•"/>
-            </a:pPr>
-            <a:r>
-              <a:rPr lang="en-US" sz="1200" dirty="0"/>
-              <a:t>If you store your PowerPoint on Google drive, change your settings so Google Slides does not open by default:</a:t>
-            </a:r>
-          </a:p>
-          <a:p>
-            <a:pPr marL="800100" lvl="1" indent="-342900"/>
-            <a:r>
-              <a:rPr lang="en-US" sz="1200" dirty="0"/>
-              <a:t>Go to </a:t>
-            </a:r>
-            <a:r>
-              <a:rPr lang="en-US" sz="1200" dirty="0" err="1"/>
-              <a:t>drive.google.com</a:t>
-            </a:r>
-            <a:r>
-              <a:rPr lang="en-US" sz="1200" dirty="0"/>
-              <a:t>. Click Settings          Settings</a:t>
-            </a:r>
-          </a:p>
-          <a:p>
-            <a:pPr marL="800100" lvl="1" indent="-342900"/>
-            <a:r>
-              <a:rPr lang="en-US" sz="1200" dirty="0"/>
-              <a:t>Click Manage apps. </a:t>
-            </a:r>
-          </a:p>
-          <a:p>
-            <a:pPr marL="800100" lvl="1" indent="-342900"/>
-            <a:r>
-              <a:rPr lang="en-US" sz="1200" dirty="0"/>
-              <a:t>Find Slides. Next to the app, to the left of "Use by default," </a:t>
-            </a:r>
-            <a:br>
-              <a:rPr lang="en-US" sz="1200" dirty="0"/>
-            </a:br>
-            <a:r>
-              <a:rPr lang="en-US" sz="1200" b="1" i="1" dirty="0"/>
-              <a:t>uncheck the box.</a:t>
-            </a:r>
-            <a:endParaRPr lang="en-US" sz="1200" dirty="0"/>
+              <a:rPr lang="en-US" sz="700" spc="0" baseline="0" dirty="0">
+                <a:ln/>
+                <a:solidFill>
+                  <a:schemeClr val="bg1"/>
+                </a:solidFill>
+                <a:latin typeface="Metropolis-Regular"/>
+                <a:sym typeface="Metropolis-Regular"/>
+                <a:rtl val="0"/>
+              </a:rPr>
+              <a:t>All Rights Reserved. The term “Broadcom” refers to Broadcom Inc. and/or its subsidiaries.</a:t>
+            </a:r>
           </a:p>
         </p:txBody>
       </p:sp>
-      <p:pic>
-        <p:nvPicPr>
-          <p:cNvPr id="6" name="Picture 5" descr="Settings">
-            <a:extLst>
-              <a:ext uri="{FF2B5EF4-FFF2-40B4-BE49-F238E27FC236}">
-                <a16:creationId xmlns:a16="http://schemas.microsoft.com/office/drawing/2014/main" id="{47D153FD-1F9A-9D6E-B522-F5DA9056014E}"/>
-              </a:ext>
-            </a:extLst>
-          </p:cNvPr>
-          <p:cNvPicPr>
-            <a:picLocks noChangeAspect="1" noChangeArrowheads="1"/>
-          </p:cNvPicPr>
-          <p:nvPr/>
-        </p:nvPicPr>
-        <p:blipFill>
-          <a:blip r:embed="rId4">
-            <a:extLst>
-              <a:ext uri="{28A0092B-C50C-407E-A947-70E740481C1C}">
-                <a14:useLocalDpi xmlns:a14="http://schemas.microsoft.com/office/drawing/2010/main" val="0"/>
-              </a:ext>
-            </a:extLst>
-          </a:blip>
-          <a:srcRect/>
-          <a:stretch>
-            <a:fillRect/>
-          </a:stretch>
-        </p:blipFill>
-        <p:spPr bwMode="auto">
-          <a:xfrm>
-            <a:off x="4199681" y="4117782"/>
-            <a:ext cx="228600" cy="228601"/>
-          </a:xfrm>
-          <a:prstGeom prst="rect">
-            <a:avLst/>
-          </a:prstGeom>
-          <a:noFill/>
-          <a:extLst>
-            <a:ext uri="{909E8E84-426E-40DD-AFC4-6F175D3DCCD1}">
-              <a14:hiddenFill xmlns:a14="http://schemas.microsoft.com/office/drawing/2010/main">
-                <a:solidFill>
-                  <a:srgbClr val="FFFFFF"/>
-                </a:solidFill>
-              </a14:hiddenFill>
-            </a:ext>
-          </a:extLst>
-        </p:spPr>
-      </p:pic>
-      <p:pic>
-        <p:nvPicPr>
-          <p:cNvPr id="9" name="Picture 6" descr="and then">
-            <a:extLst>
-              <a:ext uri="{FF2B5EF4-FFF2-40B4-BE49-F238E27FC236}">
-                <a16:creationId xmlns:a16="http://schemas.microsoft.com/office/drawing/2014/main" id="{C78962AE-4D7C-7FCF-841C-B8CB585AE66F}"/>
-              </a:ext>
-            </a:extLst>
-          </p:cNvPr>
-          <p:cNvPicPr>
-            <a:picLocks noChangeAspect="1" noChangeArrowheads="1"/>
-          </p:cNvPicPr>
-          <p:nvPr/>
-        </p:nvPicPr>
-        <p:blipFill>
-          <a:blip r:embed="rId5">
-            <a:extLst>
-              <a:ext uri="{28A0092B-C50C-407E-A947-70E740481C1C}">
-                <a14:useLocalDpi xmlns:a14="http://schemas.microsoft.com/office/drawing/2010/main" val="0"/>
-              </a:ext>
-            </a:extLst>
-          </a:blip>
-          <a:srcRect/>
-          <a:stretch>
-            <a:fillRect/>
-          </a:stretch>
-        </p:blipFill>
-        <p:spPr bwMode="auto">
-          <a:xfrm>
-            <a:off x="4413640" y="4117782"/>
-            <a:ext cx="228600" cy="228601"/>
-          </a:xfrm>
-          <a:prstGeom prst="rect">
-            <a:avLst/>
-          </a:prstGeom>
-          <a:noFill/>
-          <a:extLst>
-            <a:ext uri="{909E8E84-426E-40DD-AFC4-6F175D3DCCD1}">
-              <a14:hiddenFill xmlns:a14="http://schemas.microsoft.com/office/drawing/2010/main">
-                <a:solidFill>
-                  <a:srgbClr val="FFFFFF"/>
-                </a:solidFill>
-              </a14:hiddenFill>
-            </a:ext>
-          </a:extLst>
-        </p:spPr>
-      </p:pic>
     </p:spTree>
     <p:extLst>
       <p:ext uri="{BB962C8B-B14F-4D97-AF65-F5344CB8AC3E}">
-        <p14:creationId xmlns:p14="http://schemas.microsoft.com/office/powerpoint/2010/main" val="466393727"/>
+        <p14:creationId xmlns:p14="http://schemas.microsoft.com/office/powerpoint/2010/main" val="2198077059"/>
       </p:ext>
     </p:extLst>
   </p:cSld>
@@ -20278,7 +20450,7 @@
 </file>
 
 <file path=ppt/slides/slide2.xml><?xml version="1.0" encoding="utf-8"?>
-<p:sld xmlns:a="http://schemas.openxmlformats.org/drawingml/2006/main" xmlns:r="http://schemas.openxmlformats.org/officeDocument/2006/relationships" xmlns:p="http://schemas.openxmlformats.org/presentationml/2006/main" show="0">
+<p:sld xmlns:a="http://schemas.openxmlformats.org/drawingml/2006/main" xmlns:r="http://schemas.openxmlformats.org/officeDocument/2006/relationships" xmlns:p="http://schemas.openxmlformats.org/presentationml/2006/main">
   <p:cSld>
     <p:spTree>
       <p:nvGrpSpPr>
@@ -20299,7 +20471,7 @@
           <p:cNvPr id="2" name="Title 1">
             <a:extLst>
               <a:ext uri="{FF2B5EF4-FFF2-40B4-BE49-F238E27FC236}">
-                <a16:creationId xmlns:a16="http://schemas.microsoft.com/office/drawing/2014/main" id="{168374A4-8AEB-800A-566E-4F1AB585A89A}"/>
+                <a16:creationId xmlns:a16="http://schemas.microsoft.com/office/drawing/2014/main" id="{0D9FDAE6-550E-E975-BD01-08906590C472}"/>
               </a:ext>
             </a:extLst>
           </p:cNvPr>
@@ -20310,811 +20482,77 @@
             <p:ph type="title"/>
           </p:nvPr>
         </p:nvSpPr>
-        <p:spPr>
-          <a:xfrm>
-            <a:off x="608013" y="546019"/>
-            <a:ext cx="11001004" cy="381000"/>
-          </a:xfrm>
-        </p:spPr>
+        <p:spPr/>
         <p:txBody>
           <a:bodyPr/>
           <a:lstStyle/>
           <a:p>
-            <a:r>
-              <a:rPr lang="en-US" dirty="0"/>
-              <a:t>Quick Guide</a:t>
-            </a:r>
-            <a:br>
-              <a:rPr lang="en-US" dirty="0"/>
-            </a:br>
-            <a:r>
-              <a:rPr lang="en-US" sz="2000" dirty="0"/>
-              <a:t>Start here to convert slides and avoid unexpected behavior</a:t>
-            </a:r>
             <a:endParaRPr lang="en-US" dirty="0"/>
           </a:p>
         </p:txBody>
       </p:sp>
       <p:sp>
         <p:nvSpPr>
-          <p:cNvPr id="8" name="Content Placeholder 4">
+          <p:cNvPr id="4" name="Subtitle 3">
             <a:extLst>
               <a:ext uri="{FF2B5EF4-FFF2-40B4-BE49-F238E27FC236}">
-                <a16:creationId xmlns:a16="http://schemas.microsoft.com/office/drawing/2014/main" id="{8456DF7F-5EAE-0C1E-3B73-4DAF04583B48}"/>
+                <a16:creationId xmlns:a16="http://schemas.microsoft.com/office/drawing/2014/main" id="{8F886DCA-5B59-24C0-2C79-4E661832C1EA}"/>
               </a:ext>
             </a:extLst>
           </p:cNvPr>
-          <p:cNvSpPr txBox="1">
-            <a:spLocks/>
+          <p:cNvSpPr>
+            <a:spLocks noGrp="1"/>
           </p:cNvSpPr>
-          <p:nvPr/>
+          <p:nvPr>
+            <p:ph type="subTitle" idx="10"/>
+          </p:nvPr>
         </p:nvSpPr>
-        <p:spPr>
-          <a:xfrm>
-            <a:off x="553442" y="1090450"/>
-            <a:ext cx="5700212" cy="4572000"/>
-          </a:xfrm>
-          <a:prstGeom prst="rect">
-            <a:avLst/>
-          </a:prstGeom>
-          <a:noFill/>
-        </p:spPr>
+        <p:spPr/>
         <p:txBody>
           <a:bodyPr/>
-          <a:lstStyle>
-            <a:lvl1pPr marL="0" indent="0" algn="l" defTabSz="914400" rtl="0" eaLnBrk="1" latinLnBrk="0" hangingPunct="1">
-              <a:lnSpc>
-                <a:spcPct val="100000"/>
-              </a:lnSpc>
-              <a:spcBef>
-                <a:spcPts val="0"/>
-              </a:spcBef>
-              <a:spcAft>
-                <a:spcPts val="1200"/>
-              </a:spcAft>
-              <a:buClr>
-                <a:schemeClr val="tx1">
-                  <a:lumMod val="60000"/>
-                  <a:lumOff val="40000"/>
-                </a:schemeClr>
-              </a:buClr>
-              <a:buSzPct val="90000"/>
-              <a:buFont typeface="Arial" panose="020B0604020202020204" pitchFamily="34" charset="0"/>
-              <a:buChar char="​"/>
-              <a:defRPr sz="2000" kern="1200">
-                <a:solidFill>
-                  <a:schemeClr val="tx1"/>
-                </a:solidFill>
-                <a:latin typeface="+mn-lt"/>
-                <a:ea typeface="+mn-ea"/>
-                <a:cs typeface="+mn-cs"/>
-              </a:defRPr>
-            </a:lvl1pPr>
-            <a:lvl2pPr marL="457200" indent="-184150" algn="l" defTabSz="914400" rtl="0" eaLnBrk="1" latinLnBrk="0" hangingPunct="1">
-              <a:lnSpc>
-                <a:spcPct val="100000"/>
-              </a:lnSpc>
-              <a:spcBef>
-                <a:spcPts val="0"/>
-              </a:spcBef>
-              <a:spcAft>
-                <a:spcPts val="1200"/>
-              </a:spcAft>
-              <a:buClr>
-                <a:schemeClr val="bg2">
-                  <a:lumMod val="25000"/>
-                </a:schemeClr>
-              </a:buClr>
-              <a:buSzPct val="90000"/>
-              <a:buFont typeface="Arial" panose="020B0604020202020204" pitchFamily="34" charset="0"/>
-              <a:buChar char="•"/>
-              <a:defRPr sz="1800" kern="1200">
-                <a:solidFill>
-                  <a:schemeClr val="tx1"/>
-                </a:solidFill>
-                <a:latin typeface="+mn-lt"/>
-                <a:ea typeface="+mn-ea"/>
-                <a:cs typeface="+mn-cs"/>
-              </a:defRPr>
-            </a:lvl2pPr>
-            <a:lvl3pPr marL="744538" indent="-169863" algn="l" defTabSz="914400" rtl="0" eaLnBrk="1" latinLnBrk="0" hangingPunct="1">
-              <a:lnSpc>
-                <a:spcPct val="100000"/>
-              </a:lnSpc>
-              <a:spcBef>
-                <a:spcPts val="0"/>
-              </a:spcBef>
-              <a:spcAft>
-                <a:spcPts val="1200"/>
-              </a:spcAft>
-              <a:buClr>
-                <a:schemeClr val="bg2">
-                  <a:lumMod val="25000"/>
-                </a:schemeClr>
-              </a:buClr>
-              <a:buSzPct val="90000"/>
-              <a:buFont typeface="Camphor Std" panose="020B0504030404020204" pitchFamily="34" charset="0"/>
-              <a:buChar char="–"/>
-              <a:defRPr sz="1600" kern="1200">
-                <a:solidFill>
-                  <a:schemeClr val="tx1"/>
-                </a:solidFill>
-                <a:latin typeface="+mn-lt"/>
-                <a:ea typeface="+mn-ea"/>
-                <a:cs typeface="+mn-cs"/>
-              </a:defRPr>
-            </a:lvl3pPr>
-            <a:lvl4pPr marL="969963" indent="-166688" algn="l" defTabSz="914400" rtl="0" eaLnBrk="1" latinLnBrk="0" hangingPunct="1">
-              <a:lnSpc>
-                <a:spcPct val="100000"/>
-              </a:lnSpc>
-              <a:spcBef>
-                <a:spcPts val="0"/>
-              </a:spcBef>
-              <a:spcAft>
-                <a:spcPts val="1200"/>
-              </a:spcAft>
-              <a:buClr>
-                <a:schemeClr val="bg2">
-                  <a:lumMod val="25000"/>
-                </a:schemeClr>
-              </a:buClr>
-              <a:buSzPct val="90000"/>
-              <a:buFont typeface="Arial" panose="020B0604020202020204" pitchFamily="34" charset="0"/>
-              <a:buChar char="•"/>
-              <a:defRPr sz="1400" kern="1200">
-                <a:solidFill>
-                  <a:schemeClr val="tx1"/>
-                </a:solidFill>
-                <a:latin typeface="+mn-lt"/>
-                <a:ea typeface="+mn-ea"/>
-                <a:cs typeface="+mn-cs"/>
-              </a:defRPr>
-            </a:lvl4pPr>
-            <a:lvl5pPr marL="1143000" indent="-138113" algn="l" defTabSz="914400" rtl="0" eaLnBrk="1" latinLnBrk="0" hangingPunct="1">
-              <a:lnSpc>
-                <a:spcPct val="100000"/>
-              </a:lnSpc>
-              <a:spcBef>
-                <a:spcPts val="0"/>
-              </a:spcBef>
-              <a:spcAft>
-                <a:spcPts val="1200"/>
-              </a:spcAft>
-              <a:buClr>
-                <a:schemeClr val="bg2">
-                  <a:lumMod val="25000"/>
-                </a:schemeClr>
-              </a:buClr>
-              <a:buSzPct val="90000"/>
-              <a:buFont typeface="Camphor Std" panose="020B0504030404020204" pitchFamily="34" charset="0"/>
-              <a:buChar char="–"/>
-              <a:tabLst/>
-              <a:defRPr sz="1400" kern="1200">
-                <a:solidFill>
-                  <a:schemeClr val="tx1"/>
-                </a:solidFill>
-                <a:latin typeface="+mn-lt"/>
-                <a:ea typeface="+mn-ea"/>
-                <a:cs typeface="+mn-cs"/>
-              </a:defRPr>
-            </a:lvl5pPr>
-            <a:lvl6pPr marL="1258888" indent="-111125" algn="l" defTabSz="914400" rtl="0" eaLnBrk="1" latinLnBrk="0" hangingPunct="1">
-              <a:lnSpc>
-                <a:spcPct val="100000"/>
-              </a:lnSpc>
-              <a:spcBef>
-                <a:spcPts val="0"/>
-              </a:spcBef>
-              <a:spcAft>
-                <a:spcPts val="1200"/>
-              </a:spcAft>
-              <a:buClr>
-                <a:schemeClr val="bg2">
-                  <a:lumMod val="25000"/>
-                </a:schemeClr>
-              </a:buClr>
-              <a:buSzPct val="90000"/>
-              <a:buFont typeface="Arial" panose="020B0604020202020204" pitchFamily="34" charset="0"/>
-              <a:buChar char="•"/>
-              <a:tabLst/>
-              <a:defRPr sz="1400" kern="1200">
-                <a:solidFill>
-                  <a:schemeClr val="tx1"/>
-                </a:solidFill>
-                <a:latin typeface="+mn-lt"/>
-                <a:ea typeface="+mn-ea"/>
-                <a:cs typeface="+mn-cs"/>
-              </a:defRPr>
-            </a:lvl6pPr>
-            <a:lvl7pPr marL="1379538" indent="-120650" algn="l" defTabSz="914400" rtl="0" eaLnBrk="1" latinLnBrk="0" hangingPunct="1">
-              <a:lnSpc>
-                <a:spcPct val="100000"/>
-              </a:lnSpc>
-              <a:spcBef>
-                <a:spcPts val="0"/>
-              </a:spcBef>
-              <a:spcAft>
-                <a:spcPts val="1200"/>
-              </a:spcAft>
-              <a:buClr>
-                <a:schemeClr val="bg2">
-                  <a:lumMod val="25000"/>
-                </a:schemeClr>
-              </a:buClr>
-              <a:buSzPct val="90000"/>
-              <a:buFont typeface="System Font Regular"/>
-              <a:buChar char="-"/>
-              <a:tabLst/>
-              <a:defRPr sz="1400" kern="1200">
-                <a:solidFill>
-                  <a:schemeClr val="tx1"/>
-                </a:solidFill>
-                <a:latin typeface="+mn-lt"/>
-                <a:ea typeface="+mn-ea"/>
-                <a:cs typeface="+mn-cs"/>
-              </a:defRPr>
-            </a:lvl7pPr>
-            <a:lvl8pPr marL="1550988" indent="-120650" algn="l" defTabSz="914400" rtl="0" eaLnBrk="1" latinLnBrk="0" hangingPunct="1">
-              <a:lnSpc>
-                <a:spcPct val="100000"/>
-              </a:lnSpc>
-              <a:spcBef>
-                <a:spcPts val="0"/>
-              </a:spcBef>
-              <a:spcAft>
-                <a:spcPts val="1200"/>
-              </a:spcAft>
-              <a:buClr>
-                <a:schemeClr val="bg2">
-                  <a:lumMod val="25000"/>
-                </a:schemeClr>
-              </a:buClr>
-              <a:buSzPct val="90000"/>
-              <a:buFont typeface="Arial" panose="020B0604020202020204" pitchFamily="34" charset="0"/>
-              <a:buChar char="•"/>
-              <a:tabLst/>
-              <a:defRPr sz="1400" kern="1200">
-                <a:solidFill>
-                  <a:schemeClr val="tx1"/>
-                </a:solidFill>
-                <a:latin typeface="+mn-lt"/>
-                <a:ea typeface="+mn-ea"/>
-                <a:cs typeface="+mn-cs"/>
-              </a:defRPr>
-            </a:lvl8pPr>
-            <a:lvl9pPr marL="1722438" indent="-120650" algn="l" defTabSz="914400" rtl="0" eaLnBrk="1" latinLnBrk="0" hangingPunct="1">
-              <a:lnSpc>
-                <a:spcPct val="100000"/>
-              </a:lnSpc>
-              <a:spcBef>
-                <a:spcPts val="0"/>
-              </a:spcBef>
-              <a:spcAft>
-                <a:spcPts val="1200"/>
-              </a:spcAft>
-              <a:buClr>
-                <a:schemeClr val="bg2">
-                  <a:lumMod val="25000"/>
-                </a:schemeClr>
-              </a:buClr>
-              <a:buSzPct val="90000"/>
-              <a:buFont typeface="System Font Regular"/>
-              <a:buChar char="-"/>
-              <a:tabLst/>
-              <a:defRPr sz="1400" kern="1200">
-                <a:solidFill>
-                  <a:schemeClr val="tx1"/>
-                </a:solidFill>
-                <a:latin typeface="+mn-lt"/>
-                <a:ea typeface="+mn-ea"/>
-                <a:cs typeface="+mn-cs"/>
-              </a:defRPr>
-            </a:lvl9pPr>
-          </a:lstStyle>
-          <a:p>
-            <a:r>
-              <a:rPr lang="en-US" sz="1200" dirty="0"/>
-              <a:t>How to convert your existing deck to this template</a:t>
-            </a:r>
-          </a:p>
-          <a:p>
-            <a:pPr marL="342900" indent="-342900">
-              <a:buFont typeface="+mj-lt"/>
-              <a:buAutoNum type="arabicPeriod"/>
-            </a:pPr>
-            <a:r>
-              <a:rPr lang="en-US" sz="1200" dirty="0"/>
-              <a:t>Open the deck you want to convert. Copy all the slides from the deck you want to convert (select all slides in the slide view pane and copy into the slide view pane of this template deck). </a:t>
-            </a:r>
-          </a:p>
-          <a:p>
-            <a:pPr marL="342900" indent="-342900">
-              <a:buFont typeface="+mj-lt"/>
-              <a:buAutoNum type="arabicPeriod"/>
-            </a:pPr>
-            <a:r>
-              <a:rPr lang="en-US" sz="1200" dirty="0"/>
-              <a:t>Paste the slides into this Explore 2024 PowerPoint template. </a:t>
-            </a:r>
-          </a:p>
-          <a:p>
-            <a:pPr marL="342900" indent="-342900">
-              <a:buFont typeface="+mj-lt"/>
-              <a:buAutoNum type="arabicPeriod"/>
-            </a:pPr>
-            <a:r>
-              <a:rPr lang="en-US" sz="1200" dirty="0"/>
-              <a:t>Important: Select “</a:t>
-            </a:r>
-            <a:r>
-              <a:rPr lang="en-US" sz="1200" b="1" dirty="0">
-                <a:solidFill>
-                  <a:schemeClr val="accent3"/>
-                </a:solidFill>
-              </a:rPr>
-              <a:t>Use destination theme</a:t>
-            </a:r>
-            <a:r>
-              <a:rPr lang="en-US" sz="1200" dirty="0"/>
-              <a:t>” from the drop down that appears by the clipboard icon in the slide view panel. </a:t>
-            </a:r>
-          </a:p>
-          <a:p>
-            <a:pPr marL="342900" indent="-342900">
-              <a:buFont typeface="+mj-lt"/>
-              <a:buAutoNum type="arabicPeriod"/>
-            </a:pPr>
-            <a:r>
-              <a:rPr lang="en-US" sz="1200" dirty="0"/>
-              <a:t>Shifts/changes to your content should be minimal. Click through your slides. Manually adjust as needed or reassign a master slide layout that is a better fit. </a:t>
-            </a:r>
-          </a:p>
-          <a:p>
-            <a:r>
-              <a:rPr lang="en-US" sz="1200" dirty="0"/>
-              <a:t>There are several other methods to convert your deck. </a:t>
-            </a:r>
-            <a:r>
-              <a:rPr lang="en-US" sz="1200" dirty="0">
-                <a:hlinkClick r:id="rId2"/>
-              </a:rPr>
-              <a:t>Reference the Microsoft PowerPoint Support Documentation for more information.</a:t>
-            </a:r>
-            <a:endParaRPr lang="en-US" sz="1200" dirty="0"/>
+          <a:lstStyle/>
+          <a:p>
+            <a:endParaRPr lang="en-US"/>
           </a:p>
         </p:txBody>
       </p:sp>
       <p:sp>
         <p:nvSpPr>
-          <p:cNvPr id="9" name="Content Placeholder 4">
+          <p:cNvPr id="5" name="Content Placeholder 4">
             <a:extLst>
               <a:ext uri="{FF2B5EF4-FFF2-40B4-BE49-F238E27FC236}">
-                <a16:creationId xmlns:a16="http://schemas.microsoft.com/office/drawing/2014/main" id="{D29BE506-6C6A-6A19-F728-637A00C5EFB7}"/>
+                <a16:creationId xmlns:a16="http://schemas.microsoft.com/office/drawing/2014/main" id="{8FBEB278-6650-3A11-7DCD-A90016572E5A}"/>
               </a:ext>
             </a:extLst>
           </p:cNvPr>
-          <p:cNvSpPr txBox="1">
-            <a:spLocks/>
+          <p:cNvSpPr>
+            <a:spLocks noGrp="1"/>
           </p:cNvSpPr>
-          <p:nvPr/>
+          <p:nvPr>
+            <p:ph sz="quarter" idx="14"/>
+          </p:nvPr>
         </p:nvSpPr>
-        <p:spPr>
-          <a:xfrm>
-            <a:off x="6488613" y="1143000"/>
-            <a:ext cx="5700212" cy="4572000"/>
-          </a:xfrm>
-          <a:prstGeom prst="rect">
-            <a:avLst/>
-          </a:prstGeom>
-          <a:noFill/>
-        </p:spPr>
+        <p:spPr/>
         <p:txBody>
           <a:bodyPr/>
-          <a:lstStyle>
-            <a:lvl1pPr marL="0" indent="0" algn="l" defTabSz="914400" rtl="0" eaLnBrk="1" latinLnBrk="0" hangingPunct="1">
-              <a:lnSpc>
-                <a:spcPct val="100000"/>
-              </a:lnSpc>
-              <a:spcBef>
-                <a:spcPts val="0"/>
-              </a:spcBef>
-              <a:spcAft>
-                <a:spcPts val="1200"/>
-              </a:spcAft>
-              <a:buClr>
-                <a:schemeClr val="tx1">
-                  <a:lumMod val="60000"/>
-                  <a:lumOff val="40000"/>
-                </a:schemeClr>
-              </a:buClr>
-              <a:buSzPct val="90000"/>
-              <a:buFont typeface="Arial" panose="020B0604020202020204" pitchFamily="34" charset="0"/>
-              <a:buChar char="​"/>
-              <a:defRPr sz="2000" kern="1200">
-                <a:solidFill>
-                  <a:schemeClr val="tx1"/>
-                </a:solidFill>
-                <a:latin typeface="+mn-lt"/>
-                <a:ea typeface="+mn-ea"/>
-                <a:cs typeface="+mn-cs"/>
-              </a:defRPr>
-            </a:lvl1pPr>
-            <a:lvl2pPr marL="457200" indent="-184150" algn="l" defTabSz="914400" rtl="0" eaLnBrk="1" latinLnBrk="0" hangingPunct="1">
-              <a:lnSpc>
-                <a:spcPct val="100000"/>
-              </a:lnSpc>
-              <a:spcBef>
-                <a:spcPts val="0"/>
-              </a:spcBef>
-              <a:spcAft>
-                <a:spcPts val="1200"/>
-              </a:spcAft>
-              <a:buClr>
-                <a:schemeClr val="bg2">
-                  <a:lumMod val="25000"/>
-                </a:schemeClr>
-              </a:buClr>
-              <a:buSzPct val="90000"/>
-              <a:buFont typeface="Arial" panose="020B0604020202020204" pitchFamily="34" charset="0"/>
-              <a:buChar char="•"/>
-              <a:defRPr sz="1800" kern="1200">
-                <a:solidFill>
-                  <a:schemeClr val="tx1"/>
-                </a:solidFill>
-                <a:latin typeface="+mn-lt"/>
-                <a:ea typeface="+mn-ea"/>
-                <a:cs typeface="+mn-cs"/>
-              </a:defRPr>
-            </a:lvl2pPr>
-            <a:lvl3pPr marL="744538" indent="-169863" algn="l" defTabSz="914400" rtl="0" eaLnBrk="1" latinLnBrk="0" hangingPunct="1">
-              <a:lnSpc>
-                <a:spcPct val="100000"/>
-              </a:lnSpc>
-              <a:spcBef>
-                <a:spcPts val="0"/>
-              </a:spcBef>
-              <a:spcAft>
-                <a:spcPts val="1200"/>
-              </a:spcAft>
-              <a:buClr>
-                <a:schemeClr val="bg2">
-                  <a:lumMod val="25000"/>
-                </a:schemeClr>
-              </a:buClr>
-              <a:buSzPct val="90000"/>
-              <a:buFont typeface="Camphor Std" panose="020B0504030404020204" pitchFamily="34" charset="0"/>
-              <a:buChar char="–"/>
-              <a:defRPr sz="1600" kern="1200">
-                <a:solidFill>
-                  <a:schemeClr val="tx1"/>
-                </a:solidFill>
-                <a:latin typeface="+mn-lt"/>
-                <a:ea typeface="+mn-ea"/>
-                <a:cs typeface="+mn-cs"/>
-              </a:defRPr>
-            </a:lvl3pPr>
-            <a:lvl4pPr marL="969963" indent="-166688" algn="l" defTabSz="914400" rtl="0" eaLnBrk="1" latinLnBrk="0" hangingPunct="1">
-              <a:lnSpc>
-                <a:spcPct val="100000"/>
-              </a:lnSpc>
-              <a:spcBef>
-                <a:spcPts val="0"/>
-              </a:spcBef>
-              <a:spcAft>
-                <a:spcPts val="1200"/>
-              </a:spcAft>
-              <a:buClr>
-                <a:schemeClr val="bg2">
-                  <a:lumMod val="25000"/>
-                </a:schemeClr>
-              </a:buClr>
-              <a:buSzPct val="90000"/>
-              <a:buFont typeface="Arial" panose="020B0604020202020204" pitchFamily="34" charset="0"/>
-              <a:buChar char="•"/>
-              <a:defRPr sz="1400" kern="1200">
-                <a:solidFill>
-                  <a:schemeClr val="tx1"/>
-                </a:solidFill>
-                <a:latin typeface="+mn-lt"/>
-                <a:ea typeface="+mn-ea"/>
-                <a:cs typeface="+mn-cs"/>
-              </a:defRPr>
-            </a:lvl4pPr>
-            <a:lvl5pPr marL="1143000" indent="-138113" algn="l" defTabSz="914400" rtl="0" eaLnBrk="1" latinLnBrk="0" hangingPunct="1">
-              <a:lnSpc>
-                <a:spcPct val="100000"/>
-              </a:lnSpc>
-              <a:spcBef>
-                <a:spcPts val="0"/>
-              </a:spcBef>
-              <a:spcAft>
-                <a:spcPts val="1200"/>
-              </a:spcAft>
-              <a:buClr>
-                <a:schemeClr val="bg2">
-                  <a:lumMod val="25000"/>
-                </a:schemeClr>
-              </a:buClr>
-              <a:buSzPct val="90000"/>
-              <a:buFont typeface="Camphor Std" panose="020B0504030404020204" pitchFamily="34" charset="0"/>
-              <a:buChar char="–"/>
-              <a:tabLst/>
-              <a:defRPr sz="1400" kern="1200">
-                <a:solidFill>
-                  <a:schemeClr val="tx1"/>
-                </a:solidFill>
-                <a:latin typeface="+mn-lt"/>
-                <a:ea typeface="+mn-ea"/>
-                <a:cs typeface="+mn-cs"/>
-              </a:defRPr>
-            </a:lvl5pPr>
-            <a:lvl6pPr marL="1258888" indent="-111125" algn="l" defTabSz="914400" rtl="0" eaLnBrk="1" latinLnBrk="0" hangingPunct="1">
-              <a:lnSpc>
-                <a:spcPct val="100000"/>
-              </a:lnSpc>
-              <a:spcBef>
-                <a:spcPts val="0"/>
-              </a:spcBef>
-              <a:spcAft>
-                <a:spcPts val="1200"/>
-              </a:spcAft>
-              <a:buClr>
-                <a:schemeClr val="bg2">
-                  <a:lumMod val="25000"/>
-                </a:schemeClr>
-              </a:buClr>
-              <a:buSzPct val="90000"/>
-              <a:buFont typeface="Arial" panose="020B0604020202020204" pitchFamily="34" charset="0"/>
-              <a:buChar char="•"/>
-              <a:tabLst/>
-              <a:defRPr sz="1400" kern="1200">
-                <a:solidFill>
-                  <a:schemeClr val="tx1"/>
-                </a:solidFill>
-                <a:latin typeface="+mn-lt"/>
-                <a:ea typeface="+mn-ea"/>
-                <a:cs typeface="+mn-cs"/>
-              </a:defRPr>
-            </a:lvl6pPr>
-            <a:lvl7pPr marL="1379538" indent="-120650" algn="l" defTabSz="914400" rtl="0" eaLnBrk="1" latinLnBrk="0" hangingPunct="1">
-              <a:lnSpc>
-                <a:spcPct val="100000"/>
-              </a:lnSpc>
-              <a:spcBef>
-                <a:spcPts val="0"/>
-              </a:spcBef>
-              <a:spcAft>
-                <a:spcPts val="1200"/>
-              </a:spcAft>
-              <a:buClr>
-                <a:schemeClr val="bg2">
-                  <a:lumMod val="25000"/>
-                </a:schemeClr>
-              </a:buClr>
-              <a:buSzPct val="90000"/>
-              <a:buFont typeface="System Font Regular"/>
-              <a:buChar char="-"/>
-              <a:tabLst/>
-              <a:defRPr sz="1400" kern="1200">
-                <a:solidFill>
-                  <a:schemeClr val="tx1"/>
-                </a:solidFill>
-                <a:latin typeface="+mn-lt"/>
-                <a:ea typeface="+mn-ea"/>
-                <a:cs typeface="+mn-cs"/>
-              </a:defRPr>
-            </a:lvl7pPr>
-            <a:lvl8pPr marL="1550988" indent="-120650" algn="l" defTabSz="914400" rtl="0" eaLnBrk="1" latinLnBrk="0" hangingPunct="1">
-              <a:lnSpc>
-                <a:spcPct val="100000"/>
-              </a:lnSpc>
-              <a:spcBef>
-                <a:spcPts val="0"/>
-              </a:spcBef>
-              <a:spcAft>
-                <a:spcPts val="1200"/>
-              </a:spcAft>
-              <a:buClr>
-                <a:schemeClr val="bg2">
-                  <a:lumMod val="25000"/>
-                </a:schemeClr>
-              </a:buClr>
-              <a:buSzPct val="90000"/>
-              <a:buFont typeface="Arial" panose="020B0604020202020204" pitchFamily="34" charset="0"/>
-              <a:buChar char="•"/>
-              <a:tabLst/>
-              <a:defRPr sz="1400" kern="1200">
-                <a:solidFill>
-                  <a:schemeClr val="tx1"/>
-                </a:solidFill>
-                <a:latin typeface="+mn-lt"/>
-                <a:ea typeface="+mn-ea"/>
-                <a:cs typeface="+mn-cs"/>
-              </a:defRPr>
-            </a:lvl8pPr>
-            <a:lvl9pPr marL="1722438" indent="-120650" algn="l" defTabSz="914400" rtl="0" eaLnBrk="1" latinLnBrk="0" hangingPunct="1">
-              <a:lnSpc>
-                <a:spcPct val="100000"/>
-              </a:lnSpc>
-              <a:spcBef>
-                <a:spcPts val="0"/>
-              </a:spcBef>
-              <a:spcAft>
-                <a:spcPts val="1200"/>
-              </a:spcAft>
-              <a:buClr>
-                <a:schemeClr val="bg2">
-                  <a:lumMod val="25000"/>
-                </a:schemeClr>
-              </a:buClr>
-              <a:buSzPct val="90000"/>
-              <a:buFont typeface="System Font Regular"/>
-              <a:buChar char="-"/>
-              <a:tabLst/>
-              <a:defRPr sz="1400" kern="1200">
-                <a:solidFill>
-                  <a:schemeClr val="tx1"/>
-                </a:solidFill>
-                <a:latin typeface="+mn-lt"/>
-                <a:ea typeface="+mn-ea"/>
-                <a:cs typeface="+mn-cs"/>
-              </a:defRPr>
-            </a:lvl9pPr>
-          </a:lstStyle>
-          <a:p>
-            <a:r>
-              <a:rPr lang="en-US" sz="1200" dirty="0"/>
-              <a:t>Known issues when converting from Broadcom PPT templates:</a:t>
-            </a:r>
-          </a:p>
-          <a:p>
-            <a:pPr marL="342900" indent="-342900">
-              <a:buFont typeface="Arial" panose="020B0604020202020204" pitchFamily="34" charset="0"/>
-              <a:buChar char="•"/>
-            </a:pPr>
-            <a:r>
-              <a:rPr lang="en-US" sz="1200" dirty="0"/>
-              <a:t>Title text should should be </a:t>
-            </a:r>
-            <a:r>
-              <a:rPr lang="en-US" sz="1200" dirty="0">
-                <a:solidFill>
-                  <a:schemeClr val="accent2"/>
-                </a:solidFill>
-              </a:rPr>
-              <a:t>Metropolis Light, 28 (dark teal, Accent 2), </a:t>
-            </a:r>
-            <a:r>
-              <a:rPr lang="en-US" sz="1200" dirty="0"/>
-              <a:t>not Bold</a:t>
-            </a:r>
-          </a:p>
-          <a:p>
-            <a:pPr marL="342900" indent="-342900">
-              <a:buFont typeface="Arial" panose="020B0604020202020204" pitchFamily="34" charset="0"/>
-              <a:buChar char="•"/>
-            </a:pPr>
-            <a:endParaRPr lang="en-US" sz="1200" dirty="0"/>
-          </a:p>
-          <a:p>
-            <a:pPr marL="342900" indent="-342900">
-              <a:buFont typeface="Arial" panose="020B0604020202020204" pitchFamily="34" charset="0"/>
-              <a:buChar char="•"/>
-            </a:pPr>
-            <a:endParaRPr lang="en-US" sz="1200" dirty="0"/>
-          </a:p>
-          <a:p>
-            <a:pPr marL="342900" indent="-342900">
-              <a:buFont typeface="Arial" panose="020B0604020202020204" pitchFamily="34" charset="0"/>
-              <a:buChar char="•"/>
-            </a:pPr>
-            <a:endParaRPr lang="en-US" sz="1200" dirty="0"/>
-          </a:p>
-          <a:p>
-            <a:pPr marL="342900" indent="-342900">
-              <a:buFont typeface="Arial" panose="020B0604020202020204" pitchFamily="34" charset="0"/>
-              <a:buChar char="•"/>
-            </a:pPr>
-            <a:endParaRPr lang="en-US" sz="1200" dirty="0"/>
-          </a:p>
-          <a:p>
-            <a:pPr marL="342900" indent="-342900">
-              <a:buFont typeface="Arial" panose="020B0604020202020204" pitchFamily="34" charset="0"/>
-              <a:buChar char="•"/>
-            </a:pPr>
-            <a:r>
-              <a:rPr lang="en-US" sz="1200" dirty="0"/>
-              <a:t>When converting from a VMware by Broadcom deck, some light gray backgrounds will default to lavender. Adjust the color manually.</a:t>
-            </a:r>
-          </a:p>
-          <a:p>
-            <a:pPr marL="342900" indent="-342900">
-              <a:buFont typeface="Arial" panose="020B0604020202020204" pitchFamily="34" charset="0"/>
-              <a:buChar char="•"/>
-            </a:pPr>
-            <a:endParaRPr lang="en-US" sz="1200" dirty="0">
-              <a:solidFill>
-                <a:schemeClr val="accent2"/>
-              </a:solidFill>
-            </a:endParaRPr>
-          </a:p>
-          <a:p>
-            <a:pPr>
-              <a:buNone/>
-            </a:pPr>
-            <a:endParaRPr lang="en-US" sz="1200" dirty="0">
-              <a:solidFill>
-                <a:schemeClr val="accent2"/>
-              </a:solidFill>
-            </a:endParaRPr>
+          <a:lstStyle/>
+          <a:p>
+            <a:r>
+              <a:rPr lang="en-US" dirty="0"/>
+              <a:t>In this session we will cover topics on how to create PowerShell functions to make their code more reusable and easier to understand. We will touch on the concept of building PowerShell modules for local distribution. </a:t>
+            </a:r>
+            <a:r>
+              <a:rPr lang="en-US"/>
+              <a:t>There will be special attention during this session to focus on how to begin the code writing process to ensure the scripts perform the desired work.</a:t>
+            </a:r>
+            <a:endParaRPr lang="en-US" dirty="0"/>
           </a:p>
         </p:txBody>
       </p:sp>
-      <p:pic>
-        <p:nvPicPr>
-          <p:cNvPr id="10" name="Picture 9" descr="A screenshot of a computer&#10;&#10;Description automatically generated">
-            <a:extLst>
-              <a:ext uri="{FF2B5EF4-FFF2-40B4-BE49-F238E27FC236}">
-                <a16:creationId xmlns:a16="http://schemas.microsoft.com/office/drawing/2014/main" id="{A11105A9-E3CC-5E96-7651-AA66228F9112}"/>
-              </a:ext>
-            </a:extLst>
-          </p:cNvPr>
-          <p:cNvPicPr>
-            <a:picLocks noChangeAspect="1"/>
-          </p:cNvPicPr>
-          <p:nvPr/>
-        </p:nvPicPr>
-        <p:blipFill>
-          <a:blip r:embed="rId3"/>
-          <a:stretch>
-            <a:fillRect/>
-          </a:stretch>
-        </p:blipFill>
-        <p:spPr>
-          <a:xfrm>
-            <a:off x="6930580" y="1979229"/>
-            <a:ext cx="2811384" cy="1226647"/>
-          </a:xfrm>
-          <a:prstGeom prst="rect">
-            <a:avLst/>
-          </a:prstGeom>
-        </p:spPr>
-      </p:pic>
-      <p:pic>
-        <p:nvPicPr>
-          <p:cNvPr id="11" name="Picture 10" descr="A screenshot of a computer&#10;&#10;Description automatically generated">
-            <a:extLst>
-              <a:ext uri="{FF2B5EF4-FFF2-40B4-BE49-F238E27FC236}">
-                <a16:creationId xmlns:a16="http://schemas.microsoft.com/office/drawing/2014/main" id="{4DCEB9D8-ACCA-ABD1-6185-0CA0ABE8A509}"/>
-              </a:ext>
-            </a:extLst>
-          </p:cNvPr>
-          <p:cNvPicPr>
-            <a:picLocks noChangeAspect="1"/>
-          </p:cNvPicPr>
-          <p:nvPr/>
-        </p:nvPicPr>
-        <p:blipFill>
-          <a:blip r:embed="rId4"/>
-          <a:stretch>
-            <a:fillRect/>
-          </a:stretch>
-        </p:blipFill>
-        <p:spPr>
-          <a:xfrm>
-            <a:off x="6963159" y="4020429"/>
-            <a:ext cx="2778805" cy="1642021"/>
-          </a:xfrm>
-          <a:prstGeom prst="rect">
-            <a:avLst/>
-          </a:prstGeom>
-        </p:spPr>
-      </p:pic>
     </p:spTree>
     <p:extLst>
       <p:ext uri="{BB962C8B-B14F-4D97-AF65-F5344CB8AC3E}">
-        <p14:creationId xmlns:p14="http://schemas.microsoft.com/office/powerpoint/2010/main" val="2001489596"/>
+        <p14:creationId xmlns:p14="http://schemas.microsoft.com/office/powerpoint/2010/main" val="594509113"/>
       </p:ext>
     </p:extLst>
   </p:cSld>
@@ -21137,7 +20575,7 @@
 </file>
 
 <file path=ppt/slides/slide3.xml><?xml version="1.0" encoding="utf-8"?>
-<p:sld xmlns:a="http://schemas.openxmlformats.org/drawingml/2006/main" xmlns:r="http://schemas.openxmlformats.org/officeDocument/2006/relationships" xmlns:p="http://schemas.openxmlformats.org/presentationml/2006/main" show="0">
+<p:sld xmlns:a="http://schemas.openxmlformats.org/drawingml/2006/main" xmlns:r="http://schemas.openxmlformats.org/officeDocument/2006/relationships" xmlns:p="http://schemas.openxmlformats.org/presentationml/2006/main">
   <p:cSld>
     <p:spTree>
       <p:nvGrpSpPr>
@@ -21155,13 +20593,7 @@
       </p:grpSpPr>
       <p:sp>
         <p:nvSpPr>
-          <p:cNvPr id="2" name="Title 1">
-            <a:extLst>
-              <a:ext uri="{FF2B5EF4-FFF2-40B4-BE49-F238E27FC236}">
-                <a16:creationId xmlns:a16="http://schemas.microsoft.com/office/drawing/2014/main" id="{168374A4-8AEB-800A-566E-4F1AB585A89A}"/>
-              </a:ext>
-            </a:extLst>
-          </p:cNvPr>
+          <p:cNvPr id="2" name="Title 1"/>
           <p:cNvSpPr>
             <a:spLocks noGrp="1"/>
           </p:cNvSpPr>
@@ -21169,26 +20601,14 @@
             <p:ph type="title"/>
           </p:nvPr>
         </p:nvSpPr>
-        <p:spPr>
-          <a:xfrm>
-            <a:off x="608013" y="546019"/>
-            <a:ext cx="11001004" cy="381000"/>
-          </a:xfrm>
-        </p:spPr>
+        <p:spPr/>
         <p:txBody>
           <a:bodyPr/>
           <a:lstStyle/>
           <a:p>
             <a:r>
-              <a:rPr lang="en-US" dirty="0"/>
-              <a:t>Quick Guide</a:t>
-            </a:r>
-            <a:br>
-              <a:rPr lang="en-US" dirty="0"/>
-            </a:br>
-            <a:r>
-              <a:rPr lang="en-US" sz="2000" dirty="0"/>
-              <a:t>Start here to create effective, on-brand content</a:t>
+              <a:rPr lang="en-US" dirty="0" smtClean="0"/>
+              <a:t>Takeaways</a:t>
             </a:r>
             <a:endParaRPr lang="en-US" dirty="0"/>
           </a:p>
@@ -21196,359 +20616,55 @@
       </p:sp>
       <p:sp>
         <p:nvSpPr>
-          <p:cNvPr id="8" name="Content Placeholder 4">
-            <a:extLst>
-              <a:ext uri="{FF2B5EF4-FFF2-40B4-BE49-F238E27FC236}">
-                <a16:creationId xmlns:a16="http://schemas.microsoft.com/office/drawing/2014/main" id="{8456DF7F-5EAE-0C1E-3B73-4DAF04583B48}"/>
-              </a:ext>
-            </a:extLst>
-          </p:cNvPr>
-          <p:cNvSpPr txBox="1">
-            <a:spLocks/>
+          <p:cNvPr id="4" name="Content Placeholder 3"/>
+          <p:cNvSpPr>
+            <a:spLocks noGrp="1"/>
           </p:cNvSpPr>
-          <p:nvPr/>
+          <p:nvPr>
+            <p:ph sz="quarter" idx="14"/>
+          </p:nvPr>
         </p:nvSpPr>
-        <p:spPr>
-          <a:xfrm>
-            <a:off x="553442" y="1090450"/>
-            <a:ext cx="10256072" cy="4572000"/>
-          </a:xfrm>
-          <a:prstGeom prst="rect">
-            <a:avLst/>
-          </a:prstGeom>
-          <a:noFill/>
-        </p:spPr>
+        <p:spPr/>
         <p:txBody>
           <a:bodyPr/>
-          <a:lstStyle>
-            <a:lvl1pPr marL="0" indent="0" algn="l" defTabSz="914400" rtl="0" eaLnBrk="1" latinLnBrk="0" hangingPunct="1">
-              <a:lnSpc>
-                <a:spcPct val="100000"/>
-              </a:lnSpc>
-              <a:spcBef>
-                <a:spcPts val="0"/>
-              </a:spcBef>
-              <a:spcAft>
-                <a:spcPts val="1200"/>
-              </a:spcAft>
-              <a:buClr>
-                <a:schemeClr val="tx1">
-                  <a:lumMod val="60000"/>
-                  <a:lumOff val="40000"/>
-                </a:schemeClr>
-              </a:buClr>
-              <a:buSzPct val="90000"/>
-              <a:buFont typeface="Arial" panose="020B0604020202020204" pitchFamily="34" charset="0"/>
-              <a:buChar char="​"/>
-              <a:defRPr sz="2000" kern="1200">
-                <a:solidFill>
-                  <a:schemeClr val="tx1"/>
-                </a:solidFill>
-                <a:latin typeface="+mn-lt"/>
-                <a:ea typeface="+mn-ea"/>
-                <a:cs typeface="+mn-cs"/>
-              </a:defRPr>
-            </a:lvl1pPr>
-            <a:lvl2pPr marL="457200" indent="-184150" algn="l" defTabSz="914400" rtl="0" eaLnBrk="1" latinLnBrk="0" hangingPunct="1">
-              <a:lnSpc>
-                <a:spcPct val="100000"/>
-              </a:lnSpc>
-              <a:spcBef>
-                <a:spcPts val="0"/>
-              </a:spcBef>
-              <a:spcAft>
-                <a:spcPts val="1200"/>
-              </a:spcAft>
-              <a:buClr>
-                <a:schemeClr val="bg2">
-                  <a:lumMod val="25000"/>
-                </a:schemeClr>
-              </a:buClr>
-              <a:buSzPct val="90000"/>
-              <a:buFont typeface="Arial" panose="020B0604020202020204" pitchFamily="34" charset="0"/>
-              <a:buChar char="•"/>
-              <a:defRPr sz="1800" kern="1200">
-                <a:solidFill>
-                  <a:schemeClr val="tx1"/>
-                </a:solidFill>
-                <a:latin typeface="+mn-lt"/>
-                <a:ea typeface="+mn-ea"/>
-                <a:cs typeface="+mn-cs"/>
-              </a:defRPr>
-            </a:lvl2pPr>
-            <a:lvl3pPr marL="744538" indent="-169863" algn="l" defTabSz="914400" rtl="0" eaLnBrk="1" latinLnBrk="0" hangingPunct="1">
-              <a:lnSpc>
-                <a:spcPct val="100000"/>
-              </a:lnSpc>
-              <a:spcBef>
-                <a:spcPts val="0"/>
-              </a:spcBef>
-              <a:spcAft>
-                <a:spcPts val="1200"/>
-              </a:spcAft>
-              <a:buClr>
-                <a:schemeClr val="bg2">
-                  <a:lumMod val="25000"/>
-                </a:schemeClr>
-              </a:buClr>
-              <a:buSzPct val="90000"/>
-              <a:buFont typeface="Camphor Std" panose="020B0504030404020204" pitchFamily="34" charset="0"/>
-              <a:buChar char="–"/>
-              <a:defRPr sz="1600" kern="1200">
-                <a:solidFill>
-                  <a:schemeClr val="tx1"/>
-                </a:solidFill>
-                <a:latin typeface="+mn-lt"/>
-                <a:ea typeface="+mn-ea"/>
-                <a:cs typeface="+mn-cs"/>
-              </a:defRPr>
-            </a:lvl3pPr>
-            <a:lvl4pPr marL="969963" indent="-166688" algn="l" defTabSz="914400" rtl="0" eaLnBrk="1" latinLnBrk="0" hangingPunct="1">
-              <a:lnSpc>
-                <a:spcPct val="100000"/>
-              </a:lnSpc>
-              <a:spcBef>
-                <a:spcPts val="0"/>
-              </a:spcBef>
-              <a:spcAft>
-                <a:spcPts val="1200"/>
-              </a:spcAft>
-              <a:buClr>
-                <a:schemeClr val="bg2">
-                  <a:lumMod val="25000"/>
-                </a:schemeClr>
-              </a:buClr>
-              <a:buSzPct val="90000"/>
-              <a:buFont typeface="Arial" panose="020B0604020202020204" pitchFamily="34" charset="0"/>
-              <a:buChar char="•"/>
-              <a:defRPr sz="1400" kern="1200">
-                <a:solidFill>
-                  <a:schemeClr val="tx1"/>
-                </a:solidFill>
-                <a:latin typeface="+mn-lt"/>
-                <a:ea typeface="+mn-ea"/>
-                <a:cs typeface="+mn-cs"/>
-              </a:defRPr>
-            </a:lvl4pPr>
-            <a:lvl5pPr marL="1143000" indent="-138113" algn="l" defTabSz="914400" rtl="0" eaLnBrk="1" latinLnBrk="0" hangingPunct="1">
-              <a:lnSpc>
-                <a:spcPct val="100000"/>
-              </a:lnSpc>
-              <a:spcBef>
-                <a:spcPts val="0"/>
-              </a:spcBef>
-              <a:spcAft>
-                <a:spcPts val="1200"/>
-              </a:spcAft>
-              <a:buClr>
-                <a:schemeClr val="bg2">
-                  <a:lumMod val="25000"/>
-                </a:schemeClr>
-              </a:buClr>
-              <a:buSzPct val="90000"/>
-              <a:buFont typeface="Camphor Std" panose="020B0504030404020204" pitchFamily="34" charset="0"/>
-              <a:buChar char="–"/>
-              <a:tabLst/>
-              <a:defRPr sz="1400" kern="1200">
-                <a:solidFill>
-                  <a:schemeClr val="tx1"/>
-                </a:solidFill>
-                <a:latin typeface="+mn-lt"/>
-                <a:ea typeface="+mn-ea"/>
-                <a:cs typeface="+mn-cs"/>
-              </a:defRPr>
-            </a:lvl5pPr>
-            <a:lvl6pPr marL="1258888" indent="-111125" algn="l" defTabSz="914400" rtl="0" eaLnBrk="1" latinLnBrk="0" hangingPunct="1">
-              <a:lnSpc>
-                <a:spcPct val="100000"/>
-              </a:lnSpc>
-              <a:spcBef>
-                <a:spcPts val="0"/>
-              </a:spcBef>
-              <a:spcAft>
-                <a:spcPts val="1200"/>
-              </a:spcAft>
-              <a:buClr>
-                <a:schemeClr val="bg2">
-                  <a:lumMod val="25000"/>
-                </a:schemeClr>
-              </a:buClr>
-              <a:buSzPct val="90000"/>
-              <a:buFont typeface="Arial" panose="020B0604020202020204" pitchFamily="34" charset="0"/>
-              <a:buChar char="•"/>
-              <a:tabLst/>
-              <a:defRPr sz="1400" kern="1200">
-                <a:solidFill>
-                  <a:schemeClr val="tx1"/>
-                </a:solidFill>
-                <a:latin typeface="+mn-lt"/>
-                <a:ea typeface="+mn-ea"/>
-                <a:cs typeface="+mn-cs"/>
-              </a:defRPr>
-            </a:lvl6pPr>
-            <a:lvl7pPr marL="1379538" indent="-120650" algn="l" defTabSz="914400" rtl="0" eaLnBrk="1" latinLnBrk="0" hangingPunct="1">
-              <a:lnSpc>
-                <a:spcPct val="100000"/>
-              </a:lnSpc>
-              <a:spcBef>
-                <a:spcPts val="0"/>
-              </a:spcBef>
-              <a:spcAft>
-                <a:spcPts val="1200"/>
-              </a:spcAft>
-              <a:buClr>
-                <a:schemeClr val="bg2">
-                  <a:lumMod val="25000"/>
-                </a:schemeClr>
-              </a:buClr>
-              <a:buSzPct val="90000"/>
-              <a:buFont typeface="System Font Regular"/>
-              <a:buChar char="-"/>
-              <a:tabLst/>
-              <a:defRPr sz="1400" kern="1200">
-                <a:solidFill>
-                  <a:schemeClr val="tx1"/>
-                </a:solidFill>
-                <a:latin typeface="+mn-lt"/>
-                <a:ea typeface="+mn-ea"/>
-                <a:cs typeface="+mn-cs"/>
-              </a:defRPr>
-            </a:lvl7pPr>
-            <a:lvl8pPr marL="1550988" indent="-120650" algn="l" defTabSz="914400" rtl="0" eaLnBrk="1" latinLnBrk="0" hangingPunct="1">
-              <a:lnSpc>
-                <a:spcPct val="100000"/>
-              </a:lnSpc>
-              <a:spcBef>
-                <a:spcPts val="0"/>
-              </a:spcBef>
-              <a:spcAft>
-                <a:spcPts val="1200"/>
-              </a:spcAft>
-              <a:buClr>
-                <a:schemeClr val="bg2">
-                  <a:lumMod val="25000"/>
-                </a:schemeClr>
-              </a:buClr>
-              <a:buSzPct val="90000"/>
-              <a:buFont typeface="Arial" panose="020B0604020202020204" pitchFamily="34" charset="0"/>
-              <a:buChar char="•"/>
-              <a:tabLst/>
-              <a:defRPr sz="1400" kern="1200">
-                <a:solidFill>
-                  <a:schemeClr val="tx1"/>
-                </a:solidFill>
-                <a:latin typeface="+mn-lt"/>
-                <a:ea typeface="+mn-ea"/>
-                <a:cs typeface="+mn-cs"/>
-              </a:defRPr>
-            </a:lvl8pPr>
-            <a:lvl9pPr marL="1722438" indent="-120650" algn="l" defTabSz="914400" rtl="0" eaLnBrk="1" latinLnBrk="0" hangingPunct="1">
-              <a:lnSpc>
-                <a:spcPct val="100000"/>
-              </a:lnSpc>
-              <a:spcBef>
-                <a:spcPts val="0"/>
-              </a:spcBef>
-              <a:spcAft>
-                <a:spcPts val="1200"/>
-              </a:spcAft>
-              <a:buClr>
-                <a:schemeClr val="bg2">
-                  <a:lumMod val="25000"/>
-                </a:schemeClr>
-              </a:buClr>
-              <a:buSzPct val="90000"/>
-              <a:buFont typeface="System Font Regular"/>
-              <a:buChar char="-"/>
-              <a:tabLst/>
-              <a:defRPr sz="1400" kern="1200">
-                <a:solidFill>
-                  <a:schemeClr val="tx1"/>
-                </a:solidFill>
-                <a:latin typeface="+mn-lt"/>
-                <a:ea typeface="+mn-ea"/>
-                <a:cs typeface="+mn-cs"/>
-              </a:defRPr>
-            </a:lvl9pPr>
-          </a:lstStyle>
-          <a:p>
-            <a:r>
-              <a:rPr lang="en-US" sz="1200" dirty="0"/>
-              <a:t> Product Names</a:t>
-            </a:r>
-          </a:p>
-          <a:p>
-            <a:pPr marL="171450" indent="-171450">
-              <a:buFont typeface="Arial" panose="020B0604020202020204" pitchFamily="34" charset="0"/>
-              <a:buChar char="•"/>
+          <a:lstStyle/>
+          <a:p>
+            <a:pPr marL="457200" indent="-457200">
+              <a:buFont typeface="+mj-lt"/>
+              <a:buAutoNum type="arabicPeriod"/>
             </a:pPr>
             <a:r>
-              <a:rPr lang="en-US" sz="1200" dirty="0"/>
-              <a:t>Always use the full product name on first use.</a:t>
-            </a:r>
-          </a:p>
-          <a:p>
-            <a:pPr marL="171450" indent="-171450">
-              <a:buFont typeface="Arial" panose="020B0604020202020204" pitchFamily="34" charset="0"/>
-              <a:buChar char="•"/>
+              <a:rPr lang="en-US" dirty="0" smtClean="0"/>
+              <a:t>Understand Pseudo Code</a:t>
+            </a:r>
+          </a:p>
+          <a:p>
+            <a:pPr marL="457200" indent="-457200">
+              <a:buFont typeface="+mj-lt"/>
+              <a:buAutoNum type="arabicPeriod"/>
             </a:pPr>
             <a:r>
-              <a:rPr lang="en-US" sz="1200" dirty="0"/>
-              <a:t>Don’t abbreviate product names, especially trademarked ones. Doing so consistently can jeopardize our trademark ownership.</a:t>
-            </a:r>
-          </a:p>
-          <a:p>
-            <a:pPr marL="171450" indent="-171450">
-              <a:buFont typeface="Arial" panose="020B0604020202020204" pitchFamily="34" charset="0"/>
-              <a:buChar char="•"/>
+              <a:rPr lang="en-US" dirty="0" smtClean="0"/>
+              <a:t>Understand how to write Functions</a:t>
+            </a:r>
+          </a:p>
+          <a:p>
+            <a:pPr marL="457200" indent="-457200">
+              <a:buFont typeface="+mj-lt"/>
+              <a:buAutoNum type="arabicPeriod"/>
             </a:pPr>
             <a:r>
-              <a:rPr lang="en-US" sz="1200" dirty="0"/>
-              <a:t>Contact the </a:t>
-            </a:r>
-            <a:r>
-              <a:rPr lang="en-US" sz="1200" dirty="0">
-                <a:hlinkClick r:id="rId2"/>
-              </a:rPr>
-              <a:t>Brand team </a:t>
-            </a:r>
-            <a:r>
-              <a:rPr lang="en-US" sz="1200" dirty="0"/>
-              <a:t>if you have questions about how to write a product name in a small space.</a:t>
-            </a:r>
-          </a:p>
-          <a:p>
-            <a:r>
-              <a:rPr lang="en-US" sz="1200" dirty="0"/>
-              <a:t>Capitalization</a:t>
-            </a:r>
-          </a:p>
-          <a:p>
-            <a:pPr marL="171450" indent="-171450">
-              <a:buFont typeface="Arial" panose="020B0604020202020204" pitchFamily="34" charset="0"/>
-              <a:buChar char="•"/>
-            </a:pPr>
-            <a:r>
-              <a:rPr lang="en-US" sz="1200" dirty="0"/>
-              <a:t>Headlines Use Title Case: Capitalize the first letter of each word, except articles (e.g., a, the) and prepositions (e.g., with, for). Remember to capitalize “Is” in title case, because it’s a verb.</a:t>
-            </a:r>
-          </a:p>
-          <a:p>
-            <a:pPr marL="171450" indent="-171450">
-              <a:buFont typeface="Arial" panose="020B0604020202020204" pitchFamily="34" charset="0"/>
-              <a:buChar char="•"/>
-            </a:pPr>
-            <a:r>
-              <a:rPr lang="en-US" sz="1200" dirty="0"/>
-              <a:t>Subheads use sentence case: Only capitalize the first letter of the first word and any proper nouns (e.g., names of people, products or companies). Think about how you’d capitalize a sentence.  </a:t>
-            </a:r>
+              <a:rPr lang="en-US" dirty="0" smtClean="0"/>
+              <a:t>Understand how to create PowerShell Modules</a:t>
+            </a:r>
+            <a:endParaRPr lang="en-US" dirty="0"/>
           </a:p>
         </p:txBody>
       </p:sp>
     </p:spTree>
     <p:extLst>
       <p:ext uri="{BB962C8B-B14F-4D97-AF65-F5344CB8AC3E}">
-        <p14:creationId xmlns:p14="http://schemas.microsoft.com/office/powerpoint/2010/main" val="1975936213"/>
+        <p14:creationId xmlns:p14="http://schemas.microsoft.com/office/powerpoint/2010/main" val="3915174151"/>
       </p:ext>
     </p:extLst>
   </p:cSld>
@@ -21589,97 +20705,10 @@
       </p:grpSpPr>
       <p:sp>
         <p:nvSpPr>
-          <p:cNvPr id="13" name="Text Placeholder 12">
+          <p:cNvPr id="2" name="Title 1">
             <a:extLst>
               <a:ext uri="{FF2B5EF4-FFF2-40B4-BE49-F238E27FC236}">
-                <a16:creationId xmlns:a16="http://schemas.microsoft.com/office/drawing/2014/main" id="{222FB045-4DAE-A1C8-DF9F-B4AA0ED41E3E}"/>
-              </a:ext>
-            </a:extLst>
-          </p:cNvPr>
-          <p:cNvSpPr>
-            <a:spLocks noGrp="1"/>
-          </p:cNvSpPr>
-          <p:nvPr>
-            <p:ph type="body" sz="quarter" idx="11"/>
-          </p:nvPr>
-        </p:nvSpPr>
-        <p:spPr/>
-        <p:txBody>
-          <a:bodyPr/>
-          <a:lstStyle/>
-          <a:p>
-            <a:r>
-              <a:rPr lang="en-US" dirty="0" smtClean="0"/>
-              <a:t>Justin Sider</a:t>
-            </a:r>
-            <a:endParaRPr lang="en-US" dirty="0"/>
-          </a:p>
-        </p:txBody>
-      </p:sp>
-      <p:sp>
-        <p:nvSpPr>
-          <p:cNvPr id="14" name="Text Placeholder 13">
-            <a:extLst>
-              <a:ext uri="{FF2B5EF4-FFF2-40B4-BE49-F238E27FC236}">
-                <a16:creationId xmlns:a16="http://schemas.microsoft.com/office/drawing/2014/main" id="{C02107BA-34B4-85E7-3812-729A10DEF8A7}"/>
-              </a:ext>
-            </a:extLst>
-          </p:cNvPr>
-          <p:cNvSpPr>
-            <a:spLocks noGrp="1"/>
-          </p:cNvSpPr>
-          <p:nvPr>
-            <p:ph type="body" sz="quarter" idx="12"/>
-          </p:nvPr>
-        </p:nvSpPr>
-        <p:spPr/>
-        <p:txBody>
-          <a:bodyPr/>
-          <a:lstStyle/>
-          <a:p>
-            <a:r>
-              <a:rPr lang="en-US" dirty="0" smtClean="0"/>
-              <a:t>Chief PowerShell Officer – Belay Technologies</a:t>
-            </a:r>
-            <a:endParaRPr lang="en-US" dirty="0"/>
-          </a:p>
-        </p:txBody>
-      </p:sp>
-      <p:sp>
-        <p:nvSpPr>
-          <p:cNvPr id="15" name="Text Placeholder 14">
-            <a:extLst>
-              <a:ext uri="{FF2B5EF4-FFF2-40B4-BE49-F238E27FC236}">
-                <a16:creationId xmlns:a16="http://schemas.microsoft.com/office/drawing/2014/main" id="{E4890F4D-2A2A-476E-87B3-B4740C3D18E2}"/>
-              </a:ext>
-            </a:extLst>
-          </p:cNvPr>
-          <p:cNvSpPr>
-            <a:spLocks noGrp="1"/>
-          </p:cNvSpPr>
-          <p:nvPr>
-            <p:ph type="body" sz="quarter" idx="14"/>
-          </p:nvPr>
-        </p:nvSpPr>
-        <p:spPr/>
-        <p:txBody>
-          <a:bodyPr/>
-          <a:lstStyle/>
-          <a:p>
-            <a:r>
-              <a:rPr lang="en-US" dirty="0"/>
-              <a:t># CODE1745LV</a:t>
-            </a:r>
-            <a:endParaRPr lang="en-US" dirty="0"/>
-          </a:p>
-        </p:txBody>
-      </p:sp>
-      <p:sp>
-        <p:nvSpPr>
-          <p:cNvPr id="8" name="Title 4" title="Title">
-            <a:extLst>
-              <a:ext uri="{FF2B5EF4-FFF2-40B4-BE49-F238E27FC236}">
-                <a16:creationId xmlns:a16="http://schemas.microsoft.com/office/drawing/2014/main" id="{6AF36ABC-9C30-E49E-A919-AC10E0F93B73}"/>
+                <a16:creationId xmlns:a16="http://schemas.microsoft.com/office/drawing/2014/main" id="{0D9FDAE6-550E-E975-BD01-08906590C472}"/>
               </a:ext>
             </a:extLst>
           </p:cNvPr>
@@ -21696,12 +20725,8 @@
           <a:lstStyle/>
           <a:p>
             <a:r>
-              <a:rPr lang="en-US" sz="4000" dirty="0" err="1" smtClean="0"/>
-              <a:t>PowerCLI</a:t>
-            </a:r>
-            <a:r>
-              <a:rPr lang="en-US" sz="4000" dirty="0" smtClean="0"/>
-              <a:t> 301</a:t>
+              <a:rPr lang="en-US" dirty="0" smtClean="0"/>
+              <a:t>Agenda</a:t>
             </a:r>
             <a:endParaRPr lang="en-US" dirty="0"/>
           </a:p>
@@ -21709,10 +20734,10 @@
       </p:sp>
       <p:sp>
         <p:nvSpPr>
-          <p:cNvPr id="9" name="Subtitle 5" title="Subtitle">
+          <p:cNvPr id="5" name="Content Placeholder 4">
             <a:extLst>
               <a:ext uri="{FF2B5EF4-FFF2-40B4-BE49-F238E27FC236}">
-                <a16:creationId xmlns:a16="http://schemas.microsoft.com/office/drawing/2014/main" id="{5C458ECF-94C9-BC18-C2C8-2A294DE58AE8}"/>
+                <a16:creationId xmlns:a16="http://schemas.microsoft.com/office/drawing/2014/main" id="{8FBEB278-6650-3A11-7DCD-A90016572E5A}"/>
               </a:ext>
             </a:extLst>
           </p:cNvPr>
@@ -21720,49 +20745,7 @@
             <a:spLocks noGrp="1"/>
           </p:cNvSpPr>
           <p:nvPr>
-            <p:ph type="subTitle" idx="4294967295"/>
-          </p:nvPr>
-        </p:nvSpPr>
-        <p:spPr>
-          <a:xfrm>
-            <a:off x="588494" y="4446003"/>
-            <a:ext cx="5505917" cy="416403"/>
-          </a:xfrm>
-        </p:spPr>
-        <p:txBody>
-          <a:bodyPr/>
-          <a:lstStyle/>
-          <a:p>
-            <a:r>
-              <a:rPr lang="en-US" dirty="0" smtClean="0">
-                <a:solidFill>
-                  <a:schemeClr val="bg1"/>
-                </a:solidFill>
-              </a:rPr>
-              <a:t>Functions upon Functions</a:t>
-            </a:r>
-            <a:endParaRPr lang="en-US" dirty="0">
-              <a:solidFill>
-                <a:schemeClr val="bg1"/>
-              </a:solidFill>
-            </a:endParaRPr>
-          </a:p>
-        </p:txBody>
-      </p:sp>
-      <p:sp>
-        <p:nvSpPr>
-          <p:cNvPr id="16" name="Text Placeholder 15">
-            <a:extLst>
-              <a:ext uri="{FF2B5EF4-FFF2-40B4-BE49-F238E27FC236}">
-                <a16:creationId xmlns:a16="http://schemas.microsoft.com/office/drawing/2014/main" id="{BF074FE7-E33A-7CFF-F7B5-3B08607D6660}"/>
-              </a:ext>
-            </a:extLst>
-          </p:cNvPr>
-          <p:cNvSpPr>
-            <a:spLocks noGrp="1"/>
-          </p:cNvSpPr>
-          <p:nvPr>
-            <p:ph type="body" sz="quarter" idx="15"/>
+            <p:ph sz="quarter" idx="14"/>
           </p:nvPr>
         </p:nvSpPr>
         <p:spPr/>
@@ -21770,97 +20753,104 @@
           <a:bodyPr/>
           <a:lstStyle/>
           <a:p>
+            <a:pPr marL="457200" indent="-457200">
+              <a:buFont typeface="+mj-lt"/>
+              <a:buAutoNum type="arabicPeriod"/>
+            </a:pPr>
             <a:r>
               <a:rPr lang="en-US" dirty="0" smtClean="0"/>
-              <a:t>CODE1745LV</a:t>
-            </a:r>
+              <a:t>PowerShell Basics (Really quick)</a:t>
+            </a:r>
+          </a:p>
+          <a:p>
+            <a:pPr marL="457200" indent="-457200">
+              <a:buFont typeface="+mj-lt"/>
+              <a:buAutoNum type="arabicPeriod"/>
+            </a:pPr>
+            <a:r>
+              <a:rPr lang="en-US" dirty="0" smtClean="0"/>
+              <a:t>Functions</a:t>
+            </a:r>
+            <a:endParaRPr lang="en-US" dirty="0" smtClean="0"/>
+          </a:p>
+          <a:p>
+            <a:pPr marL="457200" indent="-457200">
+              <a:buFont typeface="+mj-lt"/>
+              <a:buAutoNum type="arabicPeriod"/>
+            </a:pPr>
+            <a:r>
+              <a:rPr lang="en-US" dirty="0"/>
+              <a:t>Cmdlets </a:t>
+            </a:r>
+            <a:endParaRPr lang="en-US" dirty="0" smtClean="0"/>
+          </a:p>
+          <a:p>
+            <a:pPr marL="457200" indent="-457200">
+              <a:buFont typeface="+mj-lt"/>
+              <a:buAutoNum type="arabicPeriod"/>
+            </a:pPr>
+            <a:r>
+              <a:rPr lang="en-US" dirty="0" smtClean="0"/>
+              <a:t>Advanced </a:t>
+            </a:r>
+            <a:r>
+              <a:rPr lang="en-US" dirty="0" smtClean="0"/>
+              <a:t>Functions</a:t>
+            </a:r>
+          </a:p>
+          <a:p>
+            <a:pPr marL="457200" indent="-457200">
+              <a:buFont typeface="+mj-lt"/>
+              <a:buAutoNum type="arabicPeriod"/>
+            </a:pPr>
+            <a:r>
+              <a:rPr lang="en-US" dirty="0" smtClean="0"/>
+              <a:t>Modules</a:t>
+            </a:r>
+          </a:p>
+          <a:p>
+            <a:pPr marL="457200" indent="-457200">
+              <a:buFont typeface="+mj-lt"/>
+              <a:buAutoNum type="arabicPeriod"/>
+            </a:pPr>
+            <a:r>
+              <a:rPr lang="en-US" dirty="0" smtClean="0"/>
+              <a:t>Pseudo Code</a:t>
+            </a:r>
+          </a:p>
+          <a:p>
+            <a:pPr marL="457200" indent="-457200">
+              <a:buFont typeface="+mj-lt"/>
+              <a:buAutoNum type="arabicPeriod"/>
+            </a:pPr>
+            <a:r>
+              <a:rPr lang="en-US" dirty="0" smtClean="0"/>
+              <a:t>PowerShell Gallery</a:t>
+            </a:r>
+          </a:p>
+          <a:p>
+            <a:pPr marL="457200" indent="-457200">
+              <a:buFont typeface="+mj-lt"/>
+              <a:buAutoNum type="arabicPeriod"/>
+            </a:pPr>
+            <a:r>
+              <a:rPr lang="en-US" dirty="0" smtClean="0"/>
+              <a:t>Local Modules</a:t>
+            </a:r>
+          </a:p>
+          <a:p>
+            <a:pPr marL="457200" indent="-457200">
+              <a:buFont typeface="+mj-lt"/>
+              <a:buAutoNum type="arabicPeriod"/>
+            </a:pPr>
             <a:endParaRPr lang="en-US" dirty="0"/>
-          </a:p>
-        </p:txBody>
-      </p:sp>
-      <p:sp>
-        <p:nvSpPr>
-          <p:cNvPr id="2" name="TextBox 1">
-            <a:extLst>
-              <a:ext uri="{FF2B5EF4-FFF2-40B4-BE49-F238E27FC236}">
-                <a16:creationId xmlns:a16="http://schemas.microsoft.com/office/drawing/2014/main" id="{918E8234-B800-C09A-FE76-981EEA56F954}"/>
-              </a:ext>
-            </a:extLst>
-          </p:cNvPr>
-          <p:cNvSpPr txBox="1"/>
-          <p:nvPr/>
-        </p:nvSpPr>
-        <p:spPr>
-          <a:xfrm>
-            <a:off x="588494" y="6395860"/>
-            <a:ext cx="3855223" cy="215444"/>
-          </a:xfrm>
-          <a:prstGeom prst="rect">
-            <a:avLst/>
-          </a:prstGeom>
-          <a:noFill/>
-        </p:spPr>
-        <p:txBody>
-          <a:bodyPr wrap="none" lIns="0" tIns="0" rIns="0" bIns="0" rtlCol="0">
-            <a:spAutoFit/>
-          </a:bodyPr>
-          <a:lstStyle/>
-          <a:p>
-            <a:pPr algn="l">
-              <a:lnSpc>
-                <a:spcPct val="100000"/>
-              </a:lnSpc>
-            </a:pPr>
-            <a:r>
-              <a:rPr lang="en-US" sz="700" spc="0" baseline="0" dirty="0">
-                <a:ln/>
-                <a:solidFill>
-                  <a:schemeClr val="bg1"/>
-                </a:solidFill>
-                <a:latin typeface="Metropolis-Regular"/>
-                <a:sym typeface="Metropolis-Regular"/>
-                <a:rtl val="0"/>
-              </a:rPr>
-              <a:t>Broadcom Proprietary and Confidential. Copyright © 2024 Broadcom. </a:t>
-            </a:r>
-          </a:p>
-          <a:p>
-            <a:pPr marL="0" marR="0" lvl="0" indent="0" algn="l" defTabSz="914400" rtl="0" eaLnBrk="1" fontAlgn="auto" latinLnBrk="0" hangingPunct="1">
-              <a:lnSpc>
-                <a:spcPct val="100000"/>
-              </a:lnSpc>
-              <a:spcBef>
-                <a:spcPts val="0"/>
-              </a:spcBef>
-              <a:spcAft>
-                <a:spcPts val="0"/>
-              </a:spcAft>
-              <a:buClrTx/>
-              <a:buSzTx/>
-              <a:buFontTx/>
-              <a:buNone/>
-              <a:tabLst/>
-              <a:defRPr/>
-            </a:pPr>
-            <a:r>
-              <a:rPr lang="en-US" sz="700" spc="0" baseline="0" dirty="0">
-                <a:ln/>
-                <a:solidFill>
-                  <a:schemeClr val="bg1"/>
-                </a:solidFill>
-                <a:latin typeface="Metropolis-Regular"/>
-                <a:sym typeface="Metropolis-Regular"/>
-                <a:rtl val="0"/>
-              </a:rPr>
-              <a:t>All Rights Reserved. The term “Broadcom” refers to Broadcom Inc. and/or its subsidiaries.</a:t>
-            </a:r>
           </a:p>
         </p:txBody>
       </p:sp>
     </p:spTree>
     <p:extLst>
       <p:ext uri="{BB962C8B-B14F-4D97-AF65-F5344CB8AC3E}">
-        <p14:creationId xmlns:p14="http://schemas.microsoft.com/office/powerpoint/2010/main" val="3129537273"/>
+        <p14:creationId xmlns:p14="http://schemas.microsoft.com/office/powerpoint/2010/main" val="2894136523"/>
       </p:ext>
     </p:extLst>
   </p:cSld>
@@ -21901,13 +20891,7 @@
       </p:grpSpPr>
       <p:sp>
         <p:nvSpPr>
-          <p:cNvPr id="2" name="Title 1">
-            <a:extLst>
-              <a:ext uri="{FF2B5EF4-FFF2-40B4-BE49-F238E27FC236}">
-                <a16:creationId xmlns:a16="http://schemas.microsoft.com/office/drawing/2014/main" id="{0D9FDAE6-550E-E975-BD01-08906590C472}"/>
-              </a:ext>
-            </a:extLst>
-          </p:cNvPr>
+          <p:cNvPr id="2" name="Title 1"/>
           <p:cNvSpPr>
             <a:spLocks noGrp="1"/>
           </p:cNvSpPr>
@@ -21920,19 +20904,17 @@
           <a:bodyPr/>
           <a:lstStyle/>
           <a:p>
+            <a:r>
+              <a:rPr lang="en-US" dirty="0" smtClean="0"/>
+              <a:t>PowerShell 101</a:t>
+            </a:r>
             <a:endParaRPr lang="en-US" dirty="0"/>
           </a:p>
         </p:txBody>
       </p:sp>
       <p:sp>
         <p:nvSpPr>
-          <p:cNvPr id="4" name="Subtitle 3">
-            <a:extLst>
-              <a:ext uri="{FF2B5EF4-FFF2-40B4-BE49-F238E27FC236}">
-                <a16:creationId xmlns:a16="http://schemas.microsoft.com/office/drawing/2014/main" id="{8F886DCA-5B59-24C0-2C79-4E661832C1EA}"/>
-              </a:ext>
-            </a:extLst>
-          </p:cNvPr>
+          <p:cNvPr id="3" name="Subtitle 2"/>
           <p:cNvSpPr>
             <a:spLocks noGrp="1"/>
           </p:cNvSpPr>
@@ -21945,19 +20927,17 @@
           <a:bodyPr/>
           <a:lstStyle/>
           <a:p>
-            <a:endParaRPr lang="en-US"/>
+            <a:r>
+              <a:rPr lang="en-US" dirty="0" smtClean="0"/>
+              <a:t>Sorry – I have to review this!</a:t>
+            </a:r>
+            <a:endParaRPr lang="en-US" dirty="0"/>
           </a:p>
         </p:txBody>
       </p:sp>
       <p:sp>
         <p:nvSpPr>
-          <p:cNvPr id="5" name="Content Placeholder 4">
-            <a:extLst>
-              <a:ext uri="{FF2B5EF4-FFF2-40B4-BE49-F238E27FC236}">
-                <a16:creationId xmlns:a16="http://schemas.microsoft.com/office/drawing/2014/main" id="{8FBEB278-6650-3A11-7DCD-A90016572E5A}"/>
-              </a:ext>
-            </a:extLst>
-          </p:cNvPr>
+          <p:cNvPr id="4" name="Content Placeholder 3"/>
           <p:cNvSpPr>
             <a:spLocks noGrp="1"/>
           </p:cNvSpPr>
@@ -21971,12 +20951,93 @@
           <a:lstStyle/>
           <a:p>
             <a:r>
+              <a:rPr lang="en-US" dirty="0" smtClean="0"/>
+              <a:t>Verb-Noun</a:t>
+            </a:r>
+          </a:p>
+          <a:p>
+            <a:pPr lvl="1"/>
+            <a:r>
+              <a:rPr lang="en-US" dirty="0" smtClean="0"/>
+              <a:t>Example – Get-VM</a:t>
+            </a:r>
+          </a:p>
+          <a:p>
+            <a:pPr lvl="1"/>
+            <a:r>
+              <a:rPr lang="en-US" dirty="0" smtClean="0"/>
+              <a:t>Approved Verbs? -&gt; Get-Verb</a:t>
+            </a:r>
+          </a:p>
+          <a:p>
+            <a:r>
+              <a:rPr lang="en-US" dirty="0" smtClean="0"/>
+              <a:t>Objects</a:t>
+            </a:r>
+          </a:p>
+          <a:p>
+            <a:pPr lvl="1"/>
+            <a:r>
               <a:rPr lang="en-US" dirty="0"/>
-              <a:t>In this session we will cover topics on how to create PowerShell functions to make their code more reusable and easier to understand. We will touch on the concept of building PowerShell modules for local distribution. </a:t>
-            </a:r>
-            <a:r>
-              <a:rPr lang="en-US"/>
-              <a:t>There will be special attention during this session to focus on how to begin the code writing process to ensure the scripts perform the desired work.</a:t>
+              <a:t>A collection of </a:t>
+            </a:r>
+            <a:r>
+              <a:rPr lang="en-US" dirty="0" smtClean="0"/>
+              <a:t>3 types of Data </a:t>
+            </a:r>
+            <a:r>
+              <a:rPr lang="en-US" dirty="0"/>
+              <a:t>that represents an Item.</a:t>
+            </a:r>
+          </a:p>
+          <a:p>
+            <a:pPr lvl="2"/>
+            <a:r>
+              <a:rPr lang="en-US" dirty="0" smtClean="0"/>
+              <a:t>Object </a:t>
+            </a:r>
+            <a:r>
+              <a:rPr lang="en-US" dirty="0"/>
+              <a:t>Type</a:t>
+            </a:r>
+          </a:p>
+          <a:p>
+            <a:pPr lvl="3"/>
+            <a:r>
+              <a:rPr lang="en-US" dirty="0"/>
+              <a:t>What am I?</a:t>
+            </a:r>
+          </a:p>
+          <a:p>
+            <a:pPr lvl="2"/>
+            <a:r>
+              <a:rPr lang="en-US" dirty="0"/>
+              <a:t>Methods</a:t>
+            </a:r>
+          </a:p>
+          <a:p>
+            <a:pPr lvl="3"/>
+            <a:r>
+              <a:rPr lang="en-US" dirty="0"/>
+              <a:t>What can you do to me?</a:t>
+            </a:r>
+          </a:p>
+          <a:p>
+            <a:pPr lvl="2"/>
+            <a:r>
+              <a:rPr lang="en-US" dirty="0"/>
+              <a:t>Properties</a:t>
+            </a:r>
+          </a:p>
+          <a:p>
+            <a:pPr lvl="3"/>
+            <a:r>
+              <a:rPr lang="en-US" dirty="0"/>
+              <a:t>What are the things that describe me</a:t>
+            </a:r>
+            <a:r>
+              <a:rPr lang="en-US" dirty="0" smtClean="0"/>
+              <a:t>?</a:t>
             </a:r>
             <a:endParaRPr lang="en-US" dirty="0"/>
           </a:p>
@@ -21985,7 +21046,7 @@
     </p:spTree>
     <p:extLst>
       <p:ext uri="{BB962C8B-B14F-4D97-AF65-F5344CB8AC3E}">
-        <p14:creationId xmlns:p14="http://schemas.microsoft.com/office/powerpoint/2010/main" val="594509113"/>
+        <p14:creationId xmlns:p14="http://schemas.microsoft.com/office/powerpoint/2010/main" val="624310360"/>
       </p:ext>
     </p:extLst>
   </p:cSld>
@@ -22026,13 +21087,7 @@
       </p:grpSpPr>
       <p:sp>
         <p:nvSpPr>
-          <p:cNvPr id="2" name="Title 1">
-            <a:extLst>
-              <a:ext uri="{FF2B5EF4-FFF2-40B4-BE49-F238E27FC236}">
-                <a16:creationId xmlns:a16="http://schemas.microsoft.com/office/drawing/2014/main" id="{0D9FDAE6-550E-E975-BD01-08906590C472}"/>
-              </a:ext>
-            </a:extLst>
-          </p:cNvPr>
+          <p:cNvPr id="2" name="Title 1"/>
           <p:cNvSpPr>
             <a:spLocks noGrp="1"/>
           </p:cNvSpPr>
@@ -22047,7 +21102,7 @@
           <a:p>
             <a:r>
               <a:rPr lang="en-US" dirty="0" smtClean="0"/>
-              <a:t>Agenda</a:t>
+              <a:t>PowerShell Functions</a:t>
             </a:r>
             <a:endParaRPr lang="en-US" dirty="0"/>
           </a:p>
@@ -22055,13 +21110,30 @@
       </p:sp>
       <p:sp>
         <p:nvSpPr>
-          <p:cNvPr id="5" name="Content Placeholder 4">
-            <a:extLst>
-              <a:ext uri="{FF2B5EF4-FFF2-40B4-BE49-F238E27FC236}">
-                <a16:creationId xmlns:a16="http://schemas.microsoft.com/office/drawing/2014/main" id="{8FBEB278-6650-3A11-7DCD-A90016572E5A}"/>
-              </a:ext>
-            </a:extLst>
-          </p:cNvPr>
+          <p:cNvPr id="3" name="Subtitle 2"/>
+          <p:cNvSpPr>
+            <a:spLocks noGrp="1"/>
+          </p:cNvSpPr>
+          <p:nvPr>
+            <p:ph type="subTitle" idx="10"/>
+          </p:nvPr>
+        </p:nvSpPr>
+        <p:spPr/>
+        <p:txBody>
+          <a:bodyPr/>
+          <a:lstStyle/>
+          <a:p>
+            <a:r>
+              <a:rPr lang="en-US" dirty="0" smtClean="0"/>
+              <a:t>What is it?</a:t>
+            </a:r>
+            <a:endParaRPr lang="en-US" dirty="0"/>
+          </a:p>
+        </p:txBody>
+      </p:sp>
+      <p:sp>
+        <p:nvSpPr>
+          <p:cNvPr id="4" name="Content Placeholder 3"/>
           <p:cNvSpPr>
             <a:spLocks noGrp="1"/>
           </p:cNvSpPr>
@@ -22074,91 +21146,17 @@
           <a:bodyPr/>
           <a:lstStyle/>
           <a:p>
-            <a:pPr marL="457200" indent="-457200">
-              <a:buFont typeface="+mj-lt"/>
-              <a:buAutoNum type="arabicPeriod"/>
-            </a:pPr>
             <a:r>
               <a:rPr lang="en-US" dirty="0" smtClean="0"/>
-              <a:t>PowerShell Basics (Really quick)</a:t>
-            </a:r>
-          </a:p>
-          <a:p>
-            <a:pPr marL="457200" indent="-457200">
-              <a:buFont typeface="+mj-lt"/>
-              <a:buAutoNum type="arabicPeriod"/>
-            </a:pPr>
+              <a:t>A list of PowerShell statements that has a name you assign.</a:t>
+            </a:r>
+          </a:p>
+          <a:p>
+            <a:pPr lvl="1"/>
             <a:r>
               <a:rPr lang="en-US" dirty="0" smtClean="0"/>
-              <a:t>Cmdlets</a:t>
-            </a:r>
-          </a:p>
-          <a:p>
-            <a:pPr marL="457200" indent="-457200">
-              <a:buFont typeface="+mj-lt"/>
-              <a:buAutoNum type="arabicPeriod"/>
-            </a:pPr>
-            <a:r>
-              <a:rPr lang="en-US" dirty="0" smtClean="0"/>
-              <a:t>Functions</a:t>
-            </a:r>
-          </a:p>
-          <a:p>
-            <a:pPr marL="457200" indent="-457200">
-              <a:buFont typeface="+mj-lt"/>
-              <a:buAutoNum type="arabicPeriod"/>
-            </a:pPr>
-            <a:r>
-              <a:rPr lang="en-US" dirty="0" smtClean="0"/>
-              <a:t>Advanced Functions</a:t>
-            </a:r>
-          </a:p>
-          <a:p>
-            <a:pPr marL="457200" indent="-457200">
-              <a:buFont typeface="+mj-lt"/>
-              <a:buAutoNum type="arabicPeriod"/>
-            </a:pPr>
-            <a:r>
-              <a:rPr lang="en-US" dirty="0" smtClean="0"/>
-              <a:t>Modules</a:t>
-            </a:r>
-          </a:p>
-          <a:p>
-            <a:pPr marL="457200" indent="-457200">
-              <a:buFont typeface="+mj-lt"/>
-              <a:buAutoNum type="arabicPeriod"/>
-            </a:pPr>
-            <a:r>
-              <a:rPr lang="en-US" dirty="0" smtClean="0"/>
-              <a:t>Pseudo Code</a:t>
-            </a:r>
-          </a:p>
-          <a:p>
-            <a:pPr marL="457200" indent="-457200">
-              <a:buFont typeface="+mj-lt"/>
-              <a:buAutoNum type="arabicPeriod"/>
-            </a:pPr>
-            <a:r>
-              <a:rPr lang="en-US" dirty="0" smtClean="0"/>
-              <a:t>PowerShell Gallery</a:t>
-            </a:r>
-          </a:p>
-          <a:p>
-            <a:pPr marL="457200" indent="-457200">
-              <a:buFont typeface="+mj-lt"/>
-              <a:buAutoNum type="arabicPeriod"/>
-            </a:pPr>
-            <a:r>
-              <a:rPr lang="en-US" dirty="0" smtClean="0"/>
-              <a:t>Local Modules</a:t>
-            </a:r>
-            <a:endParaRPr lang="en-US" dirty="0" smtClean="0"/>
-          </a:p>
-          <a:p>
-            <a:pPr marL="457200" indent="-457200">
-              <a:buFont typeface="+mj-lt"/>
-              <a:buAutoNum type="arabicPeriod"/>
-            </a:pPr>
+              <a:t>Wait – That sounds like a PowerShell script!</a:t>
+            </a:r>
             <a:endParaRPr lang="en-US" dirty="0"/>
           </a:p>
         </p:txBody>
@@ -22166,7 +21164,7 @@
     </p:spTree>
     <p:extLst>
       <p:ext uri="{BB962C8B-B14F-4D97-AF65-F5344CB8AC3E}">
-        <p14:creationId xmlns:p14="http://schemas.microsoft.com/office/powerpoint/2010/main" val="2894136523"/>
+        <p14:creationId xmlns:p14="http://schemas.microsoft.com/office/powerpoint/2010/main" val="312628467"/>
       </p:ext>
     </p:extLst>
   </p:cSld>
@@ -22207,13 +21205,7 @@
       </p:grpSpPr>
       <p:sp>
         <p:nvSpPr>
-          <p:cNvPr id="2" name="Title 1">
-            <a:extLst>
-              <a:ext uri="{FF2B5EF4-FFF2-40B4-BE49-F238E27FC236}">
-                <a16:creationId xmlns:a16="http://schemas.microsoft.com/office/drawing/2014/main" id="{8EB89D28-96EC-2EFE-AC89-524B0B698CEA}"/>
-              </a:ext>
-            </a:extLst>
-          </p:cNvPr>
+          <p:cNvPr id="2" name="Title 1"/>
           <p:cNvSpPr>
             <a:spLocks noGrp="1"/>
           </p:cNvSpPr>
@@ -22227,41 +21219,16 @@
           <a:lstStyle/>
           <a:p>
             <a:r>
-              <a:rPr lang="en-US" sz="4000" dirty="0">
-                <a:solidFill>
-                  <a:schemeClr val="bg1"/>
-                </a:solidFill>
-              </a:rPr>
-              <a:t>Please take </a:t>
-            </a:r>
-            <a:br>
-              <a:rPr lang="en-US" sz="4000" dirty="0">
-                <a:solidFill>
-                  <a:schemeClr val="bg1"/>
-                </a:solidFill>
-              </a:rPr>
-            </a:br>
-            <a:r>
-              <a:rPr lang="en-US" sz="4000" dirty="0">
-                <a:solidFill>
-                  <a:schemeClr val="bg1"/>
-                </a:solidFill>
-              </a:rPr>
-              <a:t>your survey.</a:t>
-            </a:r>
-            <a:endParaRPr lang="en-US" sz="4000" dirty="0"/>
+              <a:rPr lang="en-US" dirty="0" smtClean="0"/>
+              <a:t>PowerShell Cmdlets</a:t>
+            </a:r>
+            <a:endParaRPr lang="en-US" dirty="0"/>
           </a:p>
         </p:txBody>
       </p:sp>
       <p:sp>
         <p:nvSpPr>
-          <p:cNvPr id="3" name="Subtitle 2">
-            <a:extLst>
-              <a:ext uri="{FF2B5EF4-FFF2-40B4-BE49-F238E27FC236}">
-                <a16:creationId xmlns:a16="http://schemas.microsoft.com/office/drawing/2014/main" id="{72AB6EE2-A795-0B32-903A-22365F29631E}"/>
-              </a:ext>
-            </a:extLst>
-          </p:cNvPr>
+          <p:cNvPr id="3" name="Subtitle 2"/>
           <p:cNvSpPr>
             <a:spLocks noGrp="1"/>
           </p:cNvSpPr>
@@ -22274,93 +21241,124 @@
           <a:bodyPr/>
           <a:lstStyle/>
           <a:p>
+            <a:r>
+              <a:rPr lang="en-US" dirty="0" smtClean="0"/>
+              <a:t>I hear this all the time… What is it?</a:t>
+            </a:r>
             <a:endParaRPr lang="en-US" dirty="0"/>
           </a:p>
         </p:txBody>
       </p:sp>
       <p:sp>
         <p:nvSpPr>
-          <p:cNvPr id="4" name="TextBox 3">
-            <a:extLst>
-              <a:ext uri="{FF2B5EF4-FFF2-40B4-BE49-F238E27FC236}">
-                <a16:creationId xmlns:a16="http://schemas.microsoft.com/office/drawing/2014/main" id="{1296680E-15AF-2278-3275-B47338D845B6}"/>
-              </a:ext>
-            </a:extLst>
-          </p:cNvPr>
-          <p:cNvSpPr txBox="1"/>
-          <p:nvPr/>
+          <p:cNvPr id="4" name="Content Placeholder 3"/>
+          <p:cNvSpPr>
+            <a:spLocks noGrp="1"/>
+          </p:cNvSpPr>
+          <p:nvPr>
+            <p:ph sz="quarter" idx="14"/>
+          </p:nvPr>
         </p:nvSpPr>
         <p:spPr>
           <a:xfrm>
-            <a:off x="588494" y="6395860"/>
-            <a:ext cx="3855223" cy="215444"/>
+            <a:off x="616505" y="1600201"/>
+            <a:ext cx="11235526" cy="4572000"/>
+          </a:xfrm>
+        </p:spPr>
+        <p:txBody>
+          <a:bodyPr/>
+          <a:lstStyle/>
+          <a:p>
+            <a:r>
+              <a:rPr lang="en-US" dirty="0" smtClean="0"/>
+              <a:t>A Cmdlet is a .NET class written in C# or another .NET Language and contained in a .</a:t>
+            </a:r>
+            <a:r>
+              <a:rPr lang="en-US" dirty="0" err="1" smtClean="0"/>
+              <a:t>dll</a:t>
+            </a:r>
+            <a:r>
+              <a:rPr lang="en-US" dirty="0" smtClean="0"/>
+              <a:t> (Binary file)</a:t>
+            </a:r>
+          </a:p>
+          <a:p>
+            <a:r>
+              <a:rPr lang="en-US" dirty="0" smtClean="0"/>
+              <a:t>Take a Deep Breath. Thank the </a:t>
+            </a:r>
+            <a:r>
+              <a:rPr lang="en-US" dirty="0" err="1" smtClean="0"/>
+              <a:t>PowerCLI</a:t>
+            </a:r>
+            <a:r>
+              <a:rPr lang="en-US" dirty="0" smtClean="0"/>
+              <a:t> team – you do not have to write </a:t>
+            </a:r>
+            <a:r>
+              <a:rPr lang="en-US" strike="sngStrike" dirty="0" smtClean="0"/>
+              <a:t>about practice </a:t>
+            </a:r>
+            <a:r>
+              <a:rPr lang="en-US" dirty="0" smtClean="0"/>
+              <a:t>Cmdlets.</a:t>
+            </a:r>
+            <a:endParaRPr lang="en-US" dirty="0"/>
+          </a:p>
+        </p:txBody>
+      </p:sp>
+      <p:pic>
+        <p:nvPicPr>
+          <p:cNvPr id="5" name="Picture 4"/>
+          <p:cNvPicPr>
+            <a:picLocks noChangeAspect="1"/>
+          </p:cNvPicPr>
+          <p:nvPr/>
+        </p:nvPicPr>
+        <p:blipFill>
+          <a:blip r:embed="rId2"/>
+          <a:stretch>
+            <a:fillRect/>
+          </a:stretch>
+        </p:blipFill>
+        <p:spPr>
+          <a:xfrm>
+            <a:off x="2172618" y="3662413"/>
+            <a:ext cx="2900543" cy="1847510"/>
           </a:xfrm>
           <a:prstGeom prst="rect">
             <a:avLst/>
           </a:prstGeom>
-          <a:noFill/>
         </p:spPr>
-        <p:txBody>
-          <a:bodyPr wrap="none" lIns="0" tIns="0" rIns="0" bIns="0" rtlCol="0">
-            <a:spAutoFit/>
-          </a:bodyPr>
-          <a:lstStyle/>
-          <a:p>
-            <a:pPr algn="l">
-              <a:lnSpc>
-                <a:spcPct val="100000"/>
-              </a:lnSpc>
-            </a:pPr>
-            <a:r>
-              <a:rPr lang="en-US" sz="700" spc="0" baseline="0" dirty="0">
-                <a:ln/>
-                <a:solidFill>
-                  <a:schemeClr val="bg1"/>
-                </a:solidFill>
-                <a:latin typeface="Metropolis-Regular"/>
-                <a:sym typeface="Metropolis-Regular"/>
-                <a:rtl val="0"/>
-              </a:rPr>
-              <a:t>Broadcom Proprietary and Confidential. Copyright © 2024 Broadcom. </a:t>
-            </a:r>
-          </a:p>
-          <a:p>
-            <a:pPr marL="0" marR="0" lvl="0" indent="0" algn="l" defTabSz="914400" rtl="0" eaLnBrk="1" fontAlgn="auto" latinLnBrk="0" hangingPunct="1">
-              <a:lnSpc>
-                <a:spcPct val="100000"/>
-              </a:lnSpc>
-              <a:spcBef>
-                <a:spcPts val="0"/>
-              </a:spcBef>
-              <a:spcAft>
-                <a:spcPts val="0"/>
-              </a:spcAft>
-              <a:buClrTx/>
-              <a:buSzTx/>
-              <a:buFontTx/>
-              <a:buNone/>
-              <a:tabLst/>
-              <a:defRPr/>
-            </a:pPr>
-            <a:r>
-              <a:rPr lang="en-US" sz="700" spc="0" baseline="0" dirty="0">
-                <a:ln/>
-                <a:solidFill>
-                  <a:schemeClr val="bg1"/>
-                </a:solidFill>
-                <a:latin typeface="Metropolis-Regular"/>
-                <a:sym typeface="Metropolis-Regular"/>
-                <a:rtl val="0"/>
-              </a:rPr>
-              <a:t>All Rights Reserved. The term “Broadcom” refers to Broadcom Inc. and/or its subsidiaries.</a:t>
-            </a:r>
-          </a:p>
-        </p:txBody>
-      </p:sp>
+      </p:pic>
+      <p:pic>
+        <p:nvPicPr>
+          <p:cNvPr id="6" name="Picture 5"/>
+          <p:cNvPicPr>
+            <a:picLocks noChangeAspect="1"/>
+          </p:cNvPicPr>
+          <p:nvPr/>
+        </p:nvPicPr>
+        <p:blipFill>
+          <a:blip r:embed="rId3"/>
+          <a:stretch>
+            <a:fillRect/>
+          </a:stretch>
+        </p:blipFill>
+        <p:spPr>
+          <a:xfrm>
+            <a:off x="6169258" y="3633236"/>
+            <a:ext cx="3648584" cy="1876687"/>
+          </a:xfrm>
+          <a:prstGeom prst="rect">
+            <a:avLst/>
+          </a:prstGeom>
+        </p:spPr>
+      </p:pic>
     </p:spTree>
     <p:extLst>
       <p:ext uri="{BB962C8B-B14F-4D97-AF65-F5344CB8AC3E}">
-        <p14:creationId xmlns:p14="http://schemas.microsoft.com/office/powerpoint/2010/main" val="2198077059"/>
+        <p14:creationId xmlns:p14="http://schemas.microsoft.com/office/powerpoint/2010/main" val="4293555920"/>
       </p:ext>
     </p:extLst>
   </p:cSld>
@@ -22401,13 +21399,7 @@
       </p:grpSpPr>
       <p:sp>
         <p:nvSpPr>
-          <p:cNvPr id="2" name="Title 1">
-            <a:extLst>
-              <a:ext uri="{FF2B5EF4-FFF2-40B4-BE49-F238E27FC236}">
-                <a16:creationId xmlns:a16="http://schemas.microsoft.com/office/drawing/2014/main" id="{8EB89D28-96EC-2EFE-AC89-524B0B698CEA}"/>
-              </a:ext>
-            </a:extLst>
-          </p:cNvPr>
+          <p:cNvPr id="2" name="Title 1"/>
           <p:cNvSpPr>
             <a:spLocks noGrp="1"/>
           </p:cNvSpPr>
@@ -22415,37 +21407,22 @@
             <p:ph type="title"/>
           </p:nvPr>
         </p:nvSpPr>
-        <p:spPr>
-          <a:xfrm>
-            <a:off x="593766" y="3014482"/>
-            <a:ext cx="5933158" cy="1229360"/>
-          </a:xfrm>
-        </p:spPr>
+        <p:spPr/>
         <p:txBody>
           <a:bodyPr/>
           <a:lstStyle/>
           <a:p>
             <a:r>
-              <a:rPr lang="en-US" sz="6000" dirty="0">
-                <a:solidFill>
-                  <a:schemeClr val="bg1"/>
-                </a:solidFill>
-              </a:rPr>
-              <a:t>Thank You</a:t>
-            </a:r>
-            <a:endParaRPr lang="en-US" sz="6000" dirty="0"/>
+              <a:rPr lang="en-US" dirty="0" smtClean="0"/>
+              <a:t>PowerShell Advanced Functions</a:t>
+            </a:r>
+            <a:endParaRPr lang="en-US" dirty="0"/>
           </a:p>
         </p:txBody>
       </p:sp>
       <p:sp>
         <p:nvSpPr>
-          <p:cNvPr id="3" name="Subtitle 2">
-            <a:extLst>
-              <a:ext uri="{FF2B5EF4-FFF2-40B4-BE49-F238E27FC236}">
-                <a16:creationId xmlns:a16="http://schemas.microsoft.com/office/drawing/2014/main" id="{24BA032B-EB3B-30B3-4A0C-F7F8E9F7E1F2}"/>
-              </a:ext>
-            </a:extLst>
-          </p:cNvPr>
+          <p:cNvPr id="3" name="Subtitle 2"/>
           <p:cNvSpPr>
             <a:spLocks noGrp="1"/>
           </p:cNvSpPr>
@@ -22453,103 +21430,141 @@
             <p:ph type="subTitle" idx="10"/>
           </p:nvPr>
         </p:nvSpPr>
-        <p:spPr>
-          <a:xfrm>
-            <a:off x="593766" y="4389699"/>
-            <a:ext cx="5933158" cy="700882"/>
-          </a:xfrm>
-        </p:spPr>
+        <p:spPr/>
         <p:txBody>
           <a:bodyPr/>
           <a:lstStyle/>
           <a:p>
-            <a:endParaRPr lang="en-US" dirty="0"/>
+            <a:endParaRPr lang="en-US"/>
           </a:p>
         </p:txBody>
       </p:sp>
       <p:sp>
         <p:nvSpPr>
-          <p:cNvPr id="4" name="TextBox 3">
-            <a:extLst>
-              <a:ext uri="{FF2B5EF4-FFF2-40B4-BE49-F238E27FC236}">
-                <a16:creationId xmlns:a16="http://schemas.microsoft.com/office/drawing/2014/main" id="{21E80DEF-AAB8-394B-CDEF-171E89BE9920}"/>
-              </a:ext>
-            </a:extLst>
-          </p:cNvPr>
-          <p:cNvSpPr txBox="1"/>
-          <p:nvPr/>
+          <p:cNvPr id="4" name="Content Placeholder 3"/>
+          <p:cNvSpPr>
+            <a:spLocks noGrp="1"/>
+          </p:cNvSpPr>
+          <p:nvPr>
+            <p:ph sz="quarter" idx="14"/>
+          </p:nvPr>
         </p:nvSpPr>
-        <p:spPr>
-          <a:xfrm>
-            <a:off x="588494" y="6395860"/>
-            <a:ext cx="3855223" cy="215444"/>
-          </a:xfrm>
-          <a:prstGeom prst="rect">
-            <a:avLst/>
-          </a:prstGeom>
-          <a:noFill/>
-        </p:spPr>
+        <p:spPr/>
         <p:txBody>
-          <a:bodyPr wrap="none" lIns="0" tIns="0" rIns="0" bIns="0" rtlCol="0">
-            <a:spAutoFit/>
-          </a:bodyPr>
+          <a:bodyPr/>
           <a:lstStyle/>
           <a:p>
-            <a:pPr algn="l">
-              <a:lnSpc>
-                <a:spcPct val="100000"/>
-              </a:lnSpc>
-            </a:pPr>
-            <a:r>
-              <a:rPr lang="en-US" sz="700" spc="0" baseline="0" dirty="0">
-                <a:ln/>
-                <a:solidFill>
-                  <a:schemeClr val="bg1"/>
-                </a:solidFill>
-                <a:latin typeface="Metropolis-Regular"/>
-                <a:sym typeface="Metropolis-Regular"/>
-                <a:rtl val="0"/>
-              </a:rPr>
-              <a:t>Broadcom Proprietary and Confidential. Copyright © 2024 Broadcom. </a:t>
-            </a:r>
-          </a:p>
-          <a:p>
-            <a:pPr marL="0" marR="0" lvl="0" indent="0" algn="l" defTabSz="914400" rtl="0" eaLnBrk="1" fontAlgn="auto" latinLnBrk="0" hangingPunct="1">
-              <a:lnSpc>
-                <a:spcPct val="100000"/>
-              </a:lnSpc>
-              <a:spcBef>
-                <a:spcPts val="0"/>
-              </a:spcBef>
-              <a:spcAft>
-                <a:spcPts val="0"/>
-              </a:spcAft>
-              <a:buClrTx/>
-              <a:buSzTx/>
-              <a:buFontTx/>
-              <a:buNone/>
-              <a:tabLst/>
-              <a:defRPr/>
-            </a:pPr>
-            <a:r>
-              <a:rPr lang="en-US" sz="700" spc="0" baseline="0" dirty="0">
-                <a:ln/>
-                <a:solidFill>
-                  <a:schemeClr val="bg1"/>
-                </a:solidFill>
-                <a:latin typeface="Metropolis-Regular"/>
-                <a:sym typeface="Metropolis-Regular"/>
-                <a:rtl val="0"/>
-              </a:rPr>
-              <a:t>All Rights Reserved. The term “Broadcom” refers to Broadcom Inc. and/or its subsidiaries.</a:t>
-            </a:r>
+            <a:endParaRPr lang="en-US"/>
           </a:p>
         </p:txBody>
       </p:sp>
     </p:spTree>
     <p:extLst>
       <p:ext uri="{BB962C8B-B14F-4D97-AF65-F5344CB8AC3E}">
-        <p14:creationId xmlns:p14="http://schemas.microsoft.com/office/powerpoint/2010/main" val="4140715204"/>
+        <p14:creationId xmlns:p14="http://schemas.microsoft.com/office/powerpoint/2010/main" val="1993125772"/>
+      </p:ext>
+    </p:extLst>
+  </p:cSld>
+  <p:clrMapOvr>
+    <a:masterClrMapping/>
+  </p:clrMapOvr>
+  <mc:AlternateContent xmlns:mc="http://schemas.openxmlformats.org/markup-compatibility/2006" xmlns:p14="http://schemas.microsoft.com/office/powerpoint/2010/main">
+    <mc:Choice Requires="p14">
+      <p:transition spd="med" p14:dur="700">
+        <p:fade/>
+      </p:transition>
+    </mc:Choice>
+    <mc:Fallback xmlns="">
+      <p:transition spd="med">
+        <p:fade/>
+      </p:transition>
+    </mc:Fallback>
+  </mc:AlternateContent>
+</p:sld>
+</file>
+
+<file path=ppt/slides/slide9.xml><?xml version="1.0" encoding="utf-8"?>
+<p:sld xmlns:a="http://schemas.openxmlformats.org/drawingml/2006/main" xmlns:r="http://schemas.openxmlformats.org/officeDocument/2006/relationships" xmlns:p="http://schemas.openxmlformats.org/presentationml/2006/main">
+  <p:cSld>
+    <p:spTree>
+      <p:nvGrpSpPr>
+        <p:cNvPr id="1" name=""/>
+        <p:cNvGrpSpPr/>
+        <p:nvPr/>
+      </p:nvGrpSpPr>
+      <p:grpSpPr>
+        <a:xfrm>
+          <a:off x="0" y="0"/>
+          <a:ext cx="0" cy="0"/>
+          <a:chOff x="0" y="0"/>
+          <a:chExt cx="0" cy="0"/>
+        </a:xfrm>
+      </p:grpSpPr>
+      <p:sp>
+        <p:nvSpPr>
+          <p:cNvPr id="2" name="Title 1"/>
+          <p:cNvSpPr>
+            <a:spLocks noGrp="1"/>
+          </p:cNvSpPr>
+          <p:nvPr>
+            <p:ph type="title"/>
+          </p:nvPr>
+        </p:nvSpPr>
+        <p:spPr/>
+        <p:txBody>
+          <a:bodyPr/>
+          <a:lstStyle/>
+          <a:p>
+            <a:r>
+              <a:rPr lang="en-US" dirty="0" smtClean="0"/>
+              <a:t>PowerShell Modules</a:t>
+            </a:r>
+            <a:endParaRPr lang="en-US" dirty="0"/>
+          </a:p>
+        </p:txBody>
+      </p:sp>
+      <p:sp>
+        <p:nvSpPr>
+          <p:cNvPr id="3" name="Subtitle 2"/>
+          <p:cNvSpPr>
+            <a:spLocks noGrp="1"/>
+          </p:cNvSpPr>
+          <p:nvPr>
+            <p:ph type="subTitle" idx="10"/>
+          </p:nvPr>
+        </p:nvSpPr>
+        <p:spPr/>
+        <p:txBody>
+          <a:bodyPr/>
+          <a:lstStyle/>
+          <a:p>
+            <a:endParaRPr lang="en-US"/>
+          </a:p>
+        </p:txBody>
+      </p:sp>
+      <p:sp>
+        <p:nvSpPr>
+          <p:cNvPr id="4" name="Content Placeholder 3"/>
+          <p:cNvSpPr>
+            <a:spLocks noGrp="1"/>
+          </p:cNvSpPr>
+          <p:nvPr>
+            <p:ph sz="quarter" idx="14"/>
+          </p:nvPr>
+        </p:nvSpPr>
+        <p:spPr/>
+        <p:txBody>
+          <a:bodyPr/>
+          <a:lstStyle/>
+          <a:p>
+            <a:endParaRPr lang="en-US"/>
+          </a:p>
+        </p:txBody>
+      </p:sp>
+    </p:spTree>
+    <p:extLst>
+      <p:ext uri="{BB962C8B-B14F-4D97-AF65-F5344CB8AC3E}">
+        <p14:creationId xmlns:p14="http://schemas.microsoft.com/office/powerpoint/2010/main" val="4280309714"/>
       </p:ext>
     </p:extLst>
   </p:cSld>

--- a/Powercli/VMwareExplore_2024/CODE1745LV - PowerCLI 301 - Functions Upon Functions.pptx
+++ b/Powercli/VMwareExplore_2024/CODE1745LV - PowerCLI 301 - Functions Upon Functions.pptx
@@ -5,10 +5,10 @@
     <p:sldMasterId id="2147483937" r:id="rId4"/>
   </p:sldMasterIdLst>
   <p:notesMasterIdLst>
-    <p:notesMasterId r:id="rId19"/>
+    <p:notesMasterId r:id="rId20"/>
   </p:notesMasterIdLst>
   <p:handoutMasterIdLst>
-    <p:handoutMasterId r:id="rId20"/>
+    <p:handoutMasterId r:id="rId21"/>
   </p:handoutMasterIdLst>
   <p:sldIdLst>
     <p:sldId id="2147470582" r:id="rId5"/>
@@ -20,16 +20,17 @@
     <p:sldId id="2147470586" r:id="rId11"/>
     <p:sldId id="2147470588" r:id="rId12"/>
     <p:sldId id="2147470589" r:id="rId13"/>
-    <p:sldId id="2147470590" r:id="rId14"/>
+    <p:sldId id="2147470594" r:id="rId14"/>
     <p:sldId id="2147470591" r:id="rId15"/>
-    <p:sldId id="2147470592" r:id="rId16"/>
-    <p:sldId id="2147470593" r:id="rId17"/>
-    <p:sldId id="2026819541" r:id="rId18"/>
+    <p:sldId id="2147470590" r:id="rId16"/>
+    <p:sldId id="2147470592" r:id="rId17"/>
+    <p:sldId id="2147470593" r:id="rId18"/>
+    <p:sldId id="2026819541" r:id="rId19"/>
   </p:sldIdLst>
   <p:sldSz cx="12188825" cy="6858000"/>
   <p:notesSz cx="6858000" cy="9144000"/>
   <p:custDataLst>
-    <p:tags r:id="rId21"/>
+    <p:tags r:id="rId22"/>
   </p:custDataLst>
   <p:defaultTextStyle>
     <a:defPPr>
@@ -143,8 +144,9 @@
             <p14:sldId id="2147470586"/>
             <p14:sldId id="2147470588"/>
             <p14:sldId id="2147470589"/>
+            <p14:sldId id="2147470594"/>
+            <p14:sldId id="2147470591"/>
             <p14:sldId id="2147470590"/>
-            <p14:sldId id="2147470591"/>
             <p14:sldId id="2147470592"/>
             <p14:sldId id="2147470593"/>
             <p14:sldId id="2026819541"/>
@@ -275,7 +277,7 @@
               <a:rPr lang="en-US" smtClean="0">
                 <a:latin typeface="Metropolis" panose="00000500000000000000" pitchFamily="50" charset="0"/>
               </a:rPr>
-              <a:t>8/17/2024</a:t>
+              <a:t>8/18/2024</a:t>
             </a:fld>
             <a:endParaRPr lang="en-US">
               <a:latin typeface="Metropolis" panose="00000500000000000000" pitchFamily="50" charset="0"/>
@@ -453,7 +455,7 @@
             <a:fld id="{3CB6F0DB-E055-41D0-9102-627A646E4242}" type="datetimeFigureOut">
               <a:rPr lang="en-US" smtClean="0"/>
               <a:pPr/>
-              <a:t>8/17/2024</a:t>
+              <a:t>8/18/2024</a:t>
             </a:fld>
             <a:endParaRPr lang="en-US"/>
           </a:p>
@@ -866,7 +868,7 @@
           <a:blip r:embed="rId3">
             <a:extLst>
               <a:ext uri="{96DAC541-7B7A-43D3-8B79-37D633B846F1}">
-                <asvg:svgBlip xmlns="" xmlns:asvg="http://schemas.microsoft.com/office/drawing/2016/SVG/main" r:embed="rId4"/>
+                <asvg:svgBlip xmlns:asvg="http://schemas.microsoft.com/office/drawing/2016/SVG/main" xmlns="" r:embed="rId4"/>
               </a:ext>
             </a:extLst>
           </a:blip>
@@ -1429,7 +1431,7 @@
                 <a16:creationId xmlns:a16="http://schemas.microsoft.com/office/drawing/2014/main" id="{AA1B5F83-A93D-544C-8DB4-B164DBF2F72D}"/>
               </a:ext>
               <a:ext uri="{C183D7F6-B498-43B3-948B-1728B52AA6E4}">
-                <adec:decorative xmlns="" xmlns:adec="http://schemas.microsoft.com/office/drawing/2017/decorative" val="1"/>
+                <adec:decorative xmlns:adec="http://schemas.microsoft.com/office/drawing/2017/decorative" xmlns="" val="1"/>
               </a:ext>
             </a:extLst>
           </p:cNvPr>
@@ -1641,7 +1643,7 @@
                 <a16:creationId xmlns:a16="http://schemas.microsoft.com/office/drawing/2014/main" id="{417D4F8B-2025-D14C-A41E-9C0B401DE6B0}"/>
               </a:ext>
               <a:ext uri="{C183D7F6-B498-43B3-948B-1728B52AA6E4}">
-                <adec:decorative xmlns="" xmlns:adec="http://schemas.microsoft.com/office/drawing/2017/decorative" val="1"/>
+                <adec:decorative xmlns:adec="http://schemas.microsoft.com/office/drawing/2017/decorative" xmlns="" val="1"/>
               </a:ext>
             </a:extLst>
           </p:cNvPr>
@@ -2107,7 +2109,7 @@
                 <a16:creationId xmlns:a16="http://schemas.microsoft.com/office/drawing/2014/main" id="{B164666E-28C9-844E-91D8-ECA2F1E57595}"/>
               </a:ext>
               <a:ext uri="{C183D7F6-B498-43B3-948B-1728B52AA6E4}">
-                <adec:decorative xmlns="" xmlns:adec="http://schemas.microsoft.com/office/drawing/2017/decorative" val="1"/>
+                <adec:decorative xmlns:adec="http://schemas.microsoft.com/office/drawing/2017/decorative" xmlns="" val="1"/>
               </a:ext>
             </a:extLst>
           </p:cNvPr>
@@ -2320,7 +2322,7 @@
                 <a16:creationId xmlns:a16="http://schemas.microsoft.com/office/drawing/2014/main" id="{97B963A1-3810-7A40-8918-6D6D68B4A836}"/>
               </a:ext>
               <a:ext uri="{C183D7F6-B498-43B3-948B-1728B52AA6E4}">
-                <adec:decorative xmlns="" xmlns:adec="http://schemas.microsoft.com/office/drawing/2017/decorative" val="1"/>
+                <adec:decorative xmlns:adec="http://schemas.microsoft.com/office/drawing/2017/decorative" xmlns="" val="1"/>
               </a:ext>
             </a:extLst>
           </p:cNvPr>
@@ -2442,7 +2444,7 @@
                 <a16:creationId xmlns:a16="http://schemas.microsoft.com/office/drawing/2014/main" id="{E17DA4B3-27AC-8A64-FD5E-59AEAE0D8559}"/>
               </a:ext>
               <a:ext uri="{C183D7F6-B498-43B3-948B-1728B52AA6E4}">
-                <adec:decorative xmlns="" xmlns:adec="http://schemas.microsoft.com/office/drawing/2017/decorative" val="1"/>
+                <adec:decorative xmlns:adec="http://schemas.microsoft.com/office/drawing/2017/decorative" xmlns="" val="1"/>
               </a:ext>
             </a:extLst>
           </p:cNvPr>
@@ -2962,7 +2964,7 @@
                 <a16:creationId xmlns:a16="http://schemas.microsoft.com/office/drawing/2014/main" id="{D864AC6E-1611-244C-BA28-696924BAB259}"/>
               </a:ext>
               <a:ext uri="{C183D7F6-B498-43B3-948B-1728B52AA6E4}">
-                <adec:decorative xmlns="" xmlns:adec="http://schemas.microsoft.com/office/drawing/2017/decorative" val="1"/>
+                <adec:decorative xmlns:adec="http://schemas.microsoft.com/office/drawing/2017/decorative" xmlns="" val="1"/>
               </a:ext>
             </a:extLst>
           </p:cNvPr>
@@ -3575,7 +3577,7 @@
                 <a16:creationId xmlns:a16="http://schemas.microsoft.com/office/drawing/2014/main" id="{85B60DB8-F067-969E-72B5-4E90025E5BF8}"/>
               </a:ext>
               <a:ext uri="{C183D7F6-B498-43B3-948B-1728B52AA6E4}">
-                <adec:decorative xmlns="" xmlns:adec="http://schemas.microsoft.com/office/drawing/2017/decorative" val="1"/>
+                <adec:decorative xmlns:adec="http://schemas.microsoft.com/office/drawing/2017/decorative" xmlns="" val="1"/>
               </a:ext>
             </a:extLst>
           </p:cNvPr>
@@ -4078,7 +4080,7 @@
                 <a16:creationId xmlns:a16="http://schemas.microsoft.com/office/drawing/2014/main" id="{F7E2C737-3A4D-924A-88B5-FA4D5C8A07C7}"/>
               </a:ext>
               <a:ext uri="{C183D7F6-B498-43B3-948B-1728B52AA6E4}">
-                <adec:decorative xmlns="" xmlns:adec="http://schemas.microsoft.com/office/drawing/2017/decorative" val="1"/>
+                <adec:decorative xmlns:adec="http://schemas.microsoft.com/office/drawing/2017/decorative" xmlns="" val="1"/>
               </a:ext>
             </a:extLst>
           </p:cNvPr>
@@ -4676,7 +4678,7 @@
                 <a16:creationId xmlns:a16="http://schemas.microsoft.com/office/drawing/2014/main" id="{56D4D92B-574E-4F63-A5BA-8F7282B54C27}"/>
               </a:ext>
               <a:ext uri="{C183D7F6-B498-43B3-948B-1728B52AA6E4}">
-                <adec:decorative xmlns="" xmlns:adec="http://schemas.microsoft.com/office/drawing/2017/decorative" val="1"/>
+                <adec:decorative xmlns:adec="http://schemas.microsoft.com/office/drawing/2017/decorative" xmlns="" val="1"/>
               </a:ext>
             </a:extLst>
           </p:cNvPr>
@@ -4840,7 +4842,7 @@
                 <a16:creationId xmlns:a16="http://schemas.microsoft.com/office/drawing/2014/main" id="{F789B473-DDE6-4450-A111-3761F341AAE3}"/>
               </a:ext>
               <a:ext uri="{C183D7F6-B498-43B3-948B-1728B52AA6E4}">
-                <adec:decorative xmlns="" xmlns:adec="http://schemas.microsoft.com/office/drawing/2017/decorative" val="1"/>
+                <adec:decorative xmlns:adec="http://schemas.microsoft.com/office/drawing/2017/decorative" xmlns="" val="1"/>
               </a:ext>
             </a:extLst>
           </p:cNvPr>
@@ -5350,7 +5352,7 @@
                 <a16:creationId xmlns:a16="http://schemas.microsoft.com/office/drawing/2014/main" id="{14F46384-B6E3-0D43-924E-874DEC2344B1}"/>
               </a:ext>
               <a:ext uri="{C183D7F6-B498-43B3-948B-1728B52AA6E4}">
-                <adec:decorative xmlns="" xmlns:adec="http://schemas.microsoft.com/office/drawing/2017/decorative" val="1"/>
+                <adec:decorative xmlns:adec="http://schemas.microsoft.com/office/drawing/2017/decorative" xmlns="" val="1"/>
               </a:ext>
             </a:extLst>
           </p:cNvPr>
@@ -5497,7 +5499,7 @@
                 <a16:creationId xmlns:a16="http://schemas.microsoft.com/office/drawing/2014/main" id="{33526770-8F35-FB4A-8638-521D0DA87F6C}"/>
               </a:ext>
               <a:ext uri="{C183D7F6-B498-43B3-948B-1728B52AA6E4}">
-                <adec:decorative xmlns="" xmlns:adec="http://schemas.microsoft.com/office/drawing/2017/decorative" val="1"/>
+                <adec:decorative xmlns:adec="http://schemas.microsoft.com/office/drawing/2017/decorative" xmlns="" val="1"/>
               </a:ext>
             </a:extLst>
           </p:cNvPr>
@@ -5644,7 +5646,7 @@
                 <a16:creationId xmlns:a16="http://schemas.microsoft.com/office/drawing/2014/main" id="{73C08A52-2522-8C40-B8B1-C98FEBB888F7}"/>
               </a:ext>
               <a:ext uri="{C183D7F6-B498-43B3-948B-1728B52AA6E4}">
-                <adec:decorative xmlns="" xmlns:adec="http://schemas.microsoft.com/office/drawing/2017/decorative" val="1"/>
+                <adec:decorative xmlns:adec="http://schemas.microsoft.com/office/drawing/2017/decorative" xmlns="" val="1"/>
               </a:ext>
             </a:extLst>
           </p:cNvPr>
@@ -5791,7 +5793,7 @@
                 <a16:creationId xmlns:a16="http://schemas.microsoft.com/office/drawing/2014/main" id="{9B57CCC6-06B1-7342-99B0-BC7C8FBE5E73}"/>
               </a:ext>
               <a:ext uri="{C183D7F6-B498-43B3-948B-1728B52AA6E4}">
-                <adec:decorative xmlns="" xmlns:adec="http://schemas.microsoft.com/office/drawing/2017/decorative" val="1"/>
+                <adec:decorative xmlns:adec="http://schemas.microsoft.com/office/drawing/2017/decorative" xmlns="" val="1"/>
               </a:ext>
             </a:extLst>
           </p:cNvPr>
@@ -5938,7 +5940,7 @@
                 <a16:creationId xmlns:a16="http://schemas.microsoft.com/office/drawing/2014/main" id="{23C87E7C-5ED2-214E-8A38-ED05177A65DC}"/>
               </a:ext>
               <a:ext uri="{C183D7F6-B498-43B3-948B-1728B52AA6E4}">
-                <adec:decorative xmlns="" xmlns:adec="http://schemas.microsoft.com/office/drawing/2017/decorative" val="1"/>
+                <adec:decorative xmlns:adec="http://schemas.microsoft.com/office/drawing/2017/decorative" xmlns="" val="1"/>
               </a:ext>
             </a:extLst>
           </p:cNvPr>
@@ -6707,7 +6709,7 @@
                 <a16:creationId xmlns:a16="http://schemas.microsoft.com/office/drawing/2014/main" id="{5CABBF0D-1BD1-F9E7-64FF-6B8D87E611B7}"/>
               </a:ext>
               <a:ext uri="{C183D7F6-B498-43B3-948B-1728B52AA6E4}">
-                <adec:decorative xmlns="" xmlns:adec="http://schemas.microsoft.com/office/drawing/2017/decorative" val="1"/>
+                <adec:decorative xmlns:adec="http://schemas.microsoft.com/office/drawing/2017/decorative" xmlns="" val="1"/>
               </a:ext>
             </a:extLst>
           </p:cNvPr>
@@ -7167,7 +7169,7 @@
                 <a16:creationId xmlns:a16="http://schemas.microsoft.com/office/drawing/2014/main" id="{B1C210DC-5DBB-4F0D-875F-CD8AAAB938CE}"/>
               </a:ext>
               <a:ext uri="{C183D7F6-B498-43B3-948B-1728B52AA6E4}">
-                <adec:decorative xmlns="" xmlns:adec="http://schemas.microsoft.com/office/drawing/2017/decorative" val="1"/>
+                <adec:decorative xmlns:adec="http://schemas.microsoft.com/office/drawing/2017/decorative" xmlns="" val="1"/>
               </a:ext>
             </a:extLst>
           </p:cNvPr>
@@ -7366,7 +7368,7 @@
                 <a16:creationId xmlns:a16="http://schemas.microsoft.com/office/drawing/2014/main" id="{6FECF9D0-D7A8-43DD-B38D-E1090C0B322F}"/>
               </a:ext>
               <a:ext uri="{C183D7F6-B498-43B3-948B-1728B52AA6E4}">
-                <adec:decorative xmlns="" xmlns:adec="http://schemas.microsoft.com/office/drawing/2017/decorative" val="1"/>
+                <adec:decorative xmlns:adec="http://schemas.microsoft.com/office/drawing/2017/decorative" xmlns="" val="1"/>
               </a:ext>
             </a:extLst>
           </p:cNvPr>
@@ -7579,7 +7581,7 @@
                 <a16:creationId xmlns:a16="http://schemas.microsoft.com/office/drawing/2014/main" id="{446F04B0-7860-407F-85B7-42E38FAFE34B}"/>
               </a:ext>
               <a:ext uri="{C183D7F6-B498-43B3-948B-1728B52AA6E4}">
-                <adec:decorative xmlns="" xmlns:adec="http://schemas.microsoft.com/office/drawing/2017/decorative" val="1"/>
+                <adec:decorative xmlns:adec="http://schemas.microsoft.com/office/drawing/2017/decorative" xmlns="" val="1"/>
               </a:ext>
             </a:extLst>
           </p:cNvPr>
@@ -8006,7 +8008,7 @@
                 <a16:creationId xmlns:a16="http://schemas.microsoft.com/office/drawing/2014/main" id="{085441A7-EBA5-4ABB-8D29-CE4338F0F9B5}"/>
               </a:ext>
               <a:ext uri="{C183D7F6-B498-43B3-948B-1728B52AA6E4}">
-                <adec:decorative xmlns="" xmlns:adec="http://schemas.microsoft.com/office/drawing/2017/decorative" val="1"/>
+                <adec:decorative xmlns:adec="http://schemas.microsoft.com/office/drawing/2017/decorative" xmlns="" val="1"/>
               </a:ext>
             </a:extLst>
           </p:cNvPr>
@@ -8223,7 +8225,7 @@
                 <a16:creationId xmlns:a16="http://schemas.microsoft.com/office/drawing/2014/main" id="{45D908EF-1F96-4808-A8DB-F55AB9E8E436}"/>
               </a:ext>
               <a:ext uri="{C183D7F6-B498-43B3-948B-1728B52AA6E4}">
-                <adec:decorative xmlns="" xmlns:adec="http://schemas.microsoft.com/office/drawing/2017/decorative" val="1"/>
+                <adec:decorative xmlns:adec="http://schemas.microsoft.com/office/drawing/2017/decorative" xmlns="" val="1"/>
               </a:ext>
             </a:extLst>
           </p:cNvPr>
@@ -8436,7 +8438,7 @@
                 <a16:creationId xmlns:a16="http://schemas.microsoft.com/office/drawing/2014/main" id="{5670C03F-6336-45E3-A9F4-0CD130D80D1B}"/>
               </a:ext>
               <a:ext uri="{C183D7F6-B498-43B3-948B-1728B52AA6E4}">
-                <adec:decorative xmlns="" xmlns:adec="http://schemas.microsoft.com/office/drawing/2017/decorative" val="1"/>
+                <adec:decorative xmlns:adec="http://schemas.microsoft.com/office/drawing/2017/decorative" xmlns="" val="1"/>
               </a:ext>
             </a:extLst>
           </p:cNvPr>
@@ -8649,7 +8651,7 @@
                 <a16:creationId xmlns:a16="http://schemas.microsoft.com/office/drawing/2014/main" id="{3019BB56-AE7C-42CA-A8FF-432F4F176B8B}"/>
               </a:ext>
               <a:ext uri="{C183D7F6-B498-43B3-948B-1728B52AA6E4}">
-                <adec:decorative xmlns="" xmlns:adec="http://schemas.microsoft.com/office/drawing/2017/decorative" val="1"/>
+                <adec:decorative xmlns:adec="http://schemas.microsoft.com/office/drawing/2017/decorative" xmlns="" val="1"/>
               </a:ext>
             </a:extLst>
           </p:cNvPr>
@@ -9076,7 +9078,7 @@
                 <a16:creationId xmlns:a16="http://schemas.microsoft.com/office/drawing/2014/main" id="{A1FDF9D3-5B68-4A75-97BF-2C5113CFAA66}"/>
               </a:ext>
               <a:ext uri="{C183D7F6-B498-43B3-948B-1728B52AA6E4}">
-                <adec:decorative xmlns="" xmlns:adec="http://schemas.microsoft.com/office/drawing/2017/decorative" val="1"/>
+                <adec:decorative xmlns:adec="http://schemas.microsoft.com/office/drawing/2017/decorative" xmlns="" val="1"/>
               </a:ext>
             </a:extLst>
           </p:cNvPr>
@@ -9275,7 +9277,7 @@
                 <a16:creationId xmlns:a16="http://schemas.microsoft.com/office/drawing/2014/main" id="{C551C90A-573F-4E4A-9359-5C7B0F546BF9}"/>
               </a:ext>
               <a:ext uri="{C183D7F6-B498-43B3-948B-1728B52AA6E4}">
-                <adec:decorative xmlns="" xmlns:adec="http://schemas.microsoft.com/office/drawing/2017/decorative" val="1"/>
+                <adec:decorative xmlns:adec="http://schemas.microsoft.com/office/drawing/2017/decorative" xmlns="" val="1"/>
               </a:ext>
             </a:extLst>
           </p:cNvPr>
@@ -9477,7 +9479,7 @@
                 <a16:creationId xmlns:a16="http://schemas.microsoft.com/office/drawing/2014/main" id="{AF79E162-3D8F-4829-A4AD-02A03597B11A}"/>
               </a:ext>
               <a:ext uri="{C183D7F6-B498-43B3-948B-1728B52AA6E4}">
-                <adec:decorative xmlns="" xmlns:adec="http://schemas.microsoft.com/office/drawing/2017/decorative" val="1"/>
+                <adec:decorative xmlns:adec="http://schemas.microsoft.com/office/drawing/2017/decorative" xmlns="" val="1"/>
               </a:ext>
             </a:extLst>
           </p:cNvPr>
@@ -9690,7 +9692,7 @@
                 <a16:creationId xmlns:a16="http://schemas.microsoft.com/office/drawing/2014/main" id="{026B9B36-08E7-4664-970C-13123F24C793}"/>
               </a:ext>
               <a:ext uri="{C183D7F6-B498-43B3-948B-1728B52AA6E4}">
-                <adec:decorative xmlns="" xmlns:adec="http://schemas.microsoft.com/office/drawing/2017/decorative" val="1"/>
+                <adec:decorative xmlns:adec="http://schemas.microsoft.com/office/drawing/2017/decorative" xmlns="" val="1"/>
               </a:ext>
             </a:extLst>
           </p:cNvPr>
@@ -9907,7 +9909,7 @@
                 <a16:creationId xmlns:a16="http://schemas.microsoft.com/office/drawing/2014/main" id="{7EAB1992-E472-4489-8A4E-A8FE45DE10CF}"/>
               </a:ext>
               <a:ext uri="{C183D7F6-B498-43B3-948B-1728B52AA6E4}">
-                <adec:decorative xmlns="" xmlns:adec="http://schemas.microsoft.com/office/drawing/2017/decorative" val="1"/>
+                <adec:decorative xmlns:adec="http://schemas.microsoft.com/office/drawing/2017/decorative" xmlns="" val="1"/>
               </a:ext>
             </a:extLst>
           </p:cNvPr>
@@ -10481,7 +10483,7 @@
           <a:blip r:embed="rId3">
             <a:extLst>
               <a:ext uri="{96DAC541-7B7A-43D3-8B79-37D633B846F1}">
-                <asvg:svgBlip xmlns="" xmlns:asvg="http://schemas.microsoft.com/office/drawing/2016/SVG/main" r:embed="rId4"/>
+                <asvg:svgBlip xmlns:asvg="http://schemas.microsoft.com/office/drawing/2016/SVG/main" xmlns="" r:embed="rId4"/>
               </a:ext>
             </a:extLst>
           </a:blip>
@@ -10666,7 +10668,7 @@
           <a:blip r:embed="rId3">
             <a:extLst>
               <a:ext uri="{96DAC541-7B7A-43D3-8B79-37D633B846F1}">
-                <asvg:svgBlip xmlns="" xmlns:asvg="http://schemas.microsoft.com/office/drawing/2016/SVG/main" r:embed="rId4"/>
+                <asvg:svgBlip xmlns:asvg="http://schemas.microsoft.com/office/drawing/2016/SVG/main" xmlns="" r:embed="rId4"/>
               </a:ext>
             </a:extLst>
           </a:blip>
@@ -10928,7 +10930,7 @@
           <a:blip r:embed="rId2">
             <a:extLst>
               <a:ext uri="{96DAC541-7B7A-43D3-8B79-37D633B846F1}">
-                <asvg:svgBlip xmlns="" xmlns:asvg="http://schemas.microsoft.com/office/drawing/2016/SVG/main" r:embed="rId3"/>
+                <asvg:svgBlip xmlns:asvg="http://schemas.microsoft.com/office/drawing/2016/SVG/main" xmlns="" r:embed="rId3"/>
               </a:ext>
             </a:extLst>
           </a:blip>
@@ -11181,7 +11183,7 @@
                 <a16:creationId xmlns:a16="http://schemas.microsoft.com/office/drawing/2014/main" id="{B59E37DB-3217-4772-AE8E-E9673A139975}"/>
               </a:ext>
               <a:ext uri="{C183D7F6-B498-43B3-948B-1728B52AA6E4}">
-                <adec:decorative xmlns="" xmlns:adec="http://schemas.microsoft.com/office/drawing/2017/decorative" val="1"/>
+                <adec:decorative xmlns:adec="http://schemas.microsoft.com/office/drawing/2017/decorative" xmlns="" val="1"/>
               </a:ext>
             </a:extLst>
           </p:cNvPr>
@@ -11230,7 +11232,7 @@
                 <a16:creationId xmlns:a16="http://schemas.microsoft.com/office/drawing/2014/main" id="{F0DFE264-D676-EA48-BBA7-F4F0331FA268}"/>
               </a:ext>
               <a:ext uri="{C183D7F6-B498-43B3-948B-1728B52AA6E4}">
-                <adec:decorative xmlns="" xmlns:adec="http://schemas.microsoft.com/office/drawing/2017/decorative" val="1"/>
+                <adec:decorative xmlns:adec="http://schemas.microsoft.com/office/drawing/2017/decorative" xmlns="" val="1"/>
               </a:ext>
             </a:extLst>
           </p:cNvPr>
@@ -11333,7 +11335,7 @@
                 <a16:creationId xmlns:a16="http://schemas.microsoft.com/office/drawing/2014/main" id="{A0BB7D6E-2488-A644-A910-415B17221FBC}"/>
               </a:ext>
               <a:ext uri="{C183D7F6-B498-43B3-948B-1728B52AA6E4}">
-                <adec:decorative xmlns="" xmlns:adec="http://schemas.microsoft.com/office/drawing/2017/decorative" val="1"/>
+                <adec:decorative xmlns:adec="http://schemas.microsoft.com/office/drawing/2017/decorative" xmlns="" val="1"/>
               </a:ext>
             </a:extLst>
           </p:cNvPr>
@@ -16282,7 +16284,7 @@
           <a:blip r:embed="rId2">
             <a:extLst>
               <a:ext uri="{96DAC541-7B7A-43D3-8B79-37D633B846F1}">
-                <asvg:svgBlip xmlns="" xmlns:asvg="http://schemas.microsoft.com/office/drawing/2016/SVG/main" r:embed="rId3"/>
+                <asvg:svgBlip xmlns:asvg="http://schemas.microsoft.com/office/drawing/2016/SVG/main" xmlns="" r:embed="rId3"/>
               </a:ext>
             </a:extLst>
           </a:blip>
@@ -18841,7 +18843,7 @@
           <a:blip r:embed="rId28">
             <a:extLst>
               <a:ext uri="{96DAC541-7B7A-43D3-8B79-37D633B846F1}">
-                <asvg:svgBlip xmlns="" xmlns:asvg="http://schemas.microsoft.com/office/drawing/2016/SVG/main" r:embed="rId29"/>
+                <asvg:svgBlip xmlns:asvg="http://schemas.microsoft.com/office/drawing/2016/SVG/main" xmlns="" r:embed="rId29"/>
               </a:ext>
             </a:extLst>
           </a:blip>
@@ -19849,7 +19851,7 @@
           <a:p>
             <a:r>
               <a:rPr lang="en-US" dirty="0" smtClean="0"/>
-              <a:t>Pseudo Code</a:t>
+              <a:t>PowerShell Modules</a:t>
             </a:r>
             <a:endParaRPr lang="en-US" dirty="0"/>
           </a:p>
@@ -19870,33 +19872,456 @@
           <a:bodyPr/>
           <a:lstStyle/>
           <a:p>
-            <a:endParaRPr lang="en-US"/>
+            <a:r>
+              <a:rPr lang="en-US" dirty="0" smtClean="0"/>
+              <a:t>Parts and Pieces</a:t>
+            </a:r>
+            <a:endParaRPr lang="en-US" dirty="0"/>
           </a:p>
         </p:txBody>
       </p:sp>
       <p:sp>
         <p:nvSpPr>
-          <p:cNvPr id="4" name="Content Placeholder 3"/>
-          <p:cNvSpPr>
-            <a:spLocks noGrp="1"/>
-          </p:cNvSpPr>
-          <p:nvPr>
-            <p:ph sz="quarter" idx="14"/>
-          </p:nvPr>
+          <p:cNvPr id="5" name="Rectangle 4"/>
+          <p:cNvSpPr/>
+          <p:nvPr/>
         </p:nvSpPr>
-        <p:spPr/>
+        <p:spPr>
+          <a:xfrm>
+            <a:off x="448408" y="1503485"/>
+            <a:ext cx="3297115" cy="4633546"/>
+          </a:xfrm>
+          <a:prstGeom prst="rect">
+            <a:avLst/>
+          </a:prstGeom>
+          <a:solidFill>
+            <a:schemeClr val="accent1"/>
+          </a:solidFill>
+          <a:ln>
+            <a:noFill/>
+          </a:ln>
+          <a:effectLst/>
+        </p:spPr>
+        <p:style>
+          <a:lnRef idx="1">
+            <a:schemeClr val="accent1"/>
+          </a:lnRef>
+          <a:fillRef idx="3">
+            <a:schemeClr val="accent1"/>
+          </a:fillRef>
+          <a:effectRef idx="2">
+            <a:schemeClr val="accent1"/>
+          </a:effectRef>
+          <a:fontRef idx="minor">
+            <a:schemeClr val="lt1"/>
+          </a:fontRef>
+        </p:style>
         <p:txBody>
-          <a:bodyPr/>
+          <a:bodyPr rot="0" spcFirstLastPara="0" vertOverflow="overflow" horzOverflow="overflow" vert="horz" wrap="square" lIns="91440" tIns="45720" rIns="91440" bIns="45720" numCol="1" spcCol="0" rtlCol="0" fromWordArt="0" anchor="ctr" anchorCtr="0" forceAA="0" compatLnSpc="1">
+            <a:prstTxWarp prst="textNoShape">
+              <a:avLst/>
+            </a:prstTxWarp>
+            <a:noAutofit/>
+          </a:bodyPr>
           <a:lstStyle/>
           <a:p>
-            <a:endParaRPr lang="en-US"/>
+            <a:pPr algn="ctr">
+              <a:spcAft>
+                <a:spcPts val="600"/>
+              </a:spcAft>
+            </a:pPr>
+            <a:r>
+              <a:rPr lang="en-US" sz="3600" dirty="0" smtClean="0">
+                <a:solidFill>
+                  <a:schemeClr val="bg1"/>
+                </a:solidFill>
+              </a:rPr>
+              <a:t>.psd1</a:t>
+            </a:r>
+          </a:p>
+          <a:p>
+            <a:pPr algn="ctr">
+              <a:spcAft>
+                <a:spcPts val="600"/>
+              </a:spcAft>
+            </a:pPr>
+            <a:r>
+              <a:rPr lang="en-US" sz="1200" dirty="0" smtClean="0">
+                <a:solidFill>
+                  <a:schemeClr val="bg1"/>
+                </a:solidFill>
+              </a:rPr>
+              <a:t>Module Manifest file</a:t>
+            </a:r>
+          </a:p>
+          <a:p>
+            <a:pPr algn="ctr">
+              <a:spcAft>
+                <a:spcPts val="600"/>
+              </a:spcAft>
+            </a:pPr>
+            <a:r>
+              <a:rPr lang="en-US" sz="1200" dirty="0" smtClean="0">
+                <a:solidFill>
+                  <a:schemeClr val="bg1"/>
+                </a:solidFill>
+              </a:rPr>
+              <a:t>Not required</a:t>
+            </a:r>
+          </a:p>
+          <a:p>
+            <a:pPr algn="ctr">
+              <a:spcAft>
+                <a:spcPts val="600"/>
+              </a:spcAft>
+            </a:pPr>
+            <a:r>
+              <a:rPr lang="en-US" sz="2000" b="1" dirty="0" smtClean="0">
+                <a:solidFill>
+                  <a:schemeClr val="bg1"/>
+                </a:solidFill>
+              </a:rPr>
+              <a:t>Key Features:</a:t>
+            </a:r>
+          </a:p>
+          <a:p>
+            <a:pPr algn="ctr">
+              <a:spcAft>
+                <a:spcPts val="600"/>
+              </a:spcAft>
+            </a:pPr>
+            <a:r>
+              <a:rPr lang="en-US" sz="1200" dirty="0" smtClean="0">
+                <a:solidFill>
+                  <a:schemeClr val="bg1"/>
+                </a:solidFill>
+              </a:rPr>
+              <a:t>Version</a:t>
+            </a:r>
+          </a:p>
+          <a:p>
+            <a:pPr algn="ctr">
+              <a:spcAft>
+                <a:spcPts val="600"/>
+              </a:spcAft>
+            </a:pPr>
+            <a:r>
+              <a:rPr lang="en-US" sz="1200" dirty="0" smtClean="0">
+                <a:solidFill>
+                  <a:schemeClr val="bg1"/>
+                </a:solidFill>
+              </a:rPr>
+              <a:t>Root Module</a:t>
+            </a:r>
+            <a:endParaRPr lang="en-US" sz="1200" dirty="0" smtClean="0">
+              <a:solidFill>
+                <a:schemeClr val="bg1"/>
+              </a:solidFill>
+            </a:endParaRPr>
+          </a:p>
+          <a:p>
+            <a:pPr algn="ctr">
+              <a:spcAft>
+                <a:spcPts val="600"/>
+              </a:spcAft>
+            </a:pPr>
+            <a:r>
+              <a:rPr lang="en-US" sz="1200" dirty="0" smtClean="0">
+                <a:solidFill>
+                  <a:schemeClr val="bg1"/>
+                </a:solidFill>
+              </a:rPr>
+              <a:t>Author</a:t>
+            </a:r>
+          </a:p>
+          <a:p>
+            <a:pPr algn="ctr">
+              <a:spcAft>
+                <a:spcPts val="600"/>
+              </a:spcAft>
+            </a:pPr>
+            <a:r>
+              <a:rPr lang="en-US" sz="1200" dirty="0" smtClean="0">
+                <a:solidFill>
+                  <a:schemeClr val="bg1"/>
+                </a:solidFill>
+              </a:rPr>
+              <a:t>Required Modules</a:t>
+            </a:r>
+          </a:p>
+          <a:p>
+            <a:pPr algn="ctr">
+              <a:spcAft>
+                <a:spcPts val="600"/>
+              </a:spcAft>
+            </a:pPr>
+            <a:r>
+              <a:rPr lang="en-US" sz="1200" dirty="0" smtClean="0">
+                <a:solidFill>
+                  <a:schemeClr val="bg1"/>
+                </a:solidFill>
+              </a:rPr>
+              <a:t>Functions to Export</a:t>
+            </a:r>
+          </a:p>
+          <a:p>
+            <a:pPr algn="ctr">
+              <a:spcAft>
+                <a:spcPts val="600"/>
+              </a:spcAft>
+            </a:pPr>
+            <a:r>
+              <a:rPr lang="en-US" sz="1200" dirty="0" err="1" smtClean="0">
+                <a:solidFill>
+                  <a:schemeClr val="bg1"/>
+                </a:solidFill>
+              </a:rPr>
+              <a:t>HelpInfoURI</a:t>
+            </a:r>
+            <a:endParaRPr lang="en-US" sz="1200" dirty="0" smtClean="0">
+              <a:solidFill>
+                <a:schemeClr val="bg1"/>
+              </a:solidFill>
+            </a:endParaRPr>
+          </a:p>
+        </p:txBody>
+      </p:sp>
+      <p:sp>
+        <p:nvSpPr>
+          <p:cNvPr id="6" name="Rectangle 5"/>
+          <p:cNvSpPr/>
+          <p:nvPr/>
+        </p:nvSpPr>
+        <p:spPr>
+          <a:xfrm>
+            <a:off x="3745523" y="1503485"/>
+            <a:ext cx="3912577" cy="4633546"/>
+          </a:xfrm>
+          <a:prstGeom prst="rect">
+            <a:avLst/>
+          </a:prstGeom>
+          <a:solidFill>
+            <a:schemeClr val="tx2">
+              <a:lumMod val="50000"/>
+              <a:lumOff val="50000"/>
+            </a:schemeClr>
+          </a:solidFill>
+          <a:ln>
+            <a:noFill/>
+          </a:ln>
+          <a:effectLst/>
+        </p:spPr>
+        <p:style>
+          <a:lnRef idx="1">
+            <a:schemeClr val="accent1"/>
+          </a:lnRef>
+          <a:fillRef idx="3">
+            <a:schemeClr val="accent1"/>
+          </a:fillRef>
+          <a:effectRef idx="2">
+            <a:schemeClr val="accent1"/>
+          </a:effectRef>
+          <a:fontRef idx="minor">
+            <a:schemeClr val="lt1"/>
+          </a:fontRef>
+        </p:style>
+        <p:txBody>
+          <a:bodyPr rot="0" spcFirstLastPara="0" vertOverflow="overflow" horzOverflow="overflow" vert="horz" wrap="square" lIns="91440" tIns="45720" rIns="91440" bIns="45720" numCol="1" spcCol="0" rtlCol="0" fromWordArt="0" anchor="ctr" anchorCtr="0" forceAA="0" compatLnSpc="1">
+            <a:prstTxWarp prst="textNoShape">
+              <a:avLst/>
+            </a:prstTxWarp>
+            <a:noAutofit/>
+          </a:bodyPr>
+          <a:lstStyle/>
+          <a:p>
+            <a:pPr algn="ctr">
+              <a:spcAft>
+                <a:spcPts val="600"/>
+              </a:spcAft>
+            </a:pPr>
+            <a:r>
+              <a:rPr lang="en-US" sz="3600" dirty="0" smtClean="0">
+                <a:solidFill>
+                  <a:schemeClr val="bg1"/>
+                </a:solidFill>
+              </a:rPr>
+              <a:t>.psm1</a:t>
+            </a:r>
+          </a:p>
+          <a:p>
+            <a:pPr algn="ctr">
+              <a:spcAft>
+                <a:spcPts val="600"/>
+              </a:spcAft>
+            </a:pPr>
+            <a:r>
+              <a:rPr lang="en-US" sz="1200" dirty="0" smtClean="0">
+                <a:solidFill>
+                  <a:schemeClr val="bg1"/>
+                </a:solidFill>
+              </a:rPr>
+              <a:t>Module File (Option 1)</a:t>
+            </a:r>
+          </a:p>
+          <a:p>
+            <a:pPr algn="ctr">
+              <a:spcAft>
+                <a:spcPts val="600"/>
+              </a:spcAft>
+            </a:pPr>
+            <a:r>
+              <a:rPr lang="en-US" sz="1200" dirty="0" smtClean="0">
+                <a:solidFill>
+                  <a:schemeClr val="bg1"/>
+                </a:solidFill>
+              </a:rPr>
+              <a:t>Place all functions in a single file</a:t>
+            </a:r>
+          </a:p>
+          <a:p>
+            <a:pPr algn="ctr">
+              <a:spcAft>
+                <a:spcPts val="600"/>
+              </a:spcAft>
+            </a:pPr>
+            <a:endParaRPr lang="en-US" sz="1200" dirty="0" smtClean="0">
+              <a:solidFill>
+                <a:schemeClr val="bg1"/>
+              </a:solidFill>
+            </a:endParaRPr>
+          </a:p>
+        </p:txBody>
+      </p:sp>
+      <p:sp>
+        <p:nvSpPr>
+          <p:cNvPr id="7" name="Rectangle 6"/>
+          <p:cNvSpPr/>
+          <p:nvPr/>
+        </p:nvSpPr>
+        <p:spPr>
+          <a:xfrm>
+            <a:off x="7658100" y="1503485"/>
+            <a:ext cx="3827585" cy="4633546"/>
+          </a:xfrm>
+          <a:prstGeom prst="rect">
+            <a:avLst/>
+          </a:prstGeom>
+          <a:solidFill>
+            <a:schemeClr val="bg2">
+              <a:lumMod val="65000"/>
+            </a:schemeClr>
+          </a:solidFill>
+          <a:ln>
+            <a:noFill/>
+          </a:ln>
+          <a:effectLst/>
+        </p:spPr>
+        <p:style>
+          <a:lnRef idx="1">
+            <a:schemeClr val="accent1"/>
+          </a:lnRef>
+          <a:fillRef idx="3">
+            <a:schemeClr val="accent1"/>
+          </a:fillRef>
+          <a:effectRef idx="2">
+            <a:schemeClr val="accent1"/>
+          </a:effectRef>
+          <a:fontRef idx="minor">
+            <a:schemeClr val="lt1"/>
+          </a:fontRef>
+        </p:style>
+        <p:txBody>
+          <a:bodyPr rot="0" spcFirstLastPara="0" vertOverflow="overflow" horzOverflow="overflow" vert="horz" wrap="square" lIns="91440" tIns="45720" rIns="91440" bIns="45720" numCol="1" spcCol="0" rtlCol="0" fromWordArt="0" anchor="ctr" anchorCtr="0" forceAA="0" compatLnSpc="1">
+            <a:prstTxWarp prst="textNoShape">
+              <a:avLst/>
+            </a:prstTxWarp>
+            <a:noAutofit/>
+          </a:bodyPr>
+          <a:lstStyle/>
+          <a:p>
+            <a:pPr algn="ctr">
+              <a:spcAft>
+                <a:spcPts val="600"/>
+              </a:spcAft>
+            </a:pPr>
+            <a:r>
+              <a:rPr lang="en-US" sz="1200" dirty="0">
+                <a:solidFill>
+                  <a:schemeClr val="bg1"/>
+                </a:solidFill>
+              </a:rPr>
+              <a:t>.</a:t>
+            </a:r>
+            <a:r>
+              <a:rPr lang="en-US" sz="3600" dirty="0">
+                <a:solidFill>
+                  <a:schemeClr val="bg1"/>
+                </a:solidFill>
+              </a:rPr>
+              <a:t>psm1</a:t>
+            </a:r>
+          </a:p>
+          <a:p>
+            <a:pPr algn="ctr">
+              <a:spcAft>
+                <a:spcPts val="600"/>
+              </a:spcAft>
+            </a:pPr>
+            <a:r>
+              <a:rPr lang="en-US" sz="1200" dirty="0">
+                <a:solidFill>
+                  <a:schemeClr val="bg1"/>
+                </a:solidFill>
+              </a:rPr>
+              <a:t>Module File (Option </a:t>
+            </a:r>
+            <a:r>
+              <a:rPr lang="en-US" sz="1200" dirty="0" smtClean="0">
+                <a:solidFill>
+                  <a:schemeClr val="bg1"/>
+                </a:solidFill>
+              </a:rPr>
+              <a:t>2)</a:t>
+            </a:r>
+          </a:p>
+          <a:p>
+            <a:pPr algn="ctr">
+              <a:spcAft>
+                <a:spcPts val="600"/>
+              </a:spcAft>
+            </a:pPr>
+            <a:r>
+              <a:rPr lang="en-US" sz="1200" dirty="0" smtClean="0">
+                <a:solidFill>
+                  <a:schemeClr val="bg1"/>
+                </a:solidFill>
+              </a:rPr>
+              <a:t>Write PowerShell to source all the Private and Public functions</a:t>
+            </a:r>
+            <a:endParaRPr lang="en-US" sz="1200" dirty="0">
+              <a:solidFill>
+                <a:schemeClr val="bg1"/>
+              </a:solidFill>
+            </a:endParaRPr>
+          </a:p>
+          <a:p>
+            <a:pPr algn="ctr">
+              <a:spcAft>
+                <a:spcPts val="600"/>
+              </a:spcAft>
+            </a:pPr>
+            <a:endParaRPr lang="en-US" sz="1200" dirty="0" smtClean="0">
+              <a:solidFill>
+                <a:schemeClr val="bg1"/>
+              </a:solidFill>
+            </a:endParaRPr>
           </a:p>
         </p:txBody>
       </p:sp>
     </p:spTree>
     <p:extLst>
       <p:ext uri="{BB962C8B-B14F-4D97-AF65-F5344CB8AC3E}">
-        <p14:creationId xmlns:p14="http://schemas.microsoft.com/office/powerpoint/2010/main" val="344646379"/>
+        <p14:creationId xmlns:p14="http://schemas.microsoft.com/office/powerpoint/2010/main" val="2712230090"/>
       </p:ext>
     </p:extLst>
   </p:cSld>
@@ -19973,7 +20398,11 @@
           <a:bodyPr/>
           <a:lstStyle/>
           <a:p>
-            <a:endParaRPr lang="en-US"/>
+            <a:r>
+              <a:rPr lang="en-US" dirty="0" smtClean="0"/>
+              <a:t>Central Repository for sharing and acquiring PowerShell code</a:t>
+            </a:r>
+            <a:endParaRPr lang="en-US" dirty="0"/>
           </a:p>
         </p:txBody>
       </p:sp>
@@ -19992,7 +20421,73 @@
           <a:bodyPr/>
           <a:lstStyle/>
           <a:p>
-            <a:endParaRPr lang="en-US"/>
+            <a:r>
+              <a:rPr lang="en-US" dirty="0" smtClean="0"/>
+              <a:t>What’s in there?</a:t>
+            </a:r>
+          </a:p>
+          <a:p>
+            <a:pPr lvl="1"/>
+            <a:r>
+              <a:rPr lang="en-US" dirty="0" smtClean="0"/>
+              <a:t>PowerShell Modules</a:t>
+            </a:r>
+          </a:p>
+          <a:p>
+            <a:pPr lvl="1"/>
+            <a:r>
+              <a:rPr lang="en-US" dirty="0" smtClean="0"/>
+              <a:t>Scripts</a:t>
+            </a:r>
+          </a:p>
+          <a:p>
+            <a:pPr lvl="1"/>
+            <a:r>
+              <a:rPr lang="en-US" dirty="0" smtClean="0"/>
+              <a:t>DSC Resources</a:t>
+            </a:r>
+          </a:p>
+          <a:p>
+            <a:r>
+              <a:rPr lang="en-US" dirty="0" smtClean="0"/>
+              <a:t>Can you host your own Local PowerShell Gallery? YES!</a:t>
+            </a:r>
+          </a:p>
+          <a:p>
+            <a:pPr lvl="1"/>
+            <a:r>
+              <a:rPr lang="en-US" dirty="0" smtClean="0"/>
+              <a:t>Nexus </a:t>
+            </a:r>
+            <a:r>
+              <a:rPr lang="en-US" dirty="0" err="1" smtClean="0"/>
+              <a:t>Sonatype</a:t>
+            </a:r>
+            <a:endParaRPr lang="en-US" dirty="0" smtClean="0"/>
+          </a:p>
+          <a:p>
+            <a:pPr lvl="1"/>
+            <a:r>
+              <a:rPr lang="en-US" dirty="0" err="1" smtClean="0"/>
+              <a:t>Artifactory</a:t>
+            </a:r>
+            <a:endParaRPr lang="en-US" dirty="0" smtClean="0"/>
+          </a:p>
+          <a:p>
+            <a:pPr lvl="1"/>
+            <a:r>
+              <a:rPr lang="en-US" dirty="0" smtClean="0"/>
+              <a:t>You are looking for a Software package that can provide a </a:t>
+            </a:r>
+            <a:r>
+              <a:rPr lang="en-US" dirty="0" err="1" smtClean="0"/>
+              <a:t>NuGet</a:t>
+            </a:r>
+            <a:r>
+              <a:rPr lang="en-US" dirty="0" smtClean="0"/>
+              <a:t> Repository</a:t>
+            </a:r>
+            <a:endParaRPr lang="en-US" dirty="0"/>
           </a:p>
         </p:txBody>
       </p:sp>
@@ -20055,7 +20550,7 @@
           <a:p>
             <a:r>
               <a:rPr lang="en-US" dirty="0" smtClean="0"/>
-              <a:t>Local PowerShell Modules</a:t>
+              <a:t>Pseudo Code</a:t>
             </a:r>
             <a:endParaRPr lang="en-US" dirty="0"/>
           </a:p>
@@ -20076,7 +20571,11 @@
           <a:bodyPr/>
           <a:lstStyle/>
           <a:p>
-            <a:endParaRPr lang="en-US"/>
+            <a:r>
+              <a:rPr lang="en-US" dirty="0" smtClean="0"/>
+              <a:t>The code before the code</a:t>
+            </a:r>
+            <a:endParaRPr lang="en-US" dirty="0"/>
           </a:p>
         </p:txBody>
       </p:sp>
@@ -20090,19 +20589,223 @@
             <p:ph sz="quarter" idx="14"/>
           </p:nvPr>
         </p:nvSpPr>
-        <p:spPr/>
+        <p:spPr>
+          <a:xfrm>
+            <a:off x="608013" y="1588345"/>
+            <a:ext cx="10972800" cy="4572000"/>
+          </a:xfrm>
+        </p:spPr>
         <p:txBody>
           <a:bodyPr/>
           <a:lstStyle/>
           <a:p>
-            <a:endParaRPr lang="en-US"/>
+            <a:r>
+              <a:rPr lang="en-US" dirty="0" smtClean="0"/>
+              <a:t>Use simple language to outline the task you are trying to accomplish</a:t>
+            </a:r>
+          </a:p>
+          <a:p>
+            <a:r>
+              <a:rPr lang="en-US" dirty="0" smtClean="0"/>
+              <a:t>Can be used as in-line code comments</a:t>
+            </a:r>
+          </a:p>
+          <a:p>
+            <a:r>
+              <a:rPr lang="en-US" dirty="0" smtClean="0"/>
+              <a:t>Allows the person after you to understand your code and thought process</a:t>
+            </a:r>
+          </a:p>
+          <a:p>
+            <a:r>
+              <a:rPr lang="en-US" dirty="0" smtClean="0"/>
+              <a:t>Who is ready for the next task?</a:t>
+            </a:r>
+            <a:endParaRPr lang="en-US" dirty="0"/>
+          </a:p>
+        </p:txBody>
+      </p:sp>
+      <p:pic>
+        <p:nvPicPr>
+          <p:cNvPr id="5" name="Picture 4"/>
+          <p:cNvPicPr>
+            <a:picLocks noChangeAspect="1"/>
+          </p:cNvPicPr>
+          <p:nvPr/>
+        </p:nvPicPr>
+        <p:blipFill>
+          <a:blip r:embed="rId2"/>
+          <a:stretch>
+            <a:fillRect/>
+          </a:stretch>
+        </p:blipFill>
+        <p:spPr>
+          <a:xfrm>
+            <a:off x="951251" y="3420208"/>
+            <a:ext cx="3613451" cy="2291457"/>
+          </a:xfrm>
+          <a:prstGeom prst="rect">
+            <a:avLst/>
+          </a:prstGeom>
+        </p:spPr>
+      </p:pic>
+      <p:pic>
+        <p:nvPicPr>
+          <p:cNvPr id="7" name="Picture 6"/>
+          <p:cNvPicPr>
+            <a:picLocks noChangeAspect="1"/>
+          </p:cNvPicPr>
+          <p:nvPr/>
+        </p:nvPicPr>
+        <p:blipFill>
+          <a:blip r:embed="rId3"/>
+          <a:stretch>
+            <a:fillRect/>
+          </a:stretch>
+        </p:blipFill>
+        <p:spPr>
+          <a:xfrm>
+            <a:off x="6959611" y="3392738"/>
+            <a:ext cx="3700720" cy="2318927"/>
+          </a:xfrm>
+          <a:prstGeom prst="rect">
+            <a:avLst/>
+          </a:prstGeom>
+        </p:spPr>
+      </p:pic>
+      <p:sp>
+        <p:nvSpPr>
+          <p:cNvPr id="8" name="TextBox 7"/>
+          <p:cNvSpPr txBox="1"/>
+          <p:nvPr/>
+        </p:nvSpPr>
+        <p:spPr>
+          <a:xfrm>
+            <a:off x="2066192" y="5849549"/>
+            <a:ext cx="1115690" cy="322652"/>
+          </a:xfrm>
+          <a:prstGeom prst="rect">
+            <a:avLst/>
+          </a:prstGeom>
+          <a:noFill/>
+        </p:spPr>
+        <p:txBody>
+          <a:bodyPr wrap="none" lIns="0" tIns="0" rIns="0" bIns="0" rtlCol="0">
+            <a:spAutoFit/>
+          </a:bodyPr>
+          <a:lstStyle/>
+          <a:p>
+            <a:pPr algn="l">
+              <a:lnSpc>
+                <a:spcPct val="130000"/>
+              </a:lnSpc>
+            </a:pPr>
+            <a:r>
+              <a:rPr lang="en-US" sz="1800" dirty="0" smtClean="0">
+                <a:solidFill>
+                  <a:schemeClr val="tx2"/>
+                </a:solidFill>
+              </a:rPr>
+              <a:t>The Snake</a:t>
+            </a:r>
+            <a:endParaRPr lang="en-US" sz="1800" dirty="0" smtClean="0">
+              <a:solidFill>
+                <a:schemeClr val="tx2"/>
+              </a:solidFill>
+            </a:endParaRPr>
+          </a:p>
+        </p:txBody>
+      </p:sp>
+      <p:sp>
+        <p:nvSpPr>
+          <p:cNvPr id="9" name="TextBox 8"/>
+          <p:cNvSpPr txBox="1"/>
+          <p:nvPr/>
+        </p:nvSpPr>
+        <p:spPr>
+          <a:xfrm>
+            <a:off x="8132885" y="5800246"/>
+            <a:ext cx="1667123" cy="360099"/>
+          </a:xfrm>
+          <a:prstGeom prst="rect">
+            <a:avLst/>
+          </a:prstGeom>
+          <a:noFill/>
+        </p:spPr>
+        <p:txBody>
+          <a:bodyPr wrap="none" lIns="0" tIns="0" rIns="0" bIns="0" rtlCol="0">
+            <a:spAutoFit/>
+          </a:bodyPr>
+          <a:lstStyle/>
+          <a:p>
+            <a:pPr algn="l">
+              <a:lnSpc>
+                <a:spcPct val="130000"/>
+              </a:lnSpc>
+            </a:pPr>
+            <a:r>
+              <a:rPr lang="en-US" sz="1800" dirty="0" smtClean="0">
+                <a:solidFill>
+                  <a:schemeClr val="tx2"/>
+                </a:solidFill>
+              </a:rPr>
+              <a:t>The Bird of Prey</a:t>
+            </a:r>
+            <a:endParaRPr lang="en-US" sz="1800" dirty="0" smtClean="0">
+              <a:solidFill>
+                <a:schemeClr val="tx2"/>
+              </a:solidFill>
+            </a:endParaRPr>
+          </a:p>
+        </p:txBody>
+      </p:sp>
+      <p:sp>
+        <p:nvSpPr>
+          <p:cNvPr id="10" name="TextBox 9"/>
+          <p:cNvSpPr txBox="1"/>
+          <p:nvPr/>
+        </p:nvSpPr>
+        <p:spPr>
+          <a:xfrm>
+            <a:off x="5388483" y="4229580"/>
+            <a:ext cx="747346" cy="645241"/>
+          </a:xfrm>
+          <a:prstGeom prst="rect">
+            <a:avLst/>
+          </a:prstGeom>
+          <a:noFill/>
+        </p:spPr>
+        <p:txBody>
+          <a:bodyPr wrap="square" lIns="0" tIns="0" rIns="0" bIns="0" rtlCol="0">
+            <a:spAutoFit/>
+          </a:bodyPr>
+          <a:lstStyle/>
+          <a:p>
+            <a:pPr algn="l">
+              <a:lnSpc>
+                <a:spcPct val="130000"/>
+              </a:lnSpc>
+            </a:pPr>
+            <a:r>
+              <a:rPr lang="en-US" sz="3600" dirty="0" smtClean="0">
+                <a:solidFill>
+                  <a:schemeClr val="tx2"/>
+                </a:solidFill>
+              </a:rPr>
+              <a:t>vs.</a:t>
+            </a:r>
+            <a:endParaRPr lang="en-US" sz="3600" dirty="0" smtClean="0">
+              <a:solidFill>
+                <a:schemeClr val="tx2"/>
+              </a:solidFill>
+            </a:endParaRPr>
           </a:p>
         </p:txBody>
       </p:sp>
     </p:spTree>
     <p:extLst>
       <p:ext uri="{BB962C8B-B14F-4D97-AF65-F5344CB8AC3E}">
-        <p14:creationId xmlns:p14="http://schemas.microsoft.com/office/powerpoint/2010/main" val="1483383878"/>
+        <p14:creationId xmlns:p14="http://schemas.microsoft.com/office/powerpoint/2010/main" val="344646379"/>
       </p:ext>
     </p:extLst>
   </p:cSld>
@@ -20158,7 +20861,7 @@
           <a:p>
             <a:r>
               <a:rPr lang="en-US" dirty="0" smtClean="0"/>
-              <a:t>Bonus Topics</a:t>
+              <a:t>Local PowerShell Modules</a:t>
             </a:r>
             <a:endParaRPr lang="en-US" dirty="0"/>
           </a:p>
@@ -20179,7 +20882,390 @@
           <a:bodyPr/>
           <a:lstStyle/>
           <a:p>
+            <a:r>
+              <a:rPr lang="en-US" dirty="0" smtClean="0"/>
+              <a:t>Custom, Reusable code to achieve your specific tasks</a:t>
+            </a:r>
+            <a:endParaRPr lang="en-US" dirty="0"/>
+          </a:p>
+        </p:txBody>
+      </p:sp>
+      <p:sp>
+        <p:nvSpPr>
+          <p:cNvPr id="4" name="Content Placeholder 3"/>
+          <p:cNvSpPr>
+            <a:spLocks noGrp="1"/>
+          </p:cNvSpPr>
+          <p:nvPr>
+            <p:ph sz="quarter" idx="14"/>
+          </p:nvPr>
+        </p:nvSpPr>
+        <p:spPr/>
+        <p:txBody>
+          <a:bodyPr/>
+          <a:lstStyle/>
+          <a:p>
+            <a:r>
+              <a:rPr lang="en-US" dirty="0" smtClean="0"/>
+              <a:t>Let’s jump into it! Here is the Demo environment.</a:t>
+            </a:r>
+            <a:endParaRPr lang="en-US" dirty="0"/>
+          </a:p>
+        </p:txBody>
+      </p:sp>
+      <p:pic>
+        <p:nvPicPr>
+          <p:cNvPr id="5" name="Picture 4"/>
+          <p:cNvPicPr>
+            <a:picLocks noChangeAspect="1"/>
+          </p:cNvPicPr>
+          <p:nvPr/>
+        </p:nvPicPr>
+        <p:blipFill>
+          <a:blip r:embed="rId2"/>
+          <a:stretch>
+            <a:fillRect/>
+          </a:stretch>
+        </p:blipFill>
+        <p:spPr>
+          <a:xfrm>
+            <a:off x="3534628" y="5132731"/>
+            <a:ext cx="1419423" cy="1162212"/>
+          </a:xfrm>
+          <a:prstGeom prst="rect">
+            <a:avLst/>
+          </a:prstGeom>
+        </p:spPr>
+      </p:pic>
+      <p:sp>
+        <p:nvSpPr>
+          <p:cNvPr id="6" name="Rectangle 5"/>
+          <p:cNvSpPr/>
+          <p:nvPr/>
+        </p:nvSpPr>
+        <p:spPr>
+          <a:xfrm>
+            <a:off x="320040" y="1573241"/>
+            <a:ext cx="10561320" cy="3116580"/>
+          </a:xfrm>
+          <a:prstGeom prst="rect">
+            <a:avLst/>
+          </a:prstGeom>
+          <a:solidFill>
+            <a:schemeClr val="bg1"/>
+          </a:solidFill>
+        </p:spPr>
+        <p:style>
+          <a:lnRef idx="2">
+            <a:schemeClr val="accent1">
+              <a:shade val="50000"/>
+            </a:schemeClr>
+          </a:lnRef>
+          <a:fillRef idx="1">
+            <a:schemeClr val="accent1"/>
+          </a:fillRef>
+          <a:effectRef idx="0">
+            <a:schemeClr val="accent1"/>
+          </a:effectRef>
+          <a:fontRef idx="minor">
+            <a:schemeClr val="lt1"/>
+          </a:fontRef>
+        </p:style>
+        <p:txBody>
+          <a:bodyPr rtlCol="0" anchor="ctr"/>
+          <a:lstStyle/>
+          <a:p>
+            <a:pPr algn="ctr"/>
             <a:endParaRPr lang="en-US"/>
+          </a:p>
+        </p:txBody>
+      </p:sp>
+      <p:pic>
+        <p:nvPicPr>
+          <p:cNvPr id="7" name="Picture 6"/>
+          <p:cNvPicPr>
+            <a:picLocks noChangeAspect="1"/>
+          </p:cNvPicPr>
+          <p:nvPr/>
+        </p:nvPicPr>
+        <p:blipFill>
+          <a:blip r:embed="rId3"/>
+          <a:stretch>
+            <a:fillRect/>
+          </a:stretch>
+        </p:blipFill>
+        <p:spPr>
+          <a:xfrm>
+            <a:off x="6286500" y="3694205"/>
+            <a:ext cx="3508610" cy="852875"/>
+          </a:xfrm>
+          <a:prstGeom prst="rect">
+            <a:avLst/>
+          </a:prstGeom>
+        </p:spPr>
+      </p:pic>
+      <p:pic>
+        <p:nvPicPr>
+          <p:cNvPr id="8" name="Picture 7"/>
+          <p:cNvPicPr>
+            <a:picLocks noChangeAspect="1"/>
+          </p:cNvPicPr>
+          <p:nvPr/>
+        </p:nvPicPr>
+        <p:blipFill>
+          <a:blip r:embed="rId4"/>
+          <a:stretch>
+            <a:fillRect/>
+          </a:stretch>
+        </p:blipFill>
+        <p:spPr>
+          <a:xfrm>
+            <a:off x="6286500" y="2112784"/>
+            <a:ext cx="3513015" cy="1544921"/>
+          </a:xfrm>
+          <a:prstGeom prst="rect">
+            <a:avLst/>
+          </a:prstGeom>
+        </p:spPr>
+      </p:pic>
+      <p:pic>
+        <p:nvPicPr>
+          <p:cNvPr id="9" name="Picture 8"/>
+          <p:cNvPicPr>
+            <a:picLocks noChangeAspect="1"/>
+          </p:cNvPicPr>
+          <p:nvPr/>
+        </p:nvPicPr>
+        <p:blipFill>
+          <a:blip r:embed="rId5"/>
+          <a:stretch>
+            <a:fillRect/>
+          </a:stretch>
+        </p:blipFill>
+        <p:spPr>
+          <a:xfrm>
+            <a:off x="7470103" y="2336124"/>
+            <a:ext cx="1141403" cy="1098240"/>
+          </a:xfrm>
+          <a:prstGeom prst="rect">
+            <a:avLst/>
+          </a:prstGeom>
+        </p:spPr>
+      </p:pic>
+      <p:cxnSp>
+        <p:nvCxnSpPr>
+          <p:cNvPr id="10" name="Straight Connector 9"/>
+          <p:cNvCxnSpPr/>
+          <p:nvPr/>
+        </p:nvCxnSpPr>
+        <p:spPr>
+          <a:xfrm flipH="1" flipV="1">
+            <a:off x="388620" y="4743161"/>
+            <a:ext cx="3146008" cy="1226820"/>
+          </a:xfrm>
+          <a:prstGeom prst="line">
+            <a:avLst/>
+          </a:prstGeom>
+          <a:ln w="28575">
+            <a:solidFill>
+              <a:schemeClr val="tx1"/>
+            </a:solidFill>
+            <a:prstDash val="dash"/>
+          </a:ln>
+        </p:spPr>
+        <p:style>
+          <a:lnRef idx="1">
+            <a:schemeClr val="accent1"/>
+          </a:lnRef>
+          <a:fillRef idx="0">
+            <a:schemeClr val="accent1"/>
+          </a:fillRef>
+          <a:effectRef idx="0">
+            <a:schemeClr val="accent1"/>
+          </a:effectRef>
+          <a:fontRef idx="minor">
+            <a:schemeClr val="tx1"/>
+          </a:fontRef>
+        </p:style>
+      </p:cxnSp>
+      <p:cxnSp>
+        <p:nvCxnSpPr>
+          <p:cNvPr id="11" name="Straight Connector 10"/>
+          <p:cNvCxnSpPr/>
+          <p:nvPr/>
+        </p:nvCxnSpPr>
+        <p:spPr>
+          <a:xfrm flipV="1">
+            <a:off x="4954051" y="4743161"/>
+            <a:ext cx="5820629" cy="1150620"/>
+          </a:xfrm>
+          <a:prstGeom prst="line">
+            <a:avLst/>
+          </a:prstGeom>
+          <a:ln w="28575">
+            <a:solidFill>
+              <a:schemeClr val="tx1"/>
+            </a:solidFill>
+            <a:prstDash val="dash"/>
+          </a:ln>
+        </p:spPr>
+        <p:style>
+          <a:lnRef idx="1">
+            <a:schemeClr val="accent1"/>
+          </a:lnRef>
+          <a:fillRef idx="0">
+            <a:schemeClr val="accent1"/>
+          </a:fillRef>
+          <a:effectRef idx="0">
+            <a:schemeClr val="accent1"/>
+          </a:effectRef>
+          <a:fontRef idx="minor">
+            <a:schemeClr val="tx1"/>
+          </a:fontRef>
+        </p:style>
+      </p:cxnSp>
+      <p:pic>
+        <p:nvPicPr>
+          <p:cNvPr id="12" name="Picture 11"/>
+          <p:cNvPicPr>
+            <a:picLocks noChangeAspect="1"/>
+          </p:cNvPicPr>
+          <p:nvPr/>
+        </p:nvPicPr>
+        <p:blipFill>
+          <a:blip r:embed="rId6"/>
+          <a:stretch>
+            <a:fillRect/>
+          </a:stretch>
+        </p:blipFill>
+        <p:spPr>
+          <a:xfrm>
+            <a:off x="493815" y="2021732"/>
+            <a:ext cx="4124901" cy="1952898"/>
+          </a:xfrm>
+          <a:prstGeom prst="rect">
+            <a:avLst/>
+          </a:prstGeom>
+        </p:spPr>
+      </p:pic>
+      <p:cxnSp>
+        <p:nvCxnSpPr>
+          <p:cNvPr id="13" name="Straight Arrow Connector 12"/>
+          <p:cNvCxnSpPr/>
+          <p:nvPr/>
+        </p:nvCxnSpPr>
+        <p:spPr>
+          <a:xfrm flipV="1">
+            <a:off x="2891194" y="3051521"/>
+            <a:ext cx="3390900" cy="418475"/>
+          </a:xfrm>
+          <a:prstGeom prst="straightConnector1">
+            <a:avLst/>
+          </a:prstGeom>
+          <a:ln w="76200">
+            <a:tailEnd type="triangle"/>
+          </a:ln>
+        </p:spPr>
+        <p:style>
+          <a:lnRef idx="3">
+            <a:schemeClr val="accent4"/>
+          </a:lnRef>
+          <a:fillRef idx="0">
+            <a:schemeClr val="accent4"/>
+          </a:fillRef>
+          <a:effectRef idx="2">
+            <a:schemeClr val="accent4"/>
+          </a:effectRef>
+          <a:fontRef idx="minor">
+            <a:schemeClr val="tx1"/>
+          </a:fontRef>
+        </p:style>
+      </p:cxnSp>
+    </p:spTree>
+    <p:extLst>
+      <p:ext uri="{BB962C8B-B14F-4D97-AF65-F5344CB8AC3E}">
+        <p14:creationId xmlns:p14="http://schemas.microsoft.com/office/powerpoint/2010/main" val="1483383878"/>
+      </p:ext>
+    </p:extLst>
+  </p:cSld>
+  <p:clrMapOvr>
+    <a:masterClrMapping/>
+  </p:clrMapOvr>
+  <mc:AlternateContent xmlns:mc="http://schemas.openxmlformats.org/markup-compatibility/2006" xmlns:p14="http://schemas.microsoft.com/office/powerpoint/2010/main">
+    <mc:Choice Requires="p14">
+      <p:transition spd="med" p14:dur="700">
+        <p:fade/>
+      </p:transition>
+    </mc:Choice>
+    <mc:Fallback xmlns="">
+      <p:transition spd="med">
+        <p:fade/>
+      </p:transition>
+    </mc:Fallback>
+  </mc:AlternateContent>
+</p:sld>
+</file>
+
+<file path=ppt/slides/slide14.xml><?xml version="1.0" encoding="utf-8"?>
+<p:sld xmlns:a="http://schemas.openxmlformats.org/drawingml/2006/main" xmlns:r="http://schemas.openxmlformats.org/officeDocument/2006/relationships" xmlns:p="http://schemas.openxmlformats.org/presentationml/2006/main">
+  <p:cSld>
+    <p:spTree>
+      <p:nvGrpSpPr>
+        <p:cNvPr id="1" name=""/>
+        <p:cNvGrpSpPr/>
+        <p:nvPr/>
+      </p:nvGrpSpPr>
+      <p:grpSpPr>
+        <a:xfrm>
+          <a:off x="0" y="0"/>
+          <a:ext cx="0" cy="0"/>
+          <a:chOff x="0" y="0"/>
+          <a:chExt cx="0" cy="0"/>
+        </a:xfrm>
+      </p:grpSpPr>
+      <p:sp>
+        <p:nvSpPr>
+          <p:cNvPr id="2" name="Title 1"/>
+          <p:cNvSpPr>
+            <a:spLocks noGrp="1"/>
+          </p:cNvSpPr>
+          <p:nvPr>
+            <p:ph type="title"/>
+          </p:nvPr>
+        </p:nvSpPr>
+        <p:spPr/>
+        <p:txBody>
+          <a:bodyPr/>
+          <a:lstStyle/>
+          <a:p>
+            <a:r>
+              <a:rPr lang="en-US" dirty="0" smtClean="0"/>
+              <a:t>Bonus Topics</a:t>
+            </a:r>
+            <a:endParaRPr lang="en-US" dirty="0"/>
+          </a:p>
+        </p:txBody>
+      </p:sp>
+      <p:sp>
+        <p:nvSpPr>
+          <p:cNvPr id="3" name="Subtitle 2"/>
+          <p:cNvSpPr>
+            <a:spLocks noGrp="1"/>
+          </p:cNvSpPr>
+          <p:nvPr>
+            <p:ph type="subTitle" idx="10"/>
+          </p:nvPr>
+        </p:nvSpPr>
+        <p:spPr/>
+        <p:txBody>
+          <a:bodyPr/>
+          <a:lstStyle/>
+          <a:p>
+            <a:r>
+              <a:rPr lang="en-US" dirty="0" smtClean="0"/>
+              <a:t>Hopefully we have time!</a:t>
+            </a:r>
+            <a:endParaRPr lang="en-US" dirty="0"/>
           </a:p>
         </p:txBody>
       </p:sp>
@@ -20238,7 +21324,7 @@
 </p:sld>
 </file>
 
-<file path=ppt/slides/slide14.xml><?xml version="1.0" encoding="utf-8"?>
+<file path=ppt/slides/slide15.xml><?xml version="1.0" encoding="utf-8"?>
 <p:sld xmlns:a="http://schemas.openxmlformats.org/drawingml/2006/main" xmlns:r="http://schemas.openxmlformats.org/officeDocument/2006/relationships" xmlns:p="http://schemas.openxmlformats.org/presentationml/2006/main">
   <p:cSld>
     <p:spTree>
@@ -20771,7 +21857,6 @@
               <a:rPr lang="en-US" dirty="0" smtClean="0"/>
               <a:t>Functions</a:t>
             </a:r>
-            <a:endParaRPr lang="en-US" dirty="0" smtClean="0"/>
           </a:p>
           <a:p>
             <a:pPr marL="457200" indent="-457200">
@@ -20791,11 +21876,7 @@
             </a:pPr>
             <a:r>
               <a:rPr lang="en-US" dirty="0" smtClean="0"/>
-              <a:t>Advanced </a:t>
-            </a:r>
-            <a:r>
-              <a:rPr lang="en-US" dirty="0" smtClean="0"/>
-              <a:t>Functions</a:t>
+              <a:t>Advanced Functions</a:t>
             </a:r>
           </a:p>
           <a:p>
@@ -20815,7 +21896,7 @@
             </a:pPr>
             <a:r>
               <a:rPr lang="en-US" dirty="0" smtClean="0"/>
-              <a:t>Pseudo Code</a:t>
+              <a:t>PowerShell Gallery</a:t>
             </a:r>
           </a:p>
           <a:p>
@@ -20824,9 +21905,14 @@
               <a:buAutoNum type="arabicPeriod"/>
             </a:pPr>
             <a:r>
+              <a:rPr lang="en-US" dirty="0"/>
+              <a:t>Pseudo </a:t>
+            </a:r>
+            <a:r>
               <a:rPr lang="en-US" dirty="0" smtClean="0"/>
-              <a:t>PowerShell Gallery</a:t>
-            </a:r>
+              <a:t>Code</a:t>
+            </a:r>
+            <a:endParaRPr lang="en-US" dirty="0" smtClean="0"/>
           </a:p>
           <a:p>
             <a:pPr marL="457200" indent="-457200">
@@ -21125,7 +22211,15 @@
           <a:p>
             <a:r>
               <a:rPr lang="en-US" dirty="0" smtClean="0"/>
-              <a:t>What is it?</a:t>
+              <a:t>What </a:t>
+            </a:r>
+            <a:r>
+              <a:rPr lang="en-US" dirty="0" smtClean="0"/>
+              <a:t>are they</a:t>
+            </a:r>
+            <a:r>
+              <a:rPr lang="en-US" dirty="0" smtClean="0"/>
+              <a:t>?</a:t>
             </a:r>
             <a:endParaRPr lang="en-US" dirty="0"/>
           </a:p>
@@ -21155,9 +22249,552 @@
             <a:pPr lvl="1"/>
             <a:r>
               <a:rPr lang="en-US" dirty="0" smtClean="0"/>
-              <a:t>Wait – That sounds like a PowerShell script!</a:t>
+              <a:t>Wait – That sounds like a PowerShell script</a:t>
+            </a:r>
+            <a:r>
+              <a:rPr lang="en-US" dirty="0" smtClean="0"/>
+              <a:t>!</a:t>
+            </a:r>
+          </a:p>
+          <a:p>
+            <a:r>
+              <a:rPr lang="en-US" dirty="0" smtClean="0"/>
+              <a:t>My Opinion</a:t>
+            </a:r>
+          </a:p>
+          <a:p>
+            <a:pPr lvl="1"/>
+            <a:r>
+              <a:rPr lang="en-US" dirty="0" smtClean="0"/>
+              <a:t>Functions should do 1 thing well</a:t>
+            </a:r>
+          </a:p>
+          <a:p>
+            <a:pPr lvl="1"/>
+            <a:r>
+              <a:rPr lang="en-US" dirty="0" smtClean="0"/>
+              <a:t>A Script might call several to many functions to complete a larger task.</a:t>
             </a:r>
             <a:endParaRPr lang="en-US" dirty="0"/>
+          </a:p>
+        </p:txBody>
+      </p:sp>
+      <p:sp>
+        <p:nvSpPr>
+          <p:cNvPr id="5" name="Rectangle 4"/>
+          <p:cNvSpPr/>
+          <p:nvPr/>
+        </p:nvSpPr>
+        <p:spPr>
+          <a:xfrm>
+            <a:off x="616505" y="3771900"/>
+            <a:ext cx="1563987" cy="2400301"/>
+          </a:xfrm>
+          <a:prstGeom prst="rect">
+            <a:avLst/>
+          </a:prstGeom>
+          <a:solidFill>
+            <a:schemeClr val="accent1"/>
+          </a:solidFill>
+          <a:ln>
+            <a:noFill/>
+          </a:ln>
+          <a:effectLst/>
+        </p:spPr>
+        <p:style>
+          <a:lnRef idx="1">
+            <a:schemeClr val="accent1"/>
+          </a:lnRef>
+          <a:fillRef idx="3">
+            <a:schemeClr val="accent1"/>
+          </a:fillRef>
+          <a:effectRef idx="2">
+            <a:schemeClr val="accent1"/>
+          </a:effectRef>
+          <a:fontRef idx="minor">
+            <a:schemeClr val="lt1"/>
+          </a:fontRef>
+        </p:style>
+        <p:txBody>
+          <a:bodyPr rot="0" spcFirstLastPara="0" vertOverflow="overflow" horzOverflow="overflow" vert="horz" wrap="square" lIns="91440" tIns="45720" rIns="91440" bIns="45720" numCol="1" spcCol="0" rtlCol="0" fromWordArt="0" anchor="ctr" anchorCtr="0" forceAA="0" compatLnSpc="1">
+            <a:prstTxWarp prst="textNoShape">
+              <a:avLst/>
+            </a:prstTxWarp>
+            <a:noAutofit/>
+          </a:bodyPr>
+          <a:lstStyle/>
+          <a:p>
+            <a:pPr algn="ctr">
+              <a:spcAft>
+                <a:spcPts val="600"/>
+              </a:spcAft>
+            </a:pPr>
+            <a:r>
+              <a:rPr lang="en-US" sz="2800" dirty="0" smtClean="0">
+                <a:solidFill>
+                  <a:schemeClr val="bg1"/>
+                </a:solidFill>
+              </a:rPr>
+              <a:t>Function</a:t>
+            </a:r>
+          </a:p>
+          <a:p>
+            <a:pPr algn="ctr">
+              <a:spcAft>
+                <a:spcPts val="600"/>
+              </a:spcAft>
+            </a:pPr>
+            <a:r>
+              <a:rPr lang="en-US" sz="1200" dirty="0" smtClean="0">
+                <a:solidFill>
+                  <a:schemeClr val="bg1"/>
+                </a:solidFill>
+              </a:rPr>
+              <a:t>Get-VM</a:t>
+            </a:r>
+            <a:endParaRPr lang="en-US" sz="1200" dirty="0" smtClean="0">
+              <a:solidFill>
+                <a:schemeClr val="bg1"/>
+              </a:solidFill>
+            </a:endParaRPr>
+          </a:p>
+        </p:txBody>
+      </p:sp>
+      <p:sp>
+        <p:nvSpPr>
+          <p:cNvPr id="6" name="Rectangle 5"/>
+          <p:cNvSpPr/>
+          <p:nvPr/>
+        </p:nvSpPr>
+        <p:spPr>
+          <a:xfrm>
+            <a:off x="6872454" y="3771899"/>
+            <a:ext cx="4767518" cy="2400301"/>
+          </a:xfrm>
+          <a:prstGeom prst="rect">
+            <a:avLst/>
+          </a:prstGeom>
+          <a:solidFill>
+            <a:schemeClr val="accent3">
+              <a:lumMod val="60000"/>
+              <a:lumOff val="40000"/>
+            </a:schemeClr>
+          </a:solidFill>
+          <a:ln>
+            <a:noFill/>
+          </a:ln>
+          <a:effectLst/>
+        </p:spPr>
+        <p:style>
+          <a:lnRef idx="1">
+            <a:schemeClr val="accent1"/>
+          </a:lnRef>
+          <a:fillRef idx="3">
+            <a:schemeClr val="accent1"/>
+          </a:fillRef>
+          <a:effectRef idx="2">
+            <a:schemeClr val="accent1"/>
+          </a:effectRef>
+          <a:fontRef idx="minor">
+            <a:schemeClr val="lt1"/>
+          </a:fontRef>
+        </p:style>
+        <p:txBody>
+          <a:bodyPr rot="0" spcFirstLastPara="0" vertOverflow="overflow" horzOverflow="overflow" vert="horz" wrap="square" lIns="91440" tIns="45720" rIns="91440" bIns="45720" numCol="1" spcCol="0" rtlCol="0" fromWordArt="0" anchor="ctr" anchorCtr="0" forceAA="0" compatLnSpc="1">
+            <a:prstTxWarp prst="textNoShape">
+              <a:avLst/>
+            </a:prstTxWarp>
+            <a:noAutofit/>
+          </a:bodyPr>
+          <a:lstStyle/>
+          <a:p>
+            <a:pPr algn="ctr">
+              <a:spcAft>
+                <a:spcPts val="600"/>
+              </a:spcAft>
+            </a:pPr>
+            <a:r>
+              <a:rPr lang="en-US" sz="2800" dirty="0" smtClean="0">
+                <a:solidFill>
+                  <a:schemeClr val="bg1"/>
+                </a:solidFill>
+              </a:rPr>
+              <a:t>Script</a:t>
+            </a:r>
+          </a:p>
+          <a:p>
+            <a:pPr marL="228600" indent="-228600" algn="ctr">
+              <a:spcAft>
+                <a:spcPts val="600"/>
+              </a:spcAft>
+              <a:buFont typeface="+mj-lt"/>
+              <a:buAutoNum type="arabicPeriod"/>
+            </a:pPr>
+            <a:r>
+              <a:rPr lang="en-US" sz="1200" dirty="0" smtClean="0">
+                <a:solidFill>
+                  <a:schemeClr val="bg1"/>
+                </a:solidFill>
+              </a:rPr>
+              <a:t>Get a list of VM’s</a:t>
+            </a:r>
+          </a:p>
+          <a:p>
+            <a:pPr marL="228600" indent="-228600" algn="ctr">
+              <a:spcAft>
+                <a:spcPts val="600"/>
+              </a:spcAft>
+              <a:buFont typeface="+mj-lt"/>
+              <a:buAutoNum type="arabicPeriod"/>
+            </a:pPr>
+            <a:r>
+              <a:rPr lang="en-US" sz="1200" dirty="0" smtClean="0">
+                <a:solidFill>
+                  <a:schemeClr val="bg1"/>
+                </a:solidFill>
+              </a:rPr>
+              <a:t>Safely shut them down</a:t>
+            </a:r>
+          </a:p>
+          <a:p>
+            <a:pPr marL="228600" indent="-228600" algn="ctr">
+              <a:spcAft>
+                <a:spcPts val="600"/>
+              </a:spcAft>
+              <a:buFont typeface="+mj-lt"/>
+              <a:buAutoNum type="arabicPeriod"/>
+            </a:pPr>
+            <a:r>
+              <a:rPr lang="en-US" sz="1200" dirty="0" smtClean="0">
+                <a:solidFill>
+                  <a:schemeClr val="bg1"/>
+                </a:solidFill>
+              </a:rPr>
+              <a:t>Edit the Number of CPU’s</a:t>
+            </a:r>
+          </a:p>
+          <a:p>
+            <a:pPr marL="228600" indent="-228600" algn="ctr">
+              <a:spcAft>
+                <a:spcPts val="600"/>
+              </a:spcAft>
+              <a:buFont typeface="+mj-lt"/>
+              <a:buAutoNum type="arabicPeriod"/>
+            </a:pPr>
+            <a:r>
+              <a:rPr lang="en-US" sz="1200" dirty="0" smtClean="0">
+                <a:solidFill>
+                  <a:schemeClr val="bg1"/>
+                </a:solidFill>
+              </a:rPr>
+              <a:t>Power the VM’s back on</a:t>
+            </a:r>
+            <a:endParaRPr lang="en-US" sz="1200" dirty="0" smtClean="0">
+              <a:solidFill>
+                <a:schemeClr val="bg1"/>
+              </a:solidFill>
+            </a:endParaRPr>
+          </a:p>
+        </p:txBody>
+      </p:sp>
+      <p:sp>
+        <p:nvSpPr>
+          <p:cNvPr id="7" name="Rectangle 6"/>
+          <p:cNvSpPr/>
+          <p:nvPr/>
+        </p:nvSpPr>
+        <p:spPr>
+          <a:xfrm>
+            <a:off x="2180492" y="3771898"/>
+            <a:ext cx="1563987" cy="2400301"/>
+          </a:xfrm>
+          <a:prstGeom prst="rect">
+            <a:avLst/>
+          </a:prstGeom>
+          <a:solidFill>
+            <a:schemeClr val="tx2">
+              <a:lumMod val="50000"/>
+              <a:lumOff val="50000"/>
+            </a:schemeClr>
+          </a:solidFill>
+          <a:ln>
+            <a:noFill/>
+          </a:ln>
+          <a:effectLst/>
+        </p:spPr>
+        <p:style>
+          <a:lnRef idx="1">
+            <a:schemeClr val="accent1"/>
+          </a:lnRef>
+          <a:fillRef idx="3">
+            <a:schemeClr val="accent1"/>
+          </a:fillRef>
+          <a:effectRef idx="2">
+            <a:schemeClr val="accent1"/>
+          </a:effectRef>
+          <a:fontRef idx="minor">
+            <a:schemeClr val="lt1"/>
+          </a:fontRef>
+        </p:style>
+        <p:txBody>
+          <a:bodyPr rot="0" spcFirstLastPara="0" vertOverflow="overflow" horzOverflow="overflow" vert="horz" wrap="square" lIns="91440" tIns="45720" rIns="91440" bIns="45720" numCol="1" spcCol="0" rtlCol="0" fromWordArt="0" anchor="ctr" anchorCtr="0" forceAA="0" compatLnSpc="1">
+            <a:prstTxWarp prst="textNoShape">
+              <a:avLst/>
+            </a:prstTxWarp>
+            <a:noAutofit/>
+          </a:bodyPr>
+          <a:lstStyle/>
+          <a:p>
+            <a:pPr algn="ctr">
+              <a:spcAft>
+                <a:spcPts val="600"/>
+              </a:spcAft>
+            </a:pPr>
+            <a:r>
+              <a:rPr lang="en-US" sz="2800" dirty="0" smtClean="0">
+                <a:solidFill>
+                  <a:schemeClr val="bg1"/>
+                </a:solidFill>
+              </a:rPr>
+              <a:t>Function</a:t>
+            </a:r>
+          </a:p>
+          <a:p>
+            <a:pPr algn="ctr">
+              <a:spcAft>
+                <a:spcPts val="600"/>
+              </a:spcAft>
+            </a:pPr>
+            <a:r>
+              <a:rPr lang="en-US" sz="1200" dirty="0" smtClean="0">
+                <a:solidFill>
+                  <a:schemeClr val="bg1"/>
+                </a:solidFill>
+              </a:rPr>
+              <a:t>Shutdown-</a:t>
+            </a:r>
+            <a:r>
+              <a:rPr lang="en-US" sz="1200" dirty="0" err="1" smtClean="0">
+                <a:solidFill>
+                  <a:schemeClr val="bg1"/>
+                </a:solidFill>
+              </a:rPr>
+              <a:t>VMGuest</a:t>
+            </a:r>
+            <a:endParaRPr lang="en-US" sz="1200" dirty="0" smtClean="0">
+              <a:solidFill>
+                <a:schemeClr val="bg1"/>
+              </a:solidFill>
+            </a:endParaRPr>
+          </a:p>
+        </p:txBody>
+      </p:sp>
+      <p:sp>
+        <p:nvSpPr>
+          <p:cNvPr id="8" name="Rectangle 7"/>
+          <p:cNvSpPr/>
+          <p:nvPr/>
+        </p:nvSpPr>
+        <p:spPr>
+          <a:xfrm>
+            <a:off x="3744479" y="3771897"/>
+            <a:ext cx="1563987" cy="2400301"/>
+          </a:xfrm>
+          <a:prstGeom prst="rect">
+            <a:avLst/>
+          </a:prstGeom>
+          <a:solidFill>
+            <a:schemeClr val="bg2">
+              <a:lumMod val="75000"/>
+            </a:schemeClr>
+          </a:solidFill>
+          <a:ln>
+            <a:noFill/>
+          </a:ln>
+          <a:effectLst/>
+        </p:spPr>
+        <p:style>
+          <a:lnRef idx="1">
+            <a:schemeClr val="accent1"/>
+          </a:lnRef>
+          <a:fillRef idx="3">
+            <a:schemeClr val="accent1"/>
+          </a:fillRef>
+          <a:effectRef idx="2">
+            <a:schemeClr val="accent1"/>
+          </a:effectRef>
+          <a:fontRef idx="minor">
+            <a:schemeClr val="lt1"/>
+          </a:fontRef>
+        </p:style>
+        <p:txBody>
+          <a:bodyPr rot="0" spcFirstLastPara="0" vertOverflow="overflow" horzOverflow="overflow" vert="horz" wrap="square" lIns="91440" tIns="45720" rIns="91440" bIns="45720" numCol="1" spcCol="0" rtlCol="0" fromWordArt="0" anchor="ctr" anchorCtr="0" forceAA="0" compatLnSpc="1">
+            <a:prstTxWarp prst="textNoShape">
+              <a:avLst/>
+            </a:prstTxWarp>
+            <a:noAutofit/>
+          </a:bodyPr>
+          <a:lstStyle/>
+          <a:p>
+            <a:pPr algn="ctr">
+              <a:spcAft>
+                <a:spcPts val="600"/>
+              </a:spcAft>
+            </a:pPr>
+            <a:r>
+              <a:rPr lang="en-US" sz="2800" dirty="0" smtClean="0">
+                <a:solidFill>
+                  <a:schemeClr val="bg1"/>
+                </a:solidFill>
+              </a:rPr>
+              <a:t>Function</a:t>
+            </a:r>
+          </a:p>
+          <a:p>
+            <a:pPr algn="ctr">
+              <a:spcAft>
+                <a:spcPts val="600"/>
+              </a:spcAft>
+            </a:pPr>
+            <a:r>
+              <a:rPr lang="en-US" sz="1200" dirty="0" smtClean="0">
+                <a:solidFill>
+                  <a:schemeClr val="bg1"/>
+                </a:solidFill>
+              </a:rPr>
+              <a:t>Set-VM</a:t>
+            </a:r>
+            <a:endParaRPr lang="en-US" sz="1200" dirty="0" smtClean="0">
+              <a:solidFill>
+                <a:schemeClr val="bg1"/>
+              </a:solidFill>
+            </a:endParaRPr>
+          </a:p>
+        </p:txBody>
+      </p:sp>
+      <p:sp>
+        <p:nvSpPr>
+          <p:cNvPr id="9" name="Rectangle 8"/>
+          <p:cNvSpPr/>
+          <p:nvPr/>
+        </p:nvSpPr>
+        <p:spPr>
+          <a:xfrm>
+            <a:off x="5308466" y="3771894"/>
+            <a:ext cx="1563987" cy="2400301"/>
+          </a:xfrm>
+          <a:prstGeom prst="rect">
+            <a:avLst/>
+          </a:prstGeom>
+          <a:solidFill>
+            <a:schemeClr val="accent4">
+              <a:lumMod val="75000"/>
+            </a:schemeClr>
+          </a:solidFill>
+          <a:ln>
+            <a:noFill/>
+          </a:ln>
+          <a:effectLst/>
+        </p:spPr>
+        <p:style>
+          <a:lnRef idx="1">
+            <a:schemeClr val="accent1"/>
+          </a:lnRef>
+          <a:fillRef idx="3">
+            <a:schemeClr val="accent1"/>
+          </a:fillRef>
+          <a:effectRef idx="2">
+            <a:schemeClr val="accent1"/>
+          </a:effectRef>
+          <a:fontRef idx="minor">
+            <a:schemeClr val="lt1"/>
+          </a:fontRef>
+        </p:style>
+        <p:txBody>
+          <a:bodyPr rot="0" spcFirstLastPara="0" vertOverflow="overflow" horzOverflow="overflow" vert="horz" wrap="square" lIns="91440" tIns="45720" rIns="91440" bIns="45720" numCol="1" spcCol="0" rtlCol="0" fromWordArt="0" anchor="ctr" anchorCtr="0" forceAA="0" compatLnSpc="1">
+            <a:prstTxWarp prst="textNoShape">
+              <a:avLst/>
+            </a:prstTxWarp>
+            <a:noAutofit/>
+          </a:bodyPr>
+          <a:lstStyle/>
+          <a:p>
+            <a:pPr algn="ctr">
+              <a:spcAft>
+                <a:spcPts val="600"/>
+              </a:spcAft>
+            </a:pPr>
+            <a:r>
+              <a:rPr lang="en-US" sz="2800" dirty="0" smtClean="0">
+                <a:solidFill>
+                  <a:schemeClr val="bg1"/>
+                </a:solidFill>
+              </a:rPr>
+              <a:t>Function</a:t>
+            </a:r>
+          </a:p>
+          <a:p>
+            <a:pPr algn="ctr">
+              <a:spcAft>
+                <a:spcPts val="600"/>
+              </a:spcAft>
+            </a:pPr>
+            <a:r>
+              <a:rPr lang="en-US" sz="1200" dirty="0" smtClean="0">
+                <a:solidFill>
+                  <a:schemeClr val="bg1"/>
+                </a:solidFill>
+              </a:rPr>
+              <a:t>Start-VM</a:t>
+            </a:r>
+            <a:endParaRPr lang="en-US" sz="1200" dirty="0" smtClean="0">
+              <a:solidFill>
+                <a:schemeClr val="bg1"/>
+              </a:solidFill>
+            </a:endParaRPr>
+          </a:p>
+        </p:txBody>
+      </p:sp>
+      <p:sp>
+        <p:nvSpPr>
+          <p:cNvPr id="10" name="TextBox 9"/>
+          <p:cNvSpPr txBox="1"/>
+          <p:nvPr/>
+        </p:nvSpPr>
+        <p:spPr>
+          <a:xfrm>
+            <a:off x="8994531" y="1059573"/>
+            <a:ext cx="2848707" cy="1080296"/>
+          </a:xfrm>
+          <a:prstGeom prst="rect">
+            <a:avLst/>
+          </a:prstGeom>
+          <a:noFill/>
+        </p:spPr>
+        <p:txBody>
+          <a:bodyPr wrap="square" lIns="0" tIns="0" rIns="0" bIns="0" rtlCol="0">
+            <a:spAutoFit/>
+          </a:bodyPr>
+          <a:lstStyle/>
+          <a:p>
+            <a:pPr algn="l">
+              <a:lnSpc>
+                <a:spcPct val="130000"/>
+              </a:lnSpc>
+            </a:pPr>
+            <a:r>
+              <a:rPr lang="en-US" sz="1800" dirty="0" smtClean="0">
+                <a:solidFill>
+                  <a:schemeClr val="tx2"/>
+                </a:solidFill>
+              </a:rPr>
+              <a:t>Functions do not need to be verb-noun….  But don’t be that person!</a:t>
+            </a:r>
+            <a:endParaRPr lang="en-US" sz="1800" dirty="0" smtClean="0">
+              <a:solidFill>
+                <a:schemeClr val="tx2"/>
+              </a:solidFill>
+            </a:endParaRPr>
           </a:p>
         </p:txBody>
       </p:sp>
@@ -21279,8 +22916,25 @@
             </a:r>
             <a:r>
               <a:rPr lang="en-US" dirty="0" smtClean="0"/>
-              <a:t> (Binary file)</a:t>
-            </a:r>
+              <a:t> (Binary file</a:t>
+            </a:r>
+            <a:r>
+              <a:rPr lang="en-US" dirty="0" smtClean="0"/>
+              <a:t>)</a:t>
+            </a:r>
+          </a:p>
+          <a:p>
+            <a:r>
+              <a:rPr lang="en-US" dirty="0" smtClean="0"/>
+              <a:t>Compiled</a:t>
+            </a:r>
+          </a:p>
+          <a:p>
+            <a:r>
+              <a:rPr lang="en-US" dirty="0" smtClean="0"/>
+              <a:t>Not plain text</a:t>
+            </a:r>
+            <a:endParaRPr lang="en-US" dirty="0" smtClean="0"/>
           </a:p>
           <a:p>
             <a:r>
@@ -21323,7 +22977,7 @@
         </p:blipFill>
         <p:spPr>
           <a:xfrm>
-            <a:off x="2172618" y="3662413"/>
+            <a:off x="2172618" y="3926182"/>
             <a:ext cx="2900543" cy="1847510"/>
           </a:xfrm>
           <a:prstGeom prst="rect">
@@ -21347,7 +23001,7 @@
         </p:blipFill>
         <p:spPr>
           <a:xfrm>
-            <a:off x="6169258" y="3633236"/>
+            <a:off x="6169258" y="3897005"/>
             <a:ext cx="3648584" cy="1876687"/>
           </a:xfrm>
           <a:prstGeom prst="rect">
@@ -21435,7 +23089,11 @@
           <a:bodyPr/>
           <a:lstStyle/>
           <a:p>
-            <a:endParaRPr lang="en-US"/>
+            <a:r>
+              <a:rPr lang="en-US" dirty="0" smtClean="0"/>
+              <a:t>But you just said…..</a:t>
+            </a:r>
+            <a:endParaRPr lang="en-US" dirty="0"/>
           </a:p>
         </p:txBody>
       </p:sp>
@@ -21454,10 +23112,100 @@
           <a:bodyPr/>
           <a:lstStyle/>
           <a:p>
-            <a:endParaRPr lang="en-US"/>
+            <a:r>
+              <a:rPr lang="en-US" dirty="0" smtClean="0"/>
+              <a:t>Advanced functions make it easier to create cmdlets without writing and compiling a binary cmdlet.</a:t>
+            </a:r>
+          </a:p>
+          <a:p>
+            <a:r>
+              <a:rPr lang="en-US" dirty="0" smtClean="0"/>
+              <a:t>They use the ‘</a:t>
+            </a:r>
+            <a:r>
+              <a:rPr lang="en-US" dirty="0" err="1" smtClean="0"/>
+              <a:t>C</a:t>
+            </a:r>
+            <a:r>
+              <a:rPr lang="en-US" dirty="0" err="1" smtClean="0"/>
+              <a:t>mdletBinding</a:t>
+            </a:r>
+            <a:r>
+              <a:rPr lang="en-US" dirty="0" smtClean="0"/>
+              <a:t>’ attribute to identify them as functions that </a:t>
+            </a:r>
+            <a:r>
+              <a:rPr lang="en-US" b="1" dirty="0" smtClean="0"/>
+              <a:t>ACT LIKE </a:t>
+            </a:r>
+            <a:r>
+              <a:rPr lang="en-US" dirty="0" smtClean="0"/>
+              <a:t>cmdlets.</a:t>
+            </a:r>
+          </a:p>
+          <a:p>
+            <a:r>
+              <a:rPr lang="en-US" dirty="0" smtClean="0"/>
+              <a:t>There is a lot to unpack here.</a:t>
+            </a:r>
+          </a:p>
+          <a:p>
+            <a:r>
+              <a:rPr lang="en-US" dirty="0" smtClean="0"/>
+              <a:t>Google this term:</a:t>
+            </a:r>
+          </a:p>
+          <a:p>
+            <a:r>
+              <a:rPr lang="en-US" dirty="0" smtClean="0"/>
+              <a:t>‘</a:t>
+            </a:r>
+            <a:r>
+              <a:rPr lang="en-US" b="1" dirty="0" err="1" smtClean="0"/>
+              <a:t>about_Functions_CmdletBindingAttribute</a:t>
+            </a:r>
+            <a:r>
+              <a:rPr lang="en-US" dirty="0" smtClean="0"/>
+              <a:t>’</a:t>
+            </a:r>
+            <a:endParaRPr lang="en-US" b="1" dirty="0"/>
           </a:p>
         </p:txBody>
       </p:sp>
+      <p:pic>
+        <p:nvPicPr>
+          <p:cNvPr id="5" name="Picture 4"/>
+          <p:cNvPicPr>
+            <a:picLocks noChangeAspect="1"/>
+          </p:cNvPicPr>
+          <p:nvPr/>
+        </p:nvPicPr>
+        <p:blipFill>
+          <a:blip r:embed="rId2"/>
+          <a:stretch>
+            <a:fillRect/>
+          </a:stretch>
+        </p:blipFill>
+        <p:spPr>
+          <a:xfrm>
+            <a:off x="6286501" y="2884829"/>
+            <a:ext cx="5148648" cy="3089189"/>
+          </a:xfrm>
+          <a:prstGeom prst="rect">
+            <a:avLst/>
+          </a:prstGeom>
+          <a:ln>
+            <a:noFill/>
+          </a:ln>
+          <a:effectLst>
+            <a:outerShdw blurRad="190500" algn="tl" rotWithShape="0">
+              <a:srgbClr val="000000">
+                <a:alpha val="70000"/>
+              </a:srgbClr>
+            </a:outerShdw>
+          </a:effectLst>
+        </p:spPr>
+      </p:pic>
     </p:spTree>
     <p:extLst>
       <p:ext uri="{BB962C8B-B14F-4D97-AF65-F5344CB8AC3E}">
@@ -21538,7 +23286,11 @@
           <a:bodyPr/>
           <a:lstStyle/>
           <a:p>
-            <a:endParaRPr lang="en-US"/>
+            <a:r>
+              <a:rPr lang="en-US" dirty="0" smtClean="0"/>
+              <a:t>This is what we are here for!</a:t>
+            </a:r>
+            <a:endParaRPr lang="en-US" dirty="0"/>
           </a:p>
         </p:txBody>
       </p:sp>
@@ -21557,7 +23309,61 @@
           <a:bodyPr/>
           <a:lstStyle/>
           <a:p>
-            <a:endParaRPr lang="en-US"/>
+            <a:r>
+              <a:rPr lang="en-US" dirty="0"/>
+              <a:t>A module is a self-contained, reusable unit that can include cmdlets, providers, functions, variables, and other resources that can be imported into a PowerShell session or any custom PowerShell program</a:t>
+            </a:r>
+            <a:r>
+              <a:rPr lang="en-US" dirty="0" smtClean="0"/>
+              <a:t>.</a:t>
+            </a:r>
+          </a:p>
+          <a:p>
+            <a:r>
+              <a:rPr lang="en-US" dirty="0" smtClean="0"/>
+              <a:t>Key things you will interact with when writing your own modules:</a:t>
+            </a:r>
+          </a:p>
+          <a:p>
+            <a:pPr lvl="1"/>
+            <a:r>
+              <a:rPr lang="en-US" dirty="0" smtClean="0"/>
+              <a:t>Functions</a:t>
+            </a:r>
+          </a:p>
+          <a:p>
+            <a:pPr lvl="1"/>
+            <a:r>
+              <a:rPr lang="en-US" dirty="0" smtClean="0"/>
+              <a:t>Advanced Functions</a:t>
+            </a:r>
+          </a:p>
+          <a:p>
+            <a:pPr lvl="1"/>
+            <a:r>
+              <a:rPr lang="en-US" dirty="0" smtClean="0"/>
+              <a:t>Variables</a:t>
+            </a:r>
+          </a:p>
+          <a:p>
+            <a:r>
+              <a:rPr lang="en-US" dirty="0" smtClean="0"/>
+              <a:t>Module types:</a:t>
+            </a:r>
+          </a:p>
+          <a:p>
+            <a:pPr lvl="1"/>
+            <a:r>
+              <a:rPr lang="en-US" dirty="0" smtClean="0"/>
+              <a:t>Native Module – Written in C# as compiled .NET assemblies</a:t>
+            </a:r>
+          </a:p>
+          <a:p>
+            <a:pPr lvl="1"/>
+            <a:r>
+              <a:rPr lang="en-US" dirty="0" smtClean="0"/>
+              <a:t>Script Module – Plain text PowerShell</a:t>
+            </a:r>
           </a:p>
         </p:txBody>
       </p:sp>
@@ -22498,6 +24304,15 @@
 </file>
 
 <file path=customXml/item1.xml><?xml version="1.0" encoding="utf-8"?>
+<?mso-contentType ?>
+<FormTemplates xmlns="http://schemas.microsoft.com/sharepoint/v3/contenttype/forms">
+  <Display>DocumentLibraryForm</Display>
+  <Edit>DocumentLibraryForm</Edit>
+  <New>DocumentLibraryForm</New>
+</FormTemplates>
+</file>
+
+<file path=customXml/item2.xml><?xml version="1.0" encoding="utf-8"?>
 <p:properties xmlns:p="http://schemas.microsoft.com/office/2006/metadata/properties" xmlns:xsi="http://www.w3.org/2001/XMLSchema-instance" xmlns:pc="http://schemas.microsoft.com/office/infopath/2007/PartnerControls">
   <documentManagement>
     <lcf76f155ced4ddcb4097134ff3c332f xmlns="34d4d772-b3f2-47fc-9a2d-2126f9957ae8">
@@ -22518,15 +24333,6 @@
     </SharedWithUsers>
   </documentManagement>
 </p:properties>
-</file>
-
-<file path=customXml/item2.xml><?xml version="1.0" encoding="utf-8"?>
-<?mso-contentType ?>
-<FormTemplates xmlns="http://schemas.microsoft.com/sharepoint/v3/contenttype/forms">
-  <Display>DocumentLibraryForm</Display>
-  <Edit>DocumentLibraryForm</Edit>
-  <New>DocumentLibraryForm</New>
-</FormTemplates>
 </file>
 
 <file path=customXml/item3.xml><?xml version="1.0" encoding="utf-8"?>
@@ -22765,6 +24571,14 @@
 </file>
 
 <file path=customXml/itemProps1.xml><?xml version="1.0" encoding="utf-8"?>
+<ds:datastoreItem xmlns:ds="http://schemas.openxmlformats.org/officeDocument/2006/customXml" ds:itemID="{BAD99180-4DF7-4231-B572-5E5D5B192DA4}">
+  <ds:schemaRefs>
+    <ds:schemaRef ds:uri="http://schemas.microsoft.com/sharepoint/v3/contenttype/forms"/>
+  </ds:schemaRefs>
+</ds:datastoreItem>
+</file>
+
+<file path=customXml/itemProps2.xml><?xml version="1.0" encoding="utf-8"?>
 <ds:datastoreItem xmlns:ds="http://schemas.openxmlformats.org/officeDocument/2006/customXml" ds:itemID="{51634573-F7D8-4ECC-B5FF-91D1E5D2E650}">
   <ds:schemaRefs>
     <ds:schemaRef ds:uri="34d4d772-b3f2-47fc-9a2d-2126f9957ae8"/>
@@ -22777,14 +24591,6 @@
     <ds:schemaRef ds:uri="http://schemas.microsoft.com/office/infopath/2007/PartnerControls"/>
     <ds:schemaRef ds:uri="http://schemas.openxmlformats.org/package/2006/metadata/core-properties"/>
     <ds:schemaRef ds:uri="http://www.w3.org/XML/1998/namespace"/>
-  </ds:schemaRefs>
-</ds:datastoreItem>
-</file>
-
-<file path=customXml/itemProps2.xml><?xml version="1.0" encoding="utf-8"?>
-<ds:datastoreItem xmlns:ds="http://schemas.openxmlformats.org/officeDocument/2006/customXml" ds:itemID="{BAD99180-4DF7-4231-B572-5E5D5B192DA4}">
-  <ds:schemaRefs>
-    <ds:schemaRef ds:uri="http://schemas.microsoft.com/sharepoint/v3/contenttype/forms"/>
   </ds:schemaRefs>
 </ds:datastoreItem>
 </file>

--- a/Powercli/VMwareExplore_2024/CODE1745LV - PowerCLI 301 - Functions Upon Functions.pptx
+++ b/Powercli/VMwareExplore_2024/CODE1745LV - PowerCLI 301 - Functions Upon Functions.pptx
@@ -5,32 +5,31 @@
     <p:sldMasterId id="2147483937" r:id="rId4"/>
   </p:sldMasterIdLst>
   <p:notesMasterIdLst>
-    <p:notesMasterId r:id="rId20"/>
+    <p:notesMasterId r:id="rId19"/>
   </p:notesMasterIdLst>
   <p:handoutMasterIdLst>
-    <p:handoutMasterId r:id="rId21"/>
+    <p:handoutMasterId r:id="rId20"/>
   </p:handoutMasterIdLst>
   <p:sldIdLst>
     <p:sldId id="2147470582" r:id="rId5"/>
-    <p:sldId id="2147470578" r:id="rId6"/>
-    <p:sldId id="2147470584" r:id="rId7"/>
-    <p:sldId id="2147470583" r:id="rId8"/>
-    <p:sldId id="2147470585" r:id="rId9"/>
-    <p:sldId id="2147470587" r:id="rId10"/>
-    <p:sldId id="2147470586" r:id="rId11"/>
-    <p:sldId id="2147470588" r:id="rId12"/>
-    <p:sldId id="2147470589" r:id="rId13"/>
-    <p:sldId id="2147470594" r:id="rId14"/>
-    <p:sldId id="2147470591" r:id="rId15"/>
-    <p:sldId id="2147470590" r:id="rId16"/>
-    <p:sldId id="2147470592" r:id="rId17"/>
-    <p:sldId id="2147470593" r:id="rId18"/>
-    <p:sldId id="2026819541" r:id="rId19"/>
+    <p:sldId id="2147470584" r:id="rId6"/>
+    <p:sldId id="2147470583" r:id="rId7"/>
+    <p:sldId id="2147470585" r:id="rId8"/>
+    <p:sldId id="2147470587" r:id="rId9"/>
+    <p:sldId id="2147470586" r:id="rId10"/>
+    <p:sldId id="2147470588" r:id="rId11"/>
+    <p:sldId id="2147470589" r:id="rId12"/>
+    <p:sldId id="2147470594" r:id="rId13"/>
+    <p:sldId id="2147470591" r:id="rId14"/>
+    <p:sldId id="2147470590" r:id="rId15"/>
+    <p:sldId id="2147470592" r:id="rId16"/>
+    <p:sldId id="2147470593" r:id="rId17"/>
+    <p:sldId id="2026819541" r:id="rId18"/>
   </p:sldIdLst>
   <p:sldSz cx="12188825" cy="6858000"/>
   <p:notesSz cx="6858000" cy="9144000"/>
   <p:custDataLst>
-    <p:tags r:id="rId22"/>
+    <p:tags r:id="rId21"/>
   </p:custDataLst>
   <p:defaultTextStyle>
     <a:defPPr>
@@ -136,7 +135,6 @@
         <p14:section name="Template" id="{095074CF-EC36-8641-8A3E-A95BC79C523F}">
           <p14:sldIdLst>
             <p14:sldId id="2147470582"/>
-            <p14:sldId id="2147470578"/>
             <p14:sldId id="2147470584"/>
             <p14:sldId id="2147470583"/>
             <p14:sldId id="2147470585"/>
@@ -868,7 +866,7 @@
           <a:blip r:embed="rId3">
             <a:extLst>
               <a:ext uri="{96DAC541-7B7A-43D3-8B79-37D633B846F1}">
-                <asvg:svgBlip xmlns:asvg="http://schemas.microsoft.com/office/drawing/2016/SVG/main" xmlns="" r:embed="rId4"/>
+                <asvg:svgBlip xmlns="" xmlns:asvg="http://schemas.microsoft.com/office/drawing/2016/SVG/main" r:embed="rId4"/>
               </a:ext>
             </a:extLst>
           </a:blip>
@@ -1431,7 +1429,7 @@
                 <a16:creationId xmlns:a16="http://schemas.microsoft.com/office/drawing/2014/main" id="{AA1B5F83-A93D-544C-8DB4-B164DBF2F72D}"/>
               </a:ext>
               <a:ext uri="{C183D7F6-B498-43B3-948B-1728B52AA6E4}">
-                <adec:decorative xmlns:adec="http://schemas.microsoft.com/office/drawing/2017/decorative" xmlns="" val="1"/>
+                <adec:decorative xmlns="" xmlns:adec="http://schemas.microsoft.com/office/drawing/2017/decorative" val="1"/>
               </a:ext>
             </a:extLst>
           </p:cNvPr>
@@ -1643,7 +1641,7 @@
                 <a16:creationId xmlns:a16="http://schemas.microsoft.com/office/drawing/2014/main" id="{417D4F8B-2025-D14C-A41E-9C0B401DE6B0}"/>
               </a:ext>
               <a:ext uri="{C183D7F6-B498-43B3-948B-1728B52AA6E4}">
-                <adec:decorative xmlns:adec="http://schemas.microsoft.com/office/drawing/2017/decorative" xmlns="" val="1"/>
+                <adec:decorative xmlns="" xmlns:adec="http://schemas.microsoft.com/office/drawing/2017/decorative" val="1"/>
               </a:ext>
             </a:extLst>
           </p:cNvPr>
@@ -2109,7 +2107,7 @@
                 <a16:creationId xmlns:a16="http://schemas.microsoft.com/office/drawing/2014/main" id="{B164666E-28C9-844E-91D8-ECA2F1E57595}"/>
               </a:ext>
               <a:ext uri="{C183D7F6-B498-43B3-948B-1728B52AA6E4}">
-                <adec:decorative xmlns:adec="http://schemas.microsoft.com/office/drawing/2017/decorative" xmlns="" val="1"/>
+                <adec:decorative xmlns="" xmlns:adec="http://schemas.microsoft.com/office/drawing/2017/decorative" val="1"/>
               </a:ext>
             </a:extLst>
           </p:cNvPr>
@@ -2322,7 +2320,7 @@
                 <a16:creationId xmlns:a16="http://schemas.microsoft.com/office/drawing/2014/main" id="{97B963A1-3810-7A40-8918-6D6D68B4A836}"/>
               </a:ext>
               <a:ext uri="{C183D7F6-B498-43B3-948B-1728B52AA6E4}">
-                <adec:decorative xmlns:adec="http://schemas.microsoft.com/office/drawing/2017/decorative" xmlns="" val="1"/>
+                <adec:decorative xmlns="" xmlns:adec="http://schemas.microsoft.com/office/drawing/2017/decorative" val="1"/>
               </a:ext>
             </a:extLst>
           </p:cNvPr>
@@ -2444,7 +2442,7 @@
                 <a16:creationId xmlns:a16="http://schemas.microsoft.com/office/drawing/2014/main" id="{E17DA4B3-27AC-8A64-FD5E-59AEAE0D8559}"/>
               </a:ext>
               <a:ext uri="{C183D7F6-B498-43B3-948B-1728B52AA6E4}">
-                <adec:decorative xmlns:adec="http://schemas.microsoft.com/office/drawing/2017/decorative" xmlns="" val="1"/>
+                <adec:decorative xmlns="" xmlns:adec="http://schemas.microsoft.com/office/drawing/2017/decorative" val="1"/>
               </a:ext>
             </a:extLst>
           </p:cNvPr>
@@ -2964,7 +2962,7 @@
                 <a16:creationId xmlns:a16="http://schemas.microsoft.com/office/drawing/2014/main" id="{D864AC6E-1611-244C-BA28-696924BAB259}"/>
               </a:ext>
               <a:ext uri="{C183D7F6-B498-43B3-948B-1728B52AA6E4}">
-                <adec:decorative xmlns:adec="http://schemas.microsoft.com/office/drawing/2017/decorative" xmlns="" val="1"/>
+                <adec:decorative xmlns="" xmlns:adec="http://schemas.microsoft.com/office/drawing/2017/decorative" val="1"/>
               </a:ext>
             </a:extLst>
           </p:cNvPr>
@@ -3577,7 +3575,7 @@
                 <a16:creationId xmlns:a16="http://schemas.microsoft.com/office/drawing/2014/main" id="{85B60DB8-F067-969E-72B5-4E90025E5BF8}"/>
               </a:ext>
               <a:ext uri="{C183D7F6-B498-43B3-948B-1728B52AA6E4}">
-                <adec:decorative xmlns:adec="http://schemas.microsoft.com/office/drawing/2017/decorative" xmlns="" val="1"/>
+                <adec:decorative xmlns="" xmlns:adec="http://schemas.microsoft.com/office/drawing/2017/decorative" val="1"/>
               </a:ext>
             </a:extLst>
           </p:cNvPr>
@@ -4080,7 +4078,7 @@
                 <a16:creationId xmlns:a16="http://schemas.microsoft.com/office/drawing/2014/main" id="{F7E2C737-3A4D-924A-88B5-FA4D5C8A07C7}"/>
               </a:ext>
               <a:ext uri="{C183D7F6-B498-43B3-948B-1728B52AA6E4}">
-                <adec:decorative xmlns:adec="http://schemas.microsoft.com/office/drawing/2017/decorative" xmlns="" val="1"/>
+                <adec:decorative xmlns="" xmlns:adec="http://schemas.microsoft.com/office/drawing/2017/decorative" val="1"/>
               </a:ext>
             </a:extLst>
           </p:cNvPr>
@@ -4678,7 +4676,7 @@
                 <a16:creationId xmlns:a16="http://schemas.microsoft.com/office/drawing/2014/main" id="{56D4D92B-574E-4F63-A5BA-8F7282B54C27}"/>
               </a:ext>
               <a:ext uri="{C183D7F6-B498-43B3-948B-1728B52AA6E4}">
-                <adec:decorative xmlns:adec="http://schemas.microsoft.com/office/drawing/2017/decorative" xmlns="" val="1"/>
+                <adec:decorative xmlns="" xmlns:adec="http://schemas.microsoft.com/office/drawing/2017/decorative" val="1"/>
               </a:ext>
             </a:extLst>
           </p:cNvPr>
@@ -4842,7 +4840,7 @@
                 <a16:creationId xmlns:a16="http://schemas.microsoft.com/office/drawing/2014/main" id="{F789B473-DDE6-4450-A111-3761F341AAE3}"/>
               </a:ext>
               <a:ext uri="{C183D7F6-B498-43B3-948B-1728B52AA6E4}">
-                <adec:decorative xmlns:adec="http://schemas.microsoft.com/office/drawing/2017/decorative" xmlns="" val="1"/>
+                <adec:decorative xmlns="" xmlns:adec="http://schemas.microsoft.com/office/drawing/2017/decorative" val="1"/>
               </a:ext>
             </a:extLst>
           </p:cNvPr>
@@ -5352,7 +5350,7 @@
                 <a16:creationId xmlns:a16="http://schemas.microsoft.com/office/drawing/2014/main" id="{14F46384-B6E3-0D43-924E-874DEC2344B1}"/>
               </a:ext>
               <a:ext uri="{C183D7F6-B498-43B3-948B-1728B52AA6E4}">
-                <adec:decorative xmlns:adec="http://schemas.microsoft.com/office/drawing/2017/decorative" xmlns="" val="1"/>
+                <adec:decorative xmlns="" xmlns:adec="http://schemas.microsoft.com/office/drawing/2017/decorative" val="1"/>
               </a:ext>
             </a:extLst>
           </p:cNvPr>
@@ -5499,7 +5497,7 @@
                 <a16:creationId xmlns:a16="http://schemas.microsoft.com/office/drawing/2014/main" id="{33526770-8F35-FB4A-8638-521D0DA87F6C}"/>
               </a:ext>
               <a:ext uri="{C183D7F6-B498-43B3-948B-1728B52AA6E4}">
-                <adec:decorative xmlns:adec="http://schemas.microsoft.com/office/drawing/2017/decorative" xmlns="" val="1"/>
+                <adec:decorative xmlns="" xmlns:adec="http://schemas.microsoft.com/office/drawing/2017/decorative" val="1"/>
               </a:ext>
             </a:extLst>
           </p:cNvPr>
@@ -5646,7 +5644,7 @@
                 <a16:creationId xmlns:a16="http://schemas.microsoft.com/office/drawing/2014/main" id="{73C08A52-2522-8C40-B8B1-C98FEBB888F7}"/>
               </a:ext>
               <a:ext uri="{C183D7F6-B498-43B3-948B-1728B52AA6E4}">
-                <adec:decorative xmlns:adec="http://schemas.microsoft.com/office/drawing/2017/decorative" xmlns="" val="1"/>
+                <adec:decorative xmlns="" xmlns:adec="http://schemas.microsoft.com/office/drawing/2017/decorative" val="1"/>
               </a:ext>
             </a:extLst>
           </p:cNvPr>
@@ -5793,7 +5791,7 @@
                 <a16:creationId xmlns:a16="http://schemas.microsoft.com/office/drawing/2014/main" id="{9B57CCC6-06B1-7342-99B0-BC7C8FBE5E73}"/>
               </a:ext>
               <a:ext uri="{C183D7F6-B498-43B3-948B-1728B52AA6E4}">
-                <adec:decorative xmlns:adec="http://schemas.microsoft.com/office/drawing/2017/decorative" xmlns="" val="1"/>
+                <adec:decorative xmlns="" xmlns:adec="http://schemas.microsoft.com/office/drawing/2017/decorative" val="1"/>
               </a:ext>
             </a:extLst>
           </p:cNvPr>
@@ -5940,7 +5938,7 @@
                 <a16:creationId xmlns:a16="http://schemas.microsoft.com/office/drawing/2014/main" id="{23C87E7C-5ED2-214E-8A38-ED05177A65DC}"/>
               </a:ext>
               <a:ext uri="{C183D7F6-B498-43B3-948B-1728B52AA6E4}">
-                <adec:decorative xmlns:adec="http://schemas.microsoft.com/office/drawing/2017/decorative" xmlns="" val="1"/>
+                <adec:decorative xmlns="" xmlns:adec="http://schemas.microsoft.com/office/drawing/2017/decorative" val="1"/>
               </a:ext>
             </a:extLst>
           </p:cNvPr>
@@ -6709,7 +6707,7 @@
                 <a16:creationId xmlns:a16="http://schemas.microsoft.com/office/drawing/2014/main" id="{5CABBF0D-1BD1-F9E7-64FF-6B8D87E611B7}"/>
               </a:ext>
               <a:ext uri="{C183D7F6-B498-43B3-948B-1728B52AA6E4}">
-                <adec:decorative xmlns:adec="http://schemas.microsoft.com/office/drawing/2017/decorative" xmlns="" val="1"/>
+                <adec:decorative xmlns="" xmlns:adec="http://schemas.microsoft.com/office/drawing/2017/decorative" val="1"/>
               </a:ext>
             </a:extLst>
           </p:cNvPr>
@@ -7169,7 +7167,7 @@
                 <a16:creationId xmlns:a16="http://schemas.microsoft.com/office/drawing/2014/main" id="{B1C210DC-5DBB-4F0D-875F-CD8AAAB938CE}"/>
               </a:ext>
               <a:ext uri="{C183D7F6-B498-43B3-948B-1728B52AA6E4}">
-                <adec:decorative xmlns:adec="http://schemas.microsoft.com/office/drawing/2017/decorative" xmlns="" val="1"/>
+                <adec:decorative xmlns="" xmlns:adec="http://schemas.microsoft.com/office/drawing/2017/decorative" val="1"/>
               </a:ext>
             </a:extLst>
           </p:cNvPr>
@@ -7368,7 +7366,7 @@
                 <a16:creationId xmlns:a16="http://schemas.microsoft.com/office/drawing/2014/main" id="{6FECF9D0-D7A8-43DD-B38D-E1090C0B322F}"/>
               </a:ext>
               <a:ext uri="{C183D7F6-B498-43B3-948B-1728B52AA6E4}">
-                <adec:decorative xmlns:adec="http://schemas.microsoft.com/office/drawing/2017/decorative" xmlns="" val="1"/>
+                <adec:decorative xmlns="" xmlns:adec="http://schemas.microsoft.com/office/drawing/2017/decorative" val="1"/>
               </a:ext>
             </a:extLst>
           </p:cNvPr>
@@ -7581,7 +7579,7 @@
                 <a16:creationId xmlns:a16="http://schemas.microsoft.com/office/drawing/2014/main" id="{446F04B0-7860-407F-85B7-42E38FAFE34B}"/>
               </a:ext>
               <a:ext uri="{C183D7F6-B498-43B3-948B-1728B52AA6E4}">
-                <adec:decorative xmlns:adec="http://schemas.microsoft.com/office/drawing/2017/decorative" xmlns="" val="1"/>
+                <adec:decorative xmlns="" xmlns:adec="http://schemas.microsoft.com/office/drawing/2017/decorative" val="1"/>
               </a:ext>
             </a:extLst>
           </p:cNvPr>
@@ -8008,7 +8006,7 @@
                 <a16:creationId xmlns:a16="http://schemas.microsoft.com/office/drawing/2014/main" id="{085441A7-EBA5-4ABB-8D29-CE4338F0F9B5}"/>
               </a:ext>
               <a:ext uri="{C183D7F6-B498-43B3-948B-1728B52AA6E4}">
-                <adec:decorative xmlns:adec="http://schemas.microsoft.com/office/drawing/2017/decorative" xmlns="" val="1"/>
+                <adec:decorative xmlns="" xmlns:adec="http://schemas.microsoft.com/office/drawing/2017/decorative" val="1"/>
               </a:ext>
             </a:extLst>
           </p:cNvPr>
@@ -8225,7 +8223,7 @@
                 <a16:creationId xmlns:a16="http://schemas.microsoft.com/office/drawing/2014/main" id="{45D908EF-1F96-4808-A8DB-F55AB9E8E436}"/>
               </a:ext>
               <a:ext uri="{C183D7F6-B498-43B3-948B-1728B52AA6E4}">
-                <adec:decorative xmlns:adec="http://schemas.microsoft.com/office/drawing/2017/decorative" xmlns="" val="1"/>
+                <adec:decorative xmlns="" xmlns:adec="http://schemas.microsoft.com/office/drawing/2017/decorative" val="1"/>
               </a:ext>
             </a:extLst>
           </p:cNvPr>
@@ -8438,7 +8436,7 @@
                 <a16:creationId xmlns:a16="http://schemas.microsoft.com/office/drawing/2014/main" id="{5670C03F-6336-45E3-A9F4-0CD130D80D1B}"/>
               </a:ext>
               <a:ext uri="{C183D7F6-B498-43B3-948B-1728B52AA6E4}">
-                <adec:decorative xmlns:adec="http://schemas.microsoft.com/office/drawing/2017/decorative" xmlns="" val="1"/>
+                <adec:decorative xmlns="" xmlns:adec="http://schemas.microsoft.com/office/drawing/2017/decorative" val="1"/>
               </a:ext>
             </a:extLst>
           </p:cNvPr>
@@ -8651,7 +8649,7 @@
                 <a16:creationId xmlns:a16="http://schemas.microsoft.com/office/drawing/2014/main" id="{3019BB56-AE7C-42CA-A8FF-432F4F176B8B}"/>
               </a:ext>
               <a:ext uri="{C183D7F6-B498-43B3-948B-1728B52AA6E4}">
-                <adec:decorative xmlns:adec="http://schemas.microsoft.com/office/drawing/2017/decorative" xmlns="" val="1"/>
+                <adec:decorative xmlns="" xmlns:adec="http://schemas.microsoft.com/office/drawing/2017/decorative" val="1"/>
               </a:ext>
             </a:extLst>
           </p:cNvPr>
@@ -9078,7 +9076,7 @@
                 <a16:creationId xmlns:a16="http://schemas.microsoft.com/office/drawing/2014/main" id="{A1FDF9D3-5B68-4A75-97BF-2C5113CFAA66}"/>
               </a:ext>
               <a:ext uri="{C183D7F6-B498-43B3-948B-1728B52AA6E4}">
-                <adec:decorative xmlns:adec="http://schemas.microsoft.com/office/drawing/2017/decorative" xmlns="" val="1"/>
+                <adec:decorative xmlns="" xmlns:adec="http://schemas.microsoft.com/office/drawing/2017/decorative" val="1"/>
               </a:ext>
             </a:extLst>
           </p:cNvPr>
@@ -9277,7 +9275,7 @@
                 <a16:creationId xmlns:a16="http://schemas.microsoft.com/office/drawing/2014/main" id="{C551C90A-573F-4E4A-9359-5C7B0F546BF9}"/>
               </a:ext>
               <a:ext uri="{C183D7F6-B498-43B3-948B-1728B52AA6E4}">
-                <adec:decorative xmlns:adec="http://schemas.microsoft.com/office/drawing/2017/decorative" xmlns="" val="1"/>
+                <adec:decorative xmlns="" xmlns:adec="http://schemas.microsoft.com/office/drawing/2017/decorative" val="1"/>
               </a:ext>
             </a:extLst>
           </p:cNvPr>
@@ -9479,7 +9477,7 @@
                 <a16:creationId xmlns:a16="http://schemas.microsoft.com/office/drawing/2014/main" id="{AF79E162-3D8F-4829-A4AD-02A03597B11A}"/>
               </a:ext>
               <a:ext uri="{C183D7F6-B498-43B3-948B-1728B52AA6E4}">
-                <adec:decorative xmlns:adec="http://schemas.microsoft.com/office/drawing/2017/decorative" xmlns="" val="1"/>
+                <adec:decorative xmlns="" xmlns:adec="http://schemas.microsoft.com/office/drawing/2017/decorative" val="1"/>
               </a:ext>
             </a:extLst>
           </p:cNvPr>
@@ -9692,7 +9690,7 @@
                 <a16:creationId xmlns:a16="http://schemas.microsoft.com/office/drawing/2014/main" id="{026B9B36-08E7-4664-970C-13123F24C793}"/>
               </a:ext>
               <a:ext uri="{C183D7F6-B498-43B3-948B-1728B52AA6E4}">
-                <adec:decorative xmlns:adec="http://schemas.microsoft.com/office/drawing/2017/decorative" xmlns="" val="1"/>
+                <adec:decorative xmlns="" xmlns:adec="http://schemas.microsoft.com/office/drawing/2017/decorative" val="1"/>
               </a:ext>
             </a:extLst>
           </p:cNvPr>
@@ -9909,7 +9907,7 @@
                 <a16:creationId xmlns:a16="http://schemas.microsoft.com/office/drawing/2014/main" id="{7EAB1992-E472-4489-8A4E-A8FE45DE10CF}"/>
               </a:ext>
               <a:ext uri="{C183D7F6-B498-43B3-948B-1728B52AA6E4}">
-                <adec:decorative xmlns:adec="http://schemas.microsoft.com/office/drawing/2017/decorative" xmlns="" val="1"/>
+                <adec:decorative xmlns="" xmlns:adec="http://schemas.microsoft.com/office/drawing/2017/decorative" val="1"/>
               </a:ext>
             </a:extLst>
           </p:cNvPr>
@@ -10483,7 +10481,7 @@
           <a:blip r:embed="rId3">
             <a:extLst>
               <a:ext uri="{96DAC541-7B7A-43D3-8B79-37D633B846F1}">
-                <asvg:svgBlip xmlns:asvg="http://schemas.microsoft.com/office/drawing/2016/SVG/main" xmlns="" r:embed="rId4"/>
+                <asvg:svgBlip xmlns="" xmlns:asvg="http://schemas.microsoft.com/office/drawing/2016/SVG/main" r:embed="rId4"/>
               </a:ext>
             </a:extLst>
           </a:blip>
@@ -10668,7 +10666,7 @@
           <a:blip r:embed="rId3">
             <a:extLst>
               <a:ext uri="{96DAC541-7B7A-43D3-8B79-37D633B846F1}">
-                <asvg:svgBlip xmlns:asvg="http://schemas.microsoft.com/office/drawing/2016/SVG/main" xmlns="" r:embed="rId4"/>
+                <asvg:svgBlip xmlns="" xmlns:asvg="http://schemas.microsoft.com/office/drawing/2016/SVG/main" r:embed="rId4"/>
               </a:ext>
             </a:extLst>
           </a:blip>
@@ -10930,7 +10928,7 @@
           <a:blip r:embed="rId2">
             <a:extLst>
               <a:ext uri="{96DAC541-7B7A-43D3-8B79-37D633B846F1}">
-                <asvg:svgBlip xmlns:asvg="http://schemas.microsoft.com/office/drawing/2016/SVG/main" xmlns="" r:embed="rId3"/>
+                <asvg:svgBlip xmlns="" xmlns:asvg="http://schemas.microsoft.com/office/drawing/2016/SVG/main" r:embed="rId3"/>
               </a:ext>
             </a:extLst>
           </a:blip>
@@ -11183,7 +11181,7 @@
                 <a16:creationId xmlns:a16="http://schemas.microsoft.com/office/drawing/2014/main" id="{B59E37DB-3217-4772-AE8E-E9673A139975}"/>
               </a:ext>
               <a:ext uri="{C183D7F6-B498-43B3-948B-1728B52AA6E4}">
-                <adec:decorative xmlns:adec="http://schemas.microsoft.com/office/drawing/2017/decorative" xmlns="" val="1"/>
+                <adec:decorative xmlns="" xmlns:adec="http://schemas.microsoft.com/office/drawing/2017/decorative" val="1"/>
               </a:ext>
             </a:extLst>
           </p:cNvPr>
@@ -11232,7 +11230,7 @@
                 <a16:creationId xmlns:a16="http://schemas.microsoft.com/office/drawing/2014/main" id="{F0DFE264-D676-EA48-BBA7-F4F0331FA268}"/>
               </a:ext>
               <a:ext uri="{C183D7F6-B498-43B3-948B-1728B52AA6E4}">
-                <adec:decorative xmlns:adec="http://schemas.microsoft.com/office/drawing/2017/decorative" xmlns="" val="1"/>
+                <adec:decorative xmlns="" xmlns:adec="http://schemas.microsoft.com/office/drawing/2017/decorative" val="1"/>
               </a:ext>
             </a:extLst>
           </p:cNvPr>
@@ -11335,7 +11333,7 @@
                 <a16:creationId xmlns:a16="http://schemas.microsoft.com/office/drawing/2014/main" id="{A0BB7D6E-2488-A644-A910-415B17221FBC}"/>
               </a:ext>
               <a:ext uri="{C183D7F6-B498-43B3-948B-1728B52AA6E4}">
-                <adec:decorative xmlns:adec="http://schemas.microsoft.com/office/drawing/2017/decorative" xmlns="" val="1"/>
+                <adec:decorative xmlns="" xmlns:adec="http://schemas.microsoft.com/office/drawing/2017/decorative" val="1"/>
               </a:ext>
             </a:extLst>
           </p:cNvPr>
@@ -16284,7 +16282,7 @@
           <a:blip r:embed="rId2">
             <a:extLst>
               <a:ext uri="{96DAC541-7B7A-43D3-8B79-37D633B846F1}">
-                <asvg:svgBlip xmlns:asvg="http://schemas.microsoft.com/office/drawing/2016/SVG/main" xmlns="" r:embed="rId3"/>
+                <asvg:svgBlip xmlns="" xmlns:asvg="http://schemas.microsoft.com/office/drawing/2016/SVG/main" r:embed="rId3"/>
               </a:ext>
             </a:extLst>
           </a:blip>
@@ -18843,7 +18841,7 @@
           <a:blip r:embed="rId28">
             <a:extLst>
               <a:ext uri="{96DAC541-7B7A-43D3-8B79-37D633B846F1}">
-                <asvg:svgBlip xmlns:asvg="http://schemas.microsoft.com/office/drawing/2016/SVG/main" xmlns="" r:embed="rId29"/>
+                <asvg:svgBlip xmlns="" xmlns:asvg="http://schemas.microsoft.com/office/drawing/2016/SVG/main" r:embed="rId29"/>
               </a:ext>
             </a:extLst>
           </a:blip>
@@ -19851,7 +19849,7 @@
           <a:p>
             <a:r>
               <a:rPr lang="en-US" dirty="0" smtClean="0"/>
-              <a:t>PowerShell Modules</a:t>
+              <a:t>PowerShell Gallery</a:t>
             </a:r>
             <a:endParaRPr lang="en-US" dirty="0"/>
           </a:p>
@@ -19874,7 +19872,7 @@
           <a:p>
             <a:r>
               <a:rPr lang="en-US" dirty="0" smtClean="0"/>
-              <a:t>Parts and Pieces</a:t>
+              <a:t>Central Repository for sharing and acquiring PowerShell code</a:t>
             </a:r>
             <a:endParaRPr lang="en-US" dirty="0"/>
           </a:p>
@@ -19882,446 +19880,93 @@
       </p:sp>
       <p:sp>
         <p:nvSpPr>
-          <p:cNvPr id="5" name="Rectangle 4"/>
-          <p:cNvSpPr/>
-          <p:nvPr/>
+          <p:cNvPr id="4" name="Content Placeholder 3"/>
+          <p:cNvSpPr>
+            <a:spLocks noGrp="1"/>
+          </p:cNvSpPr>
+          <p:nvPr>
+            <p:ph sz="quarter" idx="14"/>
+          </p:nvPr>
         </p:nvSpPr>
-        <p:spPr>
-          <a:xfrm>
-            <a:off x="448408" y="1503485"/>
-            <a:ext cx="3297115" cy="4633546"/>
-          </a:xfrm>
-          <a:prstGeom prst="rect">
-            <a:avLst/>
-          </a:prstGeom>
-          <a:solidFill>
-            <a:schemeClr val="accent1"/>
-          </a:solidFill>
-          <a:ln>
-            <a:noFill/>
-          </a:ln>
-          <a:effectLst/>
-        </p:spPr>
-        <p:style>
-          <a:lnRef idx="1">
-            <a:schemeClr val="accent1"/>
-          </a:lnRef>
-          <a:fillRef idx="3">
-            <a:schemeClr val="accent1"/>
-          </a:fillRef>
-          <a:effectRef idx="2">
-            <a:schemeClr val="accent1"/>
-          </a:effectRef>
-          <a:fontRef idx="minor">
-            <a:schemeClr val="lt1"/>
-          </a:fontRef>
-        </p:style>
+        <p:spPr/>
         <p:txBody>
-          <a:bodyPr rot="0" spcFirstLastPara="0" vertOverflow="overflow" horzOverflow="overflow" vert="horz" wrap="square" lIns="91440" tIns="45720" rIns="91440" bIns="45720" numCol="1" spcCol="0" rtlCol="0" fromWordArt="0" anchor="ctr" anchorCtr="0" forceAA="0" compatLnSpc="1">
-            <a:prstTxWarp prst="textNoShape">
-              <a:avLst/>
-            </a:prstTxWarp>
-            <a:noAutofit/>
-          </a:bodyPr>
+          <a:bodyPr/>
           <a:lstStyle/>
           <a:p>
-            <a:pPr algn="ctr">
-              <a:spcAft>
-                <a:spcPts val="600"/>
-              </a:spcAft>
-            </a:pPr>
-            <a:r>
-              <a:rPr lang="en-US" sz="3600" dirty="0" smtClean="0">
-                <a:solidFill>
-                  <a:schemeClr val="bg1"/>
-                </a:solidFill>
-              </a:rPr>
-              <a:t>.psd1</a:t>
-            </a:r>
-          </a:p>
-          <a:p>
-            <a:pPr algn="ctr">
-              <a:spcAft>
-                <a:spcPts val="600"/>
-              </a:spcAft>
-            </a:pPr>
-            <a:r>
-              <a:rPr lang="en-US" sz="1200" dirty="0" smtClean="0">
-                <a:solidFill>
-                  <a:schemeClr val="bg1"/>
-                </a:solidFill>
-              </a:rPr>
-              <a:t>Module Manifest file</a:t>
-            </a:r>
-          </a:p>
-          <a:p>
-            <a:pPr algn="ctr">
-              <a:spcAft>
-                <a:spcPts val="600"/>
-              </a:spcAft>
-            </a:pPr>
-            <a:r>
-              <a:rPr lang="en-US" sz="1200" dirty="0" smtClean="0">
-                <a:solidFill>
-                  <a:schemeClr val="bg1"/>
-                </a:solidFill>
-              </a:rPr>
-              <a:t>Not required</a:t>
-            </a:r>
-          </a:p>
-          <a:p>
-            <a:pPr algn="ctr">
-              <a:spcAft>
-                <a:spcPts val="600"/>
-              </a:spcAft>
-            </a:pPr>
-            <a:r>
-              <a:rPr lang="en-US" sz="2000" b="1" dirty="0" smtClean="0">
-                <a:solidFill>
-                  <a:schemeClr val="bg1"/>
-                </a:solidFill>
-              </a:rPr>
-              <a:t>Key Features:</a:t>
-            </a:r>
-          </a:p>
-          <a:p>
-            <a:pPr algn="ctr">
-              <a:spcAft>
-                <a:spcPts val="600"/>
-              </a:spcAft>
-            </a:pPr>
-            <a:r>
-              <a:rPr lang="en-US" sz="1200" dirty="0" smtClean="0">
-                <a:solidFill>
-                  <a:schemeClr val="bg1"/>
-                </a:solidFill>
-              </a:rPr>
-              <a:t>Version</a:t>
-            </a:r>
-          </a:p>
-          <a:p>
-            <a:pPr algn="ctr">
-              <a:spcAft>
-                <a:spcPts val="600"/>
-              </a:spcAft>
-            </a:pPr>
-            <a:r>
-              <a:rPr lang="en-US" sz="1200" dirty="0" smtClean="0">
-                <a:solidFill>
-                  <a:schemeClr val="bg1"/>
-                </a:solidFill>
-              </a:rPr>
-              <a:t>Root Module</a:t>
-            </a:r>
-            <a:endParaRPr lang="en-US" sz="1200" dirty="0" smtClean="0">
-              <a:solidFill>
-                <a:schemeClr val="bg1"/>
-              </a:solidFill>
-            </a:endParaRPr>
-          </a:p>
-          <a:p>
-            <a:pPr algn="ctr">
-              <a:spcAft>
-                <a:spcPts val="600"/>
-              </a:spcAft>
-            </a:pPr>
-            <a:r>
-              <a:rPr lang="en-US" sz="1200" dirty="0" smtClean="0">
-                <a:solidFill>
-                  <a:schemeClr val="bg1"/>
-                </a:solidFill>
-              </a:rPr>
-              <a:t>Author</a:t>
-            </a:r>
-          </a:p>
-          <a:p>
-            <a:pPr algn="ctr">
-              <a:spcAft>
-                <a:spcPts val="600"/>
-              </a:spcAft>
-            </a:pPr>
-            <a:r>
-              <a:rPr lang="en-US" sz="1200" dirty="0" smtClean="0">
-                <a:solidFill>
-                  <a:schemeClr val="bg1"/>
-                </a:solidFill>
-              </a:rPr>
-              <a:t>Required Modules</a:t>
-            </a:r>
-          </a:p>
-          <a:p>
-            <a:pPr algn="ctr">
-              <a:spcAft>
-                <a:spcPts val="600"/>
-              </a:spcAft>
-            </a:pPr>
-            <a:r>
-              <a:rPr lang="en-US" sz="1200" dirty="0" smtClean="0">
-                <a:solidFill>
-                  <a:schemeClr val="bg1"/>
-                </a:solidFill>
-              </a:rPr>
-              <a:t>Functions to Export</a:t>
-            </a:r>
-          </a:p>
-          <a:p>
-            <a:pPr algn="ctr">
-              <a:spcAft>
-                <a:spcPts val="600"/>
-              </a:spcAft>
-            </a:pPr>
-            <a:r>
-              <a:rPr lang="en-US" sz="1200" dirty="0" err="1" smtClean="0">
-                <a:solidFill>
-                  <a:schemeClr val="bg1"/>
-                </a:solidFill>
-              </a:rPr>
-              <a:t>HelpInfoURI</a:t>
-            </a:r>
-            <a:endParaRPr lang="en-US" sz="1200" dirty="0" smtClean="0">
-              <a:solidFill>
-                <a:schemeClr val="bg1"/>
-              </a:solidFill>
-            </a:endParaRPr>
-          </a:p>
-        </p:txBody>
-      </p:sp>
-      <p:sp>
-        <p:nvSpPr>
-          <p:cNvPr id="6" name="Rectangle 5"/>
-          <p:cNvSpPr/>
-          <p:nvPr/>
-        </p:nvSpPr>
-        <p:spPr>
-          <a:xfrm>
-            <a:off x="3745523" y="1503485"/>
-            <a:ext cx="3912577" cy="4633546"/>
-          </a:xfrm>
-          <a:prstGeom prst="rect">
-            <a:avLst/>
-          </a:prstGeom>
-          <a:solidFill>
-            <a:schemeClr val="tx2">
-              <a:lumMod val="50000"/>
-              <a:lumOff val="50000"/>
-            </a:schemeClr>
-          </a:solidFill>
-          <a:ln>
-            <a:noFill/>
-          </a:ln>
-          <a:effectLst/>
-        </p:spPr>
-        <p:style>
-          <a:lnRef idx="1">
-            <a:schemeClr val="accent1"/>
-          </a:lnRef>
-          <a:fillRef idx="3">
-            <a:schemeClr val="accent1"/>
-          </a:fillRef>
-          <a:effectRef idx="2">
-            <a:schemeClr val="accent1"/>
-          </a:effectRef>
-          <a:fontRef idx="minor">
-            <a:schemeClr val="lt1"/>
-          </a:fontRef>
-        </p:style>
-        <p:txBody>
-          <a:bodyPr rot="0" spcFirstLastPara="0" vertOverflow="overflow" horzOverflow="overflow" vert="horz" wrap="square" lIns="91440" tIns="45720" rIns="91440" bIns="45720" numCol="1" spcCol="0" rtlCol="0" fromWordArt="0" anchor="ctr" anchorCtr="0" forceAA="0" compatLnSpc="1">
-            <a:prstTxWarp prst="textNoShape">
-              <a:avLst/>
-            </a:prstTxWarp>
-            <a:noAutofit/>
-          </a:bodyPr>
-          <a:lstStyle/>
-          <a:p>
-            <a:pPr algn="ctr">
-              <a:spcAft>
-                <a:spcPts val="600"/>
-              </a:spcAft>
-            </a:pPr>
-            <a:r>
-              <a:rPr lang="en-US" sz="3600" dirty="0" smtClean="0">
-                <a:solidFill>
-                  <a:schemeClr val="bg1"/>
-                </a:solidFill>
-              </a:rPr>
-              <a:t>.psm1</a:t>
-            </a:r>
-          </a:p>
-          <a:p>
-            <a:pPr algn="ctr">
-              <a:spcAft>
-                <a:spcPts val="600"/>
-              </a:spcAft>
-            </a:pPr>
-            <a:r>
-              <a:rPr lang="en-US" sz="1200" dirty="0" smtClean="0">
-                <a:solidFill>
-                  <a:schemeClr val="bg1"/>
-                </a:solidFill>
-              </a:rPr>
-              <a:t>Module File (Option 1)</a:t>
-            </a:r>
-          </a:p>
-          <a:p>
-            <a:pPr algn="ctr">
-              <a:spcAft>
-                <a:spcPts val="600"/>
-              </a:spcAft>
-            </a:pPr>
-            <a:r>
-              <a:rPr lang="en-US" sz="1200" dirty="0" smtClean="0">
-                <a:solidFill>
-                  <a:schemeClr val="bg1"/>
-                </a:solidFill>
-              </a:rPr>
-              <a:t>Place all functions in a single file</a:t>
-            </a:r>
-          </a:p>
-          <a:p>
-            <a:pPr algn="ctr">
-              <a:spcAft>
-                <a:spcPts val="600"/>
-              </a:spcAft>
-            </a:pPr>
-            <a:endParaRPr lang="en-US" sz="1200" dirty="0" smtClean="0">
-              <a:solidFill>
-                <a:schemeClr val="bg1"/>
-              </a:solidFill>
-            </a:endParaRPr>
-          </a:p>
-        </p:txBody>
-      </p:sp>
-      <p:sp>
-        <p:nvSpPr>
-          <p:cNvPr id="7" name="Rectangle 6"/>
-          <p:cNvSpPr/>
-          <p:nvPr/>
-        </p:nvSpPr>
-        <p:spPr>
-          <a:xfrm>
-            <a:off x="7658100" y="1503485"/>
-            <a:ext cx="3827585" cy="4633546"/>
-          </a:xfrm>
-          <a:prstGeom prst="rect">
-            <a:avLst/>
-          </a:prstGeom>
-          <a:solidFill>
-            <a:schemeClr val="bg2">
-              <a:lumMod val="65000"/>
-            </a:schemeClr>
-          </a:solidFill>
-          <a:ln>
-            <a:noFill/>
-          </a:ln>
-          <a:effectLst/>
-        </p:spPr>
-        <p:style>
-          <a:lnRef idx="1">
-            <a:schemeClr val="accent1"/>
-          </a:lnRef>
-          <a:fillRef idx="3">
-            <a:schemeClr val="accent1"/>
-          </a:fillRef>
-          <a:effectRef idx="2">
-            <a:schemeClr val="accent1"/>
-          </a:effectRef>
-          <a:fontRef idx="minor">
-            <a:schemeClr val="lt1"/>
-          </a:fontRef>
-        </p:style>
-        <p:txBody>
-          <a:bodyPr rot="0" spcFirstLastPara="0" vertOverflow="overflow" horzOverflow="overflow" vert="horz" wrap="square" lIns="91440" tIns="45720" rIns="91440" bIns="45720" numCol="1" spcCol="0" rtlCol="0" fromWordArt="0" anchor="ctr" anchorCtr="0" forceAA="0" compatLnSpc="1">
-            <a:prstTxWarp prst="textNoShape">
-              <a:avLst/>
-            </a:prstTxWarp>
-            <a:noAutofit/>
-          </a:bodyPr>
-          <a:lstStyle/>
-          <a:p>
-            <a:pPr algn="ctr">
-              <a:spcAft>
-                <a:spcPts val="600"/>
-              </a:spcAft>
-            </a:pPr>
-            <a:r>
-              <a:rPr lang="en-US" sz="1200" dirty="0">
-                <a:solidFill>
-                  <a:schemeClr val="bg1"/>
-                </a:solidFill>
-              </a:rPr>
-              <a:t>.</a:t>
-            </a:r>
-            <a:r>
-              <a:rPr lang="en-US" sz="3600" dirty="0">
-                <a:solidFill>
-                  <a:schemeClr val="bg1"/>
-                </a:solidFill>
-              </a:rPr>
-              <a:t>psm1</a:t>
-            </a:r>
-          </a:p>
-          <a:p>
-            <a:pPr algn="ctr">
-              <a:spcAft>
-                <a:spcPts val="600"/>
-              </a:spcAft>
-            </a:pPr>
-            <a:r>
-              <a:rPr lang="en-US" sz="1200" dirty="0">
-                <a:solidFill>
-                  <a:schemeClr val="bg1"/>
-                </a:solidFill>
-              </a:rPr>
-              <a:t>Module File (Option </a:t>
-            </a:r>
-            <a:r>
-              <a:rPr lang="en-US" sz="1200" dirty="0" smtClean="0">
-                <a:solidFill>
-                  <a:schemeClr val="bg1"/>
-                </a:solidFill>
-              </a:rPr>
-              <a:t>2)</a:t>
-            </a:r>
-          </a:p>
-          <a:p>
-            <a:pPr algn="ctr">
-              <a:spcAft>
-                <a:spcPts val="600"/>
-              </a:spcAft>
-            </a:pPr>
-            <a:r>
-              <a:rPr lang="en-US" sz="1200" dirty="0" smtClean="0">
-                <a:solidFill>
-                  <a:schemeClr val="bg1"/>
-                </a:solidFill>
-              </a:rPr>
-              <a:t>Write PowerShell to source all the Private and Public functions</a:t>
-            </a:r>
-            <a:endParaRPr lang="en-US" sz="1200" dirty="0">
-              <a:solidFill>
-                <a:schemeClr val="bg1"/>
-              </a:solidFill>
-            </a:endParaRPr>
-          </a:p>
-          <a:p>
-            <a:pPr algn="ctr">
-              <a:spcAft>
-                <a:spcPts val="600"/>
-              </a:spcAft>
-            </a:pPr>
-            <a:endParaRPr lang="en-US" sz="1200" dirty="0" smtClean="0">
-              <a:solidFill>
-                <a:schemeClr val="bg1"/>
-              </a:solidFill>
-            </a:endParaRPr>
+            <a:r>
+              <a:rPr lang="en-US" dirty="0" smtClean="0"/>
+              <a:t>What’s in there?</a:t>
+            </a:r>
+          </a:p>
+          <a:p>
+            <a:pPr lvl="1"/>
+            <a:r>
+              <a:rPr lang="en-US" dirty="0" smtClean="0"/>
+              <a:t>PowerShell Modules</a:t>
+            </a:r>
+          </a:p>
+          <a:p>
+            <a:pPr lvl="1"/>
+            <a:r>
+              <a:rPr lang="en-US" dirty="0" smtClean="0"/>
+              <a:t>Scripts</a:t>
+            </a:r>
+          </a:p>
+          <a:p>
+            <a:pPr lvl="1"/>
+            <a:r>
+              <a:rPr lang="en-US" dirty="0" smtClean="0"/>
+              <a:t>DSC Resources</a:t>
+            </a:r>
+          </a:p>
+          <a:p>
+            <a:r>
+              <a:rPr lang="en-US" dirty="0" smtClean="0"/>
+              <a:t>Can you host your own Local PowerShell Gallery? YES!</a:t>
+            </a:r>
+          </a:p>
+          <a:p>
+            <a:pPr lvl="1"/>
+            <a:r>
+              <a:rPr lang="en-US" dirty="0" smtClean="0"/>
+              <a:t>Nexus </a:t>
+            </a:r>
+            <a:r>
+              <a:rPr lang="en-US" dirty="0" err="1" smtClean="0"/>
+              <a:t>Sonatype</a:t>
+            </a:r>
+            <a:endParaRPr lang="en-US" dirty="0" smtClean="0"/>
+          </a:p>
+          <a:p>
+            <a:pPr lvl="1"/>
+            <a:r>
+              <a:rPr lang="en-US" dirty="0" err="1" smtClean="0"/>
+              <a:t>Artifactory</a:t>
+            </a:r>
+            <a:endParaRPr lang="en-US" dirty="0" smtClean="0"/>
+          </a:p>
+          <a:p>
+            <a:pPr lvl="1"/>
+            <a:r>
+              <a:rPr lang="en-US" dirty="0" smtClean="0"/>
+              <a:t>You are looking for a Software package that can provide a </a:t>
+            </a:r>
+            <a:r>
+              <a:rPr lang="en-US" dirty="0" err="1" smtClean="0"/>
+              <a:t>NuGet</a:t>
+            </a:r>
+            <a:r>
+              <a:rPr lang="en-US" dirty="0" smtClean="0"/>
+              <a:t> Repository</a:t>
+            </a:r>
+            <a:endParaRPr lang="en-US" dirty="0"/>
           </a:p>
         </p:txBody>
       </p:sp>
     </p:spTree>
     <p:extLst>
       <p:ext uri="{BB962C8B-B14F-4D97-AF65-F5344CB8AC3E}">
-        <p14:creationId xmlns:p14="http://schemas.microsoft.com/office/powerpoint/2010/main" val="2712230090"/>
+        <p14:creationId xmlns:p14="http://schemas.microsoft.com/office/powerpoint/2010/main" val="1642662522"/>
       </p:ext>
     </p:extLst>
   </p:cSld>
@@ -20377,179 +20022,6 @@
           <a:p>
             <a:r>
               <a:rPr lang="en-US" dirty="0" smtClean="0"/>
-              <a:t>PowerShell Gallery</a:t>
-            </a:r>
-            <a:endParaRPr lang="en-US" dirty="0"/>
-          </a:p>
-        </p:txBody>
-      </p:sp>
-      <p:sp>
-        <p:nvSpPr>
-          <p:cNvPr id="3" name="Subtitle 2"/>
-          <p:cNvSpPr>
-            <a:spLocks noGrp="1"/>
-          </p:cNvSpPr>
-          <p:nvPr>
-            <p:ph type="subTitle" idx="10"/>
-          </p:nvPr>
-        </p:nvSpPr>
-        <p:spPr/>
-        <p:txBody>
-          <a:bodyPr/>
-          <a:lstStyle/>
-          <a:p>
-            <a:r>
-              <a:rPr lang="en-US" dirty="0" smtClean="0"/>
-              <a:t>Central Repository for sharing and acquiring PowerShell code</a:t>
-            </a:r>
-            <a:endParaRPr lang="en-US" dirty="0"/>
-          </a:p>
-        </p:txBody>
-      </p:sp>
-      <p:sp>
-        <p:nvSpPr>
-          <p:cNvPr id="4" name="Content Placeholder 3"/>
-          <p:cNvSpPr>
-            <a:spLocks noGrp="1"/>
-          </p:cNvSpPr>
-          <p:nvPr>
-            <p:ph sz="quarter" idx="14"/>
-          </p:nvPr>
-        </p:nvSpPr>
-        <p:spPr/>
-        <p:txBody>
-          <a:bodyPr/>
-          <a:lstStyle/>
-          <a:p>
-            <a:r>
-              <a:rPr lang="en-US" dirty="0" smtClean="0"/>
-              <a:t>What’s in there?</a:t>
-            </a:r>
-          </a:p>
-          <a:p>
-            <a:pPr lvl="1"/>
-            <a:r>
-              <a:rPr lang="en-US" dirty="0" smtClean="0"/>
-              <a:t>PowerShell Modules</a:t>
-            </a:r>
-          </a:p>
-          <a:p>
-            <a:pPr lvl="1"/>
-            <a:r>
-              <a:rPr lang="en-US" dirty="0" smtClean="0"/>
-              <a:t>Scripts</a:t>
-            </a:r>
-          </a:p>
-          <a:p>
-            <a:pPr lvl="1"/>
-            <a:r>
-              <a:rPr lang="en-US" dirty="0" smtClean="0"/>
-              <a:t>DSC Resources</a:t>
-            </a:r>
-          </a:p>
-          <a:p>
-            <a:r>
-              <a:rPr lang="en-US" dirty="0" smtClean="0"/>
-              <a:t>Can you host your own Local PowerShell Gallery? YES!</a:t>
-            </a:r>
-          </a:p>
-          <a:p>
-            <a:pPr lvl="1"/>
-            <a:r>
-              <a:rPr lang="en-US" dirty="0" smtClean="0"/>
-              <a:t>Nexus </a:t>
-            </a:r>
-            <a:r>
-              <a:rPr lang="en-US" dirty="0" err="1" smtClean="0"/>
-              <a:t>Sonatype</a:t>
-            </a:r>
-            <a:endParaRPr lang="en-US" dirty="0" smtClean="0"/>
-          </a:p>
-          <a:p>
-            <a:pPr lvl="1"/>
-            <a:r>
-              <a:rPr lang="en-US" dirty="0" err="1" smtClean="0"/>
-              <a:t>Artifactory</a:t>
-            </a:r>
-            <a:endParaRPr lang="en-US" dirty="0" smtClean="0"/>
-          </a:p>
-          <a:p>
-            <a:pPr lvl="1"/>
-            <a:r>
-              <a:rPr lang="en-US" dirty="0" smtClean="0"/>
-              <a:t>You are looking for a Software package that can provide a </a:t>
-            </a:r>
-            <a:r>
-              <a:rPr lang="en-US" dirty="0" err="1" smtClean="0"/>
-              <a:t>NuGet</a:t>
-            </a:r>
-            <a:r>
-              <a:rPr lang="en-US" dirty="0" smtClean="0"/>
-              <a:t> Repository</a:t>
-            </a:r>
-            <a:endParaRPr lang="en-US" dirty="0"/>
-          </a:p>
-        </p:txBody>
-      </p:sp>
-    </p:spTree>
-    <p:extLst>
-      <p:ext uri="{BB962C8B-B14F-4D97-AF65-F5344CB8AC3E}">
-        <p14:creationId xmlns:p14="http://schemas.microsoft.com/office/powerpoint/2010/main" val="1642662522"/>
-      </p:ext>
-    </p:extLst>
-  </p:cSld>
-  <p:clrMapOvr>
-    <a:masterClrMapping/>
-  </p:clrMapOvr>
-  <mc:AlternateContent xmlns:mc="http://schemas.openxmlformats.org/markup-compatibility/2006" xmlns:p14="http://schemas.microsoft.com/office/powerpoint/2010/main">
-    <mc:Choice Requires="p14">
-      <p:transition spd="med" p14:dur="700">
-        <p:fade/>
-      </p:transition>
-    </mc:Choice>
-    <mc:Fallback xmlns="">
-      <p:transition spd="med">
-        <p:fade/>
-      </p:transition>
-    </mc:Fallback>
-  </mc:AlternateContent>
-</p:sld>
-</file>
-
-<file path=ppt/slides/slide12.xml><?xml version="1.0" encoding="utf-8"?>
-<p:sld xmlns:a="http://schemas.openxmlformats.org/drawingml/2006/main" xmlns:r="http://schemas.openxmlformats.org/officeDocument/2006/relationships" xmlns:p="http://schemas.openxmlformats.org/presentationml/2006/main">
-  <p:cSld>
-    <p:spTree>
-      <p:nvGrpSpPr>
-        <p:cNvPr id="1" name=""/>
-        <p:cNvGrpSpPr/>
-        <p:nvPr/>
-      </p:nvGrpSpPr>
-      <p:grpSpPr>
-        <a:xfrm>
-          <a:off x="0" y="0"/>
-          <a:ext cx="0" cy="0"/>
-          <a:chOff x="0" y="0"/>
-          <a:chExt cx="0" cy="0"/>
-        </a:xfrm>
-      </p:grpSpPr>
-      <p:sp>
-        <p:nvSpPr>
-          <p:cNvPr id="2" name="Title 1"/>
-          <p:cNvSpPr>
-            <a:spLocks noGrp="1"/>
-          </p:cNvSpPr>
-          <p:nvPr>
-            <p:ph type="title"/>
-          </p:nvPr>
-        </p:nvSpPr>
-        <p:spPr/>
-        <p:txBody>
-          <a:bodyPr/>
-          <a:lstStyle/>
-          <a:p>
-            <a:r>
-              <a:rPr lang="en-US" dirty="0" smtClean="0"/>
               <a:t>Pseudo Code</a:t>
             </a:r>
             <a:endParaRPr lang="en-US" dirty="0"/>
@@ -20607,7 +20079,11 @@
           <a:p>
             <a:r>
               <a:rPr lang="en-US" dirty="0" smtClean="0"/>
-              <a:t>Can be used as in-line code comments</a:t>
+              <a:t>It can/should </a:t>
+            </a:r>
+            <a:r>
+              <a:rPr lang="en-US" dirty="0" smtClean="0"/>
+              <a:t>be used as in-line code comments</a:t>
             </a:r>
           </a:p>
           <a:p>
@@ -20619,7 +20095,11 @@
           <a:p>
             <a:r>
               <a:rPr lang="en-US" dirty="0" smtClean="0"/>
-              <a:t>Who is ready for the next task?</a:t>
+              <a:t>Look at these pictures, who </a:t>
+            </a:r>
+            <a:r>
+              <a:rPr lang="en-US" dirty="0" smtClean="0"/>
+              <a:t>is ready for the next task?</a:t>
             </a:r>
             <a:endParaRPr lang="en-US" dirty="0"/>
           </a:p>
@@ -20708,11 +20188,6 @@
               </a:rPr>
               <a:t>The Snake</a:t>
             </a:r>
-            <a:endParaRPr lang="en-US" sz="1800" dirty="0" smtClean="0">
-              <a:solidFill>
-                <a:schemeClr val="tx2"/>
-              </a:solidFill>
-            </a:endParaRPr>
           </a:p>
         </p:txBody>
       </p:sp>
@@ -20751,11 +20226,6 @@
               </a:rPr>
               <a:t>The Bird of Prey</a:t>
             </a:r>
-            <a:endParaRPr lang="en-US" sz="1800" dirty="0" smtClean="0">
-              <a:solidFill>
-                <a:schemeClr val="tx2"/>
-              </a:solidFill>
-            </a:endParaRPr>
           </a:p>
         </p:txBody>
       </p:sp>
@@ -20794,11 +20264,6 @@
               </a:rPr>
               <a:t>vs.</a:t>
             </a:r>
-            <a:endParaRPr lang="en-US" sz="3600" dirty="0" smtClean="0">
-              <a:solidFill>
-                <a:schemeClr val="tx2"/>
-              </a:solidFill>
-            </a:endParaRPr>
           </a:p>
         </p:txBody>
       </p:sp>
@@ -20827,7 +20292,7 @@
 </p:sld>
 </file>
 
-<file path=ppt/slides/slide13.xml><?xml version="1.0" encoding="utf-8"?>
+<file path=ppt/slides/slide12.xml><?xml version="1.0" encoding="utf-8"?>
 <p:sld xmlns:a="http://schemas.openxmlformats.org/drawingml/2006/main" xmlns:r="http://schemas.openxmlformats.org/officeDocument/2006/relationships" xmlns:p="http://schemas.openxmlformats.org/presentationml/2006/main">
   <p:cSld>
     <p:spTree>
@@ -21206,7 +20671,7 @@
 </p:sld>
 </file>
 
-<file path=ppt/slides/slide14.xml><?xml version="1.0" encoding="utf-8"?>
+<file path=ppt/slides/slide13.xml><?xml version="1.0" encoding="utf-8"?>
 <p:sld xmlns:a="http://schemas.openxmlformats.org/drawingml/2006/main" xmlns:r="http://schemas.openxmlformats.org/officeDocument/2006/relationships" xmlns:p="http://schemas.openxmlformats.org/presentationml/2006/main">
   <p:cSld>
     <p:spTree>
@@ -21295,6 +20760,12 @@
               <a:rPr lang="en-US" dirty="0" smtClean="0"/>
               <a:t>Pester</a:t>
             </a:r>
+          </a:p>
+          <a:p>
+            <a:r>
+              <a:rPr lang="en-US" smtClean="0"/>
+              <a:t>PSReadline</a:t>
+            </a:r>
             <a:endParaRPr lang="en-US" dirty="0"/>
           </a:p>
         </p:txBody>
@@ -21324,7 +20795,7 @@
 </p:sld>
 </file>
 
-<file path=ppt/slides/slide15.xml><?xml version="1.0" encoding="utf-8"?>
+<file path=ppt/slides/slide14.xml><?xml version="1.0" encoding="utf-8"?>
 <p:sld xmlns:a="http://schemas.openxmlformats.org/drawingml/2006/main" xmlns:r="http://schemas.openxmlformats.org/officeDocument/2006/relationships" xmlns:p="http://schemas.openxmlformats.org/presentationml/2006/main">
   <p:cSld>
     <p:spTree>
@@ -21554,13 +21025,7 @@
       </p:grpSpPr>
       <p:sp>
         <p:nvSpPr>
-          <p:cNvPr id="2" name="Title 1">
-            <a:extLst>
-              <a:ext uri="{FF2B5EF4-FFF2-40B4-BE49-F238E27FC236}">
-                <a16:creationId xmlns:a16="http://schemas.microsoft.com/office/drawing/2014/main" id="{0D9FDAE6-550E-E975-BD01-08906590C472}"/>
-              </a:ext>
-            </a:extLst>
-          </p:cNvPr>
+          <p:cNvPr id="2" name="Title 1"/>
           <p:cNvSpPr>
             <a:spLocks noGrp="1"/>
           </p:cNvSpPr>
@@ -21573,44 +21038,17 @@
           <a:bodyPr/>
           <a:lstStyle/>
           <a:p>
+            <a:r>
+              <a:rPr lang="en-US" dirty="0" smtClean="0"/>
+              <a:t>Takeaways</a:t>
+            </a:r>
             <a:endParaRPr lang="en-US" dirty="0"/>
           </a:p>
         </p:txBody>
       </p:sp>
       <p:sp>
         <p:nvSpPr>
-          <p:cNvPr id="4" name="Subtitle 3">
-            <a:extLst>
-              <a:ext uri="{FF2B5EF4-FFF2-40B4-BE49-F238E27FC236}">
-                <a16:creationId xmlns:a16="http://schemas.microsoft.com/office/drawing/2014/main" id="{8F886DCA-5B59-24C0-2C79-4E661832C1EA}"/>
-              </a:ext>
-            </a:extLst>
-          </p:cNvPr>
-          <p:cNvSpPr>
-            <a:spLocks noGrp="1"/>
-          </p:cNvSpPr>
-          <p:nvPr>
-            <p:ph type="subTitle" idx="10"/>
-          </p:nvPr>
-        </p:nvSpPr>
-        <p:spPr/>
-        <p:txBody>
-          <a:bodyPr/>
-          <a:lstStyle/>
-          <a:p>
-            <a:endParaRPr lang="en-US"/>
-          </a:p>
-        </p:txBody>
-      </p:sp>
-      <p:sp>
-        <p:nvSpPr>
-          <p:cNvPr id="5" name="Content Placeholder 4">
-            <a:extLst>
-              <a:ext uri="{FF2B5EF4-FFF2-40B4-BE49-F238E27FC236}">
-                <a16:creationId xmlns:a16="http://schemas.microsoft.com/office/drawing/2014/main" id="{8FBEB278-6650-3A11-7DCD-A90016572E5A}"/>
-              </a:ext>
-            </a:extLst>
-          </p:cNvPr>
+          <p:cNvPr id="4" name="Content Placeholder 3"/>
           <p:cNvSpPr>
             <a:spLocks noGrp="1"/>
           </p:cNvSpPr>
@@ -21623,13 +21061,33 @@
           <a:bodyPr/>
           <a:lstStyle/>
           <a:p>
-            <a:r>
-              <a:rPr lang="en-US" dirty="0"/>
-              <a:t>In this session we will cover topics on how to create PowerShell functions to make their code more reusable and easier to understand. We will touch on the concept of building PowerShell modules for local distribution. </a:t>
-            </a:r>
-            <a:r>
-              <a:rPr lang="en-US"/>
-              <a:t>There will be special attention during this session to focus on how to begin the code writing process to ensure the scripts perform the desired work.</a:t>
+            <a:pPr marL="457200" indent="-457200">
+              <a:buFont typeface="+mj-lt"/>
+              <a:buAutoNum type="arabicPeriod"/>
+            </a:pPr>
+            <a:r>
+              <a:rPr lang="en-US" dirty="0" smtClean="0"/>
+              <a:t>Understand Pseudo Code</a:t>
+            </a:r>
+          </a:p>
+          <a:p>
+            <a:pPr marL="457200" indent="-457200">
+              <a:buFont typeface="+mj-lt"/>
+              <a:buAutoNum type="arabicPeriod"/>
+            </a:pPr>
+            <a:r>
+              <a:rPr lang="en-US" dirty="0" smtClean="0"/>
+              <a:t>Understand how to write Functions</a:t>
+            </a:r>
+          </a:p>
+          <a:p>
+            <a:pPr marL="457200" indent="-457200">
+              <a:buFont typeface="+mj-lt"/>
+              <a:buAutoNum type="arabicPeriod"/>
+            </a:pPr>
+            <a:r>
+              <a:rPr lang="en-US" dirty="0" smtClean="0"/>
+              <a:t>Understand how to create PowerShell Modules</a:t>
             </a:r>
             <a:endParaRPr lang="en-US" dirty="0"/>
           </a:p>
@@ -21638,7 +21096,7 @@
     </p:spTree>
     <p:extLst>
       <p:ext uri="{BB962C8B-B14F-4D97-AF65-F5344CB8AC3E}">
-        <p14:creationId xmlns:p14="http://schemas.microsoft.com/office/powerpoint/2010/main" val="594509113"/>
+        <p14:creationId xmlns:p14="http://schemas.microsoft.com/office/powerpoint/2010/main" val="3915174151"/>
       </p:ext>
     </p:extLst>
   </p:cSld>
@@ -21679,7 +21137,13 @@
       </p:grpSpPr>
       <p:sp>
         <p:nvSpPr>
-          <p:cNvPr id="2" name="Title 1"/>
+          <p:cNvPr id="2" name="Title 1">
+            <a:extLst>
+              <a:ext uri="{FF2B5EF4-FFF2-40B4-BE49-F238E27FC236}">
+                <a16:creationId xmlns:a16="http://schemas.microsoft.com/office/drawing/2014/main" id="{0D9FDAE6-550E-E975-BD01-08906590C472}"/>
+              </a:ext>
+            </a:extLst>
+          </p:cNvPr>
           <p:cNvSpPr>
             <a:spLocks noGrp="1"/>
           </p:cNvSpPr>
@@ -21694,7 +21158,7 @@
           <a:p>
             <a:r>
               <a:rPr lang="en-US" dirty="0" smtClean="0"/>
-              <a:t>Takeaways</a:t>
+              <a:t>Agenda</a:t>
             </a:r>
             <a:endParaRPr lang="en-US" dirty="0"/>
           </a:p>
@@ -21702,7 +21166,13 @@
       </p:sp>
       <p:sp>
         <p:nvSpPr>
-          <p:cNvPr id="4" name="Content Placeholder 3"/>
+          <p:cNvPr id="5" name="Content Placeholder 4">
+            <a:extLst>
+              <a:ext uri="{FF2B5EF4-FFF2-40B4-BE49-F238E27FC236}">
+                <a16:creationId xmlns:a16="http://schemas.microsoft.com/office/drawing/2014/main" id="{8FBEB278-6650-3A11-7DCD-A90016572E5A}"/>
+              </a:ext>
+            </a:extLst>
+          </p:cNvPr>
           <p:cNvSpPr>
             <a:spLocks noGrp="1"/>
           </p:cNvSpPr>
@@ -21721,7 +21191,7 @@
             </a:pPr>
             <a:r>
               <a:rPr lang="en-US" dirty="0" smtClean="0"/>
-              <a:t>Understand Pseudo Code</a:t>
+              <a:t>PowerShell Basics (Really quick)</a:t>
             </a:r>
           </a:p>
           <a:p>
@@ -21731,7 +21201,7 @@
             </a:pPr>
             <a:r>
               <a:rPr lang="en-US" dirty="0" smtClean="0"/>
-              <a:t>Understand how to write Functions</a:t>
+              <a:t>Functions</a:t>
             </a:r>
           </a:p>
           <a:p>
@@ -21740,9 +21210,70 @@
               <a:buAutoNum type="arabicPeriod"/>
             </a:pPr>
             <a:r>
+              <a:rPr lang="en-US" dirty="0"/>
+              <a:t>Cmdlets </a:t>
+            </a:r>
+            <a:endParaRPr lang="en-US" dirty="0" smtClean="0"/>
+          </a:p>
+          <a:p>
+            <a:pPr marL="457200" indent="-457200">
+              <a:buFont typeface="+mj-lt"/>
+              <a:buAutoNum type="arabicPeriod"/>
+            </a:pPr>
+            <a:r>
               <a:rPr lang="en-US" dirty="0" smtClean="0"/>
-              <a:t>Understand how to create PowerShell Modules</a:t>
-            </a:r>
+              <a:t>Advanced Functions</a:t>
+            </a:r>
+          </a:p>
+          <a:p>
+            <a:pPr marL="457200" indent="-457200">
+              <a:buFont typeface="+mj-lt"/>
+              <a:buAutoNum type="arabicPeriod"/>
+            </a:pPr>
+            <a:r>
+              <a:rPr lang="en-US" dirty="0" smtClean="0"/>
+              <a:t>Modules</a:t>
+            </a:r>
+          </a:p>
+          <a:p>
+            <a:pPr marL="457200" indent="-457200">
+              <a:buFont typeface="+mj-lt"/>
+              <a:buAutoNum type="arabicPeriod"/>
+            </a:pPr>
+            <a:r>
+              <a:rPr lang="en-US" dirty="0" smtClean="0"/>
+              <a:t>PowerShell Gallery</a:t>
+            </a:r>
+          </a:p>
+          <a:p>
+            <a:pPr marL="457200" indent="-457200">
+              <a:buFont typeface="+mj-lt"/>
+              <a:buAutoNum type="arabicPeriod"/>
+            </a:pPr>
+            <a:r>
+              <a:rPr lang="en-US" dirty="0"/>
+              <a:t>Pseudo </a:t>
+            </a:r>
+            <a:r>
+              <a:rPr lang="en-US" dirty="0" smtClean="0"/>
+              <a:t>Code</a:t>
+            </a:r>
+          </a:p>
+          <a:p>
+            <a:pPr marL="457200" indent="-457200">
+              <a:buFont typeface="+mj-lt"/>
+              <a:buAutoNum type="arabicPeriod"/>
+            </a:pPr>
+            <a:r>
+              <a:rPr lang="en-US" dirty="0" smtClean="0"/>
+              <a:t>Local Modules</a:t>
+            </a:r>
+          </a:p>
+          <a:p>
+            <a:pPr marL="457200" indent="-457200">
+              <a:buFont typeface="+mj-lt"/>
+              <a:buAutoNum type="arabicPeriod"/>
+            </a:pPr>
             <a:endParaRPr lang="en-US" dirty="0"/>
           </a:p>
         </p:txBody>
@@ -21750,7 +21281,7 @@
     </p:spTree>
     <p:extLst>
       <p:ext uri="{BB962C8B-B14F-4D97-AF65-F5344CB8AC3E}">
-        <p14:creationId xmlns:p14="http://schemas.microsoft.com/office/powerpoint/2010/main" val="3915174151"/>
+        <p14:creationId xmlns:p14="http://schemas.microsoft.com/office/powerpoint/2010/main" val="2894136523"/>
       </p:ext>
     </p:extLst>
   </p:cSld>
@@ -21791,13 +21322,7 @@
       </p:grpSpPr>
       <p:sp>
         <p:nvSpPr>
-          <p:cNvPr id="2" name="Title 1">
-            <a:extLst>
-              <a:ext uri="{FF2B5EF4-FFF2-40B4-BE49-F238E27FC236}">
-                <a16:creationId xmlns:a16="http://schemas.microsoft.com/office/drawing/2014/main" id="{0D9FDAE6-550E-E975-BD01-08906590C472}"/>
-              </a:ext>
-            </a:extLst>
-          </p:cNvPr>
+          <p:cNvPr id="2" name="Title 1"/>
           <p:cNvSpPr>
             <a:spLocks noGrp="1"/>
           </p:cNvSpPr>
@@ -21812,7 +21337,7 @@
           <a:p>
             <a:r>
               <a:rPr lang="en-US" dirty="0" smtClean="0"/>
-              <a:t>Agenda</a:t>
+              <a:t>PowerShell 101</a:t>
             </a:r>
             <a:endParaRPr lang="en-US" dirty="0"/>
           </a:p>
@@ -21820,13 +21345,30 @@
       </p:sp>
       <p:sp>
         <p:nvSpPr>
-          <p:cNvPr id="5" name="Content Placeholder 4">
-            <a:extLst>
-              <a:ext uri="{FF2B5EF4-FFF2-40B4-BE49-F238E27FC236}">
-                <a16:creationId xmlns:a16="http://schemas.microsoft.com/office/drawing/2014/main" id="{8FBEB278-6650-3A11-7DCD-A90016572E5A}"/>
-              </a:ext>
-            </a:extLst>
-          </p:cNvPr>
+          <p:cNvPr id="3" name="Subtitle 2"/>
+          <p:cNvSpPr>
+            <a:spLocks noGrp="1"/>
+          </p:cNvSpPr>
+          <p:nvPr>
+            <p:ph type="subTitle" idx="10"/>
+          </p:nvPr>
+        </p:nvSpPr>
+        <p:spPr/>
+        <p:txBody>
+          <a:bodyPr/>
+          <a:lstStyle/>
+          <a:p>
+            <a:r>
+              <a:rPr lang="en-US" dirty="0" smtClean="0"/>
+              <a:t>Sorry – I have to review this!</a:t>
+            </a:r>
+            <a:endParaRPr lang="en-US" dirty="0"/>
+          </a:p>
+        </p:txBody>
+      </p:sp>
+      <p:sp>
+        <p:nvSpPr>
+          <p:cNvPr id="4" name="Content Placeholder 3"/>
           <p:cNvSpPr>
             <a:spLocks noGrp="1"/>
           </p:cNvSpPr>
@@ -21839,96 +21381,95 @@
           <a:bodyPr/>
           <a:lstStyle/>
           <a:p>
-            <a:pPr marL="457200" indent="-457200">
-              <a:buFont typeface="+mj-lt"/>
-              <a:buAutoNum type="arabicPeriod"/>
-            </a:pPr>
             <a:r>
               <a:rPr lang="en-US" dirty="0" smtClean="0"/>
-              <a:t>PowerShell Basics (Really quick)</a:t>
-            </a:r>
-          </a:p>
-          <a:p>
-            <a:pPr marL="457200" indent="-457200">
-              <a:buFont typeface="+mj-lt"/>
-              <a:buAutoNum type="arabicPeriod"/>
-            </a:pPr>
+              <a:t>Verb-Noun</a:t>
+            </a:r>
+          </a:p>
+          <a:p>
+            <a:pPr lvl="1"/>
             <a:r>
               <a:rPr lang="en-US" dirty="0" smtClean="0"/>
-              <a:t>Functions</a:t>
-            </a:r>
-          </a:p>
-          <a:p>
-            <a:pPr marL="457200" indent="-457200">
-              <a:buFont typeface="+mj-lt"/>
-              <a:buAutoNum type="arabicPeriod"/>
-            </a:pPr>
+              <a:t>Example – Get-VM</a:t>
+            </a:r>
+          </a:p>
+          <a:p>
+            <a:pPr lvl="1"/>
+            <a:r>
+              <a:rPr lang="en-US" dirty="0" smtClean="0"/>
+              <a:t>Approved Verbs? -&gt; Get-Verb</a:t>
+            </a:r>
+          </a:p>
+          <a:p>
+            <a:r>
+              <a:rPr lang="en-US" dirty="0" smtClean="0"/>
+              <a:t>Objects</a:t>
+            </a:r>
+          </a:p>
+          <a:p>
+            <a:pPr lvl="1"/>
             <a:r>
               <a:rPr lang="en-US" dirty="0"/>
-              <a:t>Cmdlets </a:t>
-            </a:r>
-            <a:endParaRPr lang="en-US" dirty="0" smtClean="0"/>
-          </a:p>
-          <a:p>
-            <a:pPr marL="457200" indent="-457200">
-              <a:buFont typeface="+mj-lt"/>
-              <a:buAutoNum type="arabicPeriod"/>
-            </a:pPr>
+              <a:t>A collection of </a:t>
+            </a:r>
             <a:r>
               <a:rPr lang="en-US" dirty="0" smtClean="0"/>
-              <a:t>Advanced Functions</a:t>
-            </a:r>
-          </a:p>
-          <a:p>
-            <a:pPr marL="457200" indent="-457200">
-              <a:buFont typeface="+mj-lt"/>
-              <a:buAutoNum type="arabicPeriod"/>
-            </a:pPr>
+              <a:t>3 types of Data </a:t>
+            </a:r>
+            <a:r>
+              <a:rPr lang="en-US" dirty="0"/>
+              <a:t>that represents an Item.</a:t>
+            </a:r>
+          </a:p>
+          <a:p>
+            <a:pPr lvl="2"/>
             <a:r>
               <a:rPr lang="en-US" dirty="0" smtClean="0"/>
-              <a:t>Modules</a:t>
-            </a:r>
-          </a:p>
-          <a:p>
-            <a:pPr marL="457200" indent="-457200">
-              <a:buFont typeface="+mj-lt"/>
-              <a:buAutoNum type="arabicPeriod"/>
-            </a:pPr>
+              <a:t>Object </a:t>
+            </a:r>
+            <a:r>
+              <a:rPr lang="en-US" dirty="0"/>
+              <a:t>Type</a:t>
+            </a:r>
+          </a:p>
+          <a:p>
+            <a:pPr lvl="3"/>
+            <a:r>
+              <a:rPr lang="en-US" dirty="0"/>
+              <a:t>What am I?</a:t>
+            </a:r>
+          </a:p>
+          <a:p>
+            <a:pPr lvl="2"/>
+            <a:r>
+              <a:rPr lang="en-US" dirty="0"/>
+              <a:t>Methods</a:t>
+            </a:r>
+          </a:p>
+          <a:p>
+            <a:pPr lvl="3"/>
+            <a:r>
+              <a:rPr lang="en-US" dirty="0"/>
+              <a:t>What can you do to me?</a:t>
+            </a:r>
+          </a:p>
+          <a:p>
+            <a:pPr lvl="2"/>
+            <a:r>
+              <a:rPr lang="en-US" dirty="0"/>
+              <a:t>Properties</a:t>
+            </a:r>
+          </a:p>
+          <a:p>
+            <a:pPr lvl="3"/>
+            <a:r>
+              <a:rPr lang="en-US" dirty="0"/>
+              <a:t>What are the things that describe me</a:t>
+            </a:r>
             <a:r>
               <a:rPr lang="en-US" dirty="0" smtClean="0"/>
-              <a:t>PowerShell Gallery</a:t>
-            </a:r>
-          </a:p>
-          <a:p>
-            <a:pPr marL="457200" indent="-457200">
-              <a:buFont typeface="+mj-lt"/>
-              <a:buAutoNum type="arabicPeriod"/>
-            </a:pPr>
-            <a:r>
-              <a:rPr lang="en-US" dirty="0"/>
-              <a:t>Pseudo </a:t>
-            </a:r>
-            <a:r>
-              <a:rPr lang="en-US" dirty="0" smtClean="0"/>
-              <a:t>Code</a:t>
-            </a:r>
-            <a:endParaRPr lang="en-US" dirty="0" smtClean="0"/>
-          </a:p>
-          <a:p>
-            <a:pPr marL="457200" indent="-457200">
-              <a:buFont typeface="+mj-lt"/>
-              <a:buAutoNum type="arabicPeriod"/>
-            </a:pPr>
-            <a:r>
-              <a:rPr lang="en-US" dirty="0" smtClean="0"/>
-              <a:t>Local Modules</a:t>
-            </a:r>
-          </a:p>
-          <a:p>
-            <a:pPr marL="457200" indent="-457200">
-              <a:buFont typeface="+mj-lt"/>
-              <a:buAutoNum type="arabicPeriod"/>
-            </a:pPr>
+              <a:t>?</a:t>
+            </a:r>
             <a:endParaRPr lang="en-US" dirty="0"/>
           </a:p>
         </p:txBody>
@@ -21936,7 +21477,7 @@
     </p:spTree>
     <p:extLst>
       <p:ext uri="{BB962C8B-B14F-4D97-AF65-F5344CB8AC3E}">
-        <p14:creationId xmlns:p14="http://schemas.microsoft.com/office/powerpoint/2010/main" val="2894136523"/>
+        <p14:creationId xmlns:p14="http://schemas.microsoft.com/office/powerpoint/2010/main" val="624310360"/>
       </p:ext>
     </p:extLst>
   </p:cSld>
@@ -21992,7 +21533,7 @@
           <a:p>
             <a:r>
               <a:rPr lang="en-US" dirty="0" smtClean="0"/>
-              <a:t>PowerShell 101</a:t>
+              <a:t>PowerShell Functions</a:t>
             </a:r>
             <a:endParaRPr lang="en-US" dirty="0"/>
           </a:p>
@@ -22015,7 +21556,7 @@
           <a:p>
             <a:r>
               <a:rPr lang="en-US" dirty="0" smtClean="0"/>
-              <a:t>Sorry – I have to review this!</a:t>
+              <a:t>What are they?</a:t>
             </a:r>
             <a:endParaRPr lang="en-US" dirty="0"/>
           </a:p>
@@ -22038,101 +21579,537 @@
           <a:p>
             <a:r>
               <a:rPr lang="en-US" dirty="0" smtClean="0"/>
-              <a:t>Verb-Noun</a:t>
+              <a:t>A list of PowerShell statements that has a name you assign.</a:t>
             </a:r>
           </a:p>
           <a:p>
             <a:pPr lvl="1"/>
             <a:r>
               <a:rPr lang="en-US" dirty="0" smtClean="0"/>
-              <a:t>Example – Get-VM</a:t>
+              <a:t>Wait – That sounds like a PowerShell script!</a:t>
+            </a:r>
+          </a:p>
+          <a:p>
+            <a:r>
+              <a:rPr lang="en-US" dirty="0" smtClean="0"/>
+              <a:t>My Opinion</a:t>
             </a:r>
           </a:p>
           <a:p>
             <a:pPr lvl="1"/>
             <a:r>
               <a:rPr lang="en-US" dirty="0" smtClean="0"/>
-              <a:t>Approved Verbs? -&gt; Get-Verb</a:t>
-            </a:r>
-          </a:p>
-          <a:p>
+              <a:t>Functions should do 1 thing well</a:t>
+            </a:r>
+          </a:p>
+          <a:p>
+            <a:pPr lvl="1"/>
             <a:r>
               <a:rPr lang="en-US" dirty="0" smtClean="0"/>
-              <a:t>Objects</a:t>
-            </a:r>
-          </a:p>
-          <a:p>
-            <a:pPr lvl="1"/>
-            <a:r>
-              <a:rPr lang="en-US" dirty="0"/>
-              <a:t>A collection of </a:t>
-            </a:r>
-            <a:r>
-              <a:rPr lang="en-US" dirty="0" smtClean="0"/>
-              <a:t>3 types of Data </a:t>
-            </a:r>
-            <a:r>
-              <a:rPr lang="en-US" dirty="0"/>
-              <a:t>that represents an Item.</a:t>
-            </a:r>
-          </a:p>
-          <a:p>
-            <a:pPr lvl="2"/>
-            <a:r>
-              <a:rPr lang="en-US" dirty="0" smtClean="0"/>
-              <a:t>Object </a:t>
-            </a:r>
-            <a:r>
-              <a:rPr lang="en-US" dirty="0"/>
-              <a:t>Type</a:t>
-            </a:r>
-          </a:p>
-          <a:p>
-            <a:pPr lvl="3"/>
-            <a:r>
-              <a:rPr lang="en-US" dirty="0"/>
-              <a:t>What am I?</a:t>
-            </a:r>
-          </a:p>
-          <a:p>
-            <a:pPr lvl="2"/>
-            <a:r>
-              <a:rPr lang="en-US" dirty="0"/>
-              <a:t>Methods</a:t>
-            </a:r>
-          </a:p>
-          <a:p>
-            <a:pPr lvl="3"/>
-            <a:r>
-              <a:rPr lang="en-US" dirty="0"/>
-              <a:t>What can you do to me?</a:t>
-            </a:r>
-          </a:p>
-          <a:p>
-            <a:pPr lvl="2"/>
-            <a:r>
-              <a:rPr lang="en-US" dirty="0"/>
-              <a:t>Properties</a:t>
-            </a:r>
-          </a:p>
-          <a:p>
-            <a:pPr lvl="3"/>
-            <a:r>
-              <a:rPr lang="en-US" dirty="0"/>
-              <a:t>What are the things that describe me</a:t>
-            </a:r>
-            <a:r>
-              <a:rPr lang="en-US" dirty="0" smtClean="0"/>
-              <a:t>?</a:t>
+              <a:t>A Script might call several to many functions to complete a larger task.</a:t>
             </a:r>
             <a:endParaRPr lang="en-US" dirty="0"/>
+          </a:p>
+        </p:txBody>
+      </p:sp>
+      <p:sp>
+        <p:nvSpPr>
+          <p:cNvPr id="5" name="Rectangle 4"/>
+          <p:cNvSpPr/>
+          <p:nvPr/>
+        </p:nvSpPr>
+        <p:spPr>
+          <a:xfrm>
+            <a:off x="616505" y="3771900"/>
+            <a:ext cx="1563987" cy="2400301"/>
+          </a:xfrm>
+          <a:prstGeom prst="rect">
+            <a:avLst/>
+          </a:prstGeom>
+          <a:solidFill>
+            <a:schemeClr val="accent1"/>
+          </a:solidFill>
+          <a:ln>
+            <a:noFill/>
+          </a:ln>
+          <a:effectLst/>
+        </p:spPr>
+        <p:style>
+          <a:lnRef idx="1">
+            <a:schemeClr val="accent1"/>
+          </a:lnRef>
+          <a:fillRef idx="3">
+            <a:schemeClr val="accent1"/>
+          </a:fillRef>
+          <a:effectRef idx="2">
+            <a:schemeClr val="accent1"/>
+          </a:effectRef>
+          <a:fontRef idx="minor">
+            <a:schemeClr val="lt1"/>
+          </a:fontRef>
+        </p:style>
+        <p:txBody>
+          <a:bodyPr rot="0" spcFirstLastPara="0" vertOverflow="overflow" horzOverflow="overflow" vert="horz" wrap="square" lIns="91440" tIns="45720" rIns="91440" bIns="45720" numCol="1" spcCol="0" rtlCol="0" fromWordArt="0" anchor="ctr" anchorCtr="0" forceAA="0" compatLnSpc="1">
+            <a:prstTxWarp prst="textNoShape">
+              <a:avLst/>
+            </a:prstTxWarp>
+            <a:noAutofit/>
+          </a:bodyPr>
+          <a:lstStyle/>
+          <a:p>
+            <a:pPr algn="ctr">
+              <a:spcAft>
+                <a:spcPts val="600"/>
+              </a:spcAft>
+            </a:pPr>
+            <a:r>
+              <a:rPr lang="en-US" sz="2800" dirty="0" smtClean="0">
+                <a:solidFill>
+                  <a:schemeClr val="bg1"/>
+                </a:solidFill>
+              </a:rPr>
+              <a:t>Function</a:t>
+            </a:r>
+          </a:p>
+          <a:p>
+            <a:pPr algn="ctr">
+              <a:spcAft>
+                <a:spcPts val="600"/>
+              </a:spcAft>
+            </a:pPr>
+            <a:r>
+              <a:rPr lang="en-US" sz="1200" dirty="0" smtClean="0">
+                <a:solidFill>
+                  <a:schemeClr val="bg1"/>
+                </a:solidFill>
+              </a:rPr>
+              <a:t>Get-VM</a:t>
+            </a:r>
+          </a:p>
+        </p:txBody>
+      </p:sp>
+      <p:sp>
+        <p:nvSpPr>
+          <p:cNvPr id="6" name="Rectangle 5"/>
+          <p:cNvSpPr/>
+          <p:nvPr/>
+        </p:nvSpPr>
+        <p:spPr>
+          <a:xfrm>
+            <a:off x="6872454" y="3771899"/>
+            <a:ext cx="4767518" cy="2400301"/>
+          </a:xfrm>
+          <a:prstGeom prst="rect">
+            <a:avLst/>
+          </a:prstGeom>
+          <a:solidFill>
+            <a:schemeClr val="accent3">
+              <a:lumMod val="60000"/>
+              <a:lumOff val="40000"/>
+            </a:schemeClr>
+          </a:solidFill>
+          <a:ln>
+            <a:noFill/>
+          </a:ln>
+          <a:effectLst/>
+        </p:spPr>
+        <p:style>
+          <a:lnRef idx="1">
+            <a:schemeClr val="accent1"/>
+          </a:lnRef>
+          <a:fillRef idx="3">
+            <a:schemeClr val="accent1"/>
+          </a:fillRef>
+          <a:effectRef idx="2">
+            <a:schemeClr val="accent1"/>
+          </a:effectRef>
+          <a:fontRef idx="minor">
+            <a:schemeClr val="lt1"/>
+          </a:fontRef>
+        </p:style>
+        <p:txBody>
+          <a:bodyPr rot="0" spcFirstLastPara="0" vertOverflow="overflow" horzOverflow="overflow" vert="horz" wrap="square" lIns="91440" tIns="45720" rIns="91440" bIns="45720" numCol="1" spcCol="0" rtlCol="0" fromWordArt="0" anchor="ctr" anchorCtr="0" forceAA="0" compatLnSpc="1">
+            <a:prstTxWarp prst="textNoShape">
+              <a:avLst/>
+            </a:prstTxWarp>
+            <a:noAutofit/>
+          </a:bodyPr>
+          <a:lstStyle/>
+          <a:p>
+            <a:pPr algn="ctr">
+              <a:spcAft>
+                <a:spcPts val="600"/>
+              </a:spcAft>
+            </a:pPr>
+            <a:r>
+              <a:rPr lang="en-US" sz="2800" dirty="0" smtClean="0">
+                <a:solidFill>
+                  <a:schemeClr val="bg1"/>
+                </a:solidFill>
+              </a:rPr>
+              <a:t>Script</a:t>
+            </a:r>
+          </a:p>
+          <a:p>
+            <a:pPr marL="228600" indent="-228600" algn="ctr">
+              <a:spcAft>
+                <a:spcPts val="600"/>
+              </a:spcAft>
+              <a:buFont typeface="+mj-lt"/>
+              <a:buAutoNum type="arabicPeriod"/>
+            </a:pPr>
+            <a:r>
+              <a:rPr lang="en-US" sz="1200" dirty="0" smtClean="0">
+                <a:solidFill>
+                  <a:schemeClr val="bg1"/>
+                </a:solidFill>
+              </a:rPr>
+              <a:t>Get a list of VM’s</a:t>
+            </a:r>
+          </a:p>
+          <a:p>
+            <a:pPr marL="228600" indent="-228600" algn="ctr">
+              <a:spcAft>
+                <a:spcPts val="600"/>
+              </a:spcAft>
+              <a:buFont typeface="+mj-lt"/>
+              <a:buAutoNum type="arabicPeriod"/>
+            </a:pPr>
+            <a:r>
+              <a:rPr lang="en-US" sz="1200" dirty="0" smtClean="0">
+                <a:solidFill>
+                  <a:schemeClr val="bg1"/>
+                </a:solidFill>
+              </a:rPr>
+              <a:t>Safely shut them down</a:t>
+            </a:r>
+          </a:p>
+          <a:p>
+            <a:pPr marL="228600" indent="-228600" algn="ctr">
+              <a:spcAft>
+                <a:spcPts val="600"/>
+              </a:spcAft>
+              <a:buFont typeface="+mj-lt"/>
+              <a:buAutoNum type="arabicPeriod"/>
+            </a:pPr>
+            <a:r>
+              <a:rPr lang="en-US" sz="1200" dirty="0" smtClean="0">
+                <a:solidFill>
+                  <a:schemeClr val="bg1"/>
+                </a:solidFill>
+              </a:rPr>
+              <a:t>Edit the Number of CPU’s</a:t>
+            </a:r>
+          </a:p>
+          <a:p>
+            <a:pPr marL="228600" indent="-228600" algn="ctr">
+              <a:spcAft>
+                <a:spcPts val="600"/>
+              </a:spcAft>
+              <a:buFont typeface="+mj-lt"/>
+              <a:buAutoNum type="arabicPeriod"/>
+            </a:pPr>
+            <a:r>
+              <a:rPr lang="en-US" sz="1200" dirty="0" smtClean="0">
+                <a:solidFill>
+                  <a:schemeClr val="bg1"/>
+                </a:solidFill>
+              </a:rPr>
+              <a:t>Power the VM’s back on</a:t>
+            </a:r>
+          </a:p>
+        </p:txBody>
+      </p:sp>
+      <p:sp>
+        <p:nvSpPr>
+          <p:cNvPr id="7" name="Rectangle 6"/>
+          <p:cNvSpPr/>
+          <p:nvPr/>
+        </p:nvSpPr>
+        <p:spPr>
+          <a:xfrm>
+            <a:off x="2180492" y="3771898"/>
+            <a:ext cx="1563987" cy="2400301"/>
+          </a:xfrm>
+          <a:prstGeom prst="rect">
+            <a:avLst/>
+          </a:prstGeom>
+          <a:solidFill>
+            <a:schemeClr val="tx2">
+              <a:lumMod val="50000"/>
+              <a:lumOff val="50000"/>
+            </a:schemeClr>
+          </a:solidFill>
+          <a:ln>
+            <a:noFill/>
+          </a:ln>
+          <a:effectLst/>
+        </p:spPr>
+        <p:style>
+          <a:lnRef idx="1">
+            <a:schemeClr val="accent1"/>
+          </a:lnRef>
+          <a:fillRef idx="3">
+            <a:schemeClr val="accent1"/>
+          </a:fillRef>
+          <a:effectRef idx="2">
+            <a:schemeClr val="accent1"/>
+          </a:effectRef>
+          <a:fontRef idx="minor">
+            <a:schemeClr val="lt1"/>
+          </a:fontRef>
+        </p:style>
+        <p:txBody>
+          <a:bodyPr rot="0" spcFirstLastPara="0" vertOverflow="overflow" horzOverflow="overflow" vert="horz" wrap="square" lIns="91440" tIns="45720" rIns="91440" bIns="45720" numCol="1" spcCol="0" rtlCol="0" fromWordArt="0" anchor="ctr" anchorCtr="0" forceAA="0" compatLnSpc="1">
+            <a:prstTxWarp prst="textNoShape">
+              <a:avLst/>
+            </a:prstTxWarp>
+            <a:noAutofit/>
+          </a:bodyPr>
+          <a:lstStyle/>
+          <a:p>
+            <a:pPr algn="ctr">
+              <a:spcAft>
+                <a:spcPts val="600"/>
+              </a:spcAft>
+            </a:pPr>
+            <a:r>
+              <a:rPr lang="en-US" sz="2800" dirty="0" smtClean="0">
+                <a:solidFill>
+                  <a:schemeClr val="bg1"/>
+                </a:solidFill>
+              </a:rPr>
+              <a:t>Function</a:t>
+            </a:r>
+          </a:p>
+          <a:p>
+            <a:pPr algn="ctr">
+              <a:spcAft>
+                <a:spcPts val="600"/>
+              </a:spcAft>
+            </a:pPr>
+            <a:r>
+              <a:rPr lang="en-US" sz="1200" dirty="0" smtClean="0">
+                <a:solidFill>
+                  <a:schemeClr val="bg1"/>
+                </a:solidFill>
+              </a:rPr>
+              <a:t>Shutdown-</a:t>
+            </a:r>
+            <a:r>
+              <a:rPr lang="en-US" sz="1200" dirty="0" err="1" smtClean="0">
+                <a:solidFill>
+                  <a:schemeClr val="bg1"/>
+                </a:solidFill>
+              </a:rPr>
+              <a:t>VMGuest</a:t>
+            </a:r>
+            <a:endParaRPr lang="en-US" sz="1200" dirty="0" smtClean="0">
+              <a:solidFill>
+                <a:schemeClr val="bg1"/>
+              </a:solidFill>
+            </a:endParaRPr>
+          </a:p>
+        </p:txBody>
+      </p:sp>
+      <p:sp>
+        <p:nvSpPr>
+          <p:cNvPr id="8" name="Rectangle 7"/>
+          <p:cNvSpPr/>
+          <p:nvPr/>
+        </p:nvSpPr>
+        <p:spPr>
+          <a:xfrm>
+            <a:off x="3744479" y="3771897"/>
+            <a:ext cx="1563987" cy="2400301"/>
+          </a:xfrm>
+          <a:prstGeom prst="rect">
+            <a:avLst/>
+          </a:prstGeom>
+          <a:solidFill>
+            <a:schemeClr val="bg2">
+              <a:lumMod val="75000"/>
+            </a:schemeClr>
+          </a:solidFill>
+          <a:ln>
+            <a:noFill/>
+          </a:ln>
+          <a:effectLst/>
+        </p:spPr>
+        <p:style>
+          <a:lnRef idx="1">
+            <a:schemeClr val="accent1"/>
+          </a:lnRef>
+          <a:fillRef idx="3">
+            <a:schemeClr val="accent1"/>
+          </a:fillRef>
+          <a:effectRef idx="2">
+            <a:schemeClr val="accent1"/>
+          </a:effectRef>
+          <a:fontRef idx="minor">
+            <a:schemeClr val="lt1"/>
+          </a:fontRef>
+        </p:style>
+        <p:txBody>
+          <a:bodyPr rot="0" spcFirstLastPara="0" vertOverflow="overflow" horzOverflow="overflow" vert="horz" wrap="square" lIns="91440" tIns="45720" rIns="91440" bIns="45720" numCol="1" spcCol="0" rtlCol="0" fromWordArt="0" anchor="ctr" anchorCtr="0" forceAA="0" compatLnSpc="1">
+            <a:prstTxWarp prst="textNoShape">
+              <a:avLst/>
+            </a:prstTxWarp>
+            <a:noAutofit/>
+          </a:bodyPr>
+          <a:lstStyle/>
+          <a:p>
+            <a:pPr algn="ctr">
+              <a:spcAft>
+                <a:spcPts val="600"/>
+              </a:spcAft>
+            </a:pPr>
+            <a:r>
+              <a:rPr lang="en-US" sz="2800" dirty="0" smtClean="0">
+                <a:solidFill>
+                  <a:schemeClr val="bg1"/>
+                </a:solidFill>
+              </a:rPr>
+              <a:t>Function</a:t>
+            </a:r>
+          </a:p>
+          <a:p>
+            <a:pPr algn="ctr">
+              <a:spcAft>
+                <a:spcPts val="600"/>
+              </a:spcAft>
+            </a:pPr>
+            <a:r>
+              <a:rPr lang="en-US" sz="1200" dirty="0" smtClean="0">
+                <a:solidFill>
+                  <a:schemeClr val="bg1"/>
+                </a:solidFill>
+              </a:rPr>
+              <a:t>Set-VM</a:t>
+            </a:r>
+          </a:p>
+        </p:txBody>
+      </p:sp>
+      <p:sp>
+        <p:nvSpPr>
+          <p:cNvPr id="9" name="Rectangle 8"/>
+          <p:cNvSpPr/>
+          <p:nvPr/>
+        </p:nvSpPr>
+        <p:spPr>
+          <a:xfrm>
+            <a:off x="5308466" y="3771894"/>
+            <a:ext cx="1563987" cy="2400301"/>
+          </a:xfrm>
+          <a:prstGeom prst="rect">
+            <a:avLst/>
+          </a:prstGeom>
+          <a:solidFill>
+            <a:schemeClr val="accent4">
+              <a:lumMod val="75000"/>
+            </a:schemeClr>
+          </a:solidFill>
+          <a:ln>
+            <a:noFill/>
+          </a:ln>
+          <a:effectLst/>
+        </p:spPr>
+        <p:style>
+          <a:lnRef idx="1">
+            <a:schemeClr val="accent1"/>
+          </a:lnRef>
+          <a:fillRef idx="3">
+            <a:schemeClr val="accent1"/>
+          </a:fillRef>
+          <a:effectRef idx="2">
+            <a:schemeClr val="accent1"/>
+          </a:effectRef>
+          <a:fontRef idx="minor">
+            <a:schemeClr val="lt1"/>
+          </a:fontRef>
+        </p:style>
+        <p:txBody>
+          <a:bodyPr rot="0" spcFirstLastPara="0" vertOverflow="overflow" horzOverflow="overflow" vert="horz" wrap="square" lIns="91440" tIns="45720" rIns="91440" bIns="45720" numCol="1" spcCol="0" rtlCol="0" fromWordArt="0" anchor="ctr" anchorCtr="0" forceAA="0" compatLnSpc="1">
+            <a:prstTxWarp prst="textNoShape">
+              <a:avLst/>
+            </a:prstTxWarp>
+            <a:noAutofit/>
+          </a:bodyPr>
+          <a:lstStyle/>
+          <a:p>
+            <a:pPr algn="ctr">
+              <a:spcAft>
+                <a:spcPts val="600"/>
+              </a:spcAft>
+            </a:pPr>
+            <a:r>
+              <a:rPr lang="en-US" sz="2800" dirty="0" smtClean="0">
+                <a:solidFill>
+                  <a:schemeClr val="bg1"/>
+                </a:solidFill>
+              </a:rPr>
+              <a:t>Function</a:t>
+            </a:r>
+          </a:p>
+          <a:p>
+            <a:pPr algn="ctr">
+              <a:spcAft>
+                <a:spcPts val="600"/>
+              </a:spcAft>
+            </a:pPr>
+            <a:r>
+              <a:rPr lang="en-US" sz="1200" dirty="0" smtClean="0">
+                <a:solidFill>
+                  <a:schemeClr val="bg1"/>
+                </a:solidFill>
+              </a:rPr>
+              <a:t>Start-VM</a:t>
+            </a:r>
+          </a:p>
+        </p:txBody>
+      </p:sp>
+      <p:sp>
+        <p:nvSpPr>
+          <p:cNvPr id="10" name="TextBox 9"/>
+          <p:cNvSpPr txBox="1"/>
+          <p:nvPr/>
+        </p:nvSpPr>
+        <p:spPr>
+          <a:xfrm>
+            <a:off x="8598877" y="1244211"/>
+            <a:ext cx="2848707" cy="1080296"/>
+          </a:xfrm>
+          <a:prstGeom prst="rect">
+            <a:avLst/>
+          </a:prstGeom>
+          <a:noFill/>
+        </p:spPr>
+        <p:txBody>
+          <a:bodyPr wrap="square" lIns="0" tIns="0" rIns="0" bIns="0" rtlCol="0">
+            <a:spAutoFit/>
+          </a:bodyPr>
+          <a:lstStyle/>
+          <a:p>
+            <a:pPr algn="l">
+              <a:lnSpc>
+                <a:spcPct val="130000"/>
+              </a:lnSpc>
+            </a:pPr>
+            <a:r>
+              <a:rPr lang="en-US" sz="1800" dirty="0" smtClean="0">
+                <a:solidFill>
+                  <a:schemeClr val="tx2"/>
+                </a:solidFill>
+              </a:rPr>
+              <a:t>Functions do not need to be verb-noun….  But don’t be that person!</a:t>
+            </a:r>
           </a:p>
         </p:txBody>
       </p:sp>
     </p:spTree>
     <p:extLst>
       <p:ext uri="{BB962C8B-B14F-4D97-AF65-F5344CB8AC3E}">
-        <p14:creationId xmlns:p14="http://schemas.microsoft.com/office/powerpoint/2010/main" val="624310360"/>
+        <p14:creationId xmlns:p14="http://schemas.microsoft.com/office/powerpoint/2010/main" val="312628467"/>
       </p:ext>
     </p:extLst>
   </p:cSld>
@@ -22188,675 +22165,6 @@
           <a:p>
             <a:r>
               <a:rPr lang="en-US" dirty="0" smtClean="0"/>
-              <a:t>PowerShell Functions</a:t>
-            </a:r>
-            <a:endParaRPr lang="en-US" dirty="0"/>
-          </a:p>
-        </p:txBody>
-      </p:sp>
-      <p:sp>
-        <p:nvSpPr>
-          <p:cNvPr id="3" name="Subtitle 2"/>
-          <p:cNvSpPr>
-            <a:spLocks noGrp="1"/>
-          </p:cNvSpPr>
-          <p:nvPr>
-            <p:ph type="subTitle" idx="10"/>
-          </p:nvPr>
-        </p:nvSpPr>
-        <p:spPr/>
-        <p:txBody>
-          <a:bodyPr/>
-          <a:lstStyle/>
-          <a:p>
-            <a:r>
-              <a:rPr lang="en-US" dirty="0" smtClean="0"/>
-              <a:t>What </a:t>
-            </a:r>
-            <a:r>
-              <a:rPr lang="en-US" dirty="0" smtClean="0"/>
-              <a:t>are they</a:t>
-            </a:r>
-            <a:r>
-              <a:rPr lang="en-US" dirty="0" smtClean="0"/>
-              <a:t>?</a:t>
-            </a:r>
-            <a:endParaRPr lang="en-US" dirty="0"/>
-          </a:p>
-        </p:txBody>
-      </p:sp>
-      <p:sp>
-        <p:nvSpPr>
-          <p:cNvPr id="4" name="Content Placeholder 3"/>
-          <p:cNvSpPr>
-            <a:spLocks noGrp="1"/>
-          </p:cNvSpPr>
-          <p:nvPr>
-            <p:ph sz="quarter" idx="14"/>
-          </p:nvPr>
-        </p:nvSpPr>
-        <p:spPr/>
-        <p:txBody>
-          <a:bodyPr/>
-          <a:lstStyle/>
-          <a:p>
-            <a:r>
-              <a:rPr lang="en-US" dirty="0" smtClean="0"/>
-              <a:t>A list of PowerShell statements that has a name you assign.</a:t>
-            </a:r>
-          </a:p>
-          <a:p>
-            <a:pPr lvl="1"/>
-            <a:r>
-              <a:rPr lang="en-US" dirty="0" smtClean="0"/>
-              <a:t>Wait – That sounds like a PowerShell script</a:t>
-            </a:r>
-            <a:r>
-              <a:rPr lang="en-US" dirty="0" smtClean="0"/>
-              <a:t>!</a:t>
-            </a:r>
-          </a:p>
-          <a:p>
-            <a:r>
-              <a:rPr lang="en-US" dirty="0" smtClean="0"/>
-              <a:t>My Opinion</a:t>
-            </a:r>
-          </a:p>
-          <a:p>
-            <a:pPr lvl="1"/>
-            <a:r>
-              <a:rPr lang="en-US" dirty="0" smtClean="0"/>
-              <a:t>Functions should do 1 thing well</a:t>
-            </a:r>
-          </a:p>
-          <a:p>
-            <a:pPr lvl="1"/>
-            <a:r>
-              <a:rPr lang="en-US" dirty="0" smtClean="0"/>
-              <a:t>A Script might call several to many functions to complete a larger task.</a:t>
-            </a:r>
-            <a:endParaRPr lang="en-US" dirty="0"/>
-          </a:p>
-        </p:txBody>
-      </p:sp>
-      <p:sp>
-        <p:nvSpPr>
-          <p:cNvPr id="5" name="Rectangle 4"/>
-          <p:cNvSpPr/>
-          <p:nvPr/>
-        </p:nvSpPr>
-        <p:spPr>
-          <a:xfrm>
-            <a:off x="616505" y="3771900"/>
-            <a:ext cx="1563987" cy="2400301"/>
-          </a:xfrm>
-          <a:prstGeom prst="rect">
-            <a:avLst/>
-          </a:prstGeom>
-          <a:solidFill>
-            <a:schemeClr val="accent1"/>
-          </a:solidFill>
-          <a:ln>
-            <a:noFill/>
-          </a:ln>
-          <a:effectLst/>
-        </p:spPr>
-        <p:style>
-          <a:lnRef idx="1">
-            <a:schemeClr val="accent1"/>
-          </a:lnRef>
-          <a:fillRef idx="3">
-            <a:schemeClr val="accent1"/>
-          </a:fillRef>
-          <a:effectRef idx="2">
-            <a:schemeClr val="accent1"/>
-          </a:effectRef>
-          <a:fontRef idx="minor">
-            <a:schemeClr val="lt1"/>
-          </a:fontRef>
-        </p:style>
-        <p:txBody>
-          <a:bodyPr rot="0" spcFirstLastPara="0" vertOverflow="overflow" horzOverflow="overflow" vert="horz" wrap="square" lIns="91440" tIns="45720" rIns="91440" bIns="45720" numCol="1" spcCol="0" rtlCol="0" fromWordArt="0" anchor="ctr" anchorCtr="0" forceAA="0" compatLnSpc="1">
-            <a:prstTxWarp prst="textNoShape">
-              <a:avLst/>
-            </a:prstTxWarp>
-            <a:noAutofit/>
-          </a:bodyPr>
-          <a:lstStyle/>
-          <a:p>
-            <a:pPr algn="ctr">
-              <a:spcAft>
-                <a:spcPts val="600"/>
-              </a:spcAft>
-            </a:pPr>
-            <a:r>
-              <a:rPr lang="en-US" sz="2800" dirty="0" smtClean="0">
-                <a:solidFill>
-                  <a:schemeClr val="bg1"/>
-                </a:solidFill>
-              </a:rPr>
-              <a:t>Function</a:t>
-            </a:r>
-          </a:p>
-          <a:p>
-            <a:pPr algn="ctr">
-              <a:spcAft>
-                <a:spcPts val="600"/>
-              </a:spcAft>
-            </a:pPr>
-            <a:r>
-              <a:rPr lang="en-US" sz="1200" dirty="0" smtClean="0">
-                <a:solidFill>
-                  <a:schemeClr val="bg1"/>
-                </a:solidFill>
-              </a:rPr>
-              <a:t>Get-VM</a:t>
-            </a:r>
-            <a:endParaRPr lang="en-US" sz="1200" dirty="0" smtClean="0">
-              <a:solidFill>
-                <a:schemeClr val="bg1"/>
-              </a:solidFill>
-            </a:endParaRPr>
-          </a:p>
-        </p:txBody>
-      </p:sp>
-      <p:sp>
-        <p:nvSpPr>
-          <p:cNvPr id="6" name="Rectangle 5"/>
-          <p:cNvSpPr/>
-          <p:nvPr/>
-        </p:nvSpPr>
-        <p:spPr>
-          <a:xfrm>
-            <a:off x="6872454" y="3771899"/>
-            <a:ext cx="4767518" cy="2400301"/>
-          </a:xfrm>
-          <a:prstGeom prst="rect">
-            <a:avLst/>
-          </a:prstGeom>
-          <a:solidFill>
-            <a:schemeClr val="accent3">
-              <a:lumMod val="60000"/>
-              <a:lumOff val="40000"/>
-            </a:schemeClr>
-          </a:solidFill>
-          <a:ln>
-            <a:noFill/>
-          </a:ln>
-          <a:effectLst/>
-        </p:spPr>
-        <p:style>
-          <a:lnRef idx="1">
-            <a:schemeClr val="accent1"/>
-          </a:lnRef>
-          <a:fillRef idx="3">
-            <a:schemeClr val="accent1"/>
-          </a:fillRef>
-          <a:effectRef idx="2">
-            <a:schemeClr val="accent1"/>
-          </a:effectRef>
-          <a:fontRef idx="minor">
-            <a:schemeClr val="lt1"/>
-          </a:fontRef>
-        </p:style>
-        <p:txBody>
-          <a:bodyPr rot="0" spcFirstLastPara="0" vertOverflow="overflow" horzOverflow="overflow" vert="horz" wrap="square" lIns="91440" tIns="45720" rIns="91440" bIns="45720" numCol="1" spcCol="0" rtlCol="0" fromWordArt="0" anchor="ctr" anchorCtr="0" forceAA="0" compatLnSpc="1">
-            <a:prstTxWarp prst="textNoShape">
-              <a:avLst/>
-            </a:prstTxWarp>
-            <a:noAutofit/>
-          </a:bodyPr>
-          <a:lstStyle/>
-          <a:p>
-            <a:pPr algn="ctr">
-              <a:spcAft>
-                <a:spcPts val="600"/>
-              </a:spcAft>
-            </a:pPr>
-            <a:r>
-              <a:rPr lang="en-US" sz="2800" dirty="0" smtClean="0">
-                <a:solidFill>
-                  <a:schemeClr val="bg1"/>
-                </a:solidFill>
-              </a:rPr>
-              <a:t>Script</a:t>
-            </a:r>
-          </a:p>
-          <a:p>
-            <a:pPr marL="228600" indent="-228600" algn="ctr">
-              <a:spcAft>
-                <a:spcPts val="600"/>
-              </a:spcAft>
-              <a:buFont typeface="+mj-lt"/>
-              <a:buAutoNum type="arabicPeriod"/>
-            </a:pPr>
-            <a:r>
-              <a:rPr lang="en-US" sz="1200" dirty="0" smtClean="0">
-                <a:solidFill>
-                  <a:schemeClr val="bg1"/>
-                </a:solidFill>
-              </a:rPr>
-              <a:t>Get a list of VM’s</a:t>
-            </a:r>
-          </a:p>
-          <a:p>
-            <a:pPr marL="228600" indent="-228600" algn="ctr">
-              <a:spcAft>
-                <a:spcPts val="600"/>
-              </a:spcAft>
-              <a:buFont typeface="+mj-lt"/>
-              <a:buAutoNum type="arabicPeriod"/>
-            </a:pPr>
-            <a:r>
-              <a:rPr lang="en-US" sz="1200" dirty="0" smtClean="0">
-                <a:solidFill>
-                  <a:schemeClr val="bg1"/>
-                </a:solidFill>
-              </a:rPr>
-              <a:t>Safely shut them down</a:t>
-            </a:r>
-          </a:p>
-          <a:p>
-            <a:pPr marL="228600" indent="-228600" algn="ctr">
-              <a:spcAft>
-                <a:spcPts val="600"/>
-              </a:spcAft>
-              <a:buFont typeface="+mj-lt"/>
-              <a:buAutoNum type="arabicPeriod"/>
-            </a:pPr>
-            <a:r>
-              <a:rPr lang="en-US" sz="1200" dirty="0" smtClean="0">
-                <a:solidFill>
-                  <a:schemeClr val="bg1"/>
-                </a:solidFill>
-              </a:rPr>
-              <a:t>Edit the Number of CPU’s</a:t>
-            </a:r>
-          </a:p>
-          <a:p>
-            <a:pPr marL="228600" indent="-228600" algn="ctr">
-              <a:spcAft>
-                <a:spcPts val="600"/>
-              </a:spcAft>
-              <a:buFont typeface="+mj-lt"/>
-              <a:buAutoNum type="arabicPeriod"/>
-            </a:pPr>
-            <a:r>
-              <a:rPr lang="en-US" sz="1200" dirty="0" smtClean="0">
-                <a:solidFill>
-                  <a:schemeClr val="bg1"/>
-                </a:solidFill>
-              </a:rPr>
-              <a:t>Power the VM’s back on</a:t>
-            </a:r>
-            <a:endParaRPr lang="en-US" sz="1200" dirty="0" smtClean="0">
-              <a:solidFill>
-                <a:schemeClr val="bg1"/>
-              </a:solidFill>
-            </a:endParaRPr>
-          </a:p>
-        </p:txBody>
-      </p:sp>
-      <p:sp>
-        <p:nvSpPr>
-          <p:cNvPr id="7" name="Rectangle 6"/>
-          <p:cNvSpPr/>
-          <p:nvPr/>
-        </p:nvSpPr>
-        <p:spPr>
-          <a:xfrm>
-            <a:off x="2180492" y="3771898"/>
-            <a:ext cx="1563987" cy="2400301"/>
-          </a:xfrm>
-          <a:prstGeom prst="rect">
-            <a:avLst/>
-          </a:prstGeom>
-          <a:solidFill>
-            <a:schemeClr val="tx2">
-              <a:lumMod val="50000"/>
-              <a:lumOff val="50000"/>
-            </a:schemeClr>
-          </a:solidFill>
-          <a:ln>
-            <a:noFill/>
-          </a:ln>
-          <a:effectLst/>
-        </p:spPr>
-        <p:style>
-          <a:lnRef idx="1">
-            <a:schemeClr val="accent1"/>
-          </a:lnRef>
-          <a:fillRef idx="3">
-            <a:schemeClr val="accent1"/>
-          </a:fillRef>
-          <a:effectRef idx="2">
-            <a:schemeClr val="accent1"/>
-          </a:effectRef>
-          <a:fontRef idx="minor">
-            <a:schemeClr val="lt1"/>
-          </a:fontRef>
-        </p:style>
-        <p:txBody>
-          <a:bodyPr rot="0" spcFirstLastPara="0" vertOverflow="overflow" horzOverflow="overflow" vert="horz" wrap="square" lIns="91440" tIns="45720" rIns="91440" bIns="45720" numCol="1" spcCol="0" rtlCol="0" fromWordArt="0" anchor="ctr" anchorCtr="0" forceAA="0" compatLnSpc="1">
-            <a:prstTxWarp prst="textNoShape">
-              <a:avLst/>
-            </a:prstTxWarp>
-            <a:noAutofit/>
-          </a:bodyPr>
-          <a:lstStyle/>
-          <a:p>
-            <a:pPr algn="ctr">
-              <a:spcAft>
-                <a:spcPts val="600"/>
-              </a:spcAft>
-            </a:pPr>
-            <a:r>
-              <a:rPr lang="en-US" sz="2800" dirty="0" smtClean="0">
-                <a:solidFill>
-                  <a:schemeClr val="bg1"/>
-                </a:solidFill>
-              </a:rPr>
-              <a:t>Function</a:t>
-            </a:r>
-          </a:p>
-          <a:p>
-            <a:pPr algn="ctr">
-              <a:spcAft>
-                <a:spcPts val="600"/>
-              </a:spcAft>
-            </a:pPr>
-            <a:r>
-              <a:rPr lang="en-US" sz="1200" dirty="0" smtClean="0">
-                <a:solidFill>
-                  <a:schemeClr val="bg1"/>
-                </a:solidFill>
-              </a:rPr>
-              <a:t>Shutdown-</a:t>
-            </a:r>
-            <a:r>
-              <a:rPr lang="en-US" sz="1200" dirty="0" err="1" smtClean="0">
-                <a:solidFill>
-                  <a:schemeClr val="bg1"/>
-                </a:solidFill>
-              </a:rPr>
-              <a:t>VMGuest</a:t>
-            </a:r>
-            <a:endParaRPr lang="en-US" sz="1200" dirty="0" smtClean="0">
-              <a:solidFill>
-                <a:schemeClr val="bg1"/>
-              </a:solidFill>
-            </a:endParaRPr>
-          </a:p>
-        </p:txBody>
-      </p:sp>
-      <p:sp>
-        <p:nvSpPr>
-          <p:cNvPr id="8" name="Rectangle 7"/>
-          <p:cNvSpPr/>
-          <p:nvPr/>
-        </p:nvSpPr>
-        <p:spPr>
-          <a:xfrm>
-            <a:off x="3744479" y="3771897"/>
-            <a:ext cx="1563987" cy="2400301"/>
-          </a:xfrm>
-          <a:prstGeom prst="rect">
-            <a:avLst/>
-          </a:prstGeom>
-          <a:solidFill>
-            <a:schemeClr val="bg2">
-              <a:lumMod val="75000"/>
-            </a:schemeClr>
-          </a:solidFill>
-          <a:ln>
-            <a:noFill/>
-          </a:ln>
-          <a:effectLst/>
-        </p:spPr>
-        <p:style>
-          <a:lnRef idx="1">
-            <a:schemeClr val="accent1"/>
-          </a:lnRef>
-          <a:fillRef idx="3">
-            <a:schemeClr val="accent1"/>
-          </a:fillRef>
-          <a:effectRef idx="2">
-            <a:schemeClr val="accent1"/>
-          </a:effectRef>
-          <a:fontRef idx="minor">
-            <a:schemeClr val="lt1"/>
-          </a:fontRef>
-        </p:style>
-        <p:txBody>
-          <a:bodyPr rot="0" spcFirstLastPara="0" vertOverflow="overflow" horzOverflow="overflow" vert="horz" wrap="square" lIns="91440" tIns="45720" rIns="91440" bIns="45720" numCol="1" spcCol="0" rtlCol="0" fromWordArt="0" anchor="ctr" anchorCtr="0" forceAA="0" compatLnSpc="1">
-            <a:prstTxWarp prst="textNoShape">
-              <a:avLst/>
-            </a:prstTxWarp>
-            <a:noAutofit/>
-          </a:bodyPr>
-          <a:lstStyle/>
-          <a:p>
-            <a:pPr algn="ctr">
-              <a:spcAft>
-                <a:spcPts val="600"/>
-              </a:spcAft>
-            </a:pPr>
-            <a:r>
-              <a:rPr lang="en-US" sz="2800" dirty="0" smtClean="0">
-                <a:solidFill>
-                  <a:schemeClr val="bg1"/>
-                </a:solidFill>
-              </a:rPr>
-              <a:t>Function</a:t>
-            </a:r>
-          </a:p>
-          <a:p>
-            <a:pPr algn="ctr">
-              <a:spcAft>
-                <a:spcPts val="600"/>
-              </a:spcAft>
-            </a:pPr>
-            <a:r>
-              <a:rPr lang="en-US" sz="1200" dirty="0" smtClean="0">
-                <a:solidFill>
-                  <a:schemeClr val="bg1"/>
-                </a:solidFill>
-              </a:rPr>
-              <a:t>Set-VM</a:t>
-            </a:r>
-            <a:endParaRPr lang="en-US" sz="1200" dirty="0" smtClean="0">
-              <a:solidFill>
-                <a:schemeClr val="bg1"/>
-              </a:solidFill>
-            </a:endParaRPr>
-          </a:p>
-        </p:txBody>
-      </p:sp>
-      <p:sp>
-        <p:nvSpPr>
-          <p:cNvPr id="9" name="Rectangle 8"/>
-          <p:cNvSpPr/>
-          <p:nvPr/>
-        </p:nvSpPr>
-        <p:spPr>
-          <a:xfrm>
-            <a:off x="5308466" y="3771894"/>
-            <a:ext cx="1563987" cy="2400301"/>
-          </a:xfrm>
-          <a:prstGeom prst="rect">
-            <a:avLst/>
-          </a:prstGeom>
-          <a:solidFill>
-            <a:schemeClr val="accent4">
-              <a:lumMod val="75000"/>
-            </a:schemeClr>
-          </a:solidFill>
-          <a:ln>
-            <a:noFill/>
-          </a:ln>
-          <a:effectLst/>
-        </p:spPr>
-        <p:style>
-          <a:lnRef idx="1">
-            <a:schemeClr val="accent1"/>
-          </a:lnRef>
-          <a:fillRef idx="3">
-            <a:schemeClr val="accent1"/>
-          </a:fillRef>
-          <a:effectRef idx="2">
-            <a:schemeClr val="accent1"/>
-          </a:effectRef>
-          <a:fontRef idx="minor">
-            <a:schemeClr val="lt1"/>
-          </a:fontRef>
-        </p:style>
-        <p:txBody>
-          <a:bodyPr rot="0" spcFirstLastPara="0" vertOverflow="overflow" horzOverflow="overflow" vert="horz" wrap="square" lIns="91440" tIns="45720" rIns="91440" bIns="45720" numCol="1" spcCol="0" rtlCol="0" fromWordArt="0" anchor="ctr" anchorCtr="0" forceAA="0" compatLnSpc="1">
-            <a:prstTxWarp prst="textNoShape">
-              <a:avLst/>
-            </a:prstTxWarp>
-            <a:noAutofit/>
-          </a:bodyPr>
-          <a:lstStyle/>
-          <a:p>
-            <a:pPr algn="ctr">
-              <a:spcAft>
-                <a:spcPts val="600"/>
-              </a:spcAft>
-            </a:pPr>
-            <a:r>
-              <a:rPr lang="en-US" sz="2800" dirty="0" smtClean="0">
-                <a:solidFill>
-                  <a:schemeClr val="bg1"/>
-                </a:solidFill>
-              </a:rPr>
-              <a:t>Function</a:t>
-            </a:r>
-          </a:p>
-          <a:p>
-            <a:pPr algn="ctr">
-              <a:spcAft>
-                <a:spcPts val="600"/>
-              </a:spcAft>
-            </a:pPr>
-            <a:r>
-              <a:rPr lang="en-US" sz="1200" dirty="0" smtClean="0">
-                <a:solidFill>
-                  <a:schemeClr val="bg1"/>
-                </a:solidFill>
-              </a:rPr>
-              <a:t>Start-VM</a:t>
-            </a:r>
-            <a:endParaRPr lang="en-US" sz="1200" dirty="0" smtClean="0">
-              <a:solidFill>
-                <a:schemeClr val="bg1"/>
-              </a:solidFill>
-            </a:endParaRPr>
-          </a:p>
-        </p:txBody>
-      </p:sp>
-      <p:sp>
-        <p:nvSpPr>
-          <p:cNvPr id="10" name="TextBox 9"/>
-          <p:cNvSpPr txBox="1"/>
-          <p:nvPr/>
-        </p:nvSpPr>
-        <p:spPr>
-          <a:xfrm>
-            <a:off x="8994531" y="1059573"/>
-            <a:ext cx="2848707" cy="1080296"/>
-          </a:xfrm>
-          <a:prstGeom prst="rect">
-            <a:avLst/>
-          </a:prstGeom>
-          <a:noFill/>
-        </p:spPr>
-        <p:txBody>
-          <a:bodyPr wrap="square" lIns="0" tIns="0" rIns="0" bIns="0" rtlCol="0">
-            <a:spAutoFit/>
-          </a:bodyPr>
-          <a:lstStyle/>
-          <a:p>
-            <a:pPr algn="l">
-              <a:lnSpc>
-                <a:spcPct val="130000"/>
-              </a:lnSpc>
-            </a:pPr>
-            <a:r>
-              <a:rPr lang="en-US" sz="1800" dirty="0" smtClean="0">
-                <a:solidFill>
-                  <a:schemeClr val="tx2"/>
-                </a:solidFill>
-              </a:rPr>
-              <a:t>Functions do not need to be verb-noun….  But don’t be that person!</a:t>
-            </a:r>
-            <a:endParaRPr lang="en-US" sz="1800" dirty="0" smtClean="0">
-              <a:solidFill>
-                <a:schemeClr val="tx2"/>
-              </a:solidFill>
-            </a:endParaRPr>
-          </a:p>
-        </p:txBody>
-      </p:sp>
-    </p:spTree>
-    <p:extLst>
-      <p:ext uri="{BB962C8B-B14F-4D97-AF65-F5344CB8AC3E}">
-        <p14:creationId xmlns:p14="http://schemas.microsoft.com/office/powerpoint/2010/main" val="312628467"/>
-      </p:ext>
-    </p:extLst>
-  </p:cSld>
-  <p:clrMapOvr>
-    <a:masterClrMapping/>
-  </p:clrMapOvr>
-  <mc:AlternateContent xmlns:mc="http://schemas.openxmlformats.org/markup-compatibility/2006" xmlns:p14="http://schemas.microsoft.com/office/powerpoint/2010/main">
-    <mc:Choice Requires="p14">
-      <p:transition spd="med" p14:dur="700">
-        <p:fade/>
-      </p:transition>
-    </mc:Choice>
-    <mc:Fallback xmlns="">
-      <p:transition spd="med">
-        <p:fade/>
-      </p:transition>
-    </mc:Fallback>
-  </mc:AlternateContent>
-</p:sld>
-</file>
-
-<file path=ppt/slides/slide7.xml><?xml version="1.0" encoding="utf-8"?>
-<p:sld xmlns:a="http://schemas.openxmlformats.org/drawingml/2006/main" xmlns:r="http://schemas.openxmlformats.org/officeDocument/2006/relationships" xmlns:p="http://schemas.openxmlformats.org/presentationml/2006/main">
-  <p:cSld>
-    <p:spTree>
-      <p:nvGrpSpPr>
-        <p:cNvPr id="1" name=""/>
-        <p:cNvGrpSpPr/>
-        <p:nvPr/>
-      </p:nvGrpSpPr>
-      <p:grpSpPr>
-        <a:xfrm>
-          <a:off x="0" y="0"/>
-          <a:ext cx="0" cy="0"/>
-          <a:chOff x="0" y="0"/>
-          <a:chExt cx="0" cy="0"/>
-        </a:xfrm>
-      </p:grpSpPr>
-      <p:sp>
-        <p:nvSpPr>
-          <p:cNvPr id="2" name="Title 1"/>
-          <p:cNvSpPr>
-            <a:spLocks noGrp="1"/>
-          </p:cNvSpPr>
-          <p:nvPr>
-            <p:ph type="title"/>
-          </p:nvPr>
-        </p:nvSpPr>
-        <p:spPr/>
-        <p:txBody>
-          <a:bodyPr/>
-          <a:lstStyle/>
-          <a:p>
-            <a:r>
-              <a:rPr lang="en-US" dirty="0" smtClean="0"/>
               <a:t>PowerShell Cmdlets</a:t>
             </a:r>
             <a:endParaRPr lang="en-US" dirty="0"/>
@@ -22916,11 +22224,7 @@
             </a:r>
             <a:r>
               <a:rPr lang="en-US" dirty="0" smtClean="0"/>
-              <a:t> (Binary file</a:t>
-            </a:r>
-            <a:r>
-              <a:rPr lang="en-US" dirty="0" smtClean="0"/>
-              <a:t>)</a:t>
+              <a:t> (Binary file)</a:t>
             </a:r>
           </a:p>
           <a:p>
@@ -22934,7 +22238,6 @@
               <a:rPr lang="en-US" dirty="0" smtClean="0"/>
               <a:t>Not plain text</a:t>
             </a:r>
-            <a:endParaRPr lang="en-US" dirty="0" smtClean="0"/>
           </a:p>
           <a:p>
             <a:r>
@@ -23034,7 +22337,7 @@
 </p:sld>
 </file>
 
-<file path=ppt/slides/slide8.xml><?xml version="1.0" encoding="utf-8"?>
+<file path=ppt/slides/slide7.xml><?xml version="1.0" encoding="utf-8"?>
 <p:sld xmlns:a="http://schemas.openxmlformats.org/drawingml/2006/main" xmlns:r="http://schemas.openxmlformats.org/officeDocument/2006/relationships" xmlns:p="http://schemas.openxmlformats.org/presentationml/2006/main">
   <p:cSld>
     <p:spTree>
@@ -23124,11 +22427,7 @@
             </a:r>
             <a:r>
               <a:rPr lang="en-US" dirty="0" err="1" smtClean="0"/>
-              <a:t>C</a:t>
-            </a:r>
-            <a:r>
-              <a:rPr lang="en-US" dirty="0" err="1" smtClean="0"/>
-              <a:t>mdletBinding</a:t>
+              <a:t>CmdletBinding</a:t>
             </a:r>
             <a:r>
               <a:rPr lang="en-US" dirty="0" smtClean="0"/>
@@ -23231,6 +22530,167 @@
 </p:sld>
 </file>
 
+<file path=ppt/slides/slide8.xml><?xml version="1.0" encoding="utf-8"?>
+<p:sld xmlns:a="http://schemas.openxmlformats.org/drawingml/2006/main" xmlns:r="http://schemas.openxmlformats.org/officeDocument/2006/relationships" xmlns:p="http://schemas.openxmlformats.org/presentationml/2006/main">
+  <p:cSld>
+    <p:spTree>
+      <p:nvGrpSpPr>
+        <p:cNvPr id="1" name=""/>
+        <p:cNvGrpSpPr/>
+        <p:nvPr/>
+      </p:nvGrpSpPr>
+      <p:grpSpPr>
+        <a:xfrm>
+          <a:off x="0" y="0"/>
+          <a:ext cx="0" cy="0"/>
+          <a:chOff x="0" y="0"/>
+          <a:chExt cx="0" cy="0"/>
+        </a:xfrm>
+      </p:grpSpPr>
+      <p:sp>
+        <p:nvSpPr>
+          <p:cNvPr id="2" name="Title 1"/>
+          <p:cNvSpPr>
+            <a:spLocks noGrp="1"/>
+          </p:cNvSpPr>
+          <p:nvPr>
+            <p:ph type="title"/>
+          </p:nvPr>
+        </p:nvSpPr>
+        <p:spPr/>
+        <p:txBody>
+          <a:bodyPr/>
+          <a:lstStyle/>
+          <a:p>
+            <a:r>
+              <a:rPr lang="en-US" dirty="0" smtClean="0"/>
+              <a:t>PowerShell Modules</a:t>
+            </a:r>
+            <a:endParaRPr lang="en-US" dirty="0"/>
+          </a:p>
+        </p:txBody>
+      </p:sp>
+      <p:sp>
+        <p:nvSpPr>
+          <p:cNvPr id="3" name="Subtitle 2"/>
+          <p:cNvSpPr>
+            <a:spLocks noGrp="1"/>
+          </p:cNvSpPr>
+          <p:nvPr>
+            <p:ph type="subTitle" idx="10"/>
+          </p:nvPr>
+        </p:nvSpPr>
+        <p:spPr/>
+        <p:txBody>
+          <a:bodyPr/>
+          <a:lstStyle/>
+          <a:p>
+            <a:r>
+              <a:rPr lang="en-US" dirty="0" smtClean="0"/>
+              <a:t>This is what we are here for!</a:t>
+            </a:r>
+            <a:endParaRPr lang="en-US" dirty="0"/>
+          </a:p>
+        </p:txBody>
+      </p:sp>
+      <p:sp>
+        <p:nvSpPr>
+          <p:cNvPr id="4" name="Content Placeholder 3"/>
+          <p:cNvSpPr>
+            <a:spLocks noGrp="1"/>
+          </p:cNvSpPr>
+          <p:nvPr>
+            <p:ph sz="quarter" idx="14"/>
+          </p:nvPr>
+        </p:nvSpPr>
+        <p:spPr/>
+        <p:txBody>
+          <a:bodyPr/>
+          <a:lstStyle/>
+          <a:p>
+            <a:r>
+              <a:rPr lang="en-US" dirty="0"/>
+              <a:t>A module is a self-contained, reusable unit that can include cmdlets, providers, functions, variables, and other resources that can be imported into a PowerShell session or any custom PowerShell program</a:t>
+            </a:r>
+            <a:r>
+              <a:rPr lang="en-US" dirty="0" smtClean="0"/>
+              <a:t>.</a:t>
+            </a:r>
+          </a:p>
+          <a:p>
+            <a:r>
+              <a:rPr lang="en-US" dirty="0" smtClean="0"/>
+              <a:t>Key things you will interact with when writing your own modules:</a:t>
+            </a:r>
+          </a:p>
+          <a:p>
+            <a:pPr lvl="1"/>
+            <a:r>
+              <a:rPr lang="en-US" dirty="0" smtClean="0"/>
+              <a:t>Functions</a:t>
+            </a:r>
+          </a:p>
+          <a:p>
+            <a:pPr lvl="1"/>
+            <a:r>
+              <a:rPr lang="en-US" dirty="0" smtClean="0"/>
+              <a:t>Advanced Functions</a:t>
+            </a:r>
+          </a:p>
+          <a:p>
+            <a:pPr lvl="1"/>
+            <a:r>
+              <a:rPr lang="en-US" dirty="0" smtClean="0"/>
+              <a:t>Variables</a:t>
+            </a:r>
+          </a:p>
+          <a:p>
+            <a:r>
+              <a:rPr lang="en-US" dirty="0" smtClean="0"/>
+              <a:t>Module types:</a:t>
+            </a:r>
+          </a:p>
+          <a:p>
+            <a:pPr lvl="1"/>
+            <a:r>
+              <a:rPr lang="en-US" dirty="0" smtClean="0"/>
+              <a:t>Native Module – Written in C# as compiled .NET assemblies</a:t>
+            </a:r>
+          </a:p>
+          <a:p>
+            <a:pPr lvl="1"/>
+            <a:r>
+              <a:rPr lang="en-US" dirty="0" smtClean="0"/>
+              <a:t>Script Module – Plain text PowerShell</a:t>
+            </a:r>
+          </a:p>
+        </p:txBody>
+      </p:sp>
+    </p:spTree>
+    <p:extLst>
+      <p:ext uri="{BB962C8B-B14F-4D97-AF65-F5344CB8AC3E}">
+        <p14:creationId xmlns:p14="http://schemas.microsoft.com/office/powerpoint/2010/main" val="4280309714"/>
+      </p:ext>
+    </p:extLst>
+  </p:cSld>
+  <p:clrMapOvr>
+    <a:masterClrMapping/>
+  </p:clrMapOvr>
+  <mc:AlternateContent xmlns:mc="http://schemas.openxmlformats.org/markup-compatibility/2006" xmlns:p14="http://schemas.microsoft.com/office/powerpoint/2010/main">
+    <mc:Choice Requires="p14">
+      <p:transition spd="med" p14:dur="700">
+        <p:fade/>
+      </p:transition>
+    </mc:Choice>
+    <mc:Fallback xmlns="">
+      <p:transition spd="med">
+        <p:fade/>
+      </p:transition>
+    </mc:Fallback>
+  </mc:AlternateContent>
+</p:sld>
+</file>
+
 <file path=ppt/slides/slide9.xml><?xml version="1.0" encoding="utf-8"?>
 <p:sld xmlns:a="http://schemas.openxmlformats.org/drawingml/2006/main" xmlns:r="http://schemas.openxmlformats.org/officeDocument/2006/relationships" xmlns:p="http://schemas.openxmlformats.org/presentationml/2006/main">
   <p:cSld>
@@ -23288,7 +22748,7 @@
           <a:p>
             <a:r>
               <a:rPr lang="en-US" dirty="0" smtClean="0"/>
-              <a:t>This is what we are here for!</a:t>
+              <a:t>Parts and Pieces</a:t>
             </a:r>
             <a:endParaRPr lang="en-US" dirty="0"/>
           </a:p>
@@ -23296,81 +22756,441 @@
       </p:sp>
       <p:sp>
         <p:nvSpPr>
-          <p:cNvPr id="4" name="Content Placeholder 3"/>
-          <p:cNvSpPr>
-            <a:spLocks noGrp="1"/>
-          </p:cNvSpPr>
-          <p:nvPr>
-            <p:ph sz="quarter" idx="14"/>
-          </p:nvPr>
+          <p:cNvPr id="5" name="Rectangle 4"/>
+          <p:cNvSpPr/>
+          <p:nvPr/>
         </p:nvSpPr>
-        <p:spPr/>
+        <p:spPr>
+          <a:xfrm>
+            <a:off x="448408" y="1503485"/>
+            <a:ext cx="3297115" cy="4633546"/>
+          </a:xfrm>
+          <a:prstGeom prst="rect">
+            <a:avLst/>
+          </a:prstGeom>
+          <a:solidFill>
+            <a:schemeClr val="accent1"/>
+          </a:solidFill>
+          <a:ln>
+            <a:noFill/>
+          </a:ln>
+          <a:effectLst/>
+        </p:spPr>
+        <p:style>
+          <a:lnRef idx="1">
+            <a:schemeClr val="accent1"/>
+          </a:lnRef>
+          <a:fillRef idx="3">
+            <a:schemeClr val="accent1"/>
+          </a:fillRef>
+          <a:effectRef idx="2">
+            <a:schemeClr val="accent1"/>
+          </a:effectRef>
+          <a:fontRef idx="minor">
+            <a:schemeClr val="lt1"/>
+          </a:fontRef>
+        </p:style>
         <p:txBody>
-          <a:bodyPr/>
+          <a:bodyPr rot="0" spcFirstLastPara="0" vertOverflow="overflow" horzOverflow="overflow" vert="horz" wrap="square" lIns="91440" tIns="45720" rIns="91440" bIns="45720" numCol="1" spcCol="0" rtlCol="0" fromWordArt="0" anchor="ctr" anchorCtr="0" forceAA="0" compatLnSpc="1">
+            <a:prstTxWarp prst="textNoShape">
+              <a:avLst/>
+            </a:prstTxWarp>
+            <a:noAutofit/>
+          </a:bodyPr>
           <a:lstStyle/>
           <a:p>
-            <a:r>
-              <a:rPr lang="en-US" dirty="0"/>
-              <a:t>A module is a self-contained, reusable unit that can include cmdlets, providers, functions, variables, and other resources that can be imported into a PowerShell session or any custom PowerShell program</a:t>
-            </a:r>
-            <a:r>
-              <a:rPr lang="en-US" dirty="0" smtClean="0"/>
+            <a:pPr algn="ctr">
+              <a:spcAft>
+                <a:spcPts val="600"/>
+              </a:spcAft>
+            </a:pPr>
+            <a:r>
+              <a:rPr lang="en-US" sz="3600" dirty="0" smtClean="0">
+                <a:solidFill>
+                  <a:schemeClr val="bg1"/>
+                </a:solidFill>
+              </a:rPr>
+              <a:t>.psd1</a:t>
+            </a:r>
+          </a:p>
+          <a:p>
+            <a:pPr algn="ctr">
+              <a:spcAft>
+                <a:spcPts val="600"/>
+              </a:spcAft>
+            </a:pPr>
+            <a:r>
+              <a:rPr lang="en-US" sz="1200" dirty="0" smtClean="0">
+                <a:solidFill>
+                  <a:schemeClr val="bg1"/>
+                </a:solidFill>
+              </a:rPr>
+              <a:t>Module Manifest file</a:t>
+            </a:r>
+          </a:p>
+          <a:p>
+            <a:pPr algn="ctr">
+              <a:spcAft>
+                <a:spcPts val="600"/>
+              </a:spcAft>
+            </a:pPr>
+            <a:r>
+              <a:rPr lang="en-US" sz="1200" dirty="0" smtClean="0">
+                <a:solidFill>
+                  <a:schemeClr val="bg1"/>
+                </a:solidFill>
+              </a:rPr>
+              <a:t>Not required</a:t>
+            </a:r>
+          </a:p>
+          <a:p>
+            <a:pPr algn="ctr">
+              <a:spcAft>
+                <a:spcPts val="600"/>
+              </a:spcAft>
+            </a:pPr>
+            <a:r>
+              <a:rPr lang="en-US" sz="2000" b="1" dirty="0" smtClean="0">
+                <a:solidFill>
+                  <a:schemeClr val="bg1"/>
+                </a:solidFill>
+              </a:rPr>
+              <a:t>Key Features:</a:t>
+            </a:r>
+          </a:p>
+          <a:p>
+            <a:pPr algn="ctr">
+              <a:spcAft>
+                <a:spcPts val="600"/>
+              </a:spcAft>
+            </a:pPr>
+            <a:r>
+              <a:rPr lang="en-US" sz="1200" dirty="0" smtClean="0">
+                <a:solidFill>
+                  <a:schemeClr val="bg1"/>
+                </a:solidFill>
+              </a:rPr>
+              <a:t>Version</a:t>
+            </a:r>
+          </a:p>
+          <a:p>
+            <a:pPr algn="ctr">
+              <a:spcAft>
+                <a:spcPts val="600"/>
+              </a:spcAft>
+            </a:pPr>
+            <a:r>
+              <a:rPr lang="en-US" sz="1200" dirty="0" smtClean="0">
+                <a:solidFill>
+                  <a:schemeClr val="bg1"/>
+                </a:solidFill>
+              </a:rPr>
+              <a:t>Root Module</a:t>
+            </a:r>
+          </a:p>
+          <a:p>
+            <a:pPr algn="ctr">
+              <a:spcAft>
+                <a:spcPts val="600"/>
+              </a:spcAft>
+            </a:pPr>
+            <a:r>
+              <a:rPr lang="en-US" sz="1200" dirty="0" smtClean="0">
+                <a:solidFill>
+                  <a:schemeClr val="bg1"/>
+                </a:solidFill>
+              </a:rPr>
+              <a:t>Author</a:t>
+            </a:r>
+          </a:p>
+          <a:p>
+            <a:pPr algn="ctr">
+              <a:spcAft>
+                <a:spcPts val="600"/>
+              </a:spcAft>
+            </a:pPr>
+            <a:r>
+              <a:rPr lang="en-US" sz="1200" dirty="0" smtClean="0">
+                <a:solidFill>
+                  <a:schemeClr val="bg1"/>
+                </a:solidFill>
+              </a:rPr>
+              <a:t>Required Modules</a:t>
+            </a:r>
+          </a:p>
+          <a:p>
+            <a:pPr algn="ctr">
+              <a:spcAft>
+                <a:spcPts val="600"/>
+              </a:spcAft>
+            </a:pPr>
+            <a:r>
+              <a:rPr lang="en-US" sz="1200" dirty="0" smtClean="0">
+                <a:solidFill>
+                  <a:schemeClr val="bg1"/>
+                </a:solidFill>
+              </a:rPr>
+              <a:t>Functions to Export</a:t>
+            </a:r>
+          </a:p>
+          <a:p>
+            <a:pPr algn="ctr">
+              <a:spcAft>
+                <a:spcPts val="600"/>
+              </a:spcAft>
+            </a:pPr>
+            <a:r>
+              <a:rPr lang="en-US" sz="1200" dirty="0" err="1" smtClean="0">
+                <a:solidFill>
+                  <a:schemeClr val="bg1"/>
+                </a:solidFill>
+              </a:rPr>
+              <a:t>HelpInfoURI</a:t>
+            </a:r>
+            <a:endParaRPr lang="en-US" sz="1200" dirty="0" smtClean="0">
+              <a:solidFill>
+                <a:schemeClr val="bg1"/>
+              </a:solidFill>
+            </a:endParaRPr>
+          </a:p>
+        </p:txBody>
+      </p:sp>
+      <p:sp>
+        <p:nvSpPr>
+          <p:cNvPr id="6" name="Rectangle 5"/>
+          <p:cNvSpPr/>
+          <p:nvPr/>
+        </p:nvSpPr>
+        <p:spPr>
+          <a:xfrm>
+            <a:off x="3745523" y="1503485"/>
+            <a:ext cx="3912577" cy="4633546"/>
+          </a:xfrm>
+          <a:prstGeom prst="rect">
+            <a:avLst/>
+          </a:prstGeom>
+          <a:solidFill>
+            <a:schemeClr val="tx2">
+              <a:lumMod val="50000"/>
+              <a:lumOff val="50000"/>
+            </a:schemeClr>
+          </a:solidFill>
+          <a:ln>
+            <a:noFill/>
+          </a:ln>
+          <a:effectLst/>
+        </p:spPr>
+        <p:style>
+          <a:lnRef idx="1">
+            <a:schemeClr val="accent1"/>
+          </a:lnRef>
+          <a:fillRef idx="3">
+            <a:schemeClr val="accent1"/>
+          </a:fillRef>
+          <a:effectRef idx="2">
+            <a:schemeClr val="accent1"/>
+          </a:effectRef>
+          <a:fontRef idx="minor">
+            <a:schemeClr val="lt1"/>
+          </a:fontRef>
+        </p:style>
+        <p:txBody>
+          <a:bodyPr rot="0" spcFirstLastPara="0" vertOverflow="overflow" horzOverflow="overflow" vert="horz" wrap="square" lIns="91440" tIns="45720" rIns="91440" bIns="45720" numCol="1" spcCol="0" rtlCol="0" fromWordArt="0" anchor="ctr" anchorCtr="0" forceAA="0" compatLnSpc="1">
+            <a:prstTxWarp prst="textNoShape">
+              <a:avLst/>
+            </a:prstTxWarp>
+            <a:noAutofit/>
+          </a:bodyPr>
+          <a:lstStyle/>
+          <a:p>
+            <a:pPr algn="ctr">
+              <a:spcAft>
+                <a:spcPts val="600"/>
+              </a:spcAft>
+            </a:pPr>
+            <a:r>
+              <a:rPr lang="en-US" sz="3600" dirty="0" smtClean="0">
+                <a:solidFill>
+                  <a:schemeClr val="bg1"/>
+                </a:solidFill>
+              </a:rPr>
+              <a:t>.psm1</a:t>
+            </a:r>
+          </a:p>
+          <a:p>
+            <a:pPr algn="ctr">
+              <a:spcAft>
+                <a:spcPts val="600"/>
+              </a:spcAft>
+            </a:pPr>
+            <a:r>
+              <a:rPr lang="en-US" sz="1200" dirty="0" smtClean="0">
+                <a:solidFill>
+                  <a:schemeClr val="bg1"/>
+                </a:solidFill>
+              </a:rPr>
+              <a:t>Module File (Option 1)</a:t>
+            </a:r>
+          </a:p>
+          <a:p>
+            <a:pPr algn="ctr">
+              <a:spcAft>
+                <a:spcPts val="600"/>
+              </a:spcAft>
+            </a:pPr>
+            <a:r>
+              <a:rPr lang="en-US" sz="1200" dirty="0" smtClean="0">
+                <a:solidFill>
+                  <a:schemeClr val="bg1"/>
+                </a:solidFill>
+              </a:rPr>
+              <a:t>Place all functions in a single file</a:t>
+            </a:r>
+          </a:p>
+          <a:p>
+            <a:pPr algn="ctr">
+              <a:spcAft>
+                <a:spcPts val="600"/>
+              </a:spcAft>
+            </a:pPr>
+            <a:endParaRPr lang="en-US" sz="1200" dirty="0" smtClean="0">
+              <a:solidFill>
+                <a:schemeClr val="bg1"/>
+              </a:solidFill>
+            </a:endParaRPr>
+          </a:p>
+        </p:txBody>
+      </p:sp>
+      <p:sp>
+        <p:nvSpPr>
+          <p:cNvPr id="7" name="Rectangle 6"/>
+          <p:cNvSpPr/>
+          <p:nvPr/>
+        </p:nvSpPr>
+        <p:spPr>
+          <a:xfrm>
+            <a:off x="7658100" y="1503485"/>
+            <a:ext cx="3827585" cy="4633546"/>
+          </a:xfrm>
+          <a:prstGeom prst="rect">
+            <a:avLst/>
+          </a:prstGeom>
+          <a:solidFill>
+            <a:schemeClr val="bg2">
+              <a:lumMod val="65000"/>
+            </a:schemeClr>
+          </a:solidFill>
+          <a:ln>
+            <a:noFill/>
+          </a:ln>
+          <a:effectLst/>
+        </p:spPr>
+        <p:style>
+          <a:lnRef idx="1">
+            <a:schemeClr val="accent1"/>
+          </a:lnRef>
+          <a:fillRef idx="3">
+            <a:schemeClr val="accent1"/>
+          </a:fillRef>
+          <a:effectRef idx="2">
+            <a:schemeClr val="accent1"/>
+          </a:effectRef>
+          <a:fontRef idx="minor">
+            <a:schemeClr val="lt1"/>
+          </a:fontRef>
+        </p:style>
+        <p:txBody>
+          <a:bodyPr rot="0" spcFirstLastPara="0" vertOverflow="overflow" horzOverflow="overflow" vert="horz" wrap="square" lIns="91440" tIns="45720" rIns="91440" bIns="45720" numCol="1" spcCol="0" rtlCol="0" fromWordArt="0" anchor="ctr" anchorCtr="0" forceAA="0" compatLnSpc="1">
+            <a:prstTxWarp prst="textNoShape">
+              <a:avLst/>
+            </a:prstTxWarp>
+            <a:noAutofit/>
+          </a:bodyPr>
+          <a:lstStyle/>
+          <a:p>
+            <a:pPr algn="ctr">
+              <a:spcAft>
+                <a:spcPts val="600"/>
+              </a:spcAft>
+            </a:pPr>
+            <a:r>
+              <a:rPr lang="en-US" sz="1200" dirty="0">
+                <a:solidFill>
+                  <a:schemeClr val="bg1"/>
+                </a:solidFill>
+              </a:rPr>
               <a:t>.</a:t>
             </a:r>
-          </a:p>
-          <a:p>
-            <a:r>
-              <a:rPr lang="en-US" dirty="0" smtClean="0"/>
-              <a:t>Key things you will interact with when writing your own modules:</a:t>
-            </a:r>
-          </a:p>
-          <a:p>
-            <a:pPr lvl="1"/>
-            <a:r>
-              <a:rPr lang="en-US" dirty="0" smtClean="0"/>
-              <a:t>Functions</a:t>
-            </a:r>
-          </a:p>
-          <a:p>
-            <a:pPr lvl="1"/>
-            <a:r>
-              <a:rPr lang="en-US" dirty="0" smtClean="0"/>
-              <a:t>Advanced Functions</a:t>
-            </a:r>
-          </a:p>
-          <a:p>
-            <a:pPr lvl="1"/>
-            <a:r>
-              <a:rPr lang="en-US" dirty="0" smtClean="0"/>
-              <a:t>Variables</a:t>
-            </a:r>
-          </a:p>
-          <a:p>
-            <a:r>
-              <a:rPr lang="en-US" dirty="0" smtClean="0"/>
-              <a:t>Module types:</a:t>
-            </a:r>
-          </a:p>
-          <a:p>
-            <a:pPr lvl="1"/>
-            <a:r>
-              <a:rPr lang="en-US" dirty="0" smtClean="0"/>
-              <a:t>Native Module – Written in C# as compiled .NET assemblies</a:t>
-            </a:r>
-          </a:p>
-          <a:p>
-            <a:pPr lvl="1"/>
-            <a:r>
-              <a:rPr lang="en-US" dirty="0" smtClean="0"/>
-              <a:t>Script Module – Plain text PowerShell</a:t>
-            </a:r>
+            <a:r>
+              <a:rPr lang="en-US" sz="3600" dirty="0">
+                <a:solidFill>
+                  <a:schemeClr val="bg1"/>
+                </a:solidFill>
+              </a:rPr>
+              <a:t>psm1</a:t>
+            </a:r>
+          </a:p>
+          <a:p>
+            <a:pPr algn="ctr">
+              <a:spcAft>
+                <a:spcPts val="600"/>
+              </a:spcAft>
+            </a:pPr>
+            <a:r>
+              <a:rPr lang="en-US" sz="1200" dirty="0">
+                <a:solidFill>
+                  <a:schemeClr val="bg1"/>
+                </a:solidFill>
+              </a:rPr>
+              <a:t>Module File (Option </a:t>
+            </a:r>
+            <a:r>
+              <a:rPr lang="en-US" sz="1200" dirty="0" smtClean="0">
+                <a:solidFill>
+                  <a:schemeClr val="bg1"/>
+                </a:solidFill>
+              </a:rPr>
+              <a:t>2)</a:t>
+            </a:r>
+          </a:p>
+          <a:p>
+            <a:pPr algn="ctr">
+              <a:spcAft>
+                <a:spcPts val="600"/>
+              </a:spcAft>
+            </a:pPr>
+            <a:r>
+              <a:rPr lang="en-US" sz="1200" dirty="0" smtClean="0">
+                <a:solidFill>
+                  <a:schemeClr val="bg1"/>
+                </a:solidFill>
+              </a:rPr>
+              <a:t>Write PowerShell to source all the Private and Public functions</a:t>
+            </a:r>
+            <a:endParaRPr lang="en-US" sz="1200" dirty="0">
+              <a:solidFill>
+                <a:schemeClr val="bg1"/>
+              </a:solidFill>
+            </a:endParaRPr>
+          </a:p>
+          <a:p>
+            <a:pPr algn="ctr">
+              <a:spcAft>
+                <a:spcPts val="600"/>
+              </a:spcAft>
+            </a:pPr>
+            <a:endParaRPr lang="en-US" sz="1200" dirty="0" smtClean="0">
+              <a:solidFill>
+                <a:schemeClr val="bg1"/>
+              </a:solidFill>
+            </a:endParaRPr>
           </a:p>
         </p:txBody>
       </p:sp>
     </p:spTree>
     <p:extLst>
       <p:ext uri="{BB962C8B-B14F-4D97-AF65-F5344CB8AC3E}">
-        <p14:creationId xmlns:p14="http://schemas.microsoft.com/office/powerpoint/2010/main" val="4280309714"/>
+        <p14:creationId xmlns:p14="http://schemas.microsoft.com/office/powerpoint/2010/main" val="2712230090"/>
       </p:ext>
     </p:extLst>
   </p:cSld>
@@ -24304,15 +24124,6 @@
 </file>
 
 <file path=customXml/item1.xml><?xml version="1.0" encoding="utf-8"?>
-<?mso-contentType ?>
-<FormTemplates xmlns="http://schemas.microsoft.com/sharepoint/v3/contenttype/forms">
-  <Display>DocumentLibraryForm</Display>
-  <Edit>DocumentLibraryForm</Edit>
-  <New>DocumentLibraryForm</New>
-</FormTemplates>
-</file>
-
-<file path=customXml/item2.xml><?xml version="1.0" encoding="utf-8"?>
 <p:properties xmlns:p="http://schemas.microsoft.com/office/2006/metadata/properties" xmlns:xsi="http://www.w3.org/2001/XMLSchema-instance" xmlns:pc="http://schemas.microsoft.com/office/infopath/2007/PartnerControls">
   <documentManagement>
     <lcf76f155ced4ddcb4097134ff3c332f xmlns="34d4d772-b3f2-47fc-9a2d-2126f9957ae8">
@@ -24333,6 +24144,15 @@
     </SharedWithUsers>
   </documentManagement>
 </p:properties>
+</file>
+
+<file path=customXml/item2.xml><?xml version="1.0" encoding="utf-8"?>
+<?mso-contentType ?>
+<FormTemplates xmlns="http://schemas.microsoft.com/sharepoint/v3/contenttype/forms">
+  <Display>DocumentLibraryForm</Display>
+  <Edit>DocumentLibraryForm</Edit>
+  <New>DocumentLibraryForm</New>
+</FormTemplates>
 </file>
 
 <file path=customXml/item3.xml><?xml version="1.0" encoding="utf-8"?>
@@ -24571,14 +24391,6 @@
 </file>
 
 <file path=customXml/itemProps1.xml><?xml version="1.0" encoding="utf-8"?>
-<ds:datastoreItem xmlns:ds="http://schemas.openxmlformats.org/officeDocument/2006/customXml" ds:itemID="{BAD99180-4DF7-4231-B572-5E5D5B192DA4}">
-  <ds:schemaRefs>
-    <ds:schemaRef ds:uri="http://schemas.microsoft.com/sharepoint/v3/contenttype/forms"/>
-  </ds:schemaRefs>
-</ds:datastoreItem>
-</file>
-
-<file path=customXml/itemProps2.xml><?xml version="1.0" encoding="utf-8"?>
 <ds:datastoreItem xmlns:ds="http://schemas.openxmlformats.org/officeDocument/2006/customXml" ds:itemID="{51634573-F7D8-4ECC-B5FF-91D1E5D2E650}">
   <ds:schemaRefs>
     <ds:schemaRef ds:uri="34d4d772-b3f2-47fc-9a2d-2126f9957ae8"/>
@@ -24591,6 +24403,14 @@
     <ds:schemaRef ds:uri="http://schemas.microsoft.com/office/infopath/2007/PartnerControls"/>
     <ds:schemaRef ds:uri="http://schemas.openxmlformats.org/package/2006/metadata/core-properties"/>
     <ds:schemaRef ds:uri="http://www.w3.org/XML/1998/namespace"/>
+  </ds:schemaRefs>
+</ds:datastoreItem>
+</file>
+
+<file path=customXml/itemProps2.xml><?xml version="1.0" encoding="utf-8"?>
+<ds:datastoreItem xmlns:ds="http://schemas.openxmlformats.org/officeDocument/2006/customXml" ds:itemID="{BAD99180-4DF7-4231-B572-5E5D5B192DA4}">
+  <ds:schemaRefs>
+    <ds:schemaRef ds:uri="http://schemas.microsoft.com/sharepoint/v3/contenttype/forms"/>
   </ds:schemaRefs>
 </ds:datastoreItem>
 </file>
